--- a/presentation/Transformer_Udemy/Udemy_P1_Software Prerequisites for Python Project.pptx
+++ b/presentation/Transformer_Udemy/Udemy_P1_Software Prerequisites for Python Project.pptx
@@ -5,7 +5,7 @@
     <p:sldMasterId id="2147483648" r:id="rId1"/>
   </p:sldMasterIdLst>
   <p:notesMasterIdLst>
-    <p:notesMasterId r:id="rId19"/>
+    <p:notesMasterId r:id="rId25"/>
   </p:notesMasterIdLst>
   <p:sldIdLst>
     <p:sldId id="721" r:id="rId2"/>
@@ -15,16 +15,22 @@
     <p:sldId id="716" r:id="rId6"/>
     <p:sldId id="717" r:id="rId7"/>
     <p:sldId id="718" r:id="rId8"/>
-    <p:sldId id="562" r:id="rId9"/>
-    <p:sldId id="553" r:id="rId10"/>
-    <p:sldId id="556" r:id="rId11"/>
-    <p:sldId id="560" r:id="rId12"/>
-    <p:sldId id="554" r:id="rId13"/>
-    <p:sldId id="710" r:id="rId14"/>
-    <p:sldId id="561" r:id="rId15"/>
-    <p:sldId id="557" r:id="rId16"/>
-    <p:sldId id="711" r:id="rId17"/>
-    <p:sldId id="719" r:id="rId18"/>
+    <p:sldId id="722" r:id="rId9"/>
+    <p:sldId id="562" r:id="rId10"/>
+    <p:sldId id="553" r:id="rId11"/>
+    <p:sldId id="723" r:id="rId12"/>
+    <p:sldId id="556" r:id="rId13"/>
+    <p:sldId id="560" r:id="rId14"/>
+    <p:sldId id="724" r:id="rId15"/>
+    <p:sldId id="554" r:id="rId16"/>
+    <p:sldId id="710" r:id="rId17"/>
+    <p:sldId id="725" r:id="rId18"/>
+    <p:sldId id="561" r:id="rId19"/>
+    <p:sldId id="557" r:id="rId20"/>
+    <p:sldId id="726" r:id="rId21"/>
+    <p:sldId id="711" r:id="rId22"/>
+    <p:sldId id="727" r:id="rId23"/>
+    <p:sldId id="719" r:id="rId24"/>
   </p:sldIdLst>
   <p:sldSz cx="12192000" cy="6858000"/>
   <p:notesSz cx="6858000" cy="9144000"/>
@@ -213,7 +219,7 @@
           <a:p>
             <a:fld id="{83E62246-8680-4D4D-A3BD-0C5BFD468F61}" type="datetimeFigureOut">
               <a:rPr lang="en-US" smtClean="0"/>
-              <a:t>6/25/2024</a:t>
+              <a:t>6/30/2024</a:t>
             </a:fld>
             <a:endParaRPr lang="en-US"/>
           </a:p>
@@ -1133,7 +1139,7 @@
           <a:p>
             <a:fld id="{DE15CBC1-10D1-4E1D-B7D3-1A6D6027583C}" type="datetimeFigureOut">
               <a:rPr lang="en-US" smtClean="0"/>
-              <a:t>6/25/2024</a:t>
+              <a:t>6/30/2024</a:t>
             </a:fld>
             <a:endParaRPr lang="en-US"/>
           </a:p>
@@ -1331,7 +1337,7 @@
           <a:p>
             <a:fld id="{DE15CBC1-10D1-4E1D-B7D3-1A6D6027583C}" type="datetimeFigureOut">
               <a:rPr lang="en-US" smtClean="0"/>
-              <a:t>6/25/2024</a:t>
+              <a:t>6/30/2024</a:t>
             </a:fld>
             <a:endParaRPr lang="en-US"/>
           </a:p>
@@ -1539,7 +1545,7 @@
           <a:p>
             <a:fld id="{DE15CBC1-10D1-4E1D-B7D3-1A6D6027583C}" type="datetimeFigureOut">
               <a:rPr lang="en-US" smtClean="0"/>
-              <a:t>6/25/2024</a:t>
+              <a:t>6/30/2024</a:t>
             </a:fld>
             <a:endParaRPr lang="en-US"/>
           </a:p>
@@ -1739,7 +1745,7 @@
           <a:p>
             <a:fld id="{DE15CBC1-10D1-4E1D-B7D3-1A6D6027583C}" type="datetimeFigureOut">
               <a:rPr lang="en-US" smtClean="0"/>
-              <a:t>6/25/2024</a:t>
+              <a:t>6/30/2024</a:t>
             </a:fld>
             <a:endParaRPr lang="en-US"/>
           </a:p>
@@ -2015,7 +2021,7 @@
           <a:p>
             <a:fld id="{DE15CBC1-10D1-4E1D-B7D3-1A6D6027583C}" type="datetimeFigureOut">
               <a:rPr lang="en-US" smtClean="0"/>
-              <a:t>6/25/2024</a:t>
+              <a:t>6/30/2024</a:t>
             </a:fld>
             <a:endParaRPr lang="en-US"/>
           </a:p>
@@ -2280,7 +2286,7 @@
           <a:p>
             <a:fld id="{DE15CBC1-10D1-4E1D-B7D3-1A6D6027583C}" type="datetimeFigureOut">
               <a:rPr lang="en-US" smtClean="0"/>
-              <a:t>6/25/2024</a:t>
+              <a:t>6/30/2024</a:t>
             </a:fld>
             <a:endParaRPr lang="en-US"/>
           </a:p>
@@ -2692,7 +2698,7 @@
           <a:p>
             <a:fld id="{DE15CBC1-10D1-4E1D-B7D3-1A6D6027583C}" type="datetimeFigureOut">
               <a:rPr lang="en-US" smtClean="0"/>
-              <a:t>6/25/2024</a:t>
+              <a:t>6/30/2024</a:t>
             </a:fld>
             <a:endParaRPr lang="en-US"/>
           </a:p>
@@ -2833,7 +2839,7 @@
           <a:p>
             <a:fld id="{DE15CBC1-10D1-4E1D-B7D3-1A6D6027583C}" type="datetimeFigureOut">
               <a:rPr lang="en-US" smtClean="0"/>
-              <a:t>6/25/2024</a:t>
+              <a:t>6/30/2024</a:t>
             </a:fld>
             <a:endParaRPr lang="en-US"/>
           </a:p>
@@ -2946,7 +2952,7 @@
           <a:p>
             <a:fld id="{DE15CBC1-10D1-4E1D-B7D3-1A6D6027583C}" type="datetimeFigureOut">
               <a:rPr lang="en-US" smtClean="0"/>
-              <a:t>6/25/2024</a:t>
+              <a:t>6/30/2024</a:t>
             </a:fld>
             <a:endParaRPr lang="en-US"/>
           </a:p>
@@ -3257,7 +3263,7 @@
           <a:p>
             <a:fld id="{DE15CBC1-10D1-4E1D-B7D3-1A6D6027583C}" type="datetimeFigureOut">
               <a:rPr lang="en-US" smtClean="0"/>
-              <a:t>6/25/2024</a:t>
+              <a:t>6/30/2024</a:t>
             </a:fld>
             <a:endParaRPr lang="en-US"/>
           </a:p>
@@ -3548,7 +3554,7 @@
           <a:p>
             <a:fld id="{DE15CBC1-10D1-4E1D-B7D3-1A6D6027583C}" type="datetimeFigureOut">
               <a:rPr lang="en-US" smtClean="0"/>
-              <a:t>6/25/2024</a:t>
+              <a:t>6/30/2024</a:t>
             </a:fld>
             <a:endParaRPr lang="en-US"/>
           </a:p>
@@ -3790,7 +3796,7 @@
             <a:fld id="{DE15CBC1-10D1-4E1D-B7D3-1A6D6027583C}" type="datetimeFigureOut">
               <a:rPr lang="en-US" smtClean="0"/>
               <a:pPr/>
-              <a:t>6/25/2024</a:t>
+              <a:t>6/30/2024</a:t>
             </a:fld>
             <a:endParaRPr lang="en-US"/>
           </a:p>
@@ -4247,7 +4253,7 @@
                 </a:gradFill>
                 <a:latin typeface="+mn-lt"/>
               </a:rPr>
-              <a:t>Part 1 – Software Prerequisites for Python project</a:t>
+              <a:t>Part 1 – Software Prerequisites for Python Projects</a:t>
             </a:r>
           </a:p>
         </p:txBody>
@@ -4554,7 +4560,7 @@
           <a:p>
             <a:r>
               <a:rPr lang="en-US" dirty="0"/>
-              <a:t>Terminal</a:t>
+              <a:t>IDE</a:t>
             </a:r>
           </a:p>
         </p:txBody>
@@ -4577,8 +4583,8 @@
         </p:nvSpPr>
         <p:spPr>
           <a:xfrm>
-            <a:off x="838200" y="1825624"/>
-            <a:ext cx="10515600" cy="4919421"/>
+            <a:off x="838199" y="1825624"/>
+            <a:ext cx="11353801" cy="4919421"/>
           </a:xfrm>
         </p:spPr>
         <p:txBody>
@@ -4588,54 +4594,234 @@
           <a:lstStyle/>
           <a:p>
             <a:r>
+              <a:rPr lang="en-US" b="1" dirty="0"/>
+              <a:t>PyCharm</a:t>
+            </a:r>
+            <a:r>
               <a:rPr lang="en-US" dirty="0"/>
-              <a:t> Window: </a:t>
+              <a:t> </a:t>
             </a:r>
             <a:r>
               <a:rPr lang="en-US" b="1" dirty="0"/>
-              <a:t>PowerShell</a:t>
+              <a:t>(</a:t>
+            </a:r>
+            <a:r>
+              <a:rPr lang="en-US" dirty="0">
+                <a:hlinkClick r:id="rId2"/>
+              </a:rPr>
+              <a:t>https://www.jetbrains.com/pycharm/download/?section=windows</a:t>
+            </a:r>
+            <a:r>
+              <a:rPr lang="en-US" b="1" dirty="0"/>
+              <a:t>)</a:t>
             </a:r>
             <a:r>
               <a:rPr lang="en-US" dirty="0"/>
-              <a:t>, Command Prompt, Windows Terminal, Git Bash, WSL (Window Subsystem for Linux), … </a:t>
+              <a:t> </a:t>
             </a:r>
           </a:p>
         </p:txBody>
       </p:sp>
-      <p:pic>
-        <p:nvPicPr>
-          <p:cNvPr id="5" name="Picture 4">
+      <p:grpSp>
+        <p:nvGrpSpPr>
+          <p:cNvPr id="5" name="Group 4">
             <a:extLst>
               <a:ext uri="{FF2B5EF4-FFF2-40B4-BE49-F238E27FC236}">
-                <a16:creationId xmlns:a16="http://schemas.microsoft.com/office/drawing/2014/main" id="{F2DB0E5A-DFC6-338A-493D-70A9AC5A1EA3}"/>
+                <a16:creationId xmlns:a16="http://schemas.microsoft.com/office/drawing/2014/main" id="{2D32A770-F8E1-6F9D-EB8C-1FADA8CF34C0}"/>
               </a:ext>
             </a:extLst>
           </p:cNvPr>
-          <p:cNvPicPr>
-            <a:picLocks noChangeAspect="1"/>
-          </p:cNvPicPr>
+          <p:cNvGrpSpPr/>
           <p:nvPr/>
-        </p:nvPicPr>
-        <p:blipFill>
-          <a:blip r:embed="rId2"/>
-          <a:stretch>
-            <a:fillRect/>
-          </a:stretch>
-        </p:blipFill>
-        <p:spPr>
+        </p:nvGrpSpPr>
+        <p:grpSpPr>
           <a:xfrm>
-            <a:off x="1190303" y="2913043"/>
-            <a:ext cx="9811393" cy="3579832"/>
+            <a:off x="1118647" y="2939004"/>
+            <a:ext cx="9954705" cy="3806041"/>
+            <a:chOff x="1118647" y="2939004"/>
+            <a:chExt cx="9954705" cy="3806041"/>
           </a:xfrm>
-          <a:prstGeom prst="rect">
-            <a:avLst/>
-          </a:prstGeom>
-        </p:spPr>
-      </p:pic>
+        </p:grpSpPr>
+        <p:pic>
+          <p:nvPicPr>
+            <p:cNvPr id="7" name="Picture 6">
+              <a:extLst>
+                <a:ext uri="{FF2B5EF4-FFF2-40B4-BE49-F238E27FC236}">
+                  <a16:creationId xmlns:a16="http://schemas.microsoft.com/office/drawing/2014/main" id="{FC1C22F0-4A1C-384B-D824-481B3201E5E0}"/>
+                </a:ext>
+              </a:extLst>
+            </p:cNvPr>
+            <p:cNvPicPr>
+              <a:picLocks noChangeAspect="1"/>
+            </p:cNvPicPr>
+            <p:nvPr/>
+          </p:nvPicPr>
+          <p:blipFill>
+            <a:blip r:embed="rId3"/>
+            <a:stretch>
+              <a:fillRect/>
+            </a:stretch>
+          </p:blipFill>
+          <p:spPr>
+            <a:xfrm>
+              <a:off x="1118647" y="2939004"/>
+              <a:ext cx="9954705" cy="1914633"/>
+            </a:xfrm>
+            <a:prstGeom prst="rect">
+              <a:avLst/>
+            </a:prstGeom>
+          </p:spPr>
+        </p:pic>
+        <p:pic>
+          <p:nvPicPr>
+            <p:cNvPr id="9" name="Picture 8">
+              <a:extLst>
+                <a:ext uri="{FF2B5EF4-FFF2-40B4-BE49-F238E27FC236}">
+                  <a16:creationId xmlns:a16="http://schemas.microsoft.com/office/drawing/2014/main" id="{93588CBA-28E1-2CFD-01C1-486F308E2E40}"/>
+                </a:ext>
+              </a:extLst>
+            </p:cNvPr>
+            <p:cNvPicPr>
+              <a:picLocks noChangeAspect="1"/>
+            </p:cNvPicPr>
+            <p:nvPr/>
+          </p:nvPicPr>
+          <p:blipFill>
+            <a:blip r:embed="rId4"/>
+            <a:stretch>
+              <a:fillRect/>
+            </a:stretch>
+          </p:blipFill>
+          <p:spPr>
+            <a:xfrm>
+              <a:off x="1118647" y="5161889"/>
+              <a:ext cx="3863172" cy="1583156"/>
+            </a:xfrm>
+            <a:prstGeom prst="rect">
+              <a:avLst/>
+            </a:prstGeom>
+          </p:spPr>
+        </p:pic>
+      </p:grpSp>
+      <p:grpSp>
+        <p:nvGrpSpPr>
+          <p:cNvPr id="4" name="Group 3">
+            <a:extLst>
+              <a:ext uri="{FF2B5EF4-FFF2-40B4-BE49-F238E27FC236}">
+                <a16:creationId xmlns:a16="http://schemas.microsoft.com/office/drawing/2014/main" id="{32A55026-A440-77AB-28BE-FEBB6C387CE1}"/>
+              </a:ext>
+            </a:extLst>
+          </p:cNvPr>
+          <p:cNvGrpSpPr/>
+          <p:nvPr/>
+        </p:nvGrpSpPr>
+        <p:grpSpPr>
+          <a:xfrm>
+            <a:off x="6106579" y="4533303"/>
+            <a:ext cx="4966773" cy="2211742"/>
+            <a:chOff x="6106579" y="4533303"/>
+            <a:chExt cx="4966773" cy="2211742"/>
+          </a:xfrm>
+        </p:grpSpPr>
+        <p:pic>
+          <p:nvPicPr>
+            <p:cNvPr id="3074" name="Picture 2" descr="Download PyCharm: The Python IDE for data science and web development by  JetBrains">
+              <a:extLst>
+                <a:ext uri="{FF2B5EF4-FFF2-40B4-BE49-F238E27FC236}">
+                  <a16:creationId xmlns:a16="http://schemas.microsoft.com/office/drawing/2014/main" id="{52E4A060-3861-579B-A763-D1FFF67EB84F}"/>
+                </a:ext>
+              </a:extLst>
+            </p:cNvPr>
+            <p:cNvPicPr>
+              <a:picLocks noChangeAspect="1" noChangeArrowheads="1"/>
+            </p:cNvPicPr>
+            <p:nvPr/>
+          </p:nvPicPr>
+          <p:blipFill>
+            <a:blip r:embed="rId5">
+              <a:extLst>
+                <a:ext uri="{28A0092B-C50C-407E-A947-70E740481C1C}">
+                  <a14:useLocalDpi xmlns:a14="http://schemas.microsoft.com/office/drawing/2010/main" val="0"/>
+                </a:ext>
+              </a:extLst>
+            </a:blip>
+            <a:srcRect/>
+            <a:stretch>
+              <a:fillRect/>
+            </a:stretch>
+          </p:blipFill>
+          <p:spPr bwMode="auto">
+            <a:xfrm>
+              <a:off x="6878198" y="4533303"/>
+              <a:ext cx="4195154" cy="2211742"/>
+            </a:xfrm>
+            <a:prstGeom prst="rect">
+              <a:avLst/>
+            </a:prstGeom>
+            <a:noFill/>
+            <a:extLst>
+              <a:ext uri="{909E8E84-426E-40DD-AFC4-6F175D3DCCD1}">
+                <a14:hiddenFill xmlns:a14="http://schemas.microsoft.com/office/drawing/2010/main">
+                  <a:solidFill>
+                    <a:srgbClr val="FFFFFF"/>
+                  </a:solidFill>
+                </a14:hiddenFill>
+              </a:ext>
+            </a:extLst>
+          </p:spPr>
+        </p:pic>
+        <p:pic>
+          <p:nvPicPr>
+            <p:cNvPr id="10" name="Picture 16" descr="PyCharm — Wikipédia">
+              <a:extLst>
+                <a:ext uri="{FF2B5EF4-FFF2-40B4-BE49-F238E27FC236}">
+                  <a16:creationId xmlns:a16="http://schemas.microsoft.com/office/drawing/2014/main" id="{40A3E161-F3BE-B7E3-6E7F-18CC4E00AD8B}"/>
+                </a:ext>
+              </a:extLst>
+            </p:cNvPr>
+            <p:cNvPicPr>
+              <a:picLocks noChangeAspect="1" noChangeArrowheads="1"/>
+            </p:cNvPicPr>
+            <p:nvPr/>
+          </p:nvPicPr>
+          <p:blipFill>
+            <a:blip r:embed="rId6">
+              <a:extLst>
+                <a:ext uri="{28A0092B-C50C-407E-A947-70E740481C1C}">
+                  <a14:useLocalDpi xmlns:a14="http://schemas.microsoft.com/office/drawing/2010/main" val="0"/>
+                </a:ext>
+              </a:extLst>
+            </a:blip>
+            <a:srcRect/>
+            <a:stretch>
+              <a:fillRect/>
+            </a:stretch>
+          </p:blipFill>
+          <p:spPr bwMode="auto">
+            <a:xfrm>
+              <a:off x="6106579" y="4533303"/>
+              <a:ext cx="644585" cy="644585"/>
+            </a:xfrm>
+            <a:prstGeom prst="rect">
+              <a:avLst/>
+            </a:prstGeom>
+            <a:noFill/>
+            <a:extLst>
+              <a:ext uri="{909E8E84-426E-40DD-AFC4-6F175D3DCCD1}">
+                <a14:hiddenFill xmlns:a14="http://schemas.microsoft.com/office/drawing/2010/main">
+                  <a:solidFill>
+                    <a:srgbClr val="FFFFFF"/>
+                  </a:solidFill>
+                </a14:hiddenFill>
+              </a:ext>
+            </a:extLst>
+          </p:spPr>
+        </p:pic>
+      </p:grpSp>
     </p:spTree>
     <p:extLst>
       <p:ext uri="{BB962C8B-B14F-4D97-AF65-F5344CB8AC3E}">
-        <p14:creationId xmlns:p14="http://schemas.microsoft.com/office/powerpoint/2010/main" val="1084904985"/>
+        <p14:creationId xmlns:p14="http://schemas.microsoft.com/office/powerpoint/2010/main" val="3492556338"/>
       </p:ext>
     </p:extLst>
   </p:cSld>
@@ -4752,6 +4938,59 @@
                                         <p:cTn id="12" dur="500"/>
                                         <p:tgtEl>
                                           <p:spTgt spid="5"/>
+                                        </p:tgtEl>
+                                      </p:cBhvr>
+                                    </p:animEffect>
+                                  </p:childTnLst>
+                                </p:cTn>
+                              </p:par>
+                            </p:childTnLst>
+                          </p:cTn>
+                        </p:par>
+                      </p:childTnLst>
+                    </p:cTn>
+                  </p:par>
+                  <p:par>
+                    <p:cTn id="13" fill="hold">
+                      <p:stCondLst>
+                        <p:cond delay="indefinite"/>
+                      </p:stCondLst>
+                      <p:childTnLst>
+                        <p:par>
+                          <p:cTn id="14" fill="hold">
+                            <p:stCondLst>
+                              <p:cond delay="0"/>
+                            </p:stCondLst>
+                            <p:childTnLst>
+                              <p:par>
+                                <p:cTn id="15" presetID="10" presetClass="entr" presetSubtype="0" fill="hold" nodeType="clickEffect">
+                                  <p:stCondLst>
+                                    <p:cond delay="0"/>
+                                  </p:stCondLst>
+                                  <p:childTnLst>
+                                    <p:set>
+                                      <p:cBhvr>
+                                        <p:cTn id="16" dur="1" fill="hold">
+                                          <p:stCondLst>
+                                            <p:cond delay="0"/>
+                                          </p:stCondLst>
+                                        </p:cTn>
+                                        <p:tgtEl>
+                                          <p:spTgt spid="4"/>
+                                        </p:tgtEl>
+                                        <p:attrNameLst>
+                                          <p:attrName>style.visibility</p:attrName>
+                                        </p:attrNameLst>
+                                      </p:cBhvr>
+                                      <p:to>
+                                        <p:strVal val="visible"/>
+                                      </p:to>
+                                    </p:set>
+                                    <p:animEffect transition="in" filter="fade">
+                                      <p:cBhvr>
+                                        <p:cTn id="17" dur="500"/>
+                                        <p:tgtEl>
+                                          <p:spTgt spid="4"/>
                                         </p:tgtEl>
                                       </p:cBhvr>
                                     </p:animEffect>
@@ -4811,7 +5050,7 @@
           <p:cNvPr id="2" name="Title 1">
             <a:extLst>
               <a:ext uri="{FF2B5EF4-FFF2-40B4-BE49-F238E27FC236}">
-                <a16:creationId xmlns:a16="http://schemas.microsoft.com/office/drawing/2014/main" id="{8401D478-8C57-ABE3-DC5E-39CFCF0F2D16}"/>
+                <a16:creationId xmlns:a16="http://schemas.microsoft.com/office/drawing/2014/main" id="{8BD65AA8-7D61-E5D9-B0FF-C8D74CDBA29D}"/>
               </a:ext>
             </a:extLst>
           </p:cNvPr>
@@ -4836,10 +5075,10 @@
       </p:sp>
       <p:sp>
         <p:nvSpPr>
-          <p:cNvPr id="3" name="Content Placeholder 2">
+          <p:cNvPr id="3" name="Text Placeholder 2">
             <a:extLst>
               <a:ext uri="{FF2B5EF4-FFF2-40B4-BE49-F238E27FC236}">
-                <a16:creationId xmlns:a16="http://schemas.microsoft.com/office/drawing/2014/main" id="{867C1927-421E-EB40-3247-418367614E2A}"/>
+                <a16:creationId xmlns:a16="http://schemas.microsoft.com/office/drawing/2014/main" id="{F256532B-9CAE-09F6-A539-8A6658897BF1}"/>
               </a:ext>
             </a:extLst>
           </p:cNvPr>
@@ -4847,279 +5086,28 @@
             <a:spLocks noGrp="1"/>
           </p:cNvSpPr>
           <p:nvPr>
-            <p:ph idx="1"/>
+            <p:ph type="body" idx="1"/>
           </p:nvPr>
         </p:nvSpPr>
-        <p:spPr>
-          <a:xfrm>
-            <a:off x="838199" y="1825624"/>
-            <a:ext cx="11193379" cy="4919421"/>
-          </a:xfrm>
-        </p:spPr>
+        <p:spPr/>
         <p:txBody>
-          <a:bodyPr>
-            <a:normAutofit/>
-          </a:bodyPr>
+          <a:bodyPr/>
           <a:lstStyle/>
           <a:p>
-            <a:r>
-              <a:rPr lang="en-US" dirty="0"/>
-              <a:t>Linux: Default terminal emulator, …</a:t>
-            </a:r>
-          </a:p>
-          <a:p>
-            <a:r>
-              <a:rPr lang="en-US" dirty="0"/>
-              <a:t>MacOS: Terminal, </a:t>
-            </a:r>
-            <a:r>
-              <a:rPr lang="en-US" b="1" dirty="0"/>
-              <a:t>iTerm2 (</a:t>
-            </a:r>
-            <a:r>
-              <a:rPr lang="en-US" b="1" dirty="0">
-                <a:hlinkClick r:id="rId2"/>
-              </a:rPr>
-              <a:t>https://iterm2.com/downloads.html</a:t>
-            </a:r>
-            <a:r>
-              <a:rPr lang="en-US" b="1" dirty="0"/>
-              <a:t>)</a:t>
-            </a:r>
-            <a:r>
-              <a:rPr lang="en-US" dirty="0"/>
-              <a:t>, … </a:t>
-            </a:r>
+            <a:endParaRPr lang="en-US"/>
           </a:p>
         </p:txBody>
       </p:sp>
-      <p:pic>
-        <p:nvPicPr>
-          <p:cNvPr id="6" name="Picture 5">
-            <a:extLst>
-              <a:ext uri="{FF2B5EF4-FFF2-40B4-BE49-F238E27FC236}">
-                <a16:creationId xmlns:a16="http://schemas.microsoft.com/office/drawing/2014/main" id="{73F71C83-0D65-30C5-3A0E-73F480646823}"/>
-              </a:ext>
-            </a:extLst>
-          </p:cNvPr>
-          <p:cNvPicPr>
-            <a:picLocks noChangeAspect="1"/>
-          </p:cNvPicPr>
-          <p:nvPr/>
-        </p:nvPicPr>
-        <p:blipFill>
-          <a:blip r:embed="rId3"/>
-          <a:stretch>
-            <a:fillRect/>
-          </a:stretch>
-        </p:blipFill>
-        <p:spPr>
-          <a:xfrm>
-            <a:off x="2395886" y="2971321"/>
-            <a:ext cx="7650484" cy="3521554"/>
-          </a:xfrm>
-          <a:prstGeom prst="rect">
-            <a:avLst/>
-          </a:prstGeom>
-        </p:spPr>
-      </p:pic>
     </p:spTree>
     <p:extLst>
       <p:ext uri="{BB962C8B-B14F-4D97-AF65-F5344CB8AC3E}">
-        <p14:creationId xmlns:p14="http://schemas.microsoft.com/office/powerpoint/2010/main" val="3516731879"/>
+        <p14:creationId xmlns:p14="http://schemas.microsoft.com/office/powerpoint/2010/main" val="196146765"/>
       </p:ext>
     </p:extLst>
   </p:cSld>
   <p:clrMapOvr>
     <a:masterClrMapping/>
   </p:clrMapOvr>
-  <p:timing>
-    <p:tnLst>
-      <p:par>
-        <p:cTn id="1" dur="indefinite" restart="never" nodeType="tmRoot">
-          <p:childTnLst>
-            <p:seq concurrent="1" nextAc="seek">
-              <p:cTn id="2" dur="indefinite" nodeType="mainSeq">
-                <p:childTnLst>
-                  <p:par>
-                    <p:cTn id="3" fill="hold">
-                      <p:stCondLst>
-                        <p:cond delay="indefinite"/>
-                      </p:stCondLst>
-                      <p:childTnLst>
-                        <p:par>
-                          <p:cTn id="4" fill="hold">
-                            <p:stCondLst>
-                              <p:cond delay="0"/>
-                            </p:stCondLst>
-                            <p:childTnLst>
-                              <p:par>
-                                <p:cTn id="5" presetID="10" presetClass="entr" presetSubtype="0" fill="hold" nodeType="clickEffect">
-                                  <p:stCondLst>
-                                    <p:cond delay="0"/>
-                                  </p:stCondLst>
-                                  <p:childTnLst>
-                                    <p:set>
-                                      <p:cBhvr>
-                                        <p:cTn id="6" dur="1" fill="hold">
-                                          <p:stCondLst>
-                                            <p:cond delay="0"/>
-                                          </p:stCondLst>
-                                        </p:cTn>
-                                        <p:tgtEl>
-                                          <p:spTgt spid="3">
-                                            <p:txEl>
-                                              <p:pRg st="0" end="0"/>
-                                            </p:txEl>
-                                          </p:spTgt>
-                                        </p:tgtEl>
-                                        <p:attrNameLst>
-                                          <p:attrName>style.visibility</p:attrName>
-                                        </p:attrNameLst>
-                                      </p:cBhvr>
-                                      <p:to>
-                                        <p:strVal val="visible"/>
-                                      </p:to>
-                                    </p:set>
-                                    <p:animEffect transition="in" filter="fade">
-                                      <p:cBhvr>
-                                        <p:cTn id="7" dur="500"/>
-                                        <p:tgtEl>
-                                          <p:spTgt spid="3">
-                                            <p:txEl>
-                                              <p:pRg st="0" end="0"/>
-                                            </p:txEl>
-                                          </p:spTgt>
-                                        </p:tgtEl>
-                                      </p:cBhvr>
-                                    </p:animEffect>
-                                  </p:childTnLst>
-                                </p:cTn>
-                              </p:par>
-                              <p:par>
-                                <p:cTn id="8" presetID="10" presetClass="entr" presetSubtype="0" fill="hold" nodeType="withEffect">
-                                  <p:stCondLst>
-                                    <p:cond delay="0"/>
-                                  </p:stCondLst>
-                                  <p:childTnLst>
-                                    <p:set>
-                                      <p:cBhvr>
-                                        <p:cTn id="9" dur="1" fill="hold">
-                                          <p:stCondLst>
-                                            <p:cond delay="0"/>
-                                          </p:stCondLst>
-                                        </p:cTn>
-                                        <p:tgtEl>
-                                          <p:spTgt spid="3">
-                                            <p:txEl>
-                                              <p:pRg st="1" end="1"/>
-                                            </p:txEl>
-                                          </p:spTgt>
-                                        </p:tgtEl>
-                                        <p:attrNameLst>
-                                          <p:attrName>style.visibility</p:attrName>
-                                        </p:attrNameLst>
-                                      </p:cBhvr>
-                                      <p:to>
-                                        <p:strVal val="visible"/>
-                                      </p:to>
-                                    </p:set>
-                                    <p:animEffect transition="in" filter="fade">
-                                      <p:cBhvr>
-                                        <p:cTn id="10" dur="500"/>
-                                        <p:tgtEl>
-                                          <p:spTgt spid="3">
-                                            <p:txEl>
-                                              <p:pRg st="1" end="1"/>
-                                            </p:txEl>
-                                          </p:spTgt>
-                                        </p:tgtEl>
-                                      </p:cBhvr>
-                                    </p:animEffect>
-                                  </p:childTnLst>
-                                </p:cTn>
-                              </p:par>
-                            </p:childTnLst>
-                          </p:cTn>
-                        </p:par>
-                      </p:childTnLst>
-                    </p:cTn>
-                  </p:par>
-                  <p:par>
-                    <p:cTn id="11" fill="hold">
-                      <p:stCondLst>
-                        <p:cond delay="indefinite"/>
-                      </p:stCondLst>
-                      <p:childTnLst>
-                        <p:par>
-                          <p:cTn id="12" fill="hold">
-                            <p:stCondLst>
-                              <p:cond delay="0"/>
-                            </p:stCondLst>
-                            <p:childTnLst>
-                              <p:par>
-                                <p:cTn id="13" presetID="10" presetClass="entr" presetSubtype="0" fill="hold" nodeType="clickEffect">
-                                  <p:stCondLst>
-                                    <p:cond delay="0"/>
-                                  </p:stCondLst>
-                                  <p:childTnLst>
-                                    <p:set>
-                                      <p:cBhvr>
-                                        <p:cTn id="14" dur="1" fill="hold">
-                                          <p:stCondLst>
-                                            <p:cond delay="0"/>
-                                          </p:stCondLst>
-                                        </p:cTn>
-                                        <p:tgtEl>
-                                          <p:spTgt spid="6"/>
-                                        </p:tgtEl>
-                                        <p:attrNameLst>
-                                          <p:attrName>style.visibility</p:attrName>
-                                        </p:attrNameLst>
-                                      </p:cBhvr>
-                                      <p:to>
-                                        <p:strVal val="visible"/>
-                                      </p:to>
-                                    </p:set>
-                                    <p:animEffect transition="in" filter="fade">
-                                      <p:cBhvr>
-                                        <p:cTn id="15" dur="500"/>
-                                        <p:tgtEl>
-                                          <p:spTgt spid="6"/>
-                                        </p:tgtEl>
-                                      </p:cBhvr>
-                                    </p:animEffect>
-                                  </p:childTnLst>
-                                </p:cTn>
-                              </p:par>
-                            </p:childTnLst>
-                          </p:cTn>
-                        </p:par>
-                      </p:childTnLst>
-                    </p:cTn>
-                  </p:par>
-                </p:childTnLst>
-              </p:cTn>
-              <p:prevCondLst>
-                <p:cond evt="onPrev" delay="0">
-                  <p:tgtEl>
-                    <p:sldTgt/>
-                  </p:tgtEl>
-                </p:cond>
-              </p:prevCondLst>
-              <p:nextCondLst>
-                <p:cond evt="onNext" delay="0">
-                  <p:tgtEl>
-                    <p:sldTgt/>
-                  </p:tgtEl>
-                </p:cond>
-              </p:nextCondLst>
-            </p:seq>
-          </p:childTnLst>
-        </p:cTn>
-      </p:par>
-    </p:tnLst>
-  </p:timing>
 </p:sld>
 </file>
 
@@ -5163,7 +5151,7 @@
           <a:p>
             <a:r>
               <a:rPr lang="en-US" dirty="0"/>
-              <a:t>Python</a:t>
+              <a:t>Terminal</a:t>
             </a:r>
           </a:p>
         </p:txBody>
@@ -5184,24 +5172,33 @@
             <p:ph idx="1"/>
           </p:nvPr>
         </p:nvSpPr>
-        <p:spPr/>
+        <p:spPr>
+          <a:xfrm>
+            <a:off x="838200" y="1825624"/>
+            <a:ext cx="10515600" cy="4919421"/>
+          </a:xfrm>
+        </p:spPr>
         <p:txBody>
-          <a:bodyPr/>
+          <a:bodyPr>
+            <a:normAutofit/>
+          </a:bodyPr>
           <a:lstStyle/>
           <a:p>
+            <a:pPr>
+              <a:buFont typeface="Arial" panose="020B0604020202020204" pitchFamily="34" charset="0"/>
+              <a:buChar char="•"/>
+            </a:pPr>
             <a:r>
               <a:rPr lang="en-US" dirty="0"/>
-              <a:t> Installing Python (</a:t>
-            </a:r>
-            <a:r>
-              <a:rPr lang="en-US" dirty="0">
-                <a:hlinkClick r:id="rId2"/>
-              </a:rPr>
-              <a:t>https://www.python.org/downloads/</a:t>
+              <a:t> Window: </a:t>
+            </a:r>
+            <a:r>
+              <a:rPr lang="en-US" b="1" dirty="0"/>
+              <a:t>PowerShell</a:t>
             </a:r>
             <a:r>
               <a:rPr lang="en-US" dirty="0"/>
-              <a:t>)</a:t>
+              <a:t>, Command Prompt, Windows Terminal, Git Bash, WSL (Window Subsystem for Linux), … </a:t>
             </a:r>
           </a:p>
         </p:txBody>
@@ -5211,7 +5208,7 @@
           <p:cNvPr id="5" name="Picture 4">
             <a:extLst>
               <a:ext uri="{FF2B5EF4-FFF2-40B4-BE49-F238E27FC236}">
-                <a16:creationId xmlns:a16="http://schemas.microsoft.com/office/drawing/2014/main" id="{DF214A69-98B0-6CAA-5145-9380EADFFFA9}"/>
+                <a16:creationId xmlns:a16="http://schemas.microsoft.com/office/drawing/2014/main" id="{F2DB0E5A-DFC6-338A-493D-70A9AC5A1EA3}"/>
               </a:ext>
             </a:extLst>
           </p:cNvPr>
@@ -5221,15 +5218,15 @@
           <p:nvPr/>
         </p:nvPicPr>
         <p:blipFill>
-          <a:blip r:embed="rId3"/>
+          <a:blip r:embed="rId2"/>
           <a:stretch>
             <a:fillRect/>
           </a:stretch>
         </p:blipFill>
         <p:spPr>
           <a:xfrm>
-            <a:off x="1491916" y="2482809"/>
-            <a:ext cx="8915400" cy="3829091"/>
+            <a:off x="1190303" y="2913043"/>
+            <a:ext cx="9811393" cy="3579832"/>
           </a:xfrm>
           <a:prstGeom prst="rect">
             <a:avLst/>
@@ -5239,7 +5236,7 @@
     </p:spTree>
     <p:extLst>
       <p:ext uri="{BB962C8B-B14F-4D97-AF65-F5344CB8AC3E}">
-        <p14:creationId xmlns:p14="http://schemas.microsoft.com/office/powerpoint/2010/main" val="2445604933"/>
+        <p14:creationId xmlns:p14="http://schemas.microsoft.com/office/powerpoint/2010/main" val="1084904985"/>
       </p:ext>
     </p:extLst>
   </p:cSld>
@@ -5433,7 +5430,432 @@
           <a:p>
             <a:r>
               <a:rPr lang="en-US" dirty="0"/>
-              <a:t>Python</a:t>
+              <a:t>Terminal</a:t>
+            </a:r>
+          </a:p>
+        </p:txBody>
+      </p:sp>
+      <p:sp>
+        <p:nvSpPr>
+          <p:cNvPr id="3" name="Content Placeholder 2">
+            <a:extLst>
+              <a:ext uri="{FF2B5EF4-FFF2-40B4-BE49-F238E27FC236}">
+                <a16:creationId xmlns:a16="http://schemas.microsoft.com/office/drawing/2014/main" id="{867C1927-421E-EB40-3247-418367614E2A}"/>
+              </a:ext>
+            </a:extLst>
+          </p:cNvPr>
+          <p:cNvSpPr>
+            <a:spLocks noGrp="1"/>
+          </p:cNvSpPr>
+          <p:nvPr>
+            <p:ph idx="1"/>
+          </p:nvPr>
+        </p:nvSpPr>
+        <p:spPr>
+          <a:xfrm>
+            <a:off x="838199" y="1825624"/>
+            <a:ext cx="11193379" cy="4919421"/>
+          </a:xfrm>
+        </p:spPr>
+        <p:txBody>
+          <a:bodyPr>
+            <a:normAutofit/>
+          </a:bodyPr>
+          <a:lstStyle/>
+          <a:p>
+            <a:pPr>
+              <a:buFont typeface="Arial" panose="020B0604020202020204" pitchFamily="34" charset="0"/>
+              <a:buChar char="•"/>
+            </a:pPr>
+            <a:r>
+              <a:rPr lang="en-US" dirty="0"/>
+              <a:t>Linux: Default terminal emulator, …</a:t>
+            </a:r>
+          </a:p>
+          <a:p>
+            <a:pPr>
+              <a:buFont typeface="Arial" panose="020B0604020202020204" pitchFamily="34" charset="0"/>
+              <a:buChar char="•"/>
+            </a:pPr>
+            <a:r>
+              <a:rPr lang="en-US" dirty="0"/>
+              <a:t>MacOS: Terminal, </a:t>
+            </a:r>
+            <a:r>
+              <a:rPr lang="en-US" b="1" dirty="0"/>
+              <a:t>iTerm2 (</a:t>
+            </a:r>
+            <a:r>
+              <a:rPr lang="en-US" b="1" dirty="0">
+                <a:hlinkClick r:id="rId2"/>
+              </a:rPr>
+              <a:t>https://iterm2.com/downloads.html</a:t>
+            </a:r>
+            <a:r>
+              <a:rPr lang="en-US" b="1" dirty="0"/>
+              <a:t>)</a:t>
+            </a:r>
+            <a:r>
+              <a:rPr lang="en-US" dirty="0"/>
+              <a:t>, … </a:t>
+            </a:r>
+          </a:p>
+        </p:txBody>
+      </p:sp>
+      <p:pic>
+        <p:nvPicPr>
+          <p:cNvPr id="6" name="Picture 5">
+            <a:extLst>
+              <a:ext uri="{FF2B5EF4-FFF2-40B4-BE49-F238E27FC236}">
+                <a16:creationId xmlns:a16="http://schemas.microsoft.com/office/drawing/2014/main" id="{73F71C83-0D65-30C5-3A0E-73F480646823}"/>
+              </a:ext>
+            </a:extLst>
+          </p:cNvPr>
+          <p:cNvPicPr>
+            <a:picLocks noChangeAspect="1"/>
+          </p:cNvPicPr>
+          <p:nvPr/>
+        </p:nvPicPr>
+        <p:blipFill>
+          <a:blip r:embed="rId3"/>
+          <a:stretch>
+            <a:fillRect/>
+          </a:stretch>
+        </p:blipFill>
+        <p:spPr>
+          <a:xfrm>
+            <a:off x="2395886" y="2971321"/>
+            <a:ext cx="7650484" cy="3521554"/>
+          </a:xfrm>
+          <a:prstGeom prst="rect">
+            <a:avLst/>
+          </a:prstGeom>
+        </p:spPr>
+      </p:pic>
+    </p:spTree>
+    <p:extLst>
+      <p:ext uri="{BB962C8B-B14F-4D97-AF65-F5344CB8AC3E}">
+        <p14:creationId xmlns:p14="http://schemas.microsoft.com/office/powerpoint/2010/main" val="3516731879"/>
+      </p:ext>
+    </p:extLst>
+  </p:cSld>
+  <p:clrMapOvr>
+    <a:masterClrMapping/>
+  </p:clrMapOvr>
+  <p:timing>
+    <p:tnLst>
+      <p:par>
+        <p:cTn id="1" dur="indefinite" restart="never" nodeType="tmRoot">
+          <p:childTnLst>
+            <p:seq concurrent="1" nextAc="seek">
+              <p:cTn id="2" dur="indefinite" nodeType="mainSeq">
+                <p:childTnLst>
+                  <p:par>
+                    <p:cTn id="3" fill="hold">
+                      <p:stCondLst>
+                        <p:cond delay="indefinite"/>
+                      </p:stCondLst>
+                      <p:childTnLst>
+                        <p:par>
+                          <p:cTn id="4" fill="hold">
+                            <p:stCondLst>
+                              <p:cond delay="0"/>
+                            </p:stCondLst>
+                            <p:childTnLst>
+                              <p:par>
+                                <p:cTn id="5" presetID="10" presetClass="entr" presetSubtype="0" fill="hold" nodeType="clickEffect">
+                                  <p:stCondLst>
+                                    <p:cond delay="0"/>
+                                  </p:stCondLst>
+                                  <p:childTnLst>
+                                    <p:set>
+                                      <p:cBhvr>
+                                        <p:cTn id="6" dur="1" fill="hold">
+                                          <p:stCondLst>
+                                            <p:cond delay="0"/>
+                                          </p:stCondLst>
+                                        </p:cTn>
+                                        <p:tgtEl>
+                                          <p:spTgt spid="3">
+                                            <p:txEl>
+                                              <p:pRg st="0" end="0"/>
+                                            </p:txEl>
+                                          </p:spTgt>
+                                        </p:tgtEl>
+                                        <p:attrNameLst>
+                                          <p:attrName>style.visibility</p:attrName>
+                                        </p:attrNameLst>
+                                      </p:cBhvr>
+                                      <p:to>
+                                        <p:strVal val="visible"/>
+                                      </p:to>
+                                    </p:set>
+                                    <p:animEffect transition="in" filter="fade">
+                                      <p:cBhvr>
+                                        <p:cTn id="7" dur="500"/>
+                                        <p:tgtEl>
+                                          <p:spTgt spid="3">
+                                            <p:txEl>
+                                              <p:pRg st="0" end="0"/>
+                                            </p:txEl>
+                                          </p:spTgt>
+                                        </p:tgtEl>
+                                      </p:cBhvr>
+                                    </p:animEffect>
+                                  </p:childTnLst>
+                                </p:cTn>
+                              </p:par>
+                              <p:par>
+                                <p:cTn id="8" presetID="10" presetClass="entr" presetSubtype="0" fill="hold" nodeType="withEffect">
+                                  <p:stCondLst>
+                                    <p:cond delay="0"/>
+                                  </p:stCondLst>
+                                  <p:childTnLst>
+                                    <p:set>
+                                      <p:cBhvr>
+                                        <p:cTn id="9" dur="1" fill="hold">
+                                          <p:stCondLst>
+                                            <p:cond delay="0"/>
+                                          </p:stCondLst>
+                                        </p:cTn>
+                                        <p:tgtEl>
+                                          <p:spTgt spid="3">
+                                            <p:txEl>
+                                              <p:pRg st="1" end="1"/>
+                                            </p:txEl>
+                                          </p:spTgt>
+                                        </p:tgtEl>
+                                        <p:attrNameLst>
+                                          <p:attrName>style.visibility</p:attrName>
+                                        </p:attrNameLst>
+                                      </p:cBhvr>
+                                      <p:to>
+                                        <p:strVal val="visible"/>
+                                      </p:to>
+                                    </p:set>
+                                    <p:animEffect transition="in" filter="fade">
+                                      <p:cBhvr>
+                                        <p:cTn id="10" dur="500"/>
+                                        <p:tgtEl>
+                                          <p:spTgt spid="3">
+                                            <p:txEl>
+                                              <p:pRg st="1" end="1"/>
+                                            </p:txEl>
+                                          </p:spTgt>
+                                        </p:tgtEl>
+                                      </p:cBhvr>
+                                    </p:animEffect>
+                                  </p:childTnLst>
+                                </p:cTn>
+                              </p:par>
+                            </p:childTnLst>
+                          </p:cTn>
+                        </p:par>
+                      </p:childTnLst>
+                    </p:cTn>
+                  </p:par>
+                  <p:par>
+                    <p:cTn id="11" fill="hold">
+                      <p:stCondLst>
+                        <p:cond delay="indefinite"/>
+                      </p:stCondLst>
+                      <p:childTnLst>
+                        <p:par>
+                          <p:cTn id="12" fill="hold">
+                            <p:stCondLst>
+                              <p:cond delay="0"/>
+                            </p:stCondLst>
+                            <p:childTnLst>
+                              <p:par>
+                                <p:cTn id="13" presetID="10" presetClass="entr" presetSubtype="0" fill="hold" nodeType="clickEffect">
+                                  <p:stCondLst>
+                                    <p:cond delay="0"/>
+                                  </p:stCondLst>
+                                  <p:childTnLst>
+                                    <p:set>
+                                      <p:cBhvr>
+                                        <p:cTn id="14" dur="1" fill="hold">
+                                          <p:stCondLst>
+                                            <p:cond delay="0"/>
+                                          </p:stCondLst>
+                                        </p:cTn>
+                                        <p:tgtEl>
+                                          <p:spTgt spid="6"/>
+                                        </p:tgtEl>
+                                        <p:attrNameLst>
+                                          <p:attrName>style.visibility</p:attrName>
+                                        </p:attrNameLst>
+                                      </p:cBhvr>
+                                      <p:to>
+                                        <p:strVal val="visible"/>
+                                      </p:to>
+                                    </p:set>
+                                    <p:animEffect transition="in" filter="fade">
+                                      <p:cBhvr>
+                                        <p:cTn id="15" dur="500"/>
+                                        <p:tgtEl>
+                                          <p:spTgt spid="6"/>
+                                        </p:tgtEl>
+                                      </p:cBhvr>
+                                    </p:animEffect>
+                                  </p:childTnLst>
+                                </p:cTn>
+                              </p:par>
+                            </p:childTnLst>
+                          </p:cTn>
+                        </p:par>
+                      </p:childTnLst>
+                    </p:cTn>
+                  </p:par>
+                </p:childTnLst>
+              </p:cTn>
+              <p:prevCondLst>
+                <p:cond evt="onPrev" delay="0">
+                  <p:tgtEl>
+                    <p:sldTgt/>
+                  </p:tgtEl>
+                </p:cond>
+              </p:prevCondLst>
+              <p:nextCondLst>
+                <p:cond evt="onNext" delay="0">
+                  <p:tgtEl>
+                    <p:sldTgt/>
+                  </p:tgtEl>
+                </p:cond>
+              </p:nextCondLst>
+            </p:seq>
+          </p:childTnLst>
+        </p:cTn>
+      </p:par>
+    </p:tnLst>
+  </p:timing>
+</p:sld>
+</file>
+
+<file path=ppt/slides/slide14.xml><?xml version="1.0" encoding="utf-8"?>
+<p:sld xmlns:a="http://schemas.openxmlformats.org/drawingml/2006/main" xmlns:r="http://schemas.openxmlformats.org/officeDocument/2006/relationships" xmlns:p="http://schemas.openxmlformats.org/presentationml/2006/main">
+  <p:cSld>
+    <p:spTree>
+      <p:nvGrpSpPr>
+        <p:cNvPr id="1" name=""/>
+        <p:cNvGrpSpPr/>
+        <p:nvPr/>
+      </p:nvGrpSpPr>
+      <p:grpSpPr>
+        <a:xfrm>
+          <a:off x="0" y="0"/>
+          <a:ext cx="0" cy="0"/>
+          <a:chOff x="0" y="0"/>
+          <a:chExt cx="0" cy="0"/>
+        </a:xfrm>
+      </p:grpSpPr>
+      <p:sp>
+        <p:nvSpPr>
+          <p:cNvPr id="2" name="Title 1">
+            <a:extLst>
+              <a:ext uri="{FF2B5EF4-FFF2-40B4-BE49-F238E27FC236}">
+                <a16:creationId xmlns:a16="http://schemas.microsoft.com/office/drawing/2014/main" id="{8BD65AA8-7D61-E5D9-B0FF-C8D74CDBA29D}"/>
+              </a:ext>
+            </a:extLst>
+          </p:cNvPr>
+          <p:cNvSpPr>
+            <a:spLocks noGrp="1"/>
+          </p:cNvSpPr>
+          <p:nvPr>
+            <p:ph type="title"/>
+          </p:nvPr>
+        </p:nvSpPr>
+        <p:spPr/>
+        <p:txBody>
+          <a:bodyPr/>
+          <a:lstStyle/>
+          <a:p>
+            <a:r>
+              <a:rPr lang="en-US" dirty="0"/>
+              <a:t>Python Installation</a:t>
+            </a:r>
+          </a:p>
+        </p:txBody>
+      </p:sp>
+      <p:sp>
+        <p:nvSpPr>
+          <p:cNvPr id="3" name="Text Placeholder 2">
+            <a:extLst>
+              <a:ext uri="{FF2B5EF4-FFF2-40B4-BE49-F238E27FC236}">
+                <a16:creationId xmlns:a16="http://schemas.microsoft.com/office/drawing/2014/main" id="{F256532B-9CAE-09F6-A539-8A6658897BF1}"/>
+              </a:ext>
+            </a:extLst>
+          </p:cNvPr>
+          <p:cNvSpPr>
+            <a:spLocks noGrp="1"/>
+          </p:cNvSpPr>
+          <p:nvPr>
+            <p:ph type="body" idx="1"/>
+          </p:nvPr>
+        </p:nvSpPr>
+        <p:spPr/>
+        <p:txBody>
+          <a:bodyPr/>
+          <a:lstStyle/>
+          <a:p>
+            <a:endParaRPr lang="en-US"/>
+          </a:p>
+        </p:txBody>
+      </p:sp>
+    </p:spTree>
+    <p:extLst>
+      <p:ext uri="{BB962C8B-B14F-4D97-AF65-F5344CB8AC3E}">
+        <p14:creationId xmlns:p14="http://schemas.microsoft.com/office/powerpoint/2010/main" val="382488987"/>
+      </p:ext>
+    </p:extLst>
+  </p:cSld>
+  <p:clrMapOvr>
+    <a:masterClrMapping/>
+  </p:clrMapOvr>
+</p:sld>
+</file>
+
+<file path=ppt/slides/slide15.xml><?xml version="1.0" encoding="utf-8"?>
+<p:sld xmlns:a="http://schemas.openxmlformats.org/drawingml/2006/main" xmlns:r="http://schemas.openxmlformats.org/officeDocument/2006/relationships" xmlns:p="http://schemas.openxmlformats.org/presentationml/2006/main">
+  <p:cSld>
+    <p:spTree>
+      <p:nvGrpSpPr>
+        <p:cNvPr id="1" name=""/>
+        <p:cNvGrpSpPr/>
+        <p:nvPr/>
+      </p:nvGrpSpPr>
+      <p:grpSpPr>
+        <a:xfrm>
+          <a:off x="0" y="0"/>
+          <a:ext cx="0" cy="0"/>
+          <a:chOff x="0" y="0"/>
+          <a:chExt cx="0" cy="0"/>
+        </a:xfrm>
+      </p:grpSpPr>
+      <p:sp>
+        <p:nvSpPr>
+          <p:cNvPr id="2" name="Title 1">
+            <a:extLst>
+              <a:ext uri="{FF2B5EF4-FFF2-40B4-BE49-F238E27FC236}">
+                <a16:creationId xmlns:a16="http://schemas.microsoft.com/office/drawing/2014/main" id="{8401D478-8C57-ABE3-DC5E-39CFCF0F2D16}"/>
+              </a:ext>
+            </a:extLst>
+          </p:cNvPr>
+          <p:cNvSpPr>
+            <a:spLocks noGrp="1"/>
+          </p:cNvSpPr>
+          <p:nvPr>
+            <p:ph type="title"/>
+          </p:nvPr>
+        </p:nvSpPr>
+        <p:spPr/>
+        <p:txBody>
+          <a:bodyPr/>
+          <a:lstStyle/>
+          <a:p>
+            <a:r>
+              <a:rPr lang="en-US" dirty="0"/>
+              <a:t>Python Installation</a:t>
             </a:r>
           </a:p>
         </p:txBody>
@@ -5459,9 +5881,280 @@
           <a:bodyPr/>
           <a:lstStyle/>
           <a:p>
+            <a:pPr>
+              <a:buFont typeface="Arial" panose="020B0604020202020204" pitchFamily="34" charset="0"/>
+              <a:buChar char="•"/>
+            </a:pPr>
+            <a:r>
+              <a:rPr lang="en-US" dirty="0">
+                <a:hlinkClick r:id="rId2"/>
+              </a:rPr>
+              <a:t>https://www.python.org/downloads/</a:t>
+            </a:r>
+            <a:endParaRPr lang="en-US" dirty="0"/>
+          </a:p>
+        </p:txBody>
+      </p:sp>
+      <p:pic>
+        <p:nvPicPr>
+          <p:cNvPr id="5" name="Picture 4">
+            <a:extLst>
+              <a:ext uri="{FF2B5EF4-FFF2-40B4-BE49-F238E27FC236}">
+                <a16:creationId xmlns:a16="http://schemas.microsoft.com/office/drawing/2014/main" id="{DF214A69-98B0-6CAA-5145-9380EADFFFA9}"/>
+              </a:ext>
+            </a:extLst>
+          </p:cNvPr>
+          <p:cNvPicPr>
+            <a:picLocks noChangeAspect="1"/>
+          </p:cNvPicPr>
+          <p:nvPr/>
+        </p:nvPicPr>
+        <p:blipFill>
+          <a:blip r:embed="rId3"/>
+          <a:stretch>
+            <a:fillRect/>
+          </a:stretch>
+        </p:blipFill>
+        <p:spPr>
+          <a:xfrm>
+            <a:off x="1491916" y="2482809"/>
+            <a:ext cx="8915400" cy="3829091"/>
+          </a:xfrm>
+          <a:prstGeom prst="rect">
+            <a:avLst/>
+          </a:prstGeom>
+        </p:spPr>
+      </p:pic>
+    </p:spTree>
+    <p:extLst>
+      <p:ext uri="{BB962C8B-B14F-4D97-AF65-F5344CB8AC3E}">
+        <p14:creationId xmlns:p14="http://schemas.microsoft.com/office/powerpoint/2010/main" val="2445604933"/>
+      </p:ext>
+    </p:extLst>
+  </p:cSld>
+  <p:clrMapOvr>
+    <a:masterClrMapping/>
+  </p:clrMapOvr>
+  <p:timing>
+    <p:tnLst>
+      <p:par>
+        <p:cTn id="1" dur="indefinite" restart="never" nodeType="tmRoot">
+          <p:childTnLst>
+            <p:seq concurrent="1" nextAc="seek">
+              <p:cTn id="2" dur="indefinite" nodeType="mainSeq">
+                <p:childTnLst>
+                  <p:par>
+                    <p:cTn id="3" fill="hold">
+                      <p:stCondLst>
+                        <p:cond delay="indefinite"/>
+                      </p:stCondLst>
+                      <p:childTnLst>
+                        <p:par>
+                          <p:cTn id="4" fill="hold">
+                            <p:stCondLst>
+                              <p:cond delay="0"/>
+                            </p:stCondLst>
+                            <p:childTnLst>
+                              <p:par>
+                                <p:cTn id="5" presetID="10" presetClass="entr" presetSubtype="0" fill="hold" nodeType="clickEffect">
+                                  <p:stCondLst>
+                                    <p:cond delay="0"/>
+                                  </p:stCondLst>
+                                  <p:childTnLst>
+                                    <p:set>
+                                      <p:cBhvr>
+                                        <p:cTn id="6" dur="1" fill="hold">
+                                          <p:stCondLst>
+                                            <p:cond delay="0"/>
+                                          </p:stCondLst>
+                                        </p:cTn>
+                                        <p:tgtEl>
+                                          <p:spTgt spid="3">
+                                            <p:txEl>
+                                              <p:pRg st="0" end="0"/>
+                                            </p:txEl>
+                                          </p:spTgt>
+                                        </p:tgtEl>
+                                        <p:attrNameLst>
+                                          <p:attrName>style.visibility</p:attrName>
+                                        </p:attrNameLst>
+                                      </p:cBhvr>
+                                      <p:to>
+                                        <p:strVal val="visible"/>
+                                      </p:to>
+                                    </p:set>
+                                    <p:animEffect transition="in" filter="fade">
+                                      <p:cBhvr>
+                                        <p:cTn id="7" dur="500"/>
+                                        <p:tgtEl>
+                                          <p:spTgt spid="3">
+                                            <p:txEl>
+                                              <p:pRg st="0" end="0"/>
+                                            </p:txEl>
+                                          </p:spTgt>
+                                        </p:tgtEl>
+                                      </p:cBhvr>
+                                    </p:animEffect>
+                                  </p:childTnLst>
+                                </p:cTn>
+                              </p:par>
+                            </p:childTnLst>
+                          </p:cTn>
+                        </p:par>
+                      </p:childTnLst>
+                    </p:cTn>
+                  </p:par>
+                  <p:par>
+                    <p:cTn id="8" fill="hold">
+                      <p:stCondLst>
+                        <p:cond delay="indefinite"/>
+                      </p:stCondLst>
+                      <p:childTnLst>
+                        <p:par>
+                          <p:cTn id="9" fill="hold">
+                            <p:stCondLst>
+                              <p:cond delay="0"/>
+                            </p:stCondLst>
+                            <p:childTnLst>
+                              <p:par>
+                                <p:cTn id="10" presetID="10" presetClass="entr" presetSubtype="0" fill="hold" nodeType="clickEffect">
+                                  <p:stCondLst>
+                                    <p:cond delay="0"/>
+                                  </p:stCondLst>
+                                  <p:childTnLst>
+                                    <p:set>
+                                      <p:cBhvr>
+                                        <p:cTn id="11" dur="1" fill="hold">
+                                          <p:stCondLst>
+                                            <p:cond delay="0"/>
+                                          </p:stCondLst>
+                                        </p:cTn>
+                                        <p:tgtEl>
+                                          <p:spTgt spid="5"/>
+                                        </p:tgtEl>
+                                        <p:attrNameLst>
+                                          <p:attrName>style.visibility</p:attrName>
+                                        </p:attrNameLst>
+                                      </p:cBhvr>
+                                      <p:to>
+                                        <p:strVal val="visible"/>
+                                      </p:to>
+                                    </p:set>
+                                    <p:animEffect transition="in" filter="fade">
+                                      <p:cBhvr>
+                                        <p:cTn id="12" dur="500"/>
+                                        <p:tgtEl>
+                                          <p:spTgt spid="5"/>
+                                        </p:tgtEl>
+                                      </p:cBhvr>
+                                    </p:animEffect>
+                                  </p:childTnLst>
+                                </p:cTn>
+                              </p:par>
+                            </p:childTnLst>
+                          </p:cTn>
+                        </p:par>
+                      </p:childTnLst>
+                    </p:cTn>
+                  </p:par>
+                </p:childTnLst>
+              </p:cTn>
+              <p:prevCondLst>
+                <p:cond evt="onPrev" delay="0">
+                  <p:tgtEl>
+                    <p:sldTgt/>
+                  </p:tgtEl>
+                </p:cond>
+              </p:prevCondLst>
+              <p:nextCondLst>
+                <p:cond evt="onNext" delay="0">
+                  <p:tgtEl>
+                    <p:sldTgt/>
+                  </p:tgtEl>
+                </p:cond>
+              </p:nextCondLst>
+            </p:seq>
+          </p:childTnLst>
+        </p:cTn>
+      </p:par>
+    </p:tnLst>
+  </p:timing>
+</p:sld>
+</file>
+
+<file path=ppt/slides/slide16.xml><?xml version="1.0" encoding="utf-8"?>
+<p:sld xmlns:a="http://schemas.openxmlformats.org/drawingml/2006/main" xmlns:r="http://schemas.openxmlformats.org/officeDocument/2006/relationships" xmlns:p="http://schemas.openxmlformats.org/presentationml/2006/main">
+  <p:cSld>
+    <p:spTree>
+      <p:nvGrpSpPr>
+        <p:cNvPr id="1" name=""/>
+        <p:cNvGrpSpPr/>
+        <p:nvPr/>
+      </p:nvGrpSpPr>
+      <p:grpSpPr>
+        <a:xfrm>
+          <a:off x="0" y="0"/>
+          <a:ext cx="0" cy="0"/>
+          <a:chOff x="0" y="0"/>
+          <a:chExt cx="0" cy="0"/>
+        </a:xfrm>
+      </p:grpSpPr>
+      <p:sp>
+        <p:nvSpPr>
+          <p:cNvPr id="2" name="Title 1">
+            <a:extLst>
+              <a:ext uri="{FF2B5EF4-FFF2-40B4-BE49-F238E27FC236}">
+                <a16:creationId xmlns:a16="http://schemas.microsoft.com/office/drawing/2014/main" id="{8401D478-8C57-ABE3-DC5E-39CFCF0F2D16}"/>
+              </a:ext>
+            </a:extLst>
+          </p:cNvPr>
+          <p:cNvSpPr>
+            <a:spLocks noGrp="1"/>
+          </p:cNvSpPr>
+          <p:nvPr>
+            <p:ph type="title"/>
+          </p:nvPr>
+        </p:nvSpPr>
+        <p:spPr/>
+        <p:txBody>
+          <a:bodyPr/>
+          <a:lstStyle/>
+          <a:p>
             <a:r>
               <a:rPr lang="en-US" dirty="0"/>
-              <a:t>Or, install </a:t>
+              <a:t>Python Installation</a:t>
+            </a:r>
+          </a:p>
+        </p:txBody>
+      </p:sp>
+      <p:sp>
+        <p:nvSpPr>
+          <p:cNvPr id="3" name="Content Placeholder 2">
+            <a:extLst>
+              <a:ext uri="{FF2B5EF4-FFF2-40B4-BE49-F238E27FC236}">
+                <a16:creationId xmlns:a16="http://schemas.microsoft.com/office/drawing/2014/main" id="{867C1927-421E-EB40-3247-418367614E2A}"/>
+              </a:ext>
+            </a:extLst>
+          </p:cNvPr>
+          <p:cNvSpPr>
+            <a:spLocks noGrp="1"/>
+          </p:cNvSpPr>
+          <p:nvPr>
+            <p:ph idx="1"/>
+          </p:nvPr>
+        </p:nvSpPr>
+        <p:spPr/>
+        <p:txBody>
+          <a:bodyPr/>
+          <a:lstStyle/>
+          <a:p>
+            <a:pPr>
+              <a:buFont typeface="Arial" panose="020B0604020202020204" pitchFamily="34" charset="0"/>
+              <a:buChar char="•"/>
+            </a:pPr>
+            <a:r>
+              <a:rPr lang="en-US" dirty="0"/>
+              <a:t>Installing </a:t>
             </a:r>
             <a:r>
               <a:rPr lang="en-US" b="1" dirty="0"/>
@@ -5488,7 +6181,10 @@
             <a:endParaRPr lang="en-US" dirty="0"/>
           </a:p>
           <a:p>
-            <a:pPr lvl="1"/>
+            <a:pPr lvl="1">
+              <a:buFont typeface="Arial" panose="020B0604020202020204" pitchFamily="34" charset="0"/>
+              <a:buChar char="•"/>
+            </a:pPr>
             <a:endParaRPr lang="en-US" dirty="0"/>
           </a:p>
         </p:txBody>
@@ -5680,7 +6376,90 @@
 </p:sld>
 </file>
 
-<file path=ppt/slides/slide14.xml><?xml version="1.0" encoding="utf-8"?>
+<file path=ppt/slides/slide17.xml><?xml version="1.0" encoding="utf-8"?>
+<p:sld xmlns:a="http://schemas.openxmlformats.org/drawingml/2006/main" xmlns:r="http://schemas.openxmlformats.org/officeDocument/2006/relationships" xmlns:p="http://schemas.openxmlformats.org/presentationml/2006/main">
+  <p:cSld>
+    <p:spTree>
+      <p:nvGrpSpPr>
+        <p:cNvPr id="1" name=""/>
+        <p:cNvGrpSpPr/>
+        <p:nvPr/>
+      </p:nvGrpSpPr>
+      <p:grpSpPr>
+        <a:xfrm>
+          <a:off x="0" y="0"/>
+          <a:ext cx="0" cy="0"/>
+          <a:chOff x="0" y="0"/>
+          <a:chExt cx="0" cy="0"/>
+        </a:xfrm>
+      </p:grpSpPr>
+      <p:sp>
+        <p:nvSpPr>
+          <p:cNvPr id="2" name="Title 1">
+            <a:extLst>
+              <a:ext uri="{FF2B5EF4-FFF2-40B4-BE49-F238E27FC236}">
+                <a16:creationId xmlns:a16="http://schemas.microsoft.com/office/drawing/2014/main" id="{8BD65AA8-7D61-E5D9-B0FF-C8D74CDBA29D}"/>
+              </a:ext>
+            </a:extLst>
+          </p:cNvPr>
+          <p:cNvSpPr>
+            <a:spLocks noGrp="1"/>
+          </p:cNvSpPr>
+          <p:nvPr>
+            <p:ph type="title"/>
+          </p:nvPr>
+        </p:nvSpPr>
+        <p:spPr/>
+        <p:txBody>
+          <a:bodyPr/>
+          <a:lstStyle/>
+          <a:p>
+            <a:r>
+              <a:rPr lang="en-US" dirty="0"/>
+              <a:t>Python Environment</a:t>
+            </a:r>
+          </a:p>
+        </p:txBody>
+      </p:sp>
+      <p:sp>
+        <p:nvSpPr>
+          <p:cNvPr id="3" name="Text Placeholder 2">
+            <a:extLst>
+              <a:ext uri="{FF2B5EF4-FFF2-40B4-BE49-F238E27FC236}">
+                <a16:creationId xmlns:a16="http://schemas.microsoft.com/office/drawing/2014/main" id="{F256532B-9CAE-09F6-A539-8A6658897BF1}"/>
+              </a:ext>
+            </a:extLst>
+          </p:cNvPr>
+          <p:cNvSpPr>
+            <a:spLocks noGrp="1"/>
+          </p:cNvSpPr>
+          <p:nvPr>
+            <p:ph type="body" idx="1"/>
+          </p:nvPr>
+        </p:nvSpPr>
+        <p:spPr/>
+        <p:txBody>
+          <a:bodyPr/>
+          <a:lstStyle/>
+          <a:p>
+            <a:endParaRPr lang="en-US"/>
+          </a:p>
+        </p:txBody>
+      </p:sp>
+    </p:spTree>
+    <p:extLst>
+      <p:ext uri="{BB962C8B-B14F-4D97-AF65-F5344CB8AC3E}">
+        <p14:creationId xmlns:p14="http://schemas.microsoft.com/office/powerpoint/2010/main" val="2354624553"/>
+      </p:ext>
+    </p:extLst>
+  </p:cSld>
+  <p:clrMapOvr>
+    <a:masterClrMapping/>
+  </p:clrMapOvr>
+</p:sld>
+</file>
+
+<file path=ppt/slides/slide18.xml><?xml version="1.0" encoding="utf-8"?>
 <p:sld xmlns:a="http://schemas.openxmlformats.org/drawingml/2006/main" xmlns:r="http://schemas.openxmlformats.org/officeDocument/2006/relationships" xmlns:p="http://schemas.openxmlformats.org/presentationml/2006/main">
   <p:cSld>
     <p:spTree>
@@ -5753,6 +6532,10 @@
           </a:bodyPr>
           <a:lstStyle/>
           <a:p>
+            <a:pPr>
+              <a:buFont typeface="Arial" panose="020B0604020202020204" pitchFamily="34" charset="0"/>
+              <a:buChar char="•"/>
+            </a:pPr>
             <a:r>
               <a:rPr lang="en-US" dirty="0"/>
               <a:t> Using  `</a:t>
@@ -5783,24 +6566,37 @@
             </a:r>
           </a:p>
           <a:p>
-            <a:pPr lvl="1"/>
+            <a:pPr lvl="1">
+              <a:buFont typeface="Arial" panose="020B0604020202020204" pitchFamily="34" charset="0"/>
+              <a:buChar char="•"/>
+            </a:pPr>
             <a:endParaRPr lang="en-US" dirty="0"/>
           </a:p>
           <a:p>
-            <a:pPr lvl="1"/>
+            <a:pPr lvl="1">
+              <a:buFont typeface="Arial" panose="020B0604020202020204" pitchFamily="34" charset="0"/>
+              <a:buChar char="•"/>
+            </a:pPr>
             <a:endParaRPr lang="en-US" dirty="0"/>
           </a:p>
           <a:p>
-            <a:pPr lvl="1"/>
+            <a:pPr lvl="1">
+              <a:buFont typeface="Arial" panose="020B0604020202020204" pitchFamily="34" charset="0"/>
+              <a:buChar char="•"/>
+            </a:pPr>
             <a:endParaRPr lang="en-US" dirty="0"/>
           </a:p>
           <a:p>
-            <a:pPr lvl="1"/>
+            <a:pPr lvl="1">
+              <a:buFont typeface="Arial" panose="020B0604020202020204" pitchFamily="34" charset="0"/>
+              <a:buChar char="•"/>
+            </a:pPr>
             <a:endParaRPr lang="en-US" dirty="0"/>
           </a:p>
           <a:p>
-            <a:pPr marL="457200" lvl="1" indent="0">
-              <a:buNone/>
+            <a:pPr lvl="1">
+              <a:buFont typeface="Arial" panose="020B0604020202020204" pitchFamily="34" charset="0"/>
+              <a:buChar char="•"/>
             </a:pPr>
             <a:endParaRPr lang="en-US" dirty="0"/>
           </a:p>
@@ -5829,6 +6625,11 @@
           <a:solidFill>
             <a:schemeClr val="tx1"/>
           </a:solidFill>
+          <a:ln>
+            <a:solidFill>
+              <a:srgbClr val="00B0F0"/>
+            </a:solidFill>
+          </a:ln>
         </p:spPr>
         <p:txBody>
           <a:bodyPr wrap="square" rtlCol="0">
@@ -5839,7 +6640,7 @@
             <a:r>
               <a:rPr lang="en-US" b="1" dirty="0">
                 <a:solidFill>
-                  <a:srgbClr val="ECFC00"/>
+                  <a:srgbClr val="00B0F0"/>
                 </a:solidFill>
                 <a:latin typeface="Consolas" panose="020B0609020204030204" pitchFamily="49" charset="0"/>
               </a:rPr>
@@ -5848,7 +6649,7 @@
             <a:r>
               <a:rPr lang="en-US" b="1" dirty="0">
                 <a:solidFill>
-                  <a:srgbClr val="ECFC00"/>
+                  <a:srgbClr val="00B0F0"/>
                 </a:solidFill>
                 <a:effectLst/>
                 <a:latin typeface="Consolas" panose="020B0609020204030204" pitchFamily="49" charset="0"/>
@@ -5858,7 +6659,7 @@
             <a:r>
               <a:rPr lang="en-US" b="1" dirty="0" err="1">
                 <a:solidFill>
-                  <a:srgbClr val="ECFC00"/>
+                  <a:srgbClr val="00B0F0"/>
                 </a:solidFill>
                 <a:effectLst/>
                 <a:latin typeface="Consolas" panose="020B0609020204030204" pitchFamily="49" charset="0"/>
@@ -5868,7 +6669,7 @@
             <a:r>
               <a:rPr lang="en-US" b="1" dirty="0">
                 <a:solidFill>
-                  <a:srgbClr val="ECFC00"/>
+                  <a:srgbClr val="00B0F0"/>
                 </a:solidFill>
                 <a:effectLst/>
                 <a:latin typeface="Consolas" panose="020B0609020204030204" pitchFamily="49" charset="0"/>
@@ -5877,7 +6678,7 @@
             </a:r>
             <a:endParaRPr lang="en-US" b="0" dirty="0">
               <a:solidFill>
-                <a:srgbClr val="ECFC00"/>
+                <a:srgbClr val="00B0F0"/>
               </a:solidFill>
               <a:effectLst/>
               <a:latin typeface="Consolas" panose="020B0609020204030204" pitchFamily="49" charset="0"/>
@@ -5887,7 +6688,7 @@
             <a:r>
               <a:rPr lang="en-US" b="0" dirty="0">
                 <a:solidFill>
-                  <a:srgbClr val="ECFC00"/>
+                  <a:srgbClr val="00B0F0"/>
                 </a:solidFill>
                 <a:effectLst/>
                 <a:latin typeface="Consolas" panose="020B0609020204030204" pitchFamily="49" charset="0"/>
@@ -5918,7 +6719,7 @@
             <a:r>
               <a:rPr lang="en-US" b="0" dirty="0">
                 <a:solidFill>
-                  <a:srgbClr val="ECFC00"/>
+                  <a:srgbClr val="00B0F0"/>
                 </a:solidFill>
                 <a:effectLst/>
                 <a:latin typeface="Consolas" panose="020B0609020204030204" pitchFamily="49" charset="0"/>
@@ -5928,7 +6729,7 @@
             <a:r>
               <a:rPr lang="en-US" b="0" dirty="0" err="1">
                 <a:solidFill>
-                  <a:srgbClr val="ECFC00"/>
+                  <a:srgbClr val="00B0F0"/>
                 </a:solidFill>
                 <a:effectLst/>
                 <a:latin typeface="Consolas" panose="020B0609020204030204" pitchFamily="49" charset="0"/>
@@ -5938,7 +6739,7 @@
             <a:r>
               <a:rPr lang="en-US" b="0" dirty="0">
                 <a:solidFill>
-                  <a:srgbClr val="ECFC00"/>
+                  <a:srgbClr val="00B0F0"/>
                 </a:solidFill>
                 <a:effectLst/>
                 <a:latin typeface="Consolas" panose="020B0609020204030204" pitchFamily="49" charset="0"/>
@@ -5948,7 +6749,7 @@
             <a:r>
               <a:rPr lang="en-US" b="0" dirty="0" err="1">
                 <a:solidFill>
-                  <a:srgbClr val="ECFC00"/>
+                  <a:srgbClr val="00B0F0"/>
                 </a:solidFill>
                 <a:effectLst/>
                 <a:latin typeface="Consolas" panose="020B0609020204030204" pitchFamily="49" charset="0"/>
@@ -5958,7 +6759,7 @@
             <a:r>
               <a:rPr lang="en-US" b="0" dirty="0">
                 <a:solidFill>
-                  <a:srgbClr val="ECFC00"/>
+                  <a:srgbClr val="00B0F0"/>
                 </a:solidFill>
                 <a:effectLst/>
                 <a:latin typeface="Consolas" panose="020B0609020204030204" pitchFamily="49" charset="0"/>
@@ -6032,7 +6833,7 @@
             <a:r>
               <a:rPr lang="en-US" b="0" dirty="0">
                 <a:solidFill>
-                  <a:srgbClr val="ECFC00"/>
+                  <a:srgbClr val="00B0F0"/>
                 </a:solidFill>
                 <a:effectLst/>
                 <a:latin typeface="Consolas" panose="020B0609020204030204" pitchFamily="49" charset="0"/>
@@ -6053,7 +6854,7 @@
             <a:r>
               <a:rPr lang="en-US" b="1" dirty="0">
                 <a:solidFill>
-                  <a:srgbClr val="ECFC00"/>
+                  <a:srgbClr val="00B0F0"/>
                 </a:solidFill>
                 <a:latin typeface="Consolas" panose="020B0609020204030204" pitchFamily="49" charset="0"/>
               </a:rPr>
@@ -6062,7 +6863,7 @@
             <a:r>
               <a:rPr lang="en-US" b="1" dirty="0" err="1">
                 <a:solidFill>
-                  <a:srgbClr val="ECFC00"/>
+                  <a:srgbClr val="00B0F0"/>
                 </a:solidFill>
                 <a:latin typeface="Consolas" panose="020B0609020204030204" pitchFamily="49" charset="0"/>
               </a:rPr>
@@ -6071,7 +6872,7 @@
             <a:r>
               <a:rPr lang="en-US" b="1" dirty="0">
                 <a:solidFill>
-                  <a:srgbClr val="ECFC00"/>
+                  <a:srgbClr val="00B0F0"/>
                 </a:solidFill>
                 <a:latin typeface="Consolas" panose="020B0609020204030204" pitchFamily="49" charset="0"/>
               </a:rPr>
@@ -6112,7 +6913,7 @@
             <a:r>
               <a:rPr lang="en-US" b="0" dirty="0">
                 <a:solidFill>
-                  <a:srgbClr val="ECFC00"/>
+                  <a:srgbClr val="00B0F0"/>
                 </a:solidFill>
                 <a:effectLst/>
                 <a:latin typeface="Consolas" panose="020B0609020204030204" pitchFamily="49" charset="0"/>
@@ -6154,7 +6955,7 @@
             <a:r>
               <a:rPr lang="en-US" b="0" dirty="0">
                 <a:solidFill>
-                  <a:srgbClr val="ECFC00"/>
+                  <a:srgbClr val="00B0F0"/>
                 </a:solidFill>
                 <a:effectLst/>
                 <a:latin typeface="Consolas" panose="020B0609020204030204" pitchFamily="49" charset="0"/>
@@ -6174,7 +6975,7 @@
             <a:r>
               <a:rPr lang="en-US" b="1" dirty="0">
                 <a:solidFill>
-                  <a:srgbClr val="ECFC00"/>
+                  <a:srgbClr val="00B0F0"/>
                 </a:solidFill>
                 <a:latin typeface="Consolas" panose="020B0609020204030204" pitchFamily="49" charset="0"/>
               </a:rPr>
@@ -6182,7 +6983,7 @@
             </a:r>
             <a:endParaRPr lang="en-US" b="0" dirty="0">
               <a:solidFill>
-                <a:srgbClr val="FFFFFF"/>
+                <a:srgbClr val="00B0F0"/>
               </a:solidFill>
               <a:effectLst/>
               <a:latin typeface="Consolas" panose="020B0609020204030204" pitchFamily="49" charset="0"/>
@@ -6201,7 +7002,7 @@
             <a:r>
               <a:rPr lang="en-US" b="1" dirty="0">
                 <a:solidFill>
-                  <a:srgbClr val="ECFC00"/>
+                  <a:srgbClr val="00B0F0"/>
                 </a:solidFill>
                 <a:latin typeface="Consolas" panose="020B0609020204030204" pitchFamily="49" charset="0"/>
               </a:rPr>
@@ -6210,7 +7011,7 @@
             <a:r>
               <a:rPr lang="en-US" b="1" dirty="0" err="1">
                 <a:solidFill>
-                  <a:srgbClr val="ECFC00"/>
+                  <a:srgbClr val="00B0F0"/>
                 </a:solidFill>
                 <a:latin typeface="Consolas" panose="020B0609020204030204" pitchFamily="49" charset="0"/>
               </a:rPr>
@@ -6219,7 +7020,7 @@
             <a:r>
               <a:rPr lang="en-US" b="1" dirty="0">
                 <a:solidFill>
-                  <a:srgbClr val="ECFC00"/>
+                  <a:srgbClr val="00B0F0"/>
                 </a:solidFill>
                 <a:latin typeface="Consolas" panose="020B0609020204030204" pitchFamily="49" charset="0"/>
               </a:rPr>
@@ -7021,7 +7822,7 @@
 </p:sld>
 </file>
 
-<file path=ppt/slides/slide15.xml><?xml version="1.0" encoding="utf-8"?>
+<file path=ppt/slides/slide19.xml><?xml version="1.0" encoding="utf-8"?>
 <p:sld xmlns:a="http://schemas.openxmlformats.org/drawingml/2006/main" xmlns:r="http://schemas.openxmlformats.org/officeDocument/2006/relationships" xmlns:p="http://schemas.openxmlformats.org/presentationml/2006/main">
   <p:cSld>
     <p:spTree>
@@ -7094,6 +7895,10 @@
           </a:bodyPr>
           <a:lstStyle/>
           <a:p>
+            <a:pPr>
+              <a:buFont typeface="Arial" panose="020B0604020202020204" pitchFamily="34" charset="0"/>
+              <a:buChar char="•"/>
+            </a:pPr>
             <a:r>
               <a:rPr lang="en-US" dirty="0"/>
               <a:t> Using `</a:t>
@@ -7108,24 +7913,37 @@
             </a:r>
           </a:p>
           <a:p>
-            <a:pPr lvl="1"/>
+            <a:pPr lvl="1">
+              <a:buFont typeface="Arial" panose="020B0604020202020204" pitchFamily="34" charset="0"/>
+              <a:buChar char="•"/>
+            </a:pPr>
             <a:endParaRPr lang="en-US" dirty="0"/>
           </a:p>
           <a:p>
-            <a:pPr lvl="1"/>
+            <a:pPr lvl="1">
+              <a:buFont typeface="Arial" panose="020B0604020202020204" pitchFamily="34" charset="0"/>
+              <a:buChar char="•"/>
+            </a:pPr>
             <a:endParaRPr lang="en-US" dirty="0"/>
           </a:p>
           <a:p>
-            <a:pPr lvl="1"/>
+            <a:pPr lvl="1">
+              <a:buFont typeface="Arial" panose="020B0604020202020204" pitchFamily="34" charset="0"/>
+              <a:buChar char="•"/>
+            </a:pPr>
             <a:endParaRPr lang="en-US" dirty="0"/>
           </a:p>
           <a:p>
-            <a:pPr lvl="1"/>
+            <a:pPr lvl="1">
+              <a:buFont typeface="Arial" panose="020B0604020202020204" pitchFamily="34" charset="0"/>
+              <a:buChar char="•"/>
+            </a:pPr>
             <a:endParaRPr lang="en-US" dirty="0"/>
           </a:p>
           <a:p>
-            <a:pPr marL="457200" lvl="1" indent="0">
-              <a:buNone/>
+            <a:pPr lvl="1">
+              <a:buFont typeface="Arial" panose="020B0604020202020204" pitchFamily="34" charset="0"/>
+              <a:buChar char="•"/>
             </a:pPr>
             <a:endParaRPr lang="en-US" dirty="0"/>
           </a:p>
@@ -7164,7 +7982,7 @@
             <a:r>
               <a:rPr lang="en-US" b="1" dirty="0">
                 <a:solidFill>
-                  <a:srgbClr val="ECFC00"/>
+                  <a:srgbClr val="00B0F0"/>
                 </a:solidFill>
                 <a:latin typeface="Consolas" panose="020B0609020204030204" pitchFamily="49" charset="0"/>
               </a:rPr>
@@ -7173,7 +7991,7 @@
             <a:r>
               <a:rPr lang="en-US" b="1" dirty="0">
                 <a:solidFill>
-                  <a:srgbClr val="ECFC00"/>
+                  <a:srgbClr val="00B0F0"/>
                 </a:solidFill>
                 <a:effectLst/>
                 <a:latin typeface="Consolas" panose="020B0609020204030204" pitchFamily="49" charset="0"/>
@@ -7183,7 +8001,7 @@
             <a:r>
               <a:rPr lang="en-US" b="1" dirty="0" err="1">
                 <a:solidFill>
-                  <a:srgbClr val="ECFC00"/>
+                  <a:srgbClr val="00B0F0"/>
                 </a:solidFill>
                 <a:effectLst/>
                 <a:latin typeface="Consolas" panose="020B0609020204030204" pitchFamily="49" charset="0"/>
@@ -7193,7 +8011,7 @@
             <a:r>
               <a:rPr lang="en-US" b="1" dirty="0">
                 <a:solidFill>
-                  <a:srgbClr val="ECFC00"/>
+                  <a:srgbClr val="00B0F0"/>
                 </a:solidFill>
                 <a:effectLst/>
                 <a:latin typeface="Consolas" panose="020B0609020204030204" pitchFamily="49" charset="0"/>
@@ -7203,7 +8021,7 @@
             <a:r>
               <a:rPr lang="en-US" b="0" dirty="0" err="1">
                 <a:solidFill>
-                  <a:srgbClr val="ECFC00"/>
+                  <a:srgbClr val="00B0F0"/>
                 </a:solidFill>
                 <a:effectLst/>
                 <a:latin typeface="Consolas" panose="020B0609020204030204" pitchFamily="49" charset="0"/>
@@ -7213,7 +8031,7 @@
             <a:r>
               <a:rPr lang="en-US" b="0" dirty="0">
                 <a:solidFill>
-                  <a:srgbClr val="ECFC00"/>
+                  <a:srgbClr val="00B0F0"/>
                 </a:solidFill>
                 <a:effectLst/>
                 <a:latin typeface="Consolas" panose="020B0609020204030204" pitchFamily="49" charset="0"/>
@@ -7223,7 +8041,7 @@
             <a:r>
               <a:rPr lang="en-US" b="0" dirty="0" err="1">
                 <a:solidFill>
-                  <a:srgbClr val="ECFC00"/>
+                  <a:srgbClr val="00B0F0"/>
                 </a:solidFill>
                 <a:effectLst/>
                 <a:latin typeface="Consolas" panose="020B0609020204030204" pitchFamily="49" charset="0"/>
@@ -7233,7 +8051,7 @@
             <a:r>
               <a:rPr lang="en-US" b="0" dirty="0">
                 <a:solidFill>
-                  <a:srgbClr val="ECFC00"/>
+                  <a:srgbClr val="00B0F0"/>
                 </a:solidFill>
                 <a:effectLst/>
                 <a:latin typeface="Consolas" panose="020B0609020204030204" pitchFamily="49" charset="0"/>
@@ -7296,7 +8114,7 @@
             <a:r>
               <a:rPr lang="en-US" b="1" dirty="0">
                 <a:solidFill>
-                  <a:srgbClr val="ECFC00"/>
+                  <a:srgbClr val="00B0F0"/>
                 </a:solidFill>
                 <a:latin typeface="Consolas" panose="020B0609020204030204" pitchFamily="49" charset="0"/>
               </a:rPr>
@@ -7305,7 +8123,7 @@
             <a:r>
               <a:rPr lang="en-US" b="1" dirty="0" err="1">
                 <a:solidFill>
-                  <a:srgbClr val="ECFC00"/>
+                  <a:srgbClr val="00B0F0"/>
                 </a:solidFill>
                 <a:latin typeface="Consolas" panose="020B0609020204030204" pitchFamily="49" charset="0"/>
               </a:rPr>
@@ -7314,7 +8132,7 @@
             <a:r>
               <a:rPr lang="en-US" b="1" dirty="0">
                 <a:solidFill>
-                  <a:srgbClr val="ECFC00"/>
+                  <a:srgbClr val="00B0F0"/>
                 </a:solidFill>
                 <a:latin typeface="Consolas" panose="020B0609020204030204" pitchFamily="49" charset="0"/>
               </a:rPr>
@@ -7372,7 +8190,7 @@
             <a:r>
               <a:rPr lang="en-US" b="1" dirty="0">
                 <a:solidFill>
-                  <a:srgbClr val="ECFC00"/>
+                  <a:srgbClr val="00B0F0"/>
                 </a:solidFill>
                 <a:latin typeface="Consolas" panose="020B0609020204030204" pitchFamily="49" charset="0"/>
               </a:rPr>
@@ -7380,7 +8198,7 @@
             </a:r>
             <a:endParaRPr lang="en-US" b="0" dirty="0">
               <a:solidFill>
-                <a:srgbClr val="FFFFFF"/>
+                <a:srgbClr val="00B0F0"/>
               </a:solidFill>
               <a:effectLst/>
               <a:latin typeface="Consolas" panose="020B0609020204030204" pitchFamily="49" charset="0"/>
@@ -7399,7 +8217,7 @@
             <a:r>
               <a:rPr lang="en-US" b="1" dirty="0">
                 <a:solidFill>
-                  <a:srgbClr val="ECFC00"/>
+                  <a:srgbClr val="00B0F0"/>
                 </a:solidFill>
                 <a:latin typeface="Consolas" panose="020B0609020204030204" pitchFamily="49" charset="0"/>
               </a:rPr>
@@ -7408,7 +8226,7 @@
             <a:r>
               <a:rPr lang="en-US" b="1" dirty="0" err="1">
                 <a:solidFill>
-                  <a:srgbClr val="ECFC00"/>
+                  <a:srgbClr val="00B0F0"/>
                 </a:solidFill>
                 <a:latin typeface="Consolas" panose="020B0609020204030204" pitchFamily="49" charset="0"/>
               </a:rPr>
@@ -7417,7 +8235,7 @@
             <a:r>
               <a:rPr lang="en-US" b="1" dirty="0">
                 <a:solidFill>
-                  <a:srgbClr val="ECFC00"/>
+                  <a:srgbClr val="00B0F0"/>
                 </a:solidFill>
                 <a:latin typeface="Consolas" panose="020B0609020204030204" pitchFamily="49" charset="0"/>
               </a:rPr>
@@ -7470,7 +8288,7 @@
         </p:blipFill>
         <p:spPr>
           <a:xfrm>
-            <a:off x="6948043" y="3920828"/>
+            <a:off x="4444125" y="3799933"/>
             <a:ext cx="3057525" cy="190500"/>
           </a:xfrm>
           <a:prstGeom prst="rect">
@@ -7500,7 +8318,7 @@
         </p:blipFill>
         <p:spPr>
           <a:xfrm>
-            <a:off x="6948043" y="5234937"/>
+            <a:off x="3966718" y="5158025"/>
             <a:ext cx="2981325" cy="190500"/>
           </a:xfrm>
           <a:prstGeom prst="rect">
@@ -8048,7 +8866,189 @@
 </p:sld>
 </file>
 
-<file path=ppt/slides/slide16.xml><?xml version="1.0" encoding="utf-8"?>
+<file path=ppt/slides/slide2.xml><?xml version="1.0" encoding="utf-8"?>
+<p:sld xmlns:a="http://schemas.openxmlformats.org/drawingml/2006/main" xmlns:r="http://schemas.openxmlformats.org/officeDocument/2006/relationships" xmlns:p="http://schemas.openxmlformats.org/presentationml/2006/main">
+  <p:cSld>
+    <p:spTree>
+      <p:nvGrpSpPr>
+        <p:cNvPr id="1" name=""/>
+        <p:cNvGrpSpPr/>
+        <p:nvPr/>
+      </p:nvGrpSpPr>
+      <p:grpSpPr>
+        <a:xfrm>
+          <a:off x="0" y="0"/>
+          <a:ext cx="0" cy="0"/>
+          <a:chOff x="0" y="0"/>
+          <a:chExt cx="0" cy="0"/>
+        </a:xfrm>
+      </p:grpSpPr>
+      <p:sp>
+        <p:nvSpPr>
+          <p:cNvPr id="42" name="Title 1">
+            <a:extLst>
+              <a:ext uri="{FF2B5EF4-FFF2-40B4-BE49-F238E27FC236}">
+                <a16:creationId xmlns:a16="http://schemas.microsoft.com/office/drawing/2014/main" id="{53AD96E6-67B2-02CD-F910-420EA60CDC1C}"/>
+              </a:ext>
+            </a:extLst>
+          </p:cNvPr>
+          <p:cNvSpPr>
+            <a:spLocks noGrp="1"/>
+          </p:cNvSpPr>
+          <p:nvPr>
+            <p:ph type="title"/>
+          </p:nvPr>
+        </p:nvSpPr>
+        <p:spPr>
+          <a:xfrm>
+            <a:off x="838200" y="365125"/>
+            <a:ext cx="11036300" cy="1325563"/>
+          </a:xfrm>
+        </p:spPr>
+        <p:txBody>
+          <a:bodyPr/>
+          <a:lstStyle/>
+          <a:p>
+            <a:r>
+              <a:rPr lang="en-US" dirty="0"/>
+              <a:t>Software Prerequisites for Python Projects</a:t>
+            </a:r>
+          </a:p>
+        </p:txBody>
+      </p:sp>
+      <p:pic>
+        <p:nvPicPr>
+          <p:cNvPr id="5" name="Picture 4" descr="A blue and yellow snake logo&#10;&#10;Description automatically generated">
+            <a:extLst>
+              <a:ext uri="{FF2B5EF4-FFF2-40B4-BE49-F238E27FC236}">
+                <a16:creationId xmlns:a16="http://schemas.microsoft.com/office/drawing/2014/main" id="{F66A0DBE-F9EE-71E1-EB03-2EAE29914608}"/>
+              </a:ext>
+            </a:extLst>
+          </p:cNvPr>
+          <p:cNvPicPr>
+            <a:picLocks noChangeAspect="1"/>
+          </p:cNvPicPr>
+          <p:nvPr/>
+        </p:nvPicPr>
+        <p:blipFill>
+          <a:blip r:embed="rId3">
+            <a:extLst>
+              <a:ext uri="{28A0092B-C50C-407E-A947-70E740481C1C}">
+                <a14:useLocalDpi xmlns:a14="http://schemas.microsoft.com/office/drawing/2010/main" val="0"/>
+              </a:ext>
+            </a:extLst>
+          </a:blip>
+          <a:stretch>
+            <a:fillRect/>
+          </a:stretch>
+        </p:blipFill>
+        <p:spPr>
+          <a:xfrm>
+            <a:off x="11353800" y="543876"/>
+            <a:ext cx="341829" cy="376173"/>
+          </a:xfrm>
+          <a:prstGeom prst="rect">
+            <a:avLst/>
+          </a:prstGeom>
+        </p:spPr>
+      </p:pic>
+    </p:spTree>
+    <p:extLst>
+      <p:ext uri="{BB962C8B-B14F-4D97-AF65-F5344CB8AC3E}">
+        <p14:creationId xmlns:p14="http://schemas.microsoft.com/office/powerpoint/2010/main" val="815458470"/>
+      </p:ext>
+    </p:extLst>
+  </p:cSld>
+  <p:clrMapOvr>
+    <a:masterClrMapping/>
+  </p:clrMapOvr>
+</p:sld>
+</file>
+
+<file path=ppt/slides/slide20.xml><?xml version="1.0" encoding="utf-8"?>
+<p:sld xmlns:a="http://schemas.openxmlformats.org/drawingml/2006/main" xmlns:r="http://schemas.openxmlformats.org/officeDocument/2006/relationships" xmlns:p="http://schemas.openxmlformats.org/presentationml/2006/main">
+  <p:cSld>
+    <p:spTree>
+      <p:nvGrpSpPr>
+        <p:cNvPr id="1" name=""/>
+        <p:cNvGrpSpPr/>
+        <p:nvPr/>
+      </p:nvGrpSpPr>
+      <p:grpSpPr>
+        <a:xfrm>
+          <a:off x="0" y="0"/>
+          <a:ext cx="0" cy="0"/>
+          <a:chOff x="0" y="0"/>
+          <a:chExt cx="0" cy="0"/>
+        </a:xfrm>
+      </p:grpSpPr>
+      <p:sp>
+        <p:nvSpPr>
+          <p:cNvPr id="2" name="Title 1">
+            <a:extLst>
+              <a:ext uri="{FF2B5EF4-FFF2-40B4-BE49-F238E27FC236}">
+                <a16:creationId xmlns:a16="http://schemas.microsoft.com/office/drawing/2014/main" id="{8BD65AA8-7D61-E5D9-B0FF-C8D74CDBA29D}"/>
+              </a:ext>
+            </a:extLst>
+          </p:cNvPr>
+          <p:cNvSpPr>
+            <a:spLocks noGrp="1"/>
+          </p:cNvSpPr>
+          <p:nvPr>
+            <p:ph type="title"/>
+          </p:nvPr>
+        </p:nvSpPr>
+        <p:spPr/>
+        <p:txBody>
+          <a:bodyPr/>
+          <a:lstStyle/>
+          <a:p>
+            <a:r>
+              <a:rPr lang="en-US" dirty="0"/>
+              <a:t>Python Package Installation</a:t>
+            </a:r>
+          </a:p>
+        </p:txBody>
+      </p:sp>
+      <p:sp>
+        <p:nvSpPr>
+          <p:cNvPr id="3" name="Text Placeholder 2">
+            <a:extLst>
+              <a:ext uri="{FF2B5EF4-FFF2-40B4-BE49-F238E27FC236}">
+                <a16:creationId xmlns:a16="http://schemas.microsoft.com/office/drawing/2014/main" id="{F256532B-9CAE-09F6-A539-8A6658897BF1}"/>
+              </a:ext>
+            </a:extLst>
+          </p:cNvPr>
+          <p:cNvSpPr>
+            <a:spLocks noGrp="1"/>
+          </p:cNvSpPr>
+          <p:nvPr>
+            <p:ph type="body" idx="1"/>
+          </p:nvPr>
+        </p:nvSpPr>
+        <p:spPr/>
+        <p:txBody>
+          <a:bodyPr/>
+          <a:lstStyle/>
+          <a:p>
+            <a:endParaRPr lang="en-US"/>
+          </a:p>
+        </p:txBody>
+      </p:sp>
+    </p:spTree>
+    <p:extLst>
+      <p:ext uri="{BB962C8B-B14F-4D97-AF65-F5344CB8AC3E}">
+        <p14:creationId xmlns:p14="http://schemas.microsoft.com/office/powerpoint/2010/main" val="3897943914"/>
+      </p:ext>
+    </p:extLst>
+  </p:cSld>
+  <p:clrMapOvr>
+    <a:masterClrMapping/>
+  </p:clrMapOvr>
+</p:sld>
+</file>
+
+<file path=ppt/slides/slide21.xml><?xml version="1.0" encoding="utf-8"?>
 <p:sld xmlns:a="http://schemas.openxmlformats.org/drawingml/2006/main" xmlns:r="http://schemas.openxmlformats.org/officeDocument/2006/relationships" xmlns:p="http://schemas.openxmlformats.org/presentationml/2006/main">
   <p:cSld>
     <p:spTree>
@@ -8111,8 +9111,8 @@
         </p:nvSpPr>
         <p:spPr>
           <a:xfrm>
-            <a:off x="838200" y="1825624"/>
-            <a:ext cx="5143500" cy="4919421"/>
+            <a:off x="838199" y="1825624"/>
+            <a:ext cx="6092439" cy="4919421"/>
           </a:xfrm>
         </p:spPr>
         <p:txBody>
@@ -8121,12 +9121,26 @@
           </a:bodyPr>
           <a:lstStyle/>
           <a:p>
+            <a:pPr>
+              <a:lnSpc>
+                <a:spcPct val="100000"/>
+              </a:lnSpc>
+              <a:buFont typeface="Arial" panose="020B0604020202020204" pitchFamily="34" charset="0"/>
+              <a:buChar char="•"/>
+            </a:pPr>
             <a:r>
               <a:rPr lang="en-US" dirty="0"/>
-              <a:t> Activate Python environment </a:t>
-            </a:r>
-          </a:p>
-          <a:p>
+              <a:t> Activating Python environment </a:t>
+            </a:r>
+          </a:p>
+          <a:p>
+            <a:pPr>
+              <a:lnSpc>
+                <a:spcPct val="100000"/>
+              </a:lnSpc>
+              <a:buFont typeface="Arial" panose="020B0604020202020204" pitchFamily="34" charset="0"/>
+              <a:buChar char="•"/>
+            </a:pPr>
             <a:r>
               <a:rPr lang="en-US" dirty="0"/>
               <a:t> Using `pip` inside either </a:t>
@@ -8149,21 +9163,98 @@
             </a:r>
           </a:p>
           <a:p>
-            <a:pPr marL="0" indent="0">
-              <a:buNone/>
+            <a:pPr lvl="1">
+              <a:lnSpc>
+                <a:spcPct val="100000"/>
+              </a:lnSpc>
+              <a:buFont typeface="Arial" panose="020B0604020202020204" pitchFamily="34" charset="0"/>
+              <a:buChar char="•"/>
+            </a:pPr>
+            <a:r>
+              <a:rPr lang="en-US" dirty="0"/>
+              <a:t> Installing a Python package</a:t>
+            </a:r>
+          </a:p>
+          <a:p>
+            <a:pPr lvl="2">
+              <a:lnSpc>
+                <a:spcPct val="100000"/>
+              </a:lnSpc>
+              <a:buFont typeface="Arial" panose="020B0604020202020204" pitchFamily="34" charset="0"/>
+              <a:buChar char="•"/>
+            </a:pPr>
+            <a:r>
+              <a:rPr lang="en-US" dirty="0"/>
+              <a:t>`</a:t>
+            </a:r>
+            <a:r>
+              <a:rPr lang="en-US" b="1" dirty="0"/>
+              <a:t>pip install </a:t>
+            </a:r>
+            <a:r>
+              <a:rPr lang="en-US" b="1" dirty="0" err="1"/>
+              <a:t>package_name</a:t>
+            </a:r>
+            <a:r>
+              <a:rPr lang="en-US" b="1" dirty="0"/>
+              <a:t>==version</a:t>
+            </a:r>
+            <a:r>
+              <a:rPr lang="en-US" dirty="0"/>
+              <a:t>`</a:t>
+            </a:r>
+          </a:p>
+          <a:p>
+            <a:pPr lvl="2">
+              <a:lnSpc>
+                <a:spcPct val="100000"/>
+              </a:lnSpc>
+              <a:buFont typeface="Arial" panose="020B0604020202020204" pitchFamily="34" charset="0"/>
+              <a:buChar char="•"/>
+            </a:pPr>
+            <a:r>
+              <a:rPr lang="en-US" dirty="0"/>
+              <a:t>E.g. `</a:t>
+            </a:r>
+            <a:r>
+              <a:rPr lang="en-US" b="1" dirty="0"/>
+              <a:t>pip install torch==2.3.0</a:t>
+            </a:r>
+            <a:r>
+              <a:rPr lang="en-US" dirty="0"/>
+              <a:t>`</a:t>
+            </a:r>
+          </a:p>
+          <a:p>
+            <a:pPr lvl="1">
+              <a:lnSpc>
+                <a:spcPct val="100000"/>
+              </a:lnSpc>
+              <a:buFont typeface="Arial" panose="020B0604020202020204" pitchFamily="34" charset="0"/>
+              <a:buChar char="•"/>
             </a:pPr>
             <a:endParaRPr lang="en-US" dirty="0"/>
           </a:p>
           <a:p>
-            <a:pPr lvl="1"/>
+            <a:pPr lvl="1">
+              <a:lnSpc>
+                <a:spcPct val="100000"/>
+              </a:lnSpc>
+              <a:buFont typeface="Arial" panose="020B0604020202020204" pitchFamily="34" charset="0"/>
+              <a:buChar char="•"/>
+            </a:pPr>
             <a:r>
               <a:rPr lang="en-US" dirty="0"/>
-              <a:t> Installing a Python package</a:t>
-            </a:r>
-          </a:p>
-          <a:p>
-            <a:pPr marL="457200" lvl="1" indent="0">
-              <a:buNone/>
+              <a:t>  Installing all required packages in "requirements.txt"</a:t>
+            </a:r>
+          </a:p>
+          <a:p>
+            <a:pPr lvl="2">
+              <a:lnSpc>
+                <a:spcPct val="100000"/>
+              </a:lnSpc>
+              <a:buFont typeface="Arial" panose="020B0604020202020204" pitchFamily="34" charset="0"/>
+              <a:buChar char="•"/>
             </a:pPr>
             <a:r>
               <a:rPr lang="en-US" dirty="0"/>
@@ -8171,85 +9262,12 @@
             </a:r>
             <a:r>
               <a:rPr lang="en-US" b="1" dirty="0"/>
-              <a:t>pip install </a:t>
-            </a:r>
-            <a:r>
-              <a:rPr lang="en-US" b="1" dirty="0" err="1"/>
-              <a:t>package_name</a:t>
-            </a:r>
-            <a:r>
-              <a:rPr lang="en-US" b="1" dirty="0"/>
-              <a:t>==version</a:t>
+              <a:t>pip install –r requirements.txt</a:t>
             </a:r>
             <a:r>
               <a:rPr lang="en-US" dirty="0"/>
               <a:t>`</a:t>
             </a:r>
-          </a:p>
-          <a:p>
-            <a:pPr marL="457200" lvl="1" indent="0">
-              <a:buNone/>
-            </a:pPr>
-            <a:r>
-              <a:rPr lang="en-US" dirty="0"/>
-              <a:t>E.g. `</a:t>
-            </a:r>
-            <a:r>
-              <a:rPr lang="en-US" b="1" dirty="0"/>
-              <a:t>pip install torch==2.3.0</a:t>
-            </a:r>
-            <a:r>
-              <a:rPr lang="en-US" dirty="0"/>
-              <a:t>`</a:t>
-            </a:r>
-          </a:p>
-          <a:p>
-            <a:pPr marL="457200" lvl="1" indent="0">
-              <a:buNone/>
-            </a:pPr>
-            <a:endParaRPr lang="en-US" dirty="0"/>
-          </a:p>
-          <a:p>
-            <a:pPr lvl="1"/>
-            <a:r>
-              <a:rPr lang="en-US" dirty="0"/>
-              <a:t>  Installing all required packages in "requirements.txt"</a:t>
-            </a:r>
-          </a:p>
-          <a:p>
-            <a:pPr marL="457200" lvl="1" indent="0">
-              <a:buNone/>
-            </a:pPr>
-            <a:r>
-              <a:rPr lang="en-US" dirty="0"/>
-              <a:t>`</a:t>
-            </a:r>
-            <a:r>
-              <a:rPr lang="en-US" b="1" dirty="0"/>
-              <a:t>pip install –r requirements.txt</a:t>
-            </a:r>
-            <a:r>
-              <a:rPr lang="en-US" dirty="0"/>
-              <a:t>`</a:t>
-            </a:r>
-          </a:p>
-          <a:p>
-            <a:pPr lvl="1"/>
-            <a:endParaRPr lang="en-US" dirty="0"/>
-          </a:p>
-          <a:p>
-            <a:pPr lvl="1"/>
-            <a:endParaRPr lang="en-US" dirty="0"/>
-          </a:p>
-          <a:p>
-            <a:pPr lvl="1"/>
-            <a:endParaRPr lang="en-US" dirty="0"/>
-          </a:p>
-          <a:p>
-            <a:pPr marL="457200" lvl="1" indent="0">
-              <a:buNone/>
-            </a:pPr>
-            <a:endParaRPr lang="en-US" dirty="0"/>
           </a:p>
         </p:txBody>
       </p:sp>
@@ -8275,8 +9293,8 @@
         </p:blipFill>
         <p:spPr>
           <a:xfrm>
-            <a:off x="6096000" y="1952625"/>
-            <a:ext cx="5903448" cy="4321176"/>
+            <a:off x="6725540" y="1825624"/>
+            <a:ext cx="5178752" cy="3790717"/>
           </a:xfrm>
           <a:prstGeom prst="rect">
             <a:avLst/>
@@ -8451,7 +9469,7 @@
                                         <p:tgtEl>
                                           <p:spTgt spid="3">
                                             <p:txEl>
-                                              <p:pRg st="3" end="3"/>
+                                              <p:pRg st="2" end="2"/>
                                             </p:txEl>
                                           </p:spTgt>
                                         </p:tgtEl>
@@ -8469,7 +9487,7 @@
                                         <p:tgtEl>
                                           <p:spTgt spid="3">
                                             <p:txEl>
-                                              <p:pRg st="3" end="3"/>
+                                              <p:pRg st="2" end="2"/>
                                             </p:txEl>
                                           </p:spTgt>
                                         </p:tgtEl>
@@ -8494,7 +9512,7 @@
                                         <p:tgtEl>
                                           <p:spTgt spid="3">
                                             <p:txEl>
-                                              <p:pRg st="4" end="4"/>
+                                              <p:pRg st="3" end="3"/>
                                             </p:txEl>
                                           </p:spTgt>
                                         </p:tgtEl>
@@ -8512,7 +9530,7 @@
                                         <p:tgtEl>
                                           <p:spTgt spid="3">
                                             <p:txEl>
-                                              <p:pRg st="4" end="4"/>
+                                              <p:pRg st="3" end="3"/>
                                             </p:txEl>
                                           </p:spTgt>
                                         </p:tgtEl>
@@ -8537,7 +9555,7 @@
                                         <p:tgtEl>
                                           <p:spTgt spid="3">
                                             <p:txEl>
-                                              <p:pRg st="5" end="5"/>
+                                              <p:pRg st="4" end="4"/>
                                             </p:txEl>
                                           </p:spTgt>
                                         </p:tgtEl>
@@ -8555,7 +9573,7 @@
                                         <p:tgtEl>
                                           <p:spTgt spid="3">
                                             <p:txEl>
-                                              <p:pRg st="5" end="5"/>
+                                              <p:pRg st="4" end="4"/>
                                             </p:txEl>
                                           </p:spTgt>
                                         </p:tgtEl>
@@ -8633,7 +9651,7 @@
                                         <p:tgtEl>
                                           <p:spTgt spid="3">
                                             <p:txEl>
-                                              <p:pRg st="7" end="7"/>
+                                              <p:pRg st="6" end="6"/>
                                             </p:txEl>
                                           </p:spTgt>
                                         </p:tgtEl>
@@ -8651,7 +9669,7 @@
                                         <p:tgtEl>
                                           <p:spTgt spid="3">
                                             <p:txEl>
-                                              <p:pRg st="7" end="7"/>
+                                              <p:pRg st="6" end="6"/>
                                             </p:txEl>
                                           </p:spTgt>
                                         </p:tgtEl>
@@ -8676,7 +9694,7 @@
                                         <p:tgtEl>
                                           <p:spTgt spid="3">
                                             <p:txEl>
-                                              <p:pRg st="8" end="8"/>
+                                              <p:pRg st="7" end="7"/>
                                             </p:txEl>
                                           </p:spTgt>
                                         </p:tgtEl>
@@ -8694,7 +9712,7 @@
                                         <p:tgtEl>
                                           <p:spTgt spid="3">
                                             <p:txEl>
-                                              <p:pRg st="8" end="8"/>
+                                              <p:pRg st="7" end="7"/>
                                             </p:txEl>
                                           </p:spTgt>
                                         </p:tgtEl>
@@ -8734,7 +9752,90 @@
 </p:sld>
 </file>
 
-<file path=ppt/slides/slide17.xml><?xml version="1.0" encoding="utf-8"?>
+<file path=ppt/slides/slide22.xml><?xml version="1.0" encoding="utf-8"?>
+<p:sld xmlns:a="http://schemas.openxmlformats.org/drawingml/2006/main" xmlns:r="http://schemas.openxmlformats.org/officeDocument/2006/relationships" xmlns:p="http://schemas.openxmlformats.org/presentationml/2006/main">
+  <p:cSld>
+    <p:spTree>
+      <p:nvGrpSpPr>
+        <p:cNvPr id="1" name=""/>
+        <p:cNvGrpSpPr/>
+        <p:nvPr/>
+      </p:nvGrpSpPr>
+      <p:grpSpPr>
+        <a:xfrm>
+          <a:off x="0" y="0"/>
+          <a:ext cx="0" cy="0"/>
+          <a:chOff x="0" y="0"/>
+          <a:chExt cx="0" cy="0"/>
+        </a:xfrm>
+      </p:grpSpPr>
+      <p:sp>
+        <p:nvSpPr>
+          <p:cNvPr id="2" name="Title 1">
+            <a:extLst>
+              <a:ext uri="{FF2B5EF4-FFF2-40B4-BE49-F238E27FC236}">
+                <a16:creationId xmlns:a16="http://schemas.microsoft.com/office/drawing/2014/main" id="{8BD65AA8-7D61-E5D9-B0FF-C8D74CDBA29D}"/>
+              </a:ext>
+            </a:extLst>
+          </p:cNvPr>
+          <p:cNvSpPr>
+            <a:spLocks noGrp="1"/>
+          </p:cNvSpPr>
+          <p:nvPr>
+            <p:ph type="title"/>
+          </p:nvPr>
+        </p:nvSpPr>
+        <p:spPr/>
+        <p:txBody>
+          <a:bodyPr/>
+          <a:lstStyle/>
+          <a:p>
+            <a:r>
+              <a:rPr lang="en-US" dirty="0"/>
+              <a:t>Pieces of Software Used in This Course</a:t>
+            </a:r>
+          </a:p>
+        </p:txBody>
+      </p:sp>
+      <p:sp>
+        <p:nvSpPr>
+          <p:cNvPr id="3" name="Text Placeholder 2">
+            <a:extLst>
+              <a:ext uri="{FF2B5EF4-FFF2-40B4-BE49-F238E27FC236}">
+                <a16:creationId xmlns:a16="http://schemas.microsoft.com/office/drawing/2014/main" id="{F256532B-9CAE-09F6-A539-8A6658897BF1}"/>
+              </a:ext>
+            </a:extLst>
+          </p:cNvPr>
+          <p:cNvSpPr>
+            <a:spLocks noGrp="1"/>
+          </p:cNvSpPr>
+          <p:nvPr>
+            <p:ph type="body" idx="1"/>
+          </p:nvPr>
+        </p:nvSpPr>
+        <p:spPr/>
+        <p:txBody>
+          <a:bodyPr/>
+          <a:lstStyle/>
+          <a:p>
+            <a:endParaRPr lang="en-US"/>
+          </a:p>
+        </p:txBody>
+      </p:sp>
+    </p:spTree>
+    <p:extLst>
+      <p:ext uri="{BB962C8B-B14F-4D97-AF65-F5344CB8AC3E}">
+        <p14:creationId xmlns:p14="http://schemas.microsoft.com/office/powerpoint/2010/main" val="11095242"/>
+      </p:ext>
+    </p:extLst>
+  </p:cSld>
+  <p:clrMapOvr>
+    <a:masterClrMapping/>
+  </p:clrMapOvr>
+</p:sld>
+</file>
+
+<file path=ppt/slides/slide23.xml><?xml version="1.0" encoding="utf-8"?>
 <p:sld xmlns:a="http://schemas.openxmlformats.org/drawingml/2006/main" xmlns:r="http://schemas.openxmlformats.org/officeDocument/2006/relationships" xmlns:p="http://schemas.openxmlformats.org/presentationml/2006/main">
   <p:cSld>
     <p:spTree>
@@ -8774,7 +9875,7 @@
           <a:p>
             <a:r>
               <a:rPr lang="en-US" dirty="0"/>
-              <a:t>What I use</a:t>
+              <a:t>Pieces of Software Used in This Course</a:t>
             </a:r>
           </a:p>
         </p:txBody>
@@ -8798,65 +9899,78 @@
         <p:spPr/>
         <p:txBody>
           <a:bodyPr>
-            <a:normAutofit fontScale="92500" lnSpcReduction="20000"/>
+            <a:normAutofit lnSpcReduction="10000"/>
           </a:bodyPr>
           <a:lstStyle/>
           <a:p>
+            <a:pPr>
+              <a:buFont typeface="Arial" panose="020B0604020202020204" pitchFamily="34" charset="0"/>
+              <a:buChar char="•"/>
+            </a:pPr>
             <a:r>
               <a:rPr lang="en-US" dirty="0"/>
               <a:t>IDE: </a:t>
             </a:r>
           </a:p>
           <a:p>
-            <a:pPr lvl="1"/>
+            <a:pPr lvl="1">
+              <a:buFont typeface="Arial" panose="020B0604020202020204" pitchFamily="34" charset="0"/>
+              <a:buChar char="•"/>
+            </a:pPr>
             <a:r>
               <a:rPr lang="en-US" b="1" dirty="0"/>
               <a:t>VS Code</a:t>
             </a:r>
           </a:p>
           <a:p>
-            <a:pPr lvl="1"/>
+            <a:pPr lvl="1">
+              <a:buFont typeface="Arial" panose="020B0604020202020204" pitchFamily="34" charset="0"/>
+              <a:buChar char="•"/>
+            </a:pPr>
             <a:endParaRPr lang="en-US" b="1" dirty="0"/>
           </a:p>
           <a:p>
+            <a:pPr>
+              <a:buFont typeface="Arial" panose="020B0604020202020204" pitchFamily="34" charset="0"/>
+              <a:buChar char="•"/>
+            </a:pPr>
             <a:r>
               <a:rPr lang="en-US" dirty="0"/>
-              <a:t>Terminal (Windows): </a:t>
-            </a:r>
-          </a:p>
-          <a:p>
-            <a:pPr lvl="1"/>
+              <a:t>Terminal (Windows) </a:t>
+            </a:r>
+          </a:p>
+          <a:p>
+            <a:pPr lvl="1">
+              <a:buFont typeface="Arial" panose="020B0604020202020204" pitchFamily="34" charset="0"/>
+              <a:buChar char="•"/>
+            </a:pPr>
             <a:r>
               <a:rPr lang="en-US" b="1" dirty="0"/>
-              <a:t>For window: PowerShell</a:t>
-            </a:r>
-          </a:p>
-          <a:p>
-            <a:pPr lvl="1"/>
-            <a:r>
-              <a:rPr lang="en-US" b="1" dirty="0"/>
-              <a:t>For Linux: Terminal</a:t>
-            </a:r>
-          </a:p>
-          <a:p>
-            <a:pPr lvl="1"/>
-            <a:r>
-              <a:rPr lang="en-US" b="1" dirty="0"/>
-              <a:t>For macOS: iTerm2</a:t>
-            </a:r>
-          </a:p>
-          <a:p>
-            <a:pPr lvl="1"/>
+              <a:t>PowerShell</a:t>
+            </a:r>
+          </a:p>
+          <a:p>
+            <a:pPr lvl="1">
+              <a:buFont typeface="Arial" panose="020B0604020202020204" pitchFamily="34" charset="0"/>
+              <a:buChar char="•"/>
+            </a:pPr>
             <a:endParaRPr lang="en-US" b="1" dirty="0"/>
           </a:p>
           <a:p>
+            <a:pPr>
+              <a:buFont typeface="Arial" panose="020B0604020202020204" pitchFamily="34" charset="0"/>
+              <a:buChar char="•"/>
+            </a:pPr>
             <a:r>
               <a:rPr lang="en-US" dirty="0"/>
-              <a:t> Install Python and create environment: </a:t>
-            </a:r>
-          </a:p>
-          <a:p>
-            <a:pPr lvl="1"/>
+              <a:t>For Python &amp; Python Environment </a:t>
+            </a:r>
+          </a:p>
+          <a:p>
+            <a:pPr lvl="1">
+              <a:buFont typeface="Arial" panose="020B0604020202020204" pitchFamily="34" charset="0"/>
+              <a:buChar char="•"/>
+            </a:pPr>
             <a:r>
               <a:rPr lang="en-US" b="1" dirty="0" err="1"/>
               <a:t>conda</a:t>
@@ -8867,17 +9981,27 @@
             </a:r>
           </a:p>
           <a:p>
-            <a:pPr lvl="1"/>
+            <a:pPr lvl="1">
+              <a:buFont typeface="Arial" panose="020B0604020202020204" pitchFamily="34" charset="0"/>
+              <a:buChar char="•"/>
+            </a:pPr>
             <a:endParaRPr lang="en-US" dirty="0"/>
           </a:p>
           <a:p>
+            <a:pPr>
+              <a:buFont typeface="Arial" panose="020B0604020202020204" pitchFamily="34" charset="0"/>
+              <a:buChar char="•"/>
+            </a:pPr>
             <a:r>
               <a:rPr lang="en-US" dirty="0"/>
-              <a:t> Install Python packages: </a:t>
-            </a:r>
-          </a:p>
-          <a:p>
-            <a:pPr lvl="1"/>
+              <a:t> For Python Package Installation </a:t>
+            </a:r>
+          </a:p>
+          <a:p>
+            <a:pPr lvl="1">
+              <a:buFont typeface="Arial" panose="020B0604020202020204" pitchFamily="34" charset="0"/>
+              <a:buChar char="•"/>
+            </a:pPr>
             <a:r>
               <a:rPr lang="en-US" b="1" dirty="0"/>
               <a:t>pip</a:t>
@@ -8912,7 +10036,7 @@
         </p:blipFill>
         <p:spPr bwMode="auto">
           <a:xfrm>
-            <a:off x="2418206" y="5821340"/>
+            <a:off x="2230198" y="5821874"/>
             <a:ext cx="705257" cy="610719"/>
           </a:xfrm>
           <a:prstGeom prst="rect">
@@ -8959,8 +10083,8 @@
         </p:blipFill>
         <p:spPr bwMode="auto">
           <a:xfrm>
-            <a:off x="4651426" y="3014110"/>
-            <a:ext cx="489592" cy="489592"/>
+            <a:off x="3270571" y="3320710"/>
+            <a:ext cx="584775" cy="584775"/>
           </a:xfrm>
           <a:prstGeom prst="rect">
             <a:avLst/>
@@ -9006,8 +10130,8 @@
         </p:blipFill>
         <p:spPr bwMode="auto">
           <a:xfrm>
-            <a:off x="2831076" y="2027597"/>
-            <a:ext cx="584775" cy="584775"/>
+            <a:off x="3043801" y="2171627"/>
+            <a:ext cx="453541" cy="453541"/>
           </a:xfrm>
           <a:prstGeom prst="rect">
             <a:avLst/>
@@ -9038,7 +10162,7 @@
         </p:nvGrpSpPr>
         <p:grpSpPr>
           <a:xfrm>
-            <a:off x="4107268" y="4814074"/>
+            <a:off x="4437976" y="4692187"/>
             <a:ext cx="1406083" cy="480150"/>
             <a:chOff x="6883676" y="6100833"/>
             <a:chExt cx="1406083" cy="480150"/>
@@ -9142,8 +10266,8 @@
         </p:nvSpPr>
         <p:spPr>
           <a:xfrm>
-            <a:off x="7282873" y="4647893"/>
-            <a:ext cx="4401127" cy="646331"/>
+            <a:off x="6096000" y="4591672"/>
+            <a:ext cx="5013533" cy="646331"/>
           </a:xfrm>
           <a:prstGeom prst="rect">
             <a:avLst/>
@@ -9151,6 +10275,11 @@
           <a:solidFill>
             <a:schemeClr val="tx1"/>
           </a:solidFill>
+          <a:ln>
+            <a:solidFill>
+              <a:srgbClr val="00B0F0"/>
+            </a:solidFill>
+          </a:ln>
         </p:spPr>
         <p:txBody>
           <a:bodyPr wrap="square" rtlCol="0">
@@ -9179,24 +10308,39 @@
               <a:t> create -n </a:t>
             </a:r>
             <a:r>
-              <a:rPr lang="en-US" b="0" dirty="0" err="1">
-                <a:solidFill>
-                  <a:srgbClr val="FFFFFF"/>
+              <a:rPr lang="en-US" dirty="0">
+                <a:solidFill>
+                  <a:schemeClr val="accent4">
+                    <a:lumMod val="60000"/>
+                    <a:lumOff val="40000"/>
+                  </a:schemeClr>
+                </a:solidFill>
+                <a:latin typeface="Consolas" panose="020B0609020204030204" pitchFamily="49" charset="0"/>
+              </a:rPr>
+              <a:t>ENV_NAME</a:t>
+            </a:r>
+            <a:r>
+              <a:rPr lang="en-US" b="0" dirty="0">
+                <a:solidFill>
+                  <a:schemeClr val="accent4">
+                    <a:lumMod val="60000"/>
+                    <a:lumOff val="40000"/>
+                  </a:schemeClr>
                 </a:solidFill>
                 <a:effectLst/>
                 <a:latin typeface="Consolas" panose="020B0609020204030204" pitchFamily="49" charset="0"/>
               </a:rPr>
-              <a:t>myenv</a:t>
+              <a:t> </a:t>
             </a:r>
             <a:r>
               <a:rPr lang="en-US" b="0" dirty="0">
                 <a:solidFill>
-                  <a:srgbClr val="FFFFFF"/>
+                  <a:srgbClr val="00B0F0"/>
                 </a:solidFill>
                 <a:effectLst/>
                 <a:latin typeface="Consolas" panose="020B0609020204030204" pitchFamily="49" charset="0"/>
               </a:rPr>
-              <a:t> python=3.10</a:t>
+              <a:t>python=3.10</a:t>
             </a:r>
             <a:br>
               <a:rPr lang="en-US" b="0" dirty="0">
@@ -9225,21 +10369,35 @@
                 <a:effectLst/>
                 <a:latin typeface="Consolas" panose="020B0609020204030204" pitchFamily="49" charset="0"/>
               </a:rPr>
-              <a:t> activate </a:t>
-            </a:r>
-            <a:r>
-              <a:rPr lang="en-US" b="0" dirty="0" err="1">
+              <a:t> activate</a:t>
+            </a:r>
+            <a:r>
+              <a:rPr lang="en-US" dirty="0">
                 <a:solidFill>
                   <a:srgbClr val="FFFFFF"/>
                 </a:solidFill>
-                <a:effectLst/>
                 <a:latin typeface="Consolas" panose="020B0609020204030204" pitchFamily="49" charset="0"/>
               </a:rPr>
-              <a:t>myenv</a:t>
+              <a:t> </a:t>
+            </a:r>
+            <a:r>
+              <a:rPr lang="en-US" dirty="0">
+                <a:solidFill>
+                  <a:schemeClr val="accent4">
+                    <a:lumMod val="60000"/>
+                    <a:lumOff val="40000"/>
+                  </a:schemeClr>
+                </a:solidFill>
+                <a:latin typeface="Consolas" panose="020B0609020204030204" pitchFamily="49" charset="0"/>
+              </a:rPr>
+              <a:t>ENV_NAME </a:t>
             </a:r>
             <a:endParaRPr lang="en-US" b="0" dirty="0">
               <a:solidFill>
-                <a:srgbClr val="FFFFFF"/>
+                <a:schemeClr val="accent4">
+                  <a:lumMod val="60000"/>
+                  <a:lumOff val="40000"/>
+                </a:schemeClr>
               </a:solidFill>
               <a:effectLst/>
               <a:latin typeface="Consolas" panose="020B0609020204030204" pitchFamily="49" charset="0"/>
@@ -9261,7 +10419,7 @@
         </p:nvSpPr>
         <p:spPr>
           <a:xfrm>
-            <a:off x="7282872" y="5942568"/>
+            <a:off x="3195375" y="5985345"/>
             <a:ext cx="4401127" cy="369332"/>
           </a:xfrm>
           <a:prstGeom prst="rect">
@@ -9285,105 +10443,21 @@
                 <a:effectLst/>
                 <a:latin typeface="Consolas" panose="020B0609020204030204" pitchFamily="49" charset="0"/>
               </a:rPr>
-              <a:t>pip install –r requirements.txt</a:t>
+              <a:t>pip install –r </a:t>
+            </a:r>
+            <a:r>
+              <a:rPr lang="en-US" b="0" dirty="0">
+                <a:solidFill>
+                  <a:srgbClr val="00B0F0"/>
+                </a:solidFill>
+                <a:effectLst/>
+                <a:latin typeface="Consolas" panose="020B0609020204030204" pitchFamily="49" charset="0"/>
+              </a:rPr>
+              <a:t>requirements.txt</a:t>
             </a:r>
           </a:p>
         </p:txBody>
       </p:sp>
-      <p:pic>
-        <p:nvPicPr>
-          <p:cNvPr id="14" name="Picture 12" descr="iTerm2 - Wikipedia">
-            <a:extLst>
-              <a:ext uri="{FF2B5EF4-FFF2-40B4-BE49-F238E27FC236}">
-                <a16:creationId xmlns:a16="http://schemas.microsoft.com/office/drawing/2014/main" id="{4E5EE142-C07A-1DC8-3E59-1EDD837CFBE4}"/>
-              </a:ext>
-            </a:extLst>
-          </p:cNvPr>
-          <p:cNvPicPr>
-            <a:picLocks noChangeAspect="1" noChangeArrowheads="1"/>
-          </p:cNvPicPr>
-          <p:nvPr/>
-        </p:nvPicPr>
-        <p:blipFill>
-          <a:blip r:embed="rId7">
-            <a:extLst>
-              <a:ext uri="{28A0092B-C50C-407E-A947-70E740481C1C}">
-                <a14:useLocalDpi xmlns:a14="http://schemas.microsoft.com/office/drawing/2010/main" val="0"/>
-              </a:ext>
-            </a:extLst>
-          </a:blip>
-          <a:srcRect/>
-          <a:stretch>
-            <a:fillRect/>
-          </a:stretch>
-        </p:blipFill>
-        <p:spPr bwMode="auto">
-          <a:xfrm>
-            <a:off x="4580306" y="3638639"/>
-            <a:ext cx="505457" cy="505457"/>
-          </a:xfrm>
-          <a:prstGeom prst="rect">
-            <a:avLst/>
-          </a:prstGeom>
-          <a:noFill/>
-          <a:extLst>
-            <a:ext uri="{909E8E84-426E-40DD-AFC4-6F175D3DCCD1}">
-              <a14:hiddenFill xmlns:a14="http://schemas.microsoft.com/office/drawing/2010/main">
-                <a:solidFill>
-                  <a:srgbClr val="FFFFFF"/>
-                </a:solidFill>
-              </a14:hiddenFill>
-            </a:ext>
-          </a:extLst>
-        </p:spPr>
-      </p:pic>
-      <p:pic>
-        <p:nvPicPr>
-          <p:cNvPr id="1032" name="Picture 8" descr="Linux Terminal icon - SimpleCodeTips">
-            <a:extLst>
-              <a:ext uri="{FF2B5EF4-FFF2-40B4-BE49-F238E27FC236}">
-                <a16:creationId xmlns:a16="http://schemas.microsoft.com/office/drawing/2014/main" id="{A49F04D2-70CB-4C05-B9F7-8695DF95A9E8}"/>
-              </a:ext>
-            </a:extLst>
-          </p:cNvPr>
-          <p:cNvPicPr>
-            <a:picLocks noChangeAspect="1" noChangeArrowheads="1"/>
-          </p:cNvPicPr>
-          <p:nvPr/>
-        </p:nvPicPr>
-        <p:blipFill>
-          <a:blip r:embed="rId8">
-            <a:extLst>
-              <a:ext uri="{28A0092B-C50C-407E-A947-70E740481C1C}">
-                <a14:useLocalDpi xmlns:a14="http://schemas.microsoft.com/office/drawing/2010/main" val="0"/>
-              </a:ext>
-            </a:extLst>
-          </a:blip>
-          <a:srcRect/>
-          <a:stretch>
-            <a:fillRect/>
-          </a:stretch>
-        </p:blipFill>
-        <p:spPr bwMode="auto">
-          <a:xfrm>
-            <a:off x="4120299" y="3385637"/>
-            <a:ext cx="460008" cy="460008"/>
-          </a:xfrm>
-          <a:prstGeom prst="rect">
-            <a:avLst/>
-          </a:prstGeom>
-          <a:noFill/>
-          <a:extLst>
-            <a:ext uri="{909E8E84-426E-40DD-AFC4-6F175D3DCCD1}">
-              <a14:hiddenFill xmlns:a14="http://schemas.microsoft.com/office/drawing/2010/main">
-                <a:solidFill>
-                  <a:srgbClr val="FFFFFF"/>
-                </a:solidFill>
-              </a14:hiddenFill>
-            </a:ext>
-          </a:extLst>
-        </p:spPr>
-      </p:pic>
     </p:spTree>
     <p:extLst>
       <p:ext uri="{BB962C8B-B14F-4D97-AF65-F5344CB8AC3E}">
@@ -9653,11 +10727,7 @@
                                           </p:stCondLst>
                                         </p:cTn>
                                         <p:tgtEl>
-                                          <p:spTgt spid="3">
-                                            <p:txEl>
-                                              <p:pRg st="5" end="5"/>
-                                            </p:txEl>
-                                          </p:spTgt>
+                                          <p:spTgt spid="7"/>
                                         </p:tgtEl>
                                         <p:attrNameLst>
                                           <p:attrName>style.visibility</p:attrName>
@@ -9670,158 +10740,6 @@
                                     <p:animEffect transition="in" filter="fade">
                                       <p:cBhvr>
                                         <p:cTn id="24" dur="500"/>
-                                        <p:tgtEl>
-                                          <p:spTgt spid="3">
-                                            <p:txEl>
-                                              <p:pRg st="5" end="5"/>
-                                            </p:txEl>
-                                          </p:spTgt>
-                                        </p:tgtEl>
-                                      </p:cBhvr>
-                                    </p:animEffect>
-                                  </p:childTnLst>
-                                </p:cTn>
-                              </p:par>
-                              <p:par>
-                                <p:cTn id="25" presetID="10" presetClass="entr" presetSubtype="0" fill="hold" nodeType="withEffect">
-                                  <p:stCondLst>
-                                    <p:cond delay="0"/>
-                                  </p:stCondLst>
-                                  <p:childTnLst>
-                                    <p:set>
-                                      <p:cBhvr>
-                                        <p:cTn id="26" dur="1" fill="hold">
-                                          <p:stCondLst>
-                                            <p:cond delay="0"/>
-                                          </p:stCondLst>
-                                        </p:cTn>
-                                        <p:tgtEl>
-                                          <p:spTgt spid="3">
-                                            <p:txEl>
-                                              <p:pRg st="6" end="6"/>
-                                            </p:txEl>
-                                          </p:spTgt>
-                                        </p:tgtEl>
-                                        <p:attrNameLst>
-                                          <p:attrName>style.visibility</p:attrName>
-                                        </p:attrNameLst>
-                                      </p:cBhvr>
-                                      <p:to>
-                                        <p:strVal val="visible"/>
-                                      </p:to>
-                                    </p:set>
-                                    <p:animEffect transition="in" filter="fade">
-                                      <p:cBhvr>
-                                        <p:cTn id="27" dur="500"/>
-                                        <p:tgtEl>
-                                          <p:spTgt spid="3">
-                                            <p:txEl>
-                                              <p:pRg st="6" end="6"/>
-                                            </p:txEl>
-                                          </p:spTgt>
-                                        </p:tgtEl>
-                                      </p:cBhvr>
-                                    </p:animEffect>
-                                  </p:childTnLst>
-                                </p:cTn>
-                              </p:par>
-                              <p:par>
-                                <p:cTn id="28" presetID="10" presetClass="entr" presetSubtype="0" fill="hold" nodeType="withEffect">
-                                  <p:stCondLst>
-                                    <p:cond delay="0"/>
-                                  </p:stCondLst>
-                                  <p:childTnLst>
-                                    <p:set>
-                                      <p:cBhvr>
-                                        <p:cTn id="29" dur="1" fill="hold">
-                                          <p:stCondLst>
-                                            <p:cond delay="0"/>
-                                          </p:stCondLst>
-                                        </p:cTn>
-                                        <p:tgtEl>
-                                          <p:spTgt spid="1032"/>
-                                        </p:tgtEl>
-                                        <p:attrNameLst>
-                                          <p:attrName>style.visibility</p:attrName>
-                                        </p:attrNameLst>
-                                      </p:cBhvr>
-                                      <p:to>
-                                        <p:strVal val="visible"/>
-                                      </p:to>
-                                    </p:set>
-                                    <p:animEffect transition="in" filter="fade">
-                                      <p:cBhvr>
-                                        <p:cTn id="30" dur="500"/>
-                                        <p:tgtEl>
-                                          <p:spTgt spid="1032"/>
-                                        </p:tgtEl>
-                                      </p:cBhvr>
-                                    </p:animEffect>
-                                  </p:childTnLst>
-                                </p:cTn>
-                              </p:par>
-                              <p:par>
-                                <p:cTn id="31" presetID="10" presetClass="entr" presetSubtype="0" fill="hold" nodeType="withEffect">
-                                  <p:stCondLst>
-                                    <p:cond delay="0"/>
-                                  </p:stCondLst>
-                                  <p:childTnLst>
-                                    <p:set>
-                                      <p:cBhvr>
-                                        <p:cTn id="32" dur="1" fill="hold">
-                                          <p:stCondLst>
-                                            <p:cond delay="0"/>
-                                          </p:stCondLst>
-                                        </p:cTn>
-                                        <p:tgtEl>
-                                          <p:spTgt spid="14"/>
-                                        </p:tgtEl>
-                                        <p:attrNameLst>
-                                          <p:attrName>style.visibility</p:attrName>
-                                        </p:attrNameLst>
-                                      </p:cBhvr>
-                                      <p:to>
-                                        <p:strVal val="visible"/>
-                                      </p:to>
-                                    </p:set>
-                                    <p:animEffect transition="in" filter="fade">
-                                      <p:cBhvr>
-                                        <p:cTn id="33" dur="500"/>
-                                        <p:tgtEl>
-                                          <p:spTgt spid="14"/>
-                                        </p:tgtEl>
-                                      </p:cBhvr>
-                                    </p:animEffect>
-                                  </p:childTnLst>
-                                </p:cTn>
-                              </p:par>
-                              <p:par>
-                                <p:cTn id="34" presetID="10" presetClass="entr" presetSubtype="0" fill="hold" nodeType="withEffect">
-                                  <p:stCondLst>
-                                    <p:cond delay="0"/>
-                                  </p:stCondLst>
-                                  <p:childTnLst>
-                                    <p:set>
-                                      <p:cBhvr>
-                                        <p:cTn id="35" dur="1" fill="hold">
-                                          <p:stCondLst>
-                                            <p:cond delay="0"/>
-                                          </p:stCondLst>
-                                        </p:cTn>
-                                        <p:tgtEl>
-                                          <p:spTgt spid="7"/>
-                                        </p:tgtEl>
-                                        <p:attrNameLst>
-                                          <p:attrName>style.visibility</p:attrName>
-                                        </p:attrNameLst>
-                                      </p:cBhvr>
-                                      <p:to>
-                                        <p:strVal val="visible"/>
-                                      </p:to>
-                                    </p:set>
-                                    <p:animEffect transition="in" filter="fade">
-                                      <p:cBhvr>
-                                        <p:cTn id="36" dur="500"/>
                                         <p:tgtEl>
                                           <p:spTgt spid="7"/>
                                         </p:tgtEl>
@@ -9837,26 +10755,26 @@
                     </p:cTn>
                   </p:par>
                   <p:par>
-                    <p:cTn id="37" fill="hold">
+                    <p:cTn id="25" fill="hold">
                       <p:stCondLst>
                         <p:cond delay="indefinite"/>
                       </p:stCondLst>
                       <p:childTnLst>
                         <p:par>
-                          <p:cTn id="38" fill="hold">
+                          <p:cTn id="26" fill="hold">
                             <p:stCondLst>
                               <p:cond delay="0"/>
                             </p:stCondLst>
                             <p:childTnLst>
                               <p:par>
-                                <p:cTn id="39" presetID="10" presetClass="entr" presetSubtype="0" fill="hold" nodeType="clickEffect">
+                                <p:cTn id="27" presetID="10" presetClass="entr" presetSubtype="0" fill="hold" nodeType="clickEffect">
                                   <p:stCondLst>
                                     <p:cond delay="0"/>
                                   </p:stCondLst>
                                   <p:childTnLst>
                                     <p:set>
                                       <p:cBhvr>
-                                        <p:cTn id="40" dur="1" fill="hold">
+                                        <p:cTn id="28" dur="1" fill="hold">
                                           <p:stCondLst>
                                             <p:cond delay="0"/>
                                           </p:stCondLst>
@@ -9864,7 +10782,7 @@
                                         <p:tgtEl>
                                           <p:spTgt spid="3">
                                             <p:txEl>
-                                              <p:pRg st="8" end="8"/>
+                                              <p:pRg st="6" end="6"/>
                                             </p:txEl>
                                           </p:spTgt>
                                         </p:tgtEl>
@@ -9878,11 +10796,11 @@
                                     </p:set>
                                     <p:animEffect transition="in" filter="fade">
                                       <p:cBhvr>
-                                        <p:cTn id="41" dur="500"/>
+                                        <p:cTn id="29" dur="500"/>
                                         <p:tgtEl>
                                           <p:spTgt spid="3">
                                             <p:txEl>
-                                              <p:pRg st="8" end="8"/>
+                                              <p:pRg st="6" end="6"/>
                                             </p:txEl>
                                           </p:spTgt>
                                         </p:tgtEl>
@@ -9892,14 +10810,14 @@
                                 </p:cTn>
                               </p:par>
                               <p:par>
-                                <p:cTn id="42" presetID="10" presetClass="entr" presetSubtype="0" fill="hold" nodeType="withEffect">
+                                <p:cTn id="30" presetID="10" presetClass="entr" presetSubtype="0" fill="hold" nodeType="withEffect">
                                   <p:stCondLst>
                                     <p:cond delay="0"/>
                                   </p:stCondLst>
                                   <p:childTnLst>
                                     <p:set>
                                       <p:cBhvr>
-                                        <p:cTn id="43" dur="1" fill="hold">
+                                        <p:cTn id="31" dur="1" fill="hold">
                                           <p:stCondLst>
                                             <p:cond delay="0"/>
                                           </p:stCondLst>
@@ -9907,7 +10825,7 @@
                                         <p:tgtEl>
                                           <p:spTgt spid="3">
                                             <p:txEl>
-                                              <p:pRg st="9" end="9"/>
+                                              <p:pRg st="7" end="7"/>
                                             </p:txEl>
                                           </p:spTgt>
                                         </p:tgtEl>
@@ -9921,11 +10839,11 @@
                                     </p:set>
                                     <p:animEffect transition="in" filter="fade">
                                       <p:cBhvr>
-                                        <p:cTn id="44" dur="500"/>
+                                        <p:cTn id="32" dur="500"/>
                                         <p:tgtEl>
                                           <p:spTgt spid="3">
                                             <p:txEl>
-                                              <p:pRg st="9" end="9"/>
+                                              <p:pRg st="7" end="7"/>
                                             </p:txEl>
                                           </p:spTgt>
                                         </p:tgtEl>
@@ -9935,14 +10853,14 @@
                                 </p:cTn>
                               </p:par>
                               <p:par>
-                                <p:cTn id="45" presetID="10" presetClass="entr" presetSubtype="0" fill="hold" nodeType="withEffect">
+                                <p:cTn id="33" presetID="10" presetClass="entr" presetSubtype="0" fill="hold" nodeType="withEffect">
                                   <p:stCondLst>
                                     <p:cond delay="0"/>
                                   </p:stCondLst>
                                   <p:childTnLst>
                                     <p:set>
                                       <p:cBhvr>
-                                        <p:cTn id="46" dur="1" fill="hold">
+                                        <p:cTn id="34" dur="1" fill="hold">
                                           <p:stCondLst>
                                             <p:cond delay="0"/>
                                           </p:stCondLst>
@@ -9960,7 +10878,7 @@
                                     </p:set>
                                     <p:animEffect transition="in" filter="fade">
                                       <p:cBhvr>
-                                        <p:cTn id="47" dur="500"/>
+                                        <p:cTn id="35" dur="500"/>
                                         <p:tgtEl>
                                           <p:spTgt spid="9"/>
                                         </p:tgtEl>
@@ -9970,14 +10888,14 @@
                                 </p:cTn>
                               </p:par>
                               <p:par>
-                                <p:cTn id="48" presetID="10" presetClass="entr" presetSubtype="0" fill="hold" grpId="0" nodeType="withEffect">
+                                <p:cTn id="36" presetID="10" presetClass="entr" presetSubtype="0" fill="hold" grpId="0" nodeType="withEffect">
                                   <p:stCondLst>
                                     <p:cond delay="0"/>
                                   </p:stCondLst>
                                   <p:childTnLst>
                                     <p:set>
                                       <p:cBhvr>
-                                        <p:cTn id="49" dur="1" fill="hold">
+                                        <p:cTn id="37" dur="1" fill="hold">
                                           <p:stCondLst>
                                             <p:cond delay="0"/>
                                           </p:stCondLst>
@@ -9995,7 +10913,7 @@
                                     </p:set>
                                     <p:animEffect transition="in" filter="fade">
                                       <p:cBhvr>
-                                        <p:cTn id="50" dur="500"/>
+                                        <p:cTn id="38" dur="500"/>
                                         <p:tgtEl>
                                           <p:spTgt spid="12"/>
                                         </p:tgtEl>
@@ -10011,26 +10929,26 @@
                     </p:cTn>
                   </p:par>
                   <p:par>
-                    <p:cTn id="51" fill="hold">
+                    <p:cTn id="39" fill="hold">
                       <p:stCondLst>
                         <p:cond delay="indefinite"/>
                       </p:stCondLst>
                       <p:childTnLst>
                         <p:par>
-                          <p:cTn id="52" fill="hold">
+                          <p:cTn id="40" fill="hold">
                             <p:stCondLst>
                               <p:cond delay="0"/>
                             </p:stCondLst>
                             <p:childTnLst>
                               <p:par>
-                                <p:cTn id="53" presetID="10" presetClass="entr" presetSubtype="0" fill="hold" nodeType="clickEffect">
+                                <p:cTn id="41" presetID="10" presetClass="entr" presetSubtype="0" fill="hold" nodeType="clickEffect">
                                   <p:stCondLst>
                                     <p:cond delay="0"/>
                                   </p:stCondLst>
                                   <p:childTnLst>
                                     <p:set>
                                       <p:cBhvr>
-                                        <p:cTn id="54" dur="1" fill="hold">
+                                        <p:cTn id="42" dur="1" fill="hold">
                                           <p:stCondLst>
                                             <p:cond delay="0"/>
                                           </p:stCondLst>
@@ -10038,7 +10956,7 @@
                                         <p:tgtEl>
                                           <p:spTgt spid="3">
                                             <p:txEl>
-                                              <p:pRg st="11" end="11"/>
+                                              <p:pRg st="9" end="9"/>
                                             </p:txEl>
                                           </p:spTgt>
                                         </p:tgtEl>
@@ -10052,11 +10970,11 @@
                                     </p:set>
                                     <p:animEffect transition="in" filter="fade">
                                       <p:cBhvr>
-                                        <p:cTn id="55" dur="500"/>
+                                        <p:cTn id="43" dur="500"/>
                                         <p:tgtEl>
                                           <p:spTgt spid="3">
                                             <p:txEl>
-                                              <p:pRg st="11" end="11"/>
+                                              <p:pRg st="9" end="9"/>
                                             </p:txEl>
                                           </p:spTgt>
                                         </p:tgtEl>
@@ -10066,14 +10984,14 @@
                                 </p:cTn>
                               </p:par>
                               <p:par>
-                                <p:cTn id="56" presetID="10" presetClass="entr" presetSubtype="0" fill="hold" nodeType="withEffect">
+                                <p:cTn id="44" presetID="10" presetClass="entr" presetSubtype="0" fill="hold" nodeType="withEffect">
                                   <p:stCondLst>
                                     <p:cond delay="0"/>
                                   </p:stCondLst>
                                   <p:childTnLst>
                                     <p:set>
                                       <p:cBhvr>
-                                        <p:cTn id="57" dur="1" fill="hold">
+                                        <p:cTn id="45" dur="1" fill="hold">
                                           <p:stCondLst>
                                             <p:cond delay="0"/>
                                           </p:stCondLst>
@@ -10081,7 +10999,7 @@
                                         <p:tgtEl>
                                           <p:spTgt spid="3">
                                             <p:txEl>
-                                              <p:pRg st="12" end="12"/>
+                                              <p:pRg st="10" end="10"/>
                                             </p:txEl>
                                           </p:spTgt>
                                         </p:tgtEl>
@@ -10095,11 +11013,11 @@
                                     </p:set>
                                     <p:animEffect transition="in" filter="fade">
                                       <p:cBhvr>
-                                        <p:cTn id="58" dur="500"/>
+                                        <p:cTn id="46" dur="500"/>
                                         <p:tgtEl>
                                           <p:spTgt spid="3">
                                             <p:txEl>
-                                              <p:pRg st="12" end="12"/>
+                                              <p:pRg st="10" end="10"/>
                                             </p:txEl>
                                           </p:spTgt>
                                         </p:tgtEl>
@@ -10109,14 +11027,14 @@
                                 </p:cTn>
                               </p:par>
                               <p:par>
-                                <p:cTn id="59" presetID="10" presetClass="entr" presetSubtype="0" fill="hold" nodeType="withEffect">
+                                <p:cTn id="47" presetID="10" presetClass="entr" presetSubtype="0" fill="hold" nodeType="withEffect">
                                   <p:stCondLst>
                                     <p:cond delay="0"/>
                                   </p:stCondLst>
                                   <p:childTnLst>
                                     <p:set>
                                       <p:cBhvr>
-                                        <p:cTn id="60" dur="1" fill="hold">
+                                        <p:cTn id="48" dur="1" fill="hold">
                                           <p:stCondLst>
                                             <p:cond delay="0"/>
                                           </p:stCondLst>
@@ -10134,7 +11052,7 @@
                                     </p:set>
                                     <p:animEffect transition="in" filter="fade">
                                       <p:cBhvr>
-                                        <p:cTn id="61" dur="500"/>
+                                        <p:cTn id="49" dur="500"/>
                                         <p:tgtEl>
                                           <p:spTgt spid="5"/>
                                         </p:tgtEl>
@@ -10144,14 +11062,14 @@
                                 </p:cTn>
                               </p:par>
                               <p:par>
-                                <p:cTn id="62" presetID="10" presetClass="entr" presetSubtype="0" fill="hold" grpId="0" nodeType="withEffect">
+                                <p:cTn id="50" presetID="10" presetClass="entr" presetSubtype="0" fill="hold" grpId="0" nodeType="withEffect">
                                   <p:stCondLst>
                                     <p:cond delay="0"/>
                                   </p:stCondLst>
                                   <p:childTnLst>
                                     <p:set>
                                       <p:cBhvr>
-                                        <p:cTn id="63" dur="1" fill="hold">
+                                        <p:cTn id="51" dur="1" fill="hold">
                                           <p:stCondLst>
                                             <p:cond delay="0"/>
                                           </p:stCondLst>
@@ -10169,7 +11087,7 @@
                                     </p:set>
                                     <p:animEffect transition="in" filter="fade">
                                       <p:cBhvr>
-                                        <p:cTn id="64" dur="500"/>
+                                        <p:cTn id="52" dur="500"/>
                                         <p:tgtEl>
                                           <p:spTgt spid="13"/>
                                         </p:tgtEl>
@@ -10210,105 +11128,6 @@
       <p:bldP spid="13" grpId="0" animBg="1"/>
     </p:bldLst>
   </p:timing>
-</p:sld>
-</file>
-
-<file path=ppt/slides/slide2.xml><?xml version="1.0" encoding="utf-8"?>
-<p:sld xmlns:a="http://schemas.openxmlformats.org/drawingml/2006/main" xmlns:r="http://schemas.openxmlformats.org/officeDocument/2006/relationships" xmlns:p="http://schemas.openxmlformats.org/presentationml/2006/main">
-  <p:cSld>
-    <p:spTree>
-      <p:nvGrpSpPr>
-        <p:cNvPr id="1" name=""/>
-        <p:cNvGrpSpPr/>
-        <p:nvPr/>
-      </p:nvGrpSpPr>
-      <p:grpSpPr>
-        <a:xfrm>
-          <a:off x="0" y="0"/>
-          <a:ext cx="0" cy="0"/>
-          <a:chOff x="0" y="0"/>
-          <a:chExt cx="0" cy="0"/>
-        </a:xfrm>
-      </p:grpSpPr>
-      <p:sp>
-        <p:nvSpPr>
-          <p:cNvPr id="42" name="Title 1">
-            <a:extLst>
-              <a:ext uri="{FF2B5EF4-FFF2-40B4-BE49-F238E27FC236}">
-                <a16:creationId xmlns:a16="http://schemas.microsoft.com/office/drawing/2014/main" id="{53AD96E6-67B2-02CD-F910-420EA60CDC1C}"/>
-              </a:ext>
-            </a:extLst>
-          </p:cNvPr>
-          <p:cNvSpPr>
-            <a:spLocks noGrp="1"/>
-          </p:cNvSpPr>
-          <p:nvPr>
-            <p:ph type="title"/>
-          </p:nvPr>
-        </p:nvSpPr>
-        <p:spPr>
-          <a:xfrm>
-            <a:off x="838200" y="365125"/>
-            <a:ext cx="11036300" cy="1325563"/>
-          </a:xfrm>
-        </p:spPr>
-        <p:txBody>
-          <a:bodyPr/>
-          <a:lstStyle/>
-          <a:p>
-            <a:r>
-              <a:rPr lang="en-US" dirty="0"/>
-              <a:t>Software prerequisites for Python project</a:t>
-            </a:r>
-          </a:p>
-        </p:txBody>
-      </p:sp>
-      <p:pic>
-        <p:nvPicPr>
-          <p:cNvPr id="5" name="Picture 4" descr="A blue and yellow snake logo&#10;&#10;Description automatically generated">
-            <a:extLst>
-              <a:ext uri="{FF2B5EF4-FFF2-40B4-BE49-F238E27FC236}">
-                <a16:creationId xmlns:a16="http://schemas.microsoft.com/office/drawing/2014/main" id="{F66A0DBE-F9EE-71E1-EB03-2EAE29914608}"/>
-              </a:ext>
-            </a:extLst>
-          </p:cNvPr>
-          <p:cNvPicPr>
-            <a:picLocks noChangeAspect="1"/>
-          </p:cNvPicPr>
-          <p:nvPr/>
-        </p:nvPicPr>
-        <p:blipFill>
-          <a:blip r:embed="rId3">
-            <a:extLst>
-              <a:ext uri="{28A0092B-C50C-407E-A947-70E740481C1C}">
-                <a14:useLocalDpi xmlns:a14="http://schemas.microsoft.com/office/drawing/2010/main" val="0"/>
-              </a:ext>
-            </a:extLst>
-          </a:blip>
-          <a:stretch>
-            <a:fillRect/>
-          </a:stretch>
-        </p:blipFill>
-        <p:spPr>
-          <a:xfrm>
-            <a:off x="11353800" y="654971"/>
-            <a:ext cx="341829" cy="376173"/>
-          </a:xfrm>
-          <a:prstGeom prst="rect">
-            <a:avLst/>
-          </a:prstGeom>
-        </p:spPr>
-      </p:pic>
-    </p:spTree>
-    <p:extLst>
-      <p:ext uri="{BB962C8B-B14F-4D97-AF65-F5344CB8AC3E}">
-        <p14:creationId xmlns:p14="http://schemas.microsoft.com/office/powerpoint/2010/main" val="815458470"/>
-      </p:ext>
-    </p:extLst>
-  </p:cSld>
-  <p:clrMapOvr>
-    <a:masterClrMapping/>
-  </p:clrMapOvr>
 </p:sld>
 </file>
 
@@ -10463,7 +11282,7 @@
           <a:p>
             <a:r>
               <a:rPr lang="en-US" dirty="0"/>
-              <a:t>Software prerequisites for Python project</a:t>
+              <a:t>Software Prerequisites for Python Projects</a:t>
             </a:r>
           </a:p>
         </p:txBody>
@@ -11827,7 +12646,7 @@
           <a:p>
             <a:r>
               <a:rPr lang="en-US" dirty="0"/>
-              <a:t>Software prerequisites for Python project</a:t>
+              <a:t>Software Prerequisites for Python Projects</a:t>
             </a:r>
           </a:p>
         </p:txBody>
@@ -13224,7 +14043,7 @@
           <a:p>
             <a:r>
               <a:rPr lang="en-US" dirty="0"/>
-              <a:t>Software prerequisites for Python project</a:t>
+              <a:t>Software Prerequisites for Python Projects</a:t>
             </a:r>
           </a:p>
         </p:txBody>
@@ -15052,7 +15871,7 @@
           <a:p>
             <a:r>
               <a:rPr lang="en-US" dirty="0"/>
-              <a:t>Software prerequisites for Python project</a:t>
+              <a:t>Software Prerequisites for Python Projects</a:t>
             </a:r>
           </a:p>
         </p:txBody>
@@ -16910,7 +17729,7 @@
           <a:p>
             <a:r>
               <a:rPr lang="en-US" dirty="0"/>
-              <a:t>Software prerequisites for Python project</a:t>
+              <a:t>Software Prerequisites for Python Projects</a:t>
             </a:r>
           </a:p>
         </p:txBody>
@@ -18110,6 +18929,89 @@
           <p:cNvPr id="2" name="Title 1">
             <a:extLst>
               <a:ext uri="{FF2B5EF4-FFF2-40B4-BE49-F238E27FC236}">
+                <a16:creationId xmlns:a16="http://schemas.microsoft.com/office/drawing/2014/main" id="{8BD65AA8-7D61-E5D9-B0FF-C8D74CDBA29D}"/>
+              </a:ext>
+            </a:extLst>
+          </p:cNvPr>
+          <p:cNvSpPr>
+            <a:spLocks noGrp="1"/>
+          </p:cNvSpPr>
+          <p:nvPr>
+            <p:ph type="title"/>
+          </p:nvPr>
+        </p:nvSpPr>
+        <p:spPr/>
+        <p:txBody>
+          <a:bodyPr/>
+          <a:lstStyle/>
+          <a:p>
+            <a:r>
+              <a:rPr lang="en-US" dirty="0"/>
+              <a:t>Integrated Development Environment (IDE)</a:t>
+            </a:r>
+          </a:p>
+        </p:txBody>
+      </p:sp>
+      <p:sp>
+        <p:nvSpPr>
+          <p:cNvPr id="3" name="Text Placeholder 2">
+            <a:extLst>
+              <a:ext uri="{FF2B5EF4-FFF2-40B4-BE49-F238E27FC236}">
+                <a16:creationId xmlns:a16="http://schemas.microsoft.com/office/drawing/2014/main" id="{F256532B-9CAE-09F6-A539-8A6658897BF1}"/>
+              </a:ext>
+            </a:extLst>
+          </p:cNvPr>
+          <p:cNvSpPr>
+            <a:spLocks noGrp="1"/>
+          </p:cNvSpPr>
+          <p:nvPr>
+            <p:ph type="body" idx="1"/>
+          </p:nvPr>
+        </p:nvSpPr>
+        <p:spPr/>
+        <p:txBody>
+          <a:bodyPr/>
+          <a:lstStyle/>
+          <a:p>
+            <a:endParaRPr lang="en-US"/>
+          </a:p>
+        </p:txBody>
+      </p:sp>
+    </p:spTree>
+    <p:extLst>
+      <p:ext uri="{BB962C8B-B14F-4D97-AF65-F5344CB8AC3E}">
+        <p14:creationId xmlns:p14="http://schemas.microsoft.com/office/powerpoint/2010/main" val="478624437"/>
+      </p:ext>
+    </p:extLst>
+  </p:cSld>
+  <p:clrMapOvr>
+    <a:masterClrMapping/>
+  </p:clrMapOvr>
+</p:sld>
+</file>
+
+<file path=ppt/slides/slide9.xml><?xml version="1.0" encoding="utf-8"?>
+<p:sld xmlns:a="http://schemas.openxmlformats.org/drawingml/2006/main" xmlns:r="http://schemas.openxmlformats.org/officeDocument/2006/relationships" xmlns:p="http://schemas.openxmlformats.org/presentationml/2006/main">
+  <p:cSld>
+    <p:spTree>
+      <p:nvGrpSpPr>
+        <p:cNvPr id="1" name=""/>
+        <p:cNvGrpSpPr/>
+        <p:nvPr/>
+      </p:nvGrpSpPr>
+      <p:grpSpPr>
+        <a:xfrm>
+          <a:off x="0" y="0"/>
+          <a:ext cx="0" cy="0"/>
+          <a:chOff x="0" y="0"/>
+          <a:chExt cx="0" cy="0"/>
+        </a:xfrm>
+      </p:grpSpPr>
+      <p:sp>
+        <p:nvSpPr>
+          <p:cNvPr id="2" name="Title 1">
+            <a:extLst>
+              <a:ext uri="{FF2B5EF4-FFF2-40B4-BE49-F238E27FC236}">
                 <a16:creationId xmlns:a16="http://schemas.microsoft.com/office/drawing/2014/main" id="{8401D478-8C57-ABE3-DC5E-39CFCF0F2D16}"/>
               </a:ext>
             </a:extLst>
@@ -18161,6 +19063,10 @@
           </a:bodyPr>
           <a:lstStyle/>
           <a:p>
+            <a:pPr>
+              <a:buFont typeface="Arial" panose="020B0604020202020204" pitchFamily="34" charset="0"/>
+              <a:buChar char="•"/>
+            </a:pPr>
             <a:r>
               <a:rPr lang="en-US" b="1" dirty="0"/>
               <a:t>VS Code (</a:t>
@@ -18428,514 +19334,6 @@
                                         <p:cTn id="17" dur="500"/>
                                         <p:tgtEl>
                                           <p:spTgt spid="2052"/>
-                                        </p:tgtEl>
-                                      </p:cBhvr>
-                                    </p:animEffect>
-                                  </p:childTnLst>
-                                </p:cTn>
-                              </p:par>
-                            </p:childTnLst>
-                          </p:cTn>
-                        </p:par>
-                      </p:childTnLst>
-                    </p:cTn>
-                  </p:par>
-                </p:childTnLst>
-              </p:cTn>
-              <p:prevCondLst>
-                <p:cond evt="onPrev" delay="0">
-                  <p:tgtEl>
-                    <p:sldTgt/>
-                  </p:tgtEl>
-                </p:cond>
-              </p:prevCondLst>
-              <p:nextCondLst>
-                <p:cond evt="onNext" delay="0">
-                  <p:tgtEl>
-                    <p:sldTgt/>
-                  </p:tgtEl>
-                </p:cond>
-              </p:nextCondLst>
-            </p:seq>
-          </p:childTnLst>
-        </p:cTn>
-      </p:par>
-    </p:tnLst>
-  </p:timing>
-</p:sld>
-</file>
-
-<file path=ppt/slides/slide9.xml><?xml version="1.0" encoding="utf-8"?>
-<p:sld xmlns:a="http://schemas.openxmlformats.org/drawingml/2006/main" xmlns:r="http://schemas.openxmlformats.org/officeDocument/2006/relationships" xmlns:p="http://schemas.openxmlformats.org/presentationml/2006/main">
-  <p:cSld>
-    <p:spTree>
-      <p:nvGrpSpPr>
-        <p:cNvPr id="1" name=""/>
-        <p:cNvGrpSpPr/>
-        <p:nvPr/>
-      </p:nvGrpSpPr>
-      <p:grpSpPr>
-        <a:xfrm>
-          <a:off x="0" y="0"/>
-          <a:ext cx="0" cy="0"/>
-          <a:chOff x="0" y="0"/>
-          <a:chExt cx="0" cy="0"/>
-        </a:xfrm>
-      </p:grpSpPr>
-      <p:sp>
-        <p:nvSpPr>
-          <p:cNvPr id="2" name="Title 1">
-            <a:extLst>
-              <a:ext uri="{FF2B5EF4-FFF2-40B4-BE49-F238E27FC236}">
-                <a16:creationId xmlns:a16="http://schemas.microsoft.com/office/drawing/2014/main" id="{8401D478-8C57-ABE3-DC5E-39CFCF0F2D16}"/>
-              </a:ext>
-            </a:extLst>
-          </p:cNvPr>
-          <p:cNvSpPr>
-            <a:spLocks noGrp="1"/>
-          </p:cNvSpPr>
-          <p:nvPr>
-            <p:ph type="title"/>
-          </p:nvPr>
-        </p:nvSpPr>
-        <p:spPr/>
-        <p:txBody>
-          <a:bodyPr/>
-          <a:lstStyle/>
-          <a:p>
-            <a:r>
-              <a:rPr lang="en-US" dirty="0"/>
-              <a:t>IDE</a:t>
-            </a:r>
-          </a:p>
-        </p:txBody>
-      </p:sp>
-      <p:sp>
-        <p:nvSpPr>
-          <p:cNvPr id="3" name="Content Placeholder 2">
-            <a:extLst>
-              <a:ext uri="{FF2B5EF4-FFF2-40B4-BE49-F238E27FC236}">
-                <a16:creationId xmlns:a16="http://schemas.microsoft.com/office/drawing/2014/main" id="{867C1927-421E-EB40-3247-418367614E2A}"/>
-              </a:ext>
-            </a:extLst>
-          </p:cNvPr>
-          <p:cNvSpPr>
-            <a:spLocks noGrp="1"/>
-          </p:cNvSpPr>
-          <p:nvPr>
-            <p:ph idx="1"/>
-          </p:nvPr>
-        </p:nvSpPr>
-        <p:spPr>
-          <a:xfrm>
-            <a:off x="838199" y="1825624"/>
-            <a:ext cx="11353801" cy="4919421"/>
-          </a:xfrm>
-        </p:spPr>
-        <p:txBody>
-          <a:bodyPr>
-            <a:normAutofit/>
-          </a:bodyPr>
-          <a:lstStyle/>
-          <a:p>
-            <a:r>
-              <a:rPr lang="en-US" b="1" dirty="0"/>
-              <a:t>PyCharm</a:t>
-            </a:r>
-            <a:r>
-              <a:rPr lang="en-US" dirty="0"/>
-              <a:t> </a:t>
-            </a:r>
-            <a:r>
-              <a:rPr lang="en-US" b="1" dirty="0"/>
-              <a:t>(</a:t>
-            </a:r>
-            <a:r>
-              <a:rPr lang="en-US" dirty="0">
-                <a:hlinkClick r:id="rId2"/>
-              </a:rPr>
-              <a:t>https://www.jetbrains.com/pycharm/download/?section=windows</a:t>
-            </a:r>
-            <a:r>
-              <a:rPr lang="en-US" b="1" dirty="0"/>
-              <a:t>)</a:t>
-            </a:r>
-            <a:r>
-              <a:rPr lang="en-US" dirty="0"/>
-              <a:t> </a:t>
-            </a:r>
-          </a:p>
-        </p:txBody>
-      </p:sp>
-      <p:grpSp>
-        <p:nvGrpSpPr>
-          <p:cNvPr id="5" name="Group 4">
-            <a:extLst>
-              <a:ext uri="{FF2B5EF4-FFF2-40B4-BE49-F238E27FC236}">
-                <a16:creationId xmlns:a16="http://schemas.microsoft.com/office/drawing/2014/main" id="{2D32A770-F8E1-6F9D-EB8C-1FADA8CF34C0}"/>
-              </a:ext>
-            </a:extLst>
-          </p:cNvPr>
-          <p:cNvGrpSpPr/>
-          <p:nvPr/>
-        </p:nvGrpSpPr>
-        <p:grpSpPr>
-          <a:xfrm>
-            <a:off x="1118647" y="2939004"/>
-            <a:ext cx="9954705" cy="3806041"/>
-            <a:chOff x="1118647" y="2939004"/>
-            <a:chExt cx="9954705" cy="3806041"/>
-          </a:xfrm>
-        </p:grpSpPr>
-        <p:pic>
-          <p:nvPicPr>
-            <p:cNvPr id="7" name="Picture 6">
-              <a:extLst>
-                <a:ext uri="{FF2B5EF4-FFF2-40B4-BE49-F238E27FC236}">
-                  <a16:creationId xmlns:a16="http://schemas.microsoft.com/office/drawing/2014/main" id="{FC1C22F0-4A1C-384B-D824-481B3201E5E0}"/>
-                </a:ext>
-              </a:extLst>
-            </p:cNvPr>
-            <p:cNvPicPr>
-              <a:picLocks noChangeAspect="1"/>
-            </p:cNvPicPr>
-            <p:nvPr/>
-          </p:nvPicPr>
-          <p:blipFill>
-            <a:blip r:embed="rId3"/>
-            <a:stretch>
-              <a:fillRect/>
-            </a:stretch>
-          </p:blipFill>
-          <p:spPr>
-            <a:xfrm>
-              <a:off x="1118647" y="2939004"/>
-              <a:ext cx="9954705" cy="1914633"/>
-            </a:xfrm>
-            <a:prstGeom prst="rect">
-              <a:avLst/>
-            </a:prstGeom>
-          </p:spPr>
-        </p:pic>
-        <p:pic>
-          <p:nvPicPr>
-            <p:cNvPr id="9" name="Picture 8">
-              <a:extLst>
-                <a:ext uri="{FF2B5EF4-FFF2-40B4-BE49-F238E27FC236}">
-                  <a16:creationId xmlns:a16="http://schemas.microsoft.com/office/drawing/2014/main" id="{93588CBA-28E1-2CFD-01C1-486F308E2E40}"/>
-                </a:ext>
-              </a:extLst>
-            </p:cNvPr>
-            <p:cNvPicPr>
-              <a:picLocks noChangeAspect="1"/>
-            </p:cNvPicPr>
-            <p:nvPr/>
-          </p:nvPicPr>
-          <p:blipFill>
-            <a:blip r:embed="rId4"/>
-            <a:stretch>
-              <a:fillRect/>
-            </a:stretch>
-          </p:blipFill>
-          <p:spPr>
-            <a:xfrm>
-              <a:off x="1118647" y="5161889"/>
-              <a:ext cx="3863172" cy="1583156"/>
-            </a:xfrm>
-            <a:prstGeom prst="rect">
-              <a:avLst/>
-            </a:prstGeom>
-          </p:spPr>
-        </p:pic>
-      </p:grpSp>
-      <p:grpSp>
-        <p:nvGrpSpPr>
-          <p:cNvPr id="4" name="Group 3">
-            <a:extLst>
-              <a:ext uri="{FF2B5EF4-FFF2-40B4-BE49-F238E27FC236}">
-                <a16:creationId xmlns:a16="http://schemas.microsoft.com/office/drawing/2014/main" id="{32A55026-A440-77AB-28BE-FEBB6C387CE1}"/>
-              </a:ext>
-            </a:extLst>
-          </p:cNvPr>
-          <p:cNvGrpSpPr/>
-          <p:nvPr/>
-        </p:nvGrpSpPr>
-        <p:grpSpPr>
-          <a:xfrm>
-            <a:off x="6106579" y="4533303"/>
-            <a:ext cx="4966773" cy="2211742"/>
-            <a:chOff x="6106579" y="4533303"/>
-            <a:chExt cx="4966773" cy="2211742"/>
-          </a:xfrm>
-        </p:grpSpPr>
-        <p:pic>
-          <p:nvPicPr>
-            <p:cNvPr id="3074" name="Picture 2" descr="Download PyCharm: The Python IDE for data science and web development by  JetBrains">
-              <a:extLst>
-                <a:ext uri="{FF2B5EF4-FFF2-40B4-BE49-F238E27FC236}">
-                  <a16:creationId xmlns:a16="http://schemas.microsoft.com/office/drawing/2014/main" id="{52E4A060-3861-579B-A763-D1FFF67EB84F}"/>
-                </a:ext>
-              </a:extLst>
-            </p:cNvPr>
-            <p:cNvPicPr>
-              <a:picLocks noChangeAspect="1" noChangeArrowheads="1"/>
-            </p:cNvPicPr>
-            <p:nvPr/>
-          </p:nvPicPr>
-          <p:blipFill>
-            <a:blip r:embed="rId5">
-              <a:extLst>
-                <a:ext uri="{28A0092B-C50C-407E-A947-70E740481C1C}">
-                  <a14:useLocalDpi xmlns:a14="http://schemas.microsoft.com/office/drawing/2010/main" val="0"/>
-                </a:ext>
-              </a:extLst>
-            </a:blip>
-            <a:srcRect/>
-            <a:stretch>
-              <a:fillRect/>
-            </a:stretch>
-          </p:blipFill>
-          <p:spPr bwMode="auto">
-            <a:xfrm>
-              <a:off x="6878198" y="4533303"/>
-              <a:ext cx="4195154" cy="2211742"/>
-            </a:xfrm>
-            <a:prstGeom prst="rect">
-              <a:avLst/>
-            </a:prstGeom>
-            <a:noFill/>
-            <a:extLst>
-              <a:ext uri="{909E8E84-426E-40DD-AFC4-6F175D3DCCD1}">
-                <a14:hiddenFill xmlns:a14="http://schemas.microsoft.com/office/drawing/2010/main">
-                  <a:solidFill>
-                    <a:srgbClr val="FFFFFF"/>
-                  </a:solidFill>
-                </a14:hiddenFill>
-              </a:ext>
-            </a:extLst>
-          </p:spPr>
-        </p:pic>
-        <p:pic>
-          <p:nvPicPr>
-            <p:cNvPr id="10" name="Picture 16" descr="PyCharm — Wikipédia">
-              <a:extLst>
-                <a:ext uri="{FF2B5EF4-FFF2-40B4-BE49-F238E27FC236}">
-                  <a16:creationId xmlns:a16="http://schemas.microsoft.com/office/drawing/2014/main" id="{40A3E161-F3BE-B7E3-6E7F-18CC4E00AD8B}"/>
-                </a:ext>
-              </a:extLst>
-            </p:cNvPr>
-            <p:cNvPicPr>
-              <a:picLocks noChangeAspect="1" noChangeArrowheads="1"/>
-            </p:cNvPicPr>
-            <p:nvPr/>
-          </p:nvPicPr>
-          <p:blipFill>
-            <a:blip r:embed="rId6">
-              <a:extLst>
-                <a:ext uri="{28A0092B-C50C-407E-A947-70E740481C1C}">
-                  <a14:useLocalDpi xmlns:a14="http://schemas.microsoft.com/office/drawing/2010/main" val="0"/>
-                </a:ext>
-              </a:extLst>
-            </a:blip>
-            <a:srcRect/>
-            <a:stretch>
-              <a:fillRect/>
-            </a:stretch>
-          </p:blipFill>
-          <p:spPr bwMode="auto">
-            <a:xfrm>
-              <a:off x="6106579" y="4533303"/>
-              <a:ext cx="644585" cy="644585"/>
-            </a:xfrm>
-            <a:prstGeom prst="rect">
-              <a:avLst/>
-            </a:prstGeom>
-            <a:noFill/>
-            <a:extLst>
-              <a:ext uri="{909E8E84-426E-40DD-AFC4-6F175D3DCCD1}">
-                <a14:hiddenFill xmlns:a14="http://schemas.microsoft.com/office/drawing/2010/main">
-                  <a:solidFill>
-                    <a:srgbClr val="FFFFFF"/>
-                  </a:solidFill>
-                </a14:hiddenFill>
-              </a:ext>
-            </a:extLst>
-          </p:spPr>
-        </p:pic>
-      </p:grpSp>
-    </p:spTree>
-    <p:extLst>
-      <p:ext uri="{BB962C8B-B14F-4D97-AF65-F5344CB8AC3E}">
-        <p14:creationId xmlns:p14="http://schemas.microsoft.com/office/powerpoint/2010/main" val="3492556338"/>
-      </p:ext>
-    </p:extLst>
-  </p:cSld>
-  <p:clrMapOvr>
-    <a:masterClrMapping/>
-  </p:clrMapOvr>
-  <p:timing>
-    <p:tnLst>
-      <p:par>
-        <p:cTn id="1" dur="indefinite" restart="never" nodeType="tmRoot">
-          <p:childTnLst>
-            <p:seq concurrent="1" nextAc="seek">
-              <p:cTn id="2" dur="indefinite" nodeType="mainSeq">
-                <p:childTnLst>
-                  <p:par>
-                    <p:cTn id="3" fill="hold">
-                      <p:stCondLst>
-                        <p:cond delay="indefinite"/>
-                      </p:stCondLst>
-                      <p:childTnLst>
-                        <p:par>
-                          <p:cTn id="4" fill="hold">
-                            <p:stCondLst>
-                              <p:cond delay="0"/>
-                            </p:stCondLst>
-                            <p:childTnLst>
-                              <p:par>
-                                <p:cTn id="5" presetID="10" presetClass="entr" presetSubtype="0" fill="hold" nodeType="clickEffect">
-                                  <p:stCondLst>
-                                    <p:cond delay="0"/>
-                                  </p:stCondLst>
-                                  <p:childTnLst>
-                                    <p:set>
-                                      <p:cBhvr>
-                                        <p:cTn id="6" dur="1" fill="hold">
-                                          <p:stCondLst>
-                                            <p:cond delay="0"/>
-                                          </p:stCondLst>
-                                        </p:cTn>
-                                        <p:tgtEl>
-                                          <p:spTgt spid="3">
-                                            <p:txEl>
-                                              <p:pRg st="0" end="0"/>
-                                            </p:txEl>
-                                          </p:spTgt>
-                                        </p:tgtEl>
-                                        <p:attrNameLst>
-                                          <p:attrName>style.visibility</p:attrName>
-                                        </p:attrNameLst>
-                                      </p:cBhvr>
-                                      <p:to>
-                                        <p:strVal val="visible"/>
-                                      </p:to>
-                                    </p:set>
-                                    <p:animEffect transition="in" filter="fade">
-                                      <p:cBhvr>
-                                        <p:cTn id="7" dur="500"/>
-                                        <p:tgtEl>
-                                          <p:spTgt spid="3">
-                                            <p:txEl>
-                                              <p:pRg st="0" end="0"/>
-                                            </p:txEl>
-                                          </p:spTgt>
-                                        </p:tgtEl>
-                                      </p:cBhvr>
-                                    </p:animEffect>
-                                  </p:childTnLst>
-                                </p:cTn>
-                              </p:par>
-                            </p:childTnLst>
-                          </p:cTn>
-                        </p:par>
-                      </p:childTnLst>
-                    </p:cTn>
-                  </p:par>
-                  <p:par>
-                    <p:cTn id="8" fill="hold">
-                      <p:stCondLst>
-                        <p:cond delay="indefinite"/>
-                      </p:stCondLst>
-                      <p:childTnLst>
-                        <p:par>
-                          <p:cTn id="9" fill="hold">
-                            <p:stCondLst>
-                              <p:cond delay="0"/>
-                            </p:stCondLst>
-                            <p:childTnLst>
-                              <p:par>
-                                <p:cTn id="10" presetID="10" presetClass="entr" presetSubtype="0" fill="hold" nodeType="clickEffect">
-                                  <p:stCondLst>
-                                    <p:cond delay="0"/>
-                                  </p:stCondLst>
-                                  <p:childTnLst>
-                                    <p:set>
-                                      <p:cBhvr>
-                                        <p:cTn id="11" dur="1" fill="hold">
-                                          <p:stCondLst>
-                                            <p:cond delay="0"/>
-                                          </p:stCondLst>
-                                        </p:cTn>
-                                        <p:tgtEl>
-                                          <p:spTgt spid="5"/>
-                                        </p:tgtEl>
-                                        <p:attrNameLst>
-                                          <p:attrName>style.visibility</p:attrName>
-                                        </p:attrNameLst>
-                                      </p:cBhvr>
-                                      <p:to>
-                                        <p:strVal val="visible"/>
-                                      </p:to>
-                                    </p:set>
-                                    <p:animEffect transition="in" filter="fade">
-                                      <p:cBhvr>
-                                        <p:cTn id="12" dur="500"/>
-                                        <p:tgtEl>
-                                          <p:spTgt spid="5"/>
-                                        </p:tgtEl>
-                                      </p:cBhvr>
-                                    </p:animEffect>
-                                  </p:childTnLst>
-                                </p:cTn>
-                              </p:par>
-                            </p:childTnLst>
-                          </p:cTn>
-                        </p:par>
-                      </p:childTnLst>
-                    </p:cTn>
-                  </p:par>
-                  <p:par>
-                    <p:cTn id="13" fill="hold">
-                      <p:stCondLst>
-                        <p:cond delay="indefinite"/>
-                      </p:stCondLst>
-                      <p:childTnLst>
-                        <p:par>
-                          <p:cTn id="14" fill="hold">
-                            <p:stCondLst>
-                              <p:cond delay="0"/>
-                            </p:stCondLst>
-                            <p:childTnLst>
-                              <p:par>
-                                <p:cTn id="15" presetID="10" presetClass="entr" presetSubtype="0" fill="hold" nodeType="clickEffect">
-                                  <p:stCondLst>
-                                    <p:cond delay="0"/>
-                                  </p:stCondLst>
-                                  <p:childTnLst>
-                                    <p:set>
-                                      <p:cBhvr>
-                                        <p:cTn id="16" dur="1" fill="hold">
-                                          <p:stCondLst>
-                                            <p:cond delay="0"/>
-                                          </p:stCondLst>
-                                        </p:cTn>
-                                        <p:tgtEl>
-                                          <p:spTgt spid="4"/>
-                                        </p:tgtEl>
-                                        <p:attrNameLst>
-                                          <p:attrName>style.visibility</p:attrName>
-                                        </p:attrNameLst>
-                                      </p:cBhvr>
-                                      <p:to>
-                                        <p:strVal val="visible"/>
-                                      </p:to>
-                                    </p:set>
-                                    <p:animEffect transition="in" filter="fade">
-                                      <p:cBhvr>
-                                        <p:cTn id="17" dur="500"/>
-                                        <p:tgtEl>
-                                          <p:spTgt spid="4"/>
                                         </p:tgtEl>
                                       </p:cBhvr>
                                     </p:animEffect>

--- a/presentation/Transformer_Udemy/Udemy_P1_Software Prerequisites for Python Project.pptx
+++ b/presentation/Transformer_Udemy/Udemy_P1_Software Prerequisites for Python Project.pptx
@@ -5,32 +5,38 @@
     <p:sldMasterId id="2147483648" r:id="rId1"/>
   </p:sldMasterIdLst>
   <p:notesMasterIdLst>
-    <p:notesMasterId r:id="rId25"/>
+    <p:notesMasterId r:id="rId31"/>
   </p:notesMasterIdLst>
   <p:sldIdLst>
     <p:sldId id="721" r:id="rId2"/>
-    <p:sldId id="709" r:id="rId3"/>
-    <p:sldId id="720" r:id="rId4"/>
-    <p:sldId id="715" r:id="rId5"/>
-    <p:sldId id="716" r:id="rId6"/>
-    <p:sldId id="717" r:id="rId7"/>
-    <p:sldId id="718" r:id="rId8"/>
-    <p:sldId id="722" r:id="rId9"/>
-    <p:sldId id="562" r:id="rId10"/>
-    <p:sldId id="553" r:id="rId11"/>
-    <p:sldId id="723" r:id="rId12"/>
-    <p:sldId id="556" r:id="rId13"/>
-    <p:sldId id="560" r:id="rId14"/>
-    <p:sldId id="724" r:id="rId15"/>
-    <p:sldId id="554" r:id="rId16"/>
-    <p:sldId id="710" r:id="rId17"/>
-    <p:sldId id="725" r:id="rId18"/>
-    <p:sldId id="561" r:id="rId19"/>
-    <p:sldId id="557" r:id="rId20"/>
-    <p:sldId id="726" r:id="rId21"/>
-    <p:sldId id="711" r:id="rId22"/>
-    <p:sldId id="727" r:id="rId23"/>
-    <p:sldId id="719" r:id="rId24"/>
+    <p:sldId id="728" r:id="rId3"/>
+    <p:sldId id="729" r:id="rId4"/>
+    <p:sldId id="709" r:id="rId5"/>
+    <p:sldId id="720" r:id="rId6"/>
+    <p:sldId id="715" r:id="rId7"/>
+    <p:sldId id="716" r:id="rId8"/>
+    <p:sldId id="717" r:id="rId9"/>
+    <p:sldId id="718" r:id="rId10"/>
+    <p:sldId id="730" r:id="rId11"/>
+    <p:sldId id="722" r:id="rId12"/>
+    <p:sldId id="731" r:id="rId13"/>
+    <p:sldId id="562" r:id="rId14"/>
+    <p:sldId id="553" r:id="rId15"/>
+    <p:sldId id="723" r:id="rId16"/>
+    <p:sldId id="556" r:id="rId17"/>
+    <p:sldId id="560" r:id="rId18"/>
+    <p:sldId id="724" r:id="rId19"/>
+    <p:sldId id="554" r:id="rId20"/>
+    <p:sldId id="732" r:id="rId21"/>
+    <p:sldId id="710" r:id="rId22"/>
+    <p:sldId id="725" r:id="rId23"/>
+    <p:sldId id="733" r:id="rId24"/>
+    <p:sldId id="561" r:id="rId25"/>
+    <p:sldId id="557" r:id="rId26"/>
+    <p:sldId id="726" r:id="rId27"/>
+    <p:sldId id="711" r:id="rId28"/>
+    <p:sldId id="727" r:id="rId29"/>
+    <p:sldId id="719" r:id="rId30"/>
   </p:sldIdLst>
   <p:sldSz cx="12192000" cy="6858000"/>
   <p:notesSz cx="6858000" cy="9144000"/>
@@ -219,7 +225,7 @@
           <a:p>
             <a:fld id="{83E62246-8680-4D4D-A3BD-0C5BFD468F61}" type="datetimeFigureOut">
               <a:rPr lang="en-US" smtClean="0"/>
-              <a:t>6/30/2024</a:t>
+              <a:t>7/5/2024</a:t>
             </a:fld>
             <a:endParaRPr lang="en-US"/>
           </a:p>
@@ -551,7 +557,7 @@
           <a:p>
             <a:fld id="{B4A55CF2-256D-44FD-9430-5B63A079CF51}" type="slidenum">
               <a:rPr lang="en-US" smtClean="0"/>
-              <a:t>2</a:t>
+              <a:t>4</a:t>
             </a:fld>
             <a:endParaRPr lang="en-US" dirty="0"/>
           </a:p>
@@ -635,7 +641,7 @@
           <a:p>
             <a:fld id="{B4A55CF2-256D-44FD-9430-5B63A079CF51}" type="slidenum">
               <a:rPr lang="en-US" smtClean="0"/>
-              <a:t>3</a:t>
+              <a:t>5</a:t>
             </a:fld>
             <a:endParaRPr lang="en-US" dirty="0"/>
           </a:p>
@@ -719,7 +725,7 @@
           <a:p>
             <a:fld id="{B4A55CF2-256D-44FD-9430-5B63A079CF51}" type="slidenum">
               <a:rPr lang="en-US" smtClean="0"/>
-              <a:t>4</a:t>
+              <a:t>6</a:t>
             </a:fld>
             <a:endParaRPr lang="en-US" dirty="0"/>
           </a:p>
@@ -803,7 +809,7 @@
           <a:p>
             <a:fld id="{B4A55CF2-256D-44FD-9430-5B63A079CF51}" type="slidenum">
               <a:rPr lang="en-US" smtClean="0"/>
-              <a:t>5</a:t>
+              <a:t>7</a:t>
             </a:fld>
             <a:endParaRPr lang="en-US" dirty="0"/>
           </a:p>
@@ -887,7 +893,7 @@
           <a:p>
             <a:fld id="{B4A55CF2-256D-44FD-9430-5B63A079CF51}" type="slidenum">
               <a:rPr lang="en-US" smtClean="0"/>
-              <a:t>6</a:t>
+              <a:t>8</a:t>
             </a:fld>
             <a:endParaRPr lang="en-US" dirty="0"/>
           </a:p>
@@ -971,7 +977,7 @@
           <a:p>
             <a:fld id="{B4A55CF2-256D-44FD-9430-5B63A079CF51}" type="slidenum">
               <a:rPr lang="en-US" smtClean="0"/>
-              <a:t>7</a:t>
+              <a:t>9</a:t>
             </a:fld>
             <a:endParaRPr lang="en-US" dirty="0"/>
           </a:p>
@@ -1139,7 +1145,7 @@
           <a:p>
             <a:fld id="{DE15CBC1-10D1-4E1D-B7D3-1A6D6027583C}" type="datetimeFigureOut">
               <a:rPr lang="en-US" smtClean="0"/>
-              <a:t>6/30/2024</a:t>
+              <a:t>7/5/2024</a:t>
             </a:fld>
             <a:endParaRPr lang="en-US"/>
           </a:p>
@@ -1337,7 +1343,7 @@
           <a:p>
             <a:fld id="{DE15CBC1-10D1-4E1D-B7D3-1A6D6027583C}" type="datetimeFigureOut">
               <a:rPr lang="en-US" smtClean="0"/>
-              <a:t>6/30/2024</a:t>
+              <a:t>7/5/2024</a:t>
             </a:fld>
             <a:endParaRPr lang="en-US"/>
           </a:p>
@@ -1545,7 +1551,7 @@
           <a:p>
             <a:fld id="{DE15CBC1-10D1-4E1D-B7D3-1A6D6027583C}" type="datetimeFigureOut">
               <a:rPr lang="en-US" smtClean="0"/>
-              <a:t>6/30/2024</a:t>
+              <a:t>7/5/2024</a:t>
             </a:fld>
             <a:endParaRPr lang="en-US"/>
           </a:p>
@@ -1745,7 +1751,7 @@
           <a:p>
             <a:fld id="{DE15CBC1-10D1-4E1D-B7D3-1A6D6027583C}" type="datetimeFigureOut">
               <a:rPr lang="en-US" smtClean="0"/>
-              <a:t>6/30/2024</a:t>
+              <a:t>7/5/2024</a:t>
             </a:fld>
             <a:endParaRPr lang="en-US"/>
           </a:p>
@@ -2021,7 +2027,7 @@
           <a:p>
             <a:fld id="{DE15CBC1-10D1-4E1D-B7D3-1A6D6027583C}" type="datetimeFigureOut">
               <a:rPr lang="en-US" smtClean="0"/>
-              <a:t>6/30/2024</a:t>
+              <a:t>7/5/2024</a:t>
             </a:fld>
             <a:endParaRPr lang="en-US"/>
           </a:p>
@@ -2286,7 +2292,7 @@
           <a:p>
             <a:fld id="{DE15CBC1-10D1-4E1D-B7D3-1A6D6027583C}" type="datetimeFigureOut">
               <a:rPr lang="en-US" smtClean="0"/>
-              <a:t>6/30/2024</a:t>
+              <a:t>7/5/2024</a:t>
             </a:fld>
             <a:endParaRPr lang="en-US"/>
           </a:p>
@@ -2698,7 +2704,7 @@
           <a:p>
             <a:fld id="{DE15CBC1-10D1-4E1D-B7D3-1A6D6027583C}" type="datetimeFigureOut">
               <a:rPr lang="en-US" smtClean="0"/>
-              <a:t>6/30/2024</a:t>
+              <a:t>7/5/2024</a:t>
             </a:fld>
             <a:endParaRPr lang="en-US"/>
           </a:p>
@@ -2839,7 +2845,7 @@
           <a:p>
             <a:fld id="{DE15CBC1-10D1-4E1D-B7D3-1A6D6027583C}" type="datetimeFigureOut">
               <a:rPr lang="en-US" smtClean="0"/>
-              <a:t>6/30/2024</a:t>
+              <a:t>7/5/2024</a:t>
             </a:fld>
             <a:endParaRPr lang="en-US"/>
           </a:p>
@@ -2952,7 +2958,7 @@
           <a:p>
             <a:fld id="{DE15CBC1-10D1-4E1D-B7D3-1A6D6027583C}" type="datetimeFigureOut">
               <a:rPr lang="en-US" smtClean="0"/>
-              <a:t>6/30/2024</a:t>
+              <a:t>7/5/2024</a:t>
             </a:fld>
             <a:endParaRPr lang="en-US"/>
           </a:p>
@@ -3263,7 +3269,7 @@
           <a:p>
             <a:fld id="{DE15CBC1-10D1-4E1D-B7D3-1A6D6027583C}" type="datetimeFigureOut">
               <a:rPr lang="en-US" smtClean="0"/>
-              <a:t>6/30/2024</a:t>
+              <a:t>7/5/2024</a:t>
             </a:fld>
             <a:endParaRPr lang="en-US"/>
           </a:p>
@@ -3554,7 +3560,7 @@
           <a:p>
             <a:fld id="{DE15CBC1-10D1-4E1D-B7D3-1A6D6027583C}" type="datetimeFigureOut">
               <a:rPr lang="en-US" smtClean="0"/>
-              <a:t>6/30/2024</a:t>
+              <a:t>7/5/2024</a:t>
             </a:fld>
             <a:endParaRPr lang="en-US"/>
           </a:p>
@@ -3796,7 +3802,7 @@
             <a:fld id="{DE15CBC1-10D1-4E1D-B7D3-1A6D6027583C}" type="datetimeFigureOut">
               <a:rPr lang="en-US" smtClean="0"/>
               <a:pPr/>
-              <a:t>6/30/2024</a:t>
+              <a:t>7/5/2024</a:t>
             </a:fld>
             <a:endParaRPr lang="en-US"/>
           </a:p>
@@ -4542,7 +4548,7 @@
           <p:cNvPr id="2" name="Title 1">
             <a:extLst>
               <a:ext uri="{FF2B5EF4-FFF2-40B4-BE49-F238E27FC236}">
-                <a16:creationId xmlns:a16="http://schemas.microsoft.com/office/drawing/2014/main" id="{8401D478-8C57-ABE3-DC5E-39CFCF0F2D16}"/>
+                <a16:creationId xmlns:a16="http://schemas.microsoft.com/office/drawing/2014/main" id="{8E09955B-17A2-D262-34D0-16BBB8111D41}"/>
               </a:ext>
             </a:extLst>
           </p:cNvPr>
@@ -4560,7 +4566,653 @@
           <a:p>
             <a:r>
               <a:rPr lang="en-US" dirty="0"/>
-              <a:t>IDE</a:t>
+              <a:t>Software Installation</a:t>
+            </a:r>
+          </a:p>
+        </p:txBody>
+      </p:sp>
+      <p:sp>
+        <p:nvSpPr>
+          <p:cNvPr id="3" name="Text Placeholder 2">
+            <a:extLst>
+              <a:ext uri="{FF2B5EF4-FFF2-40B4-BE49-F238E27FC236}">
+                <a16:creationId xmlns:a16="http://schemas.microsoft.com/office/drawing/2014/main" id="{F7EEA1E1-48FC-C314-B52E-6EC62BF8E3CE}"/>
+              </a:ext>
+            </a:extLst>
+          </p:cNvPr>
+          <p:cNvSpPr>
+            <a:spLocks noGrp="1"/>
+          </p:cNvSpPr>
+          <p:nvPr>
+            <p:ph type="body" idx="1"/>
+          </p:nvPr>
+        </p:nvSpPr>
+        <p:spPr/>
+        <p:txBody>
+          <a:bodyPr/>
+          <a:lstStyle/>
+          <a:p>
+            <a:endParaRPr lang="en-US"/>
+          </a:p>
+        </p:txBody>
+      </p:sp>
+    </p:spTree>
+    <p:extLst>
+      <p:ext uri="{BB962C8B-B14F-4D97-AF65-F5344CB8AC3E}">
+        <p14:creationId xmlns:p14="http://schemas.microsoft.com/office/powerpoint/2010/main" val="3571745745"/>
+      </p:ext>
+    </p:extLst>
+  </p:cSld>
+  <p:clrMapOvr>
+    <a:masterClrMapping/>
+  </p:clrMapOvr>
+</p:sld>
+</file>
+
+<file path=ppt/slides/slide11.xml><?xml version="1.0" encoding="utf-8"?>
+<p:sld xmlns:a="http://schemas.openxmlformats.org/drawingml/2006/main" xmlns:r="http://schemas.openxmlformats.org/officeDocument/2006/relationships" xmlns:p="http://schemas.openxmlformats.org/presentationml/2006/main">
+  <p:cSld>
+    <p:spTree>
+      <p:nvGrpSpPr>
+        <p:cNvPr id="1" name=""/>
+        <p:cNvGrpSpPr/>
+        <p:nvPr/>
+      </p:nvGrpSpPr>
+      <p:grpSpPr>
+        <a:xfrm>
+          <a:off x="0" y="0"/>
+          <a:ext cx="0" cy="0"/>
+          <a:chOff x="0" y="0"/>
+          <a:chExt cx="0" cy="0"/>
+        </a:xfrm>
+      </p:grpSpPr>
+      <p:sp>
+        <p:nvSpPr>
+          <p:cNvPr id="2" name="Title 1">
+            <a:extLst>
+              <a:ext uri="{FF2B5EF4-FFF2-40B4-BE49-F238E27FC236}">
+                <a16:creationId xmlns:a16="http://schemas.microsoft.com/office/drawing/2014/main" id="{8BD65AA8-7D61-E5D9-B0FF-C8D74CDBA29D}"/>
+              </a:ext>
+            </a:extLst>
+          </p:cNvPr>
+          <p:cNvSpPr>
+            <a:spLocks noGrp="1"/>
+          </p:cNvSpPr>
+          <p:nvPr>
+            <p:ph type="title"/>
+          </p:nvPr>
+        </p:nvSpPr>
+        <p:spPr/>
+        <p:txBody>
+          <a:bodyPr/>
+          <a:lstStyle/>
+          <a:p>
+            <a:r>
+              <a:rPr lang="en-US" dirty="0"/>
+              <a:t>Integrated Development Environment (IDE)</a:t>
+            </a:r>
+          </a:p>
+        </p:txBody>
+      </p:sp>
+      <p:sp>
+        <p:nvSpPr>
+          <p:cNvPr id="3" name="Text Placeholder 2">
+            <a:extLst>
+              <a:ext uri="{FF2B5EF4-FFF2-40B4-BE49-F238E27FC236}">
+                <a16:creationId xmlns:a16="http://schemas.microsoft.com/office/drawing/2014/main" id="{F256532B-9CAE-09F6-A539-8A6658897BF1}"/>
+              </a:ext>
+            </a:extLst>
+          </p:cNvPr>
+          <p:cNvSpPr>
+            <a:spLocks noGrp="1"/>
+          </p:cNvSpPr>
+          <p:nvPr>
+            <p:ph type="body" idx="1"/>
+          </p:nvPr>
+        </p:nvSpPr>
+        <p:spPr/>
+        <p:txBody>
+          <a:bodyPr/>
+          <a:lstStyle/>
+          <a:p>
+            <a:endParaRPr lang="en-US"/>
+          </a:p>
+        </p:txBody>
+      </p:sp>
+    </p:spTree>
+    <p:extLst>
+      <p:ext uri="{BB962C8B-B14F-4D97-AF65-F5344CB8AC3E}">
+        <p14:creationId xmlns:p14="http://schemas.microsoft.com/office/powerpoint/2010/main" val="478624437"/>
+      </p:ext>
+    </p:extLst>
+  </p:cSld>
+  <p:clrMapOvr>
+    <a:masterClrMapping/>
+  </p:clrMapOvr>
+</p:sld>
+</file>
+
+<file path=ppt/slides/slide12.xml><?xml version="1.0" encoding="utf-8"?>
+<p:sld xmlns:a="http://schemas.openxmlformats.org/drawingml/2006/main" xmlns:r="http://schemas.openxmlformats.org/officeDocument/2006/relationships" xmlns:p="http://schemas.openxmlformats.org/presentationml/2006/main">
+  <p:cSld>
+    <p:spTree>
+      <p:nvGrpSpPr>
+        <p:cNvPr id="1" name=""/>
+        <p:cNvGrpSpPr/>
+        <p:nvPr/>
+      </p:nvGrpSpPr>
+      <p:grpSpPr>
+        <a:xfrm>
+          <a:off x="0" y="0"/>
+          <a:ext cx="0" cy="0"/>
+          <a:chOff x="0" y="0"/>
+          <a:chExt cx="0" cy="0"/>
+        </a:xfrm>
+      </p:grpSpPr>
+      <p:sp>
+        <p:nvSpPr>
+          <p:cNvPr id="2" name="Title 1">
+            <a:extLst>
+              <a:ext uri="{FF2B5EF4-FFF2-40B4-BE49-F238E27FC236}">
+                <a16:creationId xmlns:a16="http://schemas.microsoft.com/office/drawing/2014/main" id="{AFB17E0D-E409-421A-6A9B-44DD8EACD2D8}"/>
+              </a:ext>
+            </a:extLst>
+          </p:cNvPr>
+          <p:cNvSpPr>
+            <a:spLocks noGrp="1"/>
+          </p:cNvSpPr>
+          <p:nvPr>
+            <p:ph type="title"/>
+          </p:nvPr>
+        </p:nvSpPr>
+        <p:spPr/>
+        <p:txBody>
+          <a:bodyPr/>
+          <a:lstStyle/>
+          <a:p>
+            <a:r>
+              <a:rPr lang="en-US" dirty="0"/>
+              <a:t>IDEs</a:t>
+            </a:r>
+          </a:p>
+        </p:txBody>
+      </p:sp>
+      <p:sp>
+        <p:nvSpPr>
+          <p:cNvPr id="3" name="Content Placeholder 2">
+            <a:extLst>
+              <a:ext uri="{FF2B5EF4-FFF2-40B4-BE49-F238E27FC236}">
+                <a16:creationId xmlns:a16="http://schemas.microsoft.com/office/drawing/2014/main" id="{49D80E1A-EADA-DD12-5856-E7D7E232C46D}"/>
+              </a:ext>
+            </a:extLst>
+          </p:cNvPr>
+          <p:cNvSpPr>
+            <a:spLocks noGrp="1"/>
+          </p:cNvSpPr>
+          <p:nvPr>
+            <p:ph idx="1"/>
+          </p:nvPr>
+        </p:nvSpPr>
+        <p:spPr/>
+        <p:txBody>
+          <a:bodyPr/>
+          <a:lstStyle/>
+          <a:p>
+            <a:pPr>
+              <a:buFont typeface="Arial" panose="020B0604020202020204" pitchFamily="34" charset="0"/>
+              <a:buChar char="•"/>
+            </a:pPr>
+            <a:r>
+              <a:rPr lang="en-US" dirty="0"/>
+              <a:t> Visual Studio Code (VS Code)</a:t>
+            </a:r>
+          </a:p>
+          <a:p>
+            <a:pPr>
+              <a:buFont typeface="Arial" panose="020B0604020202020204" pitchFamily="34" charset="0"/>
+              <a:buChar char="•"/>
+            </a:pPr>
+            <a:r>
+              <a:rPr lang="en-US" dirty="0"/>
+              <a:t> PyCharm</a:t>
+            </a:r>
+          </a:p>
+        </p:txBody>
+      </p:sp>
+    </p:spTree>
+    <p:extLst>
+      <p:ext uri="{BB962C8B-B14F-4D97-AF65-F5344CB8AC3E}">
+        <p14:creationId xmlns:p14="http://schemas.microsoft.com/office/powerpoint/2010/main" val="3940269081"/>
+      </p:ext>
+    </p:extLst>
+  </p:cSld>
+  <p:clrMapOvr>
+    <a:masterClrMapping/>
+  </p:clrMapOvr>
+</p:sld>
+</file>
+
+<file path=ppt/slides/slide13.xml><?xml version="1.0" encoding="utf-8"?>
+<p:sld xmlns:a="http://schemas.openxmlformats.org/drawingml/2006/main" xmlns:r="http://schemas.openxmlformats.org/officeDocument/2006/relationships" xmlns:p="http://schemas.openxmlformats.org/presentationml/2006/main">
+  <p:cSld>
+    <p:spTree>
+      <p:nvGrpSpPr>
+        <p:cNvPr id="1" name=""/>
+        <p:cNvGrpSpPr/>
+        <p:nvPr/>
+      </p:nvGrpSpPr>
+      <p:grpSpPr>
+        <a:xfrm>
+          <a:off x="0" y="0"/>
+          <a:ext cx="0" cy="0"/>
+          <a:chOff x="0" y="0"/>
+          <a:chExt cx="0" cy="0"/>
+        </a:xfrm>
+      </p:grpSpPr>
+      <p:sp>
+        <p:nvSpPr>
+          <p:cNvPr id="2" name="Title 1">
+            <a:extLst>
+              <a:ext uri="{FF2B5EF4-FFF2-40B4-BE49-F238E27FC236}">
+                <a16:creationId xmlns:a16="http://schemas.microsoft.com/office/drawing/2014/main" id="{8401D478-8C57-ABE3-DC5E-39CFCF0F2D16}"/>
+              </a:ext>
+            </a:extLst>
+          </p:cNvPr>
+          <p:cNvSpPr>
+            <a:spLocks noGrp="1"/>
+          </p:cNvSpPr>
+          <p:nvPr>
+            <p:ph type="title"/>
+          </p:nvPr>
+        </p:nvSpPr>
+        <p:spPr/>
+        <p:txBody>
+          <a:bodyPr/>
+          <a:lstStyle/>
+          <a:p>
+            <a:r>
+              <a:rPr lang="en-US" dirty="0"/>
+              <a:t>IDE - Visual Studio Code</a:t>
+            </a:r>
+          </a:p>
+        </p:txBody>
+      </p:sp>
+      <p:sp>
+        <p:nvSpPr>
+          <p:cNvPr id="3" name="Content Placeholder 2">
+            <a:extLst>
+              <a:ext uri="{FF2B5EF4-FFF2-40B4-BE49-F238E27FC236}">
+                <a16:creationId xmlns:a16="http://schemas.microsoft.com/office/drawing/2014/main" id="{867C1927-421E-EB40-3247-418367614E2A}"/>
+              </a:ext>
+            </a:extLst>
+          </p:cNvPr>
+          <p:cNvSpPr>
+            <a:spLocks noGrp="1"/>
+          </p:cNvSpPr>
+          <p:nvPr>
+            <p:ph idx="1"/>
+          </p:nvPr>
+        </p:nvSpPr>
+        <p:spPr>
+          <a:xfrm>
+            <a:off x="838200" y="1825624"/>
+            <a:ext cx="10515600" cy="4919421"/>
+          </a:xfrm>
+        </p:spPr>
+        <p:txBody>
+          <a:bodyPr>
+            <a:normAutofit/>
+          </a:bodyPr>
+          <a:lstStyle/>
+          <a:p>
+            <a:pPr>
+              <a:buFont typeface="Arial" panose="020B0604020202020204" pitchFamily="34" charset="0"/>
+              <a:buChar char="•"/>
+            </a:pPr>
+            <a:r>
+              <a:rPr lang="en-US" b="1" dirty="0">
+                <a:hlinkClick r:id="rId2">
+                  <a:extLst>
+                    <a:ext uri="{A12FA001-AC4F-418D-AE19-62706E023703}">
+                      <ahyp:hlinkClr xmlns:ahyp="http://schemas.microsoft.com/office/drawing/2018/hyperlinkcolor" val="tx"/>
+                    </a:ext>
+                  </a:extLst>
+                </a:hlinkClick>
+              </a:rPr>
+              <a:t>https://code.visualstudio.com/download</a:t>
+            </a:r>
+            <a:endParaRPr lang="en-US" b="1" dirty="0"/>
+          </a:p>
+        </p:txBody>
+      </p:sp>
+      <p:pic>
+        <p:nvPicPr>
+          <p:cNvPr id="5" name="Picture 4">
+            <a:extLst>
+              <a:ext uri="{FF2B5EF4-FFF2-40B4-BE49-F238E27FC236}">
+                <a16:creationId xmlns:a16="http://schemas.microsoft.com/office/drawing/2014/main" id="{CDBF059D-0948-4B50-CD90-E3694E81ABB5}"/>
+              </a:ext>
+            </a:extLst>
+          </p:cNvPr>
+          <p:cNvPicPr>
+            <a:picLocks noChangeAspect="1"/>
+          </p:cNvPicPr>
+          <p:nvPr/>
+        </p:nvPicPr>
+        <p:blipFill>
+          <a:blip r:embed="rId3"/>
+          <a:stretch>
+            <a:fillRect/>
+          </a:stretch>
+        </p:blipFill>
+        <p:spPr>
+          <a:xfrm>
+            <a:off x="4255806" y="2715173"/>
+            <a:ext cx="7365198" cy="3777702"/>
+          </a:xfrm>
+          <a:prstGeom prst="rect">
+            <a:avLst/>
+          </a:prstGeom>
+        </p:spPr>
+      </p:pic>
+      <p:pic>
+        <p:nvPicPr>
+          <p:cNvPr id="2052" name="Picture 4" descr="Visual Studio Code - Code Editing. Redefined">
+            <a:extLst>
+              <a:ext uri="{FF2B5EF4-FFF2-40B4-BE49-F238E27FC236}">
+                <a16:creationId xmlns:a16="http://schemas.microsoft.com/office/drawing/2014/main" id="{CDD89093-E484-4A54-D43A-C70E763D7C68}"/>
+              </a:ext>
+            </a:extLst>
+          </p:cNvPr>
+          <p:cNvPicPr>
+            <a:picLocks noChangeAspect="1" noChangeArrowheads="1"/>
+          </p:cNvPicPr>
+          <p:nvPr/>
+        </p:nvPicPr>
+        <p:blipFill>
+          <a:blip r:embed="rId4">
+            <a:extLst>
+              <a:ext uri="{28A0092B-C50C-407E-A947-70E740481C1C}">
+                <a14:useLocalDpi xmlns:a14="http://schemas.microsoft.com/office/drawing/2010/main" val="0"/>
+              </a:ext>
+            </a:extLst>
+          </a:blip>
+          <a:srcRect/>
+          <a:stretch>
+            <a:fillRect/>
+          </a:stretch>
+        </p:blipFill>
+        <p:spPr bwMode="auto">
+          <a:xfrm>
+            <a:off x="838200" y="3965608"/>
+            <a:ext cx="5054534" cy="2527267"/>
+          </a:xfrm>
+          <a:prstGeom prst="rect">
+            <a:avLst/>
+          </a:prstGeom>
+          <a:noFill/>
+          <a:extLst>
+            <a:ext uri="{909E8E84-426E-40DD-AFC4-6F175D3DCCD1}">
+              <a14:hiddenFill xmlns:a14="http://schemas.microsoft.com/office/drawing/2010/main">
+                <a:solidFill>
+                  <a:srgbClr val="FFFFFF"/>
+                </a:solidFill>
+              </a14:hiddenFill>
+            </a:ext>
+          </a:extLst>
+        </p:spPr>
+      </p:pic>
+    </p:spTree>
+    <p:extLst>
+      <p:ext uri="{BB962C8B-B14F-4D97-AF65-F5344CB8AC3E}">
+        <p14:creationId xmlns:p14="http://schemas.microsoft.com/office/powerpoint/2010/main" val="339200739"/>
+      </p:ext>
+    </p:extLst>
+  </p:cSld>
+  <p:clrMapOvr>
+    <a:masterClrMapping/>
+  </p:clrMapOvr>
+  <p:timing>
+    <p:tnLst>
+      <p:par>
+        <p:cTn id="1" dur="indefinite" restart="never" nodeType="tmRoot">
+          <p:childTnLst>
+            <p:seq concurrent="1" nextAc="seek">
+              <p:cTn id="2" dur="indefinite" nodeType="mainSeq">
+                <p:childTnLst>
+                  <p:par>
+                    <p:cTn id="3" fill="hold">
+                      <p:stCondLst>
+                        <p:cond delay="indefinite"/>
+                      </p:stCondLst>
+                      <p:childTnLst>
+                        <p:par>
+                          <p:cTn id="4" fill="hold">
+                            <p:stCondLst>
+                              <p:cond delay="0"/>
+                            </p:stCondLst>
+                            <p:childTnLst>
+                              <p:par>
+                                <p:cTn id="5" presetID="10" presetClass="entr" presetSubtype="0" fill="hold" nodeType="clickEffect">
+                                  <p:stCondLst>
+                                    <p:cond delay="0"/>
+                                  </p:stCondLst>
+                                  <p:childTnLst>
+                                    <p:set>
+                                      <p:cBhvr>
+                                        <p:cTn id="6" dur="1" fill="hold">
+                                          <p:stCondLst>
+                                            <p:cond delay="0"/>
+                                          </p:stCondLst>
+                                        </p:cTn>
+                                        <p:tgtEl>
+                                          <p:spTgt spid="3">
+                                            <p:txEl>
+                                              <p:pRg st="0" end="0"/>
+                                            </p:txEl>
+                                          </p:spTgt>
+                                        </p:tgtEl>
+                                        <p:attrNameLst>
+                                          <p:attrName>style.visibility</p:attrName>
+                                        </p:attrNameLst>
+                                      </p:cBhvr>
+                                      <p:to>
+                                        <p:strVal val="visible"/>
+                                      </p:to>
+                                    </p:set>
+                                    <p:animEffect transition="in" filter="fade">
+                                      <p:cBhvr>
+                                        <p:cTn id="7" dur="500"/>
+                                        <p:tgtEl>
+                                          <p:spTgt spid="3">
+                                            <p:txEl>
+                                              <p:pRg st="0" end="0"/>
+                                            </p:txEl>
+                                          </p:spTgt>
+                                        </p:tgtEl>
+                                      </p:cBhvr>
+                                    </p:animEffect>
+                                  </p:childTnLst>
+                                </p:cTn>
+                              </p:par>
+                            </p:childTnLst>
+                          </p:cTn>
+                        </p:par>
+                      </p:childTnLst>
+                    </p:cTn>
+                  </p:par>
+                  <p:par>
+                    <p:cTn id="8" fill="hold">
+                      <p:stCondLst>
+                        <p:cond delay="indefinite"/>
+                      </p:stCondLst>
+                      <p:childTnLst>
+                        <p:par>
+                          <p:cTn id="9" fill="hold">
+                            <p:stCondLst>
+                              <p:cond delay="0"/>
+                            </p:stCondLst>
+                            <p:childTnLst>
+                              <p:par>
+                                <p:cTn id="10" presetID="10" presetClass="entr" presetSubtype="0" fill="hold" nodeType="clickEffect">
+                                  <p:stCondLst>
+                                    <p:cond delay="0"/>
+                                  </p:stCondLst>
+                                  <p:childTnLst>
+                                    <p:set>
+                                      <p:cBhvr>
+                                        <p:cTn id="11" dur="1" fill="hold">
+                                          <p:stCondLst>
+                                            <p:cond delay="0"/>
+                                          </p:stCondLst>
+                                        </p:cTn>
+                                        <p:tgtEl>
+                                          <p:spTgt spid="5"/>
+                                        </p:tgtEl>
+                                        <p:attrNameLst>
+                                          <p:attrName>style.visibility</p:attrName>
+                                        </p:attrNameLst>
+                                      </p:cBhvr>
+                                      <p:to>
+                                        <p:strVal val="visible"/>
+                                      </p:to>
+                                    </p:set>
+                                    <p:animEffect transition="in" filter="fade">
+                                      <p:cBhvr>
+                                        <p:cTn id="12" dur="500"/>
+                                        <p:tgtEl>
+                                          <p:spTgt spid="5"/>
+                                        </p:tgtEl>
+                                      </p:cBhvr>
+                                    </p:animEffect>
+                                  </p:childTnLst>
+                                </p:cTn>
+                              </p:par>
+                            </p:childTnLst>
+                          </p:cTn>
+                        </p:par>
+                      </p:childTnLst>
+                    </p:cTn>
+                  </p:par>
+                  <p:par>
+                    <p:cTn id="13" fill="hold">
+                      <p:stCondLst>
+                        <p:cond delay="indefinite"/>
+                      </p:stCondLst>
+                      <p:childTnLst>
+                        <p:par>
+                          <p:cTn id="14" fill="hold">
+                            <p:stCondLst>
+                              <p:cond delay="0"/>
+                            </p:stCondLst>
+                            <p:childTnLst>
+                              <p:par>
+                                <p:cTn id="15" presetID="10" presetClass="entr" presetSubtype="0" fill="hold" nodeType="clickEffect">
+                                  <p:stCondLst>
+                                    <p:cond delay="0"/>
+                                  </p:stCondLst>
+                                  <p:childTnLst>
+                                    <p:set>
+                                      <p:cBhvr>
+                                        <p:cTn id="16" dur="1" fill="hold">
+                                          <p:stCondLst>
+                                            <p:cond delay="0"/>
+                                          </p:stCondLst>
+                                        </p:cTn>
+                                        <p:tgtEl>
+                                          <p:spTgt spid="2052"/>
+                                        </p:tgtEl>
+                                        <p:attrNameLst>
+                                          <p:attrName>style.visibility</p:attrName>
+                                        </p:attrNameLst>
+                                      </p:cBhvr>
+                                      <p:to>
+                                        <p:strVal val="visible"/>
+                                      </p:to>
+                                    </p:set>
+                                    <p:animEffect transition="in" filter="fade">
+                                      <p:cBhvr>
+                                        <p:cTn id="17" dur="500"/>
+                                        <p:tgtEl>
+                                          <p:spTgt spid="2052"/>
+                                        </p:tgtEl>
+                                      </p:cBhvr>
+                                    </p:animEffect>
+                                  </p:childTnLst>
+                                </p:cTn>
+                              </p:par>
+                            </p:childTnLst>
+                          </p:cTn>
+                        </p:par>
+                      </p:childTnLst>
+                    </p:cTn>
+                  </p:par>
+                </p:childTnLst>
+              </p:cTn>
+              <p:prevCondLst>
+                <p:cond evt="onPrev" delay="0">
+                  <p:tgtEl>
+                    <p:sldTgt/>
+                  </p:tgtEl>
+                </p:cond>
+              </p:prevCondLst>
+              <p:nextCondLst>
+                <p:cond evt="onNext" delay="0">
+                  <p:tgtEl>
+                    <p:sldTgt/>
+                  </p:tgtEl>
+                </p:cond>
+              </p:nextCondLst>
+            </p:seq>
+          </p:childTnLst>
+        </p:cTn>
+      </p:par>
+    </p:tnLst>
+  </p:timing>
+</p:sld>
+</file>
+
+<file path=ppt/slides/slide14.xml><?xml version="1.0" encoding="utf-8"?>
+<p:sld xmlns:a="http://schemas.openxmlformats.org/drawingml/2006/main" xmlns:r="http://schemas.openxmlformats.org/officeDocument/2006/relationships" xmlns:p="http://schemas.openxmlformats.org/presentationml/2006/main">
+  <p:cSld>
+    <p:spTree>
+      <p:nvGrpSpPr>
+        <p:cNvPr id="1" name=""/>
+        <p:cNvGrpSpPr/>
+        <p:nvPr/>
+      </p:nvGrpSpPr>
+      <p:grpSpPr>
+        <a:xfrm>
+          <a:off x="0" y="0"/>
+          <a:ext cx="0" cy="0"/>
+          <a:chOff x="0" y="0"/>
+          <a:chExt cx="0" cy="0"/>
+        </a:xfrm>
+      </p:grpSpPr>
+      <p:sp>
+        <p:nvSpPr>
+          <p:cNvPr id="2" name="Title 1">
+            <a:extLst>
+              <a:ext uri="{FF2B5EF4-FFF2-40B4-BE49-F238E27FC236}">
+                <a16:creationId xmlns:a16="http://schemas.microsoft.com/office/drawing/2014/main" id="{8401D478-8C57-ABE3-DC5E-39CFCF0F2D16}"/>
+              </a:ext>
+            </a:extLst>
+          </p:cNvPr>
+          <p:cNvSpPr>
+            <a:spLocks noGrp="1"/>
+          </p:cNvSpPr>
+          <p:nvPr>
+            <p:ph type="title"/>
+          </p:nvPr>
+        </p:nvSpPr>
+        <p:spPr/>
+        <p:txBody>
+          <a:bodyPr/>
+          <a:lstStyle/>
+          <a:p>
+            <a:r>
+              <a:rPr lang="en-US" dirty="0"/>
+              <a:t>IDE - PyCharm</a:t>
             </a:r>
           </a:p>
         </p:txBody>
@@ -4593,32 +5245,23 @@
           </a:bodyPr>
           <a:lstStyle/>
           <a:p>
-            <a:r>
-              <a:rPr lang="en-US" b="1" dirty="0"/>
-              <a:t>PyCharm</a:t>
-            </a:r>
-            <a:r>
-              <a:rPr lang="en-US" dirty="0"/>
-              <a:t> </a:t>
-            </a:r>
-            <a:r>
-              <a:rPr lang="en-US" b="1" dirty="0"/>
-              <a:t>(</a:t>
-            </a:r>
+            <a:pPr>
+              <a:buFont typeface="Arial" panose="020B0604020202020204" pitchFamily="34" charset="0"/>
+              <a:buChar char="•"/>
+            </a:pPr>
             <a:r>
               <a:rPr lang="en-US" dirty="0">
-                <a:hlinkClick r:id="rId2"/>
+                <a:hlinkClick r:id="rId2">
+                  <a:extLst>
+                    <a:ext uri="{A12FA001-AC4F-418D-AE19-62706E023703}">
+                      <ahyp:hlinkClr xmlns:ahyp="http://schemas.microsoft.com/office/drawing/2018/hyperlinkcolor" val="tx"/>
+                    </a:ext>
+                  </a:extLst>
+                </a:hlinkClick>
               </a:rPr>
               <a:t>https://www.jetbrains.com/pycharm/download/?section=windows</a:t>
             </a:r>
-            <a:r>
-              <a:rPr lang="en-US" b="1" dirty="0"/>
-              <a:t>)</a:t>
-            </a:r>
-            <a:r>
-              <a:rPr lang="en-US" dirty="0"/>
-              <a:t> </a:t>
-            </a:r>
+            <a:endParaRPr lang="en-US" dirty="0"/>
           </a:p>
         </p:txBody>
       </p:sp>
@@ -5028,7 +5671,7 @@
 </p:sld>
 </file>
 
-<file path=ppt/slides/slide11.xml><?xml version="1.0" encoding="utf-8"?>
+<file path=ppt/slides/slide15.xml><?xml version="1.0" encoding="utf-8"?>
 <p:sld xmlns:a="http://schemas.openxmlformats.org/drawingml/2006/main" xmlns:r="http://schemas.openxmlformats.org/officeDocument/2006/relationships" xmlns:p="http://schemas.openxmlformats.org/presentationml/2006/main">
   <p:cSld>
     <p:spTree>
@@ -5111,7 +5754,7 @@
 </p:sld>
 </file>
 
-<file path=ppt/slides/slide12.xml><?xml version="1.0" encoding="utf-8"?>
+<file path=ppt/slides/slide16.xml><?xml version="1.0" encoding="utf-8"?>
 <p:sld xmlns:a="http://schemas.openxmlformats.org/drawingml/2006/main" xmlns:r="http://schemas.openxmlformats.org/officeDocument/2006/relationships" xmlns:p="http://schemas.openxmlformats.org/presentationml/2006/main">
   <p:cSld>
     <p:spTree>
@@ -5190,15 +5833,7 @@
             </a:pPr>
             <a:r>
               <a:rPr lang="en-US" dirty="0"/>
-              <a:t> Window: </a:t>
-            </a:r>
-            <a:r>
-              <a:rPr lang="en-US" b="1" dirty="0"/>
-              <a:t>PowerShell</a:t>
-            </a:r>
-            <a:r>
-              <a:rPr lang="en-US" dirty="0"/>
-              <a:t>, Command Prompt, Windows Terminal, Git Bash, WSL (Window Subsystem for Linux), … </a:t>
+              <a:t> Window: PowerShell, Command Prompt, Windows Terminal, Git Bash, WSL (Window Subsystem for Linux), … </a:t>
             </a:r>
           </a:p>
         </p:txBody>
@@ -5390,7 +6025,7 @@
 </p:sld>
 </file>
 
-<file path=ppt/slides/slide13.xml><?xml version="1.0" encoding="utf-8"?>
+<file path=ppt/slides/slide17.xml><?xml version="1.0" encoding="utf-8"?>
 <p:sld xmlns:a="http://schemas.openxmlformats.org/drawingml/2006/main" xmlns:r="http://schemas.openxmlformats.org/officeDocument/2006/relationships" xmlns:p="http://schemas.openxmlformats.org/presentationml/2006/main">
   <p:cSld>
     <p:spTree>
@@ -5479,25 +6114,31 @@
             </a:pPr>
             <a:r>
               <a:rPr lang="en-US" dirty="0"/>
-              <a:t>MacOS: Terminal, </a:t>
+              <a:t>MacOS: Terminal, iTerm2</a:t>
             </a:r>
             <a:r>
               <a:rPr lang="en-US" b="1" dirty="0"/>
-              <a:t>iTerm2 (</a:t>
-            </a:r>
-            <a:r>
-              <a:rPr lang="en-US" b="1" dirty="0">
-                <a:hlinkClick r:id="rId2"/>
+              <a:t> </a:t>
+            </a:r>
+            <a:r>
+              <a:rPr lang="en-US" dirty="0"/>
+              <a:t>(</a:t>
+            </a:r>
+            <a:r>
+              <a:rPr lang="en-US" dirty="0">
+                <a:hlinkClick r:id="rId2">
+                  <a:extLst>
+                    <a:ext uri="{A12FA001-AC4F-418D-AE19-62706E023703}">
+                      <ahyp:hlinkClr xmlns:ahyp="http://schemas.microsoft.com/office/drawing/2018/hyperlinkcolor" val="tx"/>
+                    </a:ext>
+                  </a:extLst>
+                </a:hlinkClick>
               </a:rPr>
               <a:t>https://iterm2.com/downloads.html</a:t>
             </a:r>
             <a:r>
-              <a:rPr lang="en-US" b="1" dirty="0"/>
-              <a:t>)</a:t>
-            </a:r>
-            <a:r>
               <a:rPr lang="en-US" dirty="0"/>
-              <a:t>, … </a:t>
+              <a:t>), … </a:t>
             </a:r>
           </a:p>
         </p:txBody>
@@ -5732,7 +6373,7 @@
 </p:sld>
 </file>
 
-<file path=ppt/slides/slide14.xml><?xml version="1.0" encoding="utf-8"?>
+<file path=ppt/slides/slide18.xml><?xml version="1.0" encoding="utf-8"?>
 <p:sld xmlns:a="http://schemas.openxmlformats.org/drawingml/2006/main" xmlns:r="http://schemas.openxmlformats.org/officeDocument/2006/relationships" xmlns:p="http://schemas.openxmlformats.org/presentationml/2006/main">
   <p:cSld>
     <p:spTree>
@@ -5802,6 +6443,42 @@
           </a:p>
         </p:txBody>
       </p:sp>
+      <p:pic>
+        <p:nvPicPr>
+          <p:cNvPr id="4" name="Picture 3" descr="A blue and yellow snake logo&#10;&#10;Description automatically generated">
+            <a:extLst>
+              <a:ext uri="{FF2B5EF4-FFF2-40B4-BE49-F238E27FC236}">
+                <a16:creationId xmlns:a16="http://schemas.microsoft.com/office/drawing/2014/main" id="{229F3A49-9718-42CA-B4E2-B0FCAFE2E5D2}"/>
+              </a:ext>
+            </a:extLst>
+          </p:cNvPr>
+          <p:cNvPicPr>
+            <a:picLocks noChangeAspect="1"/>
+          </p:cNvPicPr>
+          <p:nvPr/>
+        </p:nvPicPr>
+        <p:blipFill>
+          <a:blip r:embed="rId2">
+            <a:extLst>
+              <a:ext uri="{28A0092B-C50C-407E-A947-70E740481C1C}">
+                <a14:useLocalDpi xmlns:a14="http://schemas.microsoft.com/office/drawing/2010/main" val="0"/>
+              </a:ext>
+            </a:extLst>
+          </a:blip>
+          <a:stretch>
+            <a:fillRect/>
+          </a:stretch>
+        </p:blipFill>
+        <p:spPr>
+          <a:xfrm>
+            <a:off x="7674272" y="3547044"/>
+            <a:ext cx="1047985" cy="1153278"/>
+          </a:xfrm>
+          <a:prstGeom prst="rect">
+            <a:avLst/>
+          </a:prstGeom>
+        </p:spPr>
+      </p:pic>
     </p:spTree>
     <p:extLst>
       <p:ext uri="{BB962C8B-B14F-4D97-AF65-F5344CB8AC3E}">
@@ -5815,7 +6492,7 @@
 </p:sld>
 </file>
 
-<file path=ppt/slides/slide15.xml><?xml version="1.0" encoding="utf-8"?>
+<file path=ppt/slides/slide19.xml><?xml version="1.0" encoding="utf-8"?>
 <p:sld xmlns:a="http://schemas.openxmlformats.org/drawingml/2006/main" xmlns:r="http://schemas.openxmlformats.org/officeDocument/2006/relationships" xmlns:p="http://schemas.openxmlformats.org/presentationml/2006/main">
   <p:cSld>
     <p:spTree>
@@ -5886,8 +6563,433 @@
               <a:buChar char="•"/>
             </a:pPr>
             <a:r>
+              <a:rPr lang="en-US" dirty="0"/>
+              <a:t>Via Python official page</a:t>
+            </a:r>
+          </a:p>
+          <a:p>
+            <a:pPr>
+              <a:buFont typeface="Arial" panose="020B0604020202020204" pitchFamily="34" charset="0"/>
+              <a:buChar char="•"/>
+            </a:pPr>
+            <a:r>
+              <a:rPr lang="en-US" dirty="0"/>
+              <a:t>Via Anaconda distribution</a:t>
+            </a:r>
+          </a:p>
+        </p:txBody>
+      </p:sp>
+    </p:spTree>
+    <p:extLst>
+      <p:ext uri="{BB962C8B-B14F-4D97-AF65-F5344CB8AC3E}">
+        <p14:creationId xmlns:p14="http://schemas.microsoft.com/office/powerpoint/2010/main" val="2445604933"/>
+      </p:ext>
+    </p:extLst>
+  </p:cSld>
+  <p:clrMapOvr>
+    <a:masterClrMapping/>
+  </p:clrMapOvr>
+  <p:timing>
+    <p:tnLst>
+      <p:par>
+        <p:cTn id="1" dur="indefinite" restart="never" nodeType="tmRoot">
+          <p:childTnLst>
+            <p:seq concurrent="1" nextAc="seek">
+              <p:cTn id="2" dur="indefinite" nodeType="mainSeq">
+                <p:childTnLst>
+                  <p:par>
+                    <p:cTn id="3" fill="hold">
+                      <p:stCondLst>
+                        <p:cond delay="indefinite"/>
+                      </p:stCondLst>
+                      <p:childTnLst>
+                        <p:par>
+                          <p:cTn id="4" fill="hold">
+                            <p:stCondLst>
+                              <p:cond delay="0"/>
+                            </p:stCondLst>
+                            <p:childTnLst>
+                              <p:par>
+                                <p:cTn id="5" presetID="10" presetClass="entr" presetSubtype="0" fill="hold" nodeType="clickEffect">
+                                  <p:stCondLst>
+                                    <p:cond delay="0"/>
+                                  </p:stCondLst>
+                                  <p:childTnLst>
+                                    <p:set>
+                                      <p:cBhvr>
+                                        <p:cTn id="6" dur="1" fill="hold">
+                                          <p:stCondLst>
+                                            <p:cond delay="0"/>
+                                          </p:stCondLst>
+                                        </p:cTn>
+                                        <p:tgtEl>
+                                          <p:spTgt spid="3">
+                                            <p:txEl>
+                                              <p:pRg st="0" end="0"/>
+                                            </p:txEl>
+                                          </p:spTgt>
+                                        </p:tgtEl>
+                                        <p:attrNameLst>
+                                          <p:attrName>style.visibility</p:attrName>
+                                        </p:attrNameLst>
+                                      </p:cBhvr>
+                                      <p:to>
+                                        <p:strVal val="visible"/>
+                                      </p:to>
+                                    </p:set>
+                                    <p:animEffect transition="in" filter="fade">
+                                      <p:cBhvr>
+                                        <p:cTn id="7" dur="500"/>
+                                        <p:tgtEl>
+                                          <p:spTgt spid="3">
+                                            <p:txEl>
+                                              <p:pRg st="0" end="0"/>
+                                            </p:txEl>
+                                          </p:spTgt>
+                                        </p:tgtEl>
+                                      </p:cBhvr>
+                                    </p:animEffect>
+                                  </p:childTnLst>
+                                </p:cTn>
+                              </p:par>
+                            </p:childTnLst>
+                          </p:cTn>
+                        </p:par>
+                      </p:childTnLst>
+                    </p:cTn>
+                  </p:par>
+                  <p:par>
+                    <p:cTn id="8" fill="hold">
+                      <p:stCondLst>
+                        <p:cond delay="indefinite"/>
+                      </p:stCondLst>
+                      <p:childTnLst>
+                        <p:par>
+                          <p:cTn id="9" fill="hold">
+                            <p:stCondLst>
+                              <p:cond delay="0"/>
+                            </p:stCondLst>
+                            <p:childTnLst>
+                              <p:par>
+                                <p:cTn id="10" presetID="10" presetClass="entr" presetSubtype="0" fill="hold" nodeType="clickEffect">
+                                  <p:stCondLst>
+                                    <p:cond delay="0"/>
+                                  </p:stCondLst>
+                                  <p:childTnLst>
+                                    <p:set>
+                                      <p:cBhvr>
+                                        <p:cTn id="11" dur="1" fill="hold">
+                                          <p:stCondLst>
+                                            <p:cond delay="0"/>
+                                          </p:stCondLst>
+                                        </p:cTn>
+                                        <p:tgtEl>
+                                          <p:spTgt spid="3">
+                                            <p:txEl>
+                                              <p:pRg st="1" end="1"/>
+                                            </p:txEl>
+                                          </p:spTgt>
+                                        </p:tgtEl>
+                                        <p:attrNameLst>
+                                          <p:attrName>style.visibility</p:attrName>
+                                        </p:attrNameLst>
+                                      </p:cBhvr>
+                                      <p:to>
+                                        <p:strVal val="visible"/>
+                                      </p:to>
+                                    </p:set>
+                                    <p:animEffect transition="in" filter="fade">
+                                      <p:cBhvr>
+                                        <p:cTn id="12" dur="500"/>
+                                        <p:tgtEl>
+                                          <p:spTgt spid="3">
+                                            <p:txEl>
+                                              <p:pRg st="1" end="1"/>
+                                            </p:txEl>
+                                          </p:spTgt>
+                                        </p:tgtEl>
+                                      </p:cBhvr>
+                                    </p:animEffect>
+                                  </p:childTnLst>
+                                </p:cTn>
+                              </p:par>
+                            </p:childTnLst>
+                          </p:cTn>
+                        </p:par>
+                      </p:childTnLst>
+                    </p:cTn>
+                  </p:par>
+                </p:childTnLst>
+              </p:cTn>
+              <p:prevCondLst>
+                <p:cond evt="onPrev" delay="0">
+                  <p:tgtEl>
+                    <p:sldTgt/>
+                  </p:tgtEl>
+                </p:cond>
+              </p:prevCondLst>
+              <p:nextCondLst>
+                <p:cond evt="onNext" delay="0">
+                  <p:tgtEl>
+                    <p:sldTgt/>
+                  </p:tgtEl>
+                </p:cond>
+              </p:nextCondLst>
+            </p:seq>
+          </p:childTnLst>
+        </p:cTn>
+      </p:par>
+    </p:tnLst>
+  </p:timing>
+</p:sld>
+</file>
+
+<file path=ppt/slides/slide2.xml><?xml version="1.0" encoding="utf-8"?>
+<p:sld xmlns:a="http://schemas.openxmlformats.org/drawingml/2006/main" xmlns:r="http://schemas.openxmlformats.org/officeDocument/2006/relationships" xmlns:p="http://schemas.openxmlformats.org/presentationml/2006/main">
+  <p:cSld>
+    <p:spTree>
+      <p:nvGrpSpPr>
+        <p:cNvPr id="1" name=""/>
+        <p:cNvGrpSpPr/>
+        <p:nvPr/>
+      </p:nvGrpSpPr>
+      <p:grpSpPr>
+        <a:xfrm>
+          <a:off x="0" y="0"/>
+          <a:ext cx="0" cy="0"/>
+          <a:chOff x="0" y="0"/>
+          <a:chExt cx="0" cy="0"/>
+        </a:xfrm>
+      </p:grpSpPr>
+      <p:sp>
+        <p:nvSpPr>
+          <p:cNvPr id="2" name="Title 1">
+            <a:extLst>
+              <a:ext uri="{FF2B5EF4-FFF2-40B4-BE49-F238E27FC236}">
+                <a16:creationId xmlns:a16="http://schemas.microsoft.com/office/drawing/2014/main" id="{64FE767A-4142-5187-C266-102DDCE18042}"/>
+              </a:ext>
+            </a:extLst>
+          </p:cNvPr>
+          <p:cNvSpPr>
+            <a:spLocks noGrp="1"/>
+          </p:cNvSpPr>
+          <p:nvPr>
+            <p:ph type="title"/>
+          </p:nvPr>
+        </p:nvSpPr>
+        <p:spPr/>
+        <p:txBody>
+          <a:bodyPr/>
+          <a:lstStyle/>
+          <a:p>
+            <a:r>
+              <a:rPr lang="en-US" dirty="0"/>
+              <a:t>What We Will Learn</a:t>
+            </a:r>
+          </a:p>
+        </p:txBody>
+      </p:sp>
+      <p:sp>
+        <p:nvSpPr>
+          <p:cNvPr id="3" name="Content Placeholder 2">
+            <a:extLst>
+              <a:ext uri="{FF2B5EF4-FFF2-40B4-BE49-F238E27FC236}">
+                <a16:creationId xmlns:a16="http://schemas.microsoft.com/office/drawing/2014/main" id="{B7458F0F-39F0-F132-7439-D6681DD236AA}"/>
+              </a:ext>
+            </a:extLst>
+          </p:cNvPr>
+          <p:cNvSpPr>
+            <a:spLocks noGrp="1"/>
+          </p:cNvSpPr>
+          <p:nvPr>
+            <p:ph idx="1"/>
+          </p:nvPr>
+        </p:nvSpPr>
+        <p:spPr/>
+        <p:txBody>
+          <a:bodyPr/>
+          <a:lstStyle/>
+          <a:p>
+            <a:pPr>
+              <a:buFont typeface="Arial" panose="020B0604020202020204" pitchFamily="34" charset="0"/>
+              <a:buChar char="•"/>
+            </a:pPr>
+            <a:r>
+              <a:rPr lang="en-US" dirty="0"/>
+              <a:t> Software prerequisites for Python projects</a:t>
+            </a:r>
+          </a:p>
+          <a:p>
+            <a:pPr lvl="1">
+              <a:buFont typeface="Arial" panose="020B0604020202020204" pitchFamily="34" charset="0"/>
+              <a:buChar char="•"/>
+            </a:pPr>
+            <a:r>
+              <a:rPr lang="en-US" b="1" dirty="0">
+                <a:solidFill>
+                  <a:srgbClr val="002060"/>
+                </a:solidFill>
+              </a:rPr>
+              <a:t>Overview</a:t>
+            </a:r>
+          </a:p>
+          <a:p>
+            <a:pPr lvl="2">
+              <a:buFont typeface="Arial" panose="020B0604020202020204" pitchFamily="34" charset="0"/>
+              <a:buChar char="•"/>
+            </a:pPr>
+            <a:r>
               <a:rPr lang="en-US" dirty="0">
-                <a:hlinkClick r:id="rId2"/>
+                <a:solidFill>
+                  <a:srgbClr val="002060"/>
+                </a:solidFill>
+              </a:rPr>
+              <a:t>What it is</a:t>
+            </a:r>
+          </a:p>
+          <a:p>
+            <a:pPr lvl="2">
+              <a:buFont typeface="Arial" panose="020B0604020202020204" pitchFamily="34" charset="0"/>
+              <a:buChar char="•"/>
+            </a:pPr>
+            <a:r>
+              <a:rPr lang="en-US" dirty="0">
+                <a:solidFill>
+                  <a:srgbClr val="002060"/>
+                </a:solidFill>
+              </a:rPr>
+              <a:t>What it is used for</a:t>
+            </a:r>
+          </a:p>
+          <a:p>
+            <a:pPr lvl="2">
+              <a:buFont typeface="Arial" panose="020B0604020202020204" pitchFamily="34" charset="0"/>
+              <a:buChar char="•"/>
+            </a:pPr>
+            <a:r>
+              <a:rPr lang="en-US" dirty="0">
+                <a:solidFill>
+                  <a:srgbClr val="002060"/>
+                </a:solidFill>
+              </a:rPr>
+              <a:t>Some major software providers for each component</a:t>
+            </a:r>
+          </a:p>
+          <a:p>
+            <a:pPr lvl="1">
+              <a:buFont typeface="Arial" panose="020B0604020202020204" pitchFamily="34" charset="0"/>
+              <a:buChar char="•"/>
+            </a:pPr>
+            <a:r>
+              <a:rPr lang="en-US" b="1" dirty="0">
+                <a:solidFill>
+                  <a:srgbClr val="002060"/>
+                </a:solidFill>
+              </a:rPr>
+              <a:t>Installation</a:t>
+            </a:r>
+          </a:p>
+          <a:p>
+            <a:pPr lvl="1">
+              <a:buFont typeface="Arial" panose="020B0604020202020204" pitchFamily="34" charset="0"/>
+              <a:buChar char="•"/>
+            </a:pPr>
+            <a:endParaRPr lang="en-US" dirty="0"/>
+          </a:p>
+        </p:txBody>
+      </p:sp>
+    </p:spTree>
+    <p:extLst>
+      <p:ext uri="{BB962C8B-B14F-4D97-AF65-F5344CB8AC3E}">
+        <p14:creationId xmlns:p14="http://schemas.microsoft.com/office/powerpoint/2010/main" val="355850124"/>
+      </p:ext>
+    </p:extLst>
+  </p:cSld>
+  <p:clrMapOvr>
+    <a:masterClrMapping/>
+  </p:clrMapOvr>
+</p:sld>
+</file>
+
+<file path=ppt/slides/slide20.xml><?xml version="1.0" encoding="utf-8"?>
+<p:sld xmlns:a="http://schemas.openxmlformats.org/drawingml/2006/main" xmlns:r="http://schemas.openxmlformats.org/officeDocument/2006/relationships" xmlns:p="http://schemas.openxmlformats.org/presentationml/2006/main">
+  <p:cSld>
+    <p:spTree>
+      <p:nvGrpSpPr>
+        <p:cNvPr id="1" name=""/>
+        <p:cNvGrpSpPr/>
+        <p:nvPr/>
+      </p:nvGrpSpPr>
+      <p:grpSpPr>
+        <a:xfrm>
+          <a:off x="0" y="0"/>
+          <a:ext cx="0" cy="0"/>
+          <a:chOff x="0" y="0"/>
+          <a:chExt cx="0" cy="0"/>
+        </a:xfrm>
+      </p:grpSpPr>
+      <p:sp>
+        <p:nvSpPr>
+          <p:cNvPr id="2" name="Title 1">
+            <a:extLst>
+              <a:ext uri="{FF2B5EF4-FFF2-40B4-BE49-F238E27FC236}">
+                <a16:creationId xmlns:a16="http://schemas.microsoft.com/office/drawing/2014/main" id="{8401D478-8C57-ABE3-DC5E-39CFCF0F2D16}"/>
+              </a:ext>
+            </a:extLst>
+          </p:cNvPr>
+          <p:cNvSpPr>
+            <a:spLocks noGrp="1"/>
+          </p:cNvSpPr>
+          <p:nvPr>
+            <p:ph type="title"/>
+          </p:nvPr>
+        </p:nvSpPr>
+        <p:spPr/>
+        <p:txBody>
+          <a:bodyPr/>
+          <a:lstStyle/>
+          <a:p>
+            <a:r>
+              <a:rPr lang="en-US" dirty="0"/>
+              <a:t>Python Installation via Official Page</a:t>
+            </a:r>
+          </a:p>
+        </p:txBody>
+      </p:sp>
+      <p:sp>
+        <p:nvSpPr>
+          <p:cNvPr id="3" name="Content Placeholder 2">
+            <a:extLst>
+              <a:ext uri="{FF2B5EF4-FFF2-40B4-BE49-F238E27FC236}">
+                <a16:creationId xmlns:a16="http://schemas.microsoft.com/office/drawing/2014/main" id="{867C1927-421E-EB40-3247-418367614E2A}"/>
+              </a:ext>
+            </a:extLst>
+          </p:cNvPr>
+          <p:cNvSpPr>
+            <a:spLocks noGrp="1"/>
+          </p:cNvSpPr>
+          <p:nvPr>
+            <p:ph idx="1"/>
+          </p:nvPr>
+        </p:nvSpPr>
+        <p:spPr/>
+        <p:txBody>
+          <a:bodyPr/>
+          <a:lstStyle/>
+          <a:p>
+            <a:pPr>
+              <a:buFont typeface="Arial" panose="020B0604020202020204" pitchFamily="34" charset="0"/>
+              <a:buChar char="•"/>
+            </a:pPr>
+            <a:r>
+              <a:rPr lang="en-US" dirty="0">
+                <a:hlinkClick r:id="rId2">
+                  <a:extLst>
+                    <a:ext uri="{A12FA001-AC4F-418D-AE19-62706E023703}">
+                      <ahyp:hlinkClr xmlns:ahyp="http://schemas.microsoft.com/office/drawing/2018/hyperlinkcolor" val="tx"/>
+                    </a:ext>
+                  </a:extLst>
+                </a:hlinkClick>
               </a:rPr>
               <a:t>https://www.python.org/downloads/</a:t>
             </a:r>
@@ -5928,7 +7030,7 @@
     </p:spTree>
     <p:extLst>
       <p:ext uri="{BB962C8B-B14F-4D97-AF65-F5344CB8AC3E}">
-        <p14:creationId xmlns:p14="http://schemas.microsoft.com/office/powerpoint/2010/main" val="2445604933"/>
+        <p14:creationId xmlns:p14="http://schemas.microsoft.com/office/powerpoint/2010/main" val="3995825236"/>
       </p:ext>
     </p:extLst>
   </p:cSld>
@@ -6082,7 +7184,7 @@
 </p:sld>
 </file>
 
-<file path=ppt/slides/slide16.xml><?xml version="1.0" encoding="utf-8"?>
+<file path=ppt/slides/slide21.xml><?xml version="1.0" encoding="utf-8"?>
 <p:sld xmlns:a="http://schemas.openxmlformats.org/drawingml/2006/main" xmlns:r="http://schemas.openxmlformats.org/officeDocument/2006/relationships" xmlns:p="http://schemas.openxmlformats.org/presentationml/2006/main">
   <p:cSld>
     <p:spTree>
@@ -6122,7 +7224,7 @@
           <a:p>
             <a:r>
               <a:rPr lang="en-US" dirty="0"/>
-              <a:t>Python Installation</a:t>
+              <a:t>Python Installation via Anaconda</a:t>
             </a:r>
           </a:p>
         </p:txBody>
@@ -6170,7 +7272,13 @@
             </a:r>
             <a:r>
               <a:rPr lang="en-US" dirty="0">
-                <a:hlinkClick r:id="rId2"/>
+                <a:hlinkClick r:id="rId2">
+                  <a:extLst>
+                    <a:ext uri="{A12FA001-AC4F-418D-AE19-62706E023703}">
+                      <ahyp:hlinkClr xmlns:ahyp="http://schemas.microsoft.com/office/drawing/2018/hyperlinkcolor" val="tx"/>
+                    </a:ext>
+                  </a:extLst>
+                </a:hlinkClick>
               </a:rPr>
               <a:t>https://docs.anaconda.com/free/anaconda/install/</a:t>
             </a:r>
@@ -6376,7 +7484,7 @@
 </p:sld>
 </file>
 
-<file path=ppt/slides/slide17.xml><?xml version="1.0" encoding="utf-8"?>
+<file path=ppt/slides/slide22.xml><?xml version="1.0" encoding="utf-8"?>
 <p:sld xmlns:a="http://schemas.openxmlformats.org/drawingml/2006/main" xmlns:r="http://schemas.openxmlformats.org/officeDocument/2006/relationships" xmlns:p="http://schemas.openxmlformats.org/presentationml/2006/main">
   <p:cSld>
     <p:spTree>
@@ -6459,7 +7567,7 @@
 </p:sld>
 </file>
 
-<file path=ppt/slides/slide18.xml><?xml version="1.0" encoding="utf-8"?>
+<file path=ppt/slides/slide23.xml><?xml version="1.0" encoding="utf-8"?>
 <p:sld xmlns:a="http://schemas.openxmlformats.org/drawingml/2006/main" xmlns:r="http://schemas.openxmlformats.org/officeDocument/2006/relationships" xmlns:p="http://schemas.openxmlformats.org/presentationml/2006/main">
   <p:cSld>
     <p:spTree>
@@ -6481,7 +7589,7 @@
           <p:cNvPr id="2" name="Title 1">
             <a:extLst>
               <a:ext uri="{FF2B5EF4-FFF2-40B4-BE49-F238E27FC236}">
-                <a16:creationId xmlns:a16="http://schemas.microsoft.com/office/drawing/2014/main" id="{8401D478-8C57-ABE3-DC5E-39CFCF0F2D16}"/>
+                <a16:creationId xmlns:a16="http://schemas.microsoft.com/office/drawing/2014/main" id="{2740E4D1-59AF-C27E-E3E2-7E7C8DEB1A80}"/>
               </a:ext>
             </a:extLst>
           </p:cNvPr>
@@ -6499,7 +7607,123 @@
           <a:p>
             <a:r>
               <a:rPr lang="en-US" dirty="0"/>
-              <a:t>Python environment</a:t>
+              <a:t>Set Up Python Environment</a:t>
+            </a:r>
+          </a:p>
+        </p:txBody>
+      </p:sp>
+      <p:sp>
+        <p:nvSpPr>
+          <p:cNvPr id="3" name="Content Placeholder 2">
+            <a:extLst>
+              <a:ext uri="{FF2B5EF4-FFF2-40B4-BE49-F238E27FC236}">
+                <a16:creationId xmlns:a16="http://schemas.microsoft.com/office/drawing/2014/main" id="{CC334A3E-7472-9094-D906-10DD67DC5A7B}"/>
+              </a:ext>
+            </a:extLst>
+          </p:cNvPr>
+          <p:cNvSpPr>
+            <a:spLocks noGrp="1"/>
+          </p:cNvSpPr>
+          <p:nvPr>
+            <p:ph idx="1"/>
+          </p:nvPr>
+        </p:nvSpPr>
+        <p:spPr/>
+        <p:txBody>
+          <a:bodyPr/>
+          <a:lstStyle/>
+          <a:p>
+            <a:pPr>
+              <a:buFont typeface="Arial" panose="020B0604020202020204" pitchFamily="34" charset="0"/>
+              <a:buChar char="•"/>
+            </a:pPr>
+            <a:r>
+              <a:rPr lang="en-US" dirty="0"/>
+              <a:t> Using '</a:t>
+            </a:r>
+            <a:r>
+              <a:rPr lang="en-US" dirty="0" err="1"/>
+              <a:t>venv</a:t>
+            </a:r>
+            <a:r>
+              <a:rPr lang="en-US" dirty="0"/>
+              <a:t>'</a:t>
+            </a:r>
+          </a:p>
+          <a:p>
+            <a:pPr>
+              <a:buFont typeface="Arial" panose="020B0604020202020204" pitchFamily="34" charset="0"/>
+              <a:buChar char="•"/>
+            </a:pPr>
+            <a:r>
+              <a:rPr lang="en-US" dirty="0"/>
+              <a:t> Using '</a:t>
+            </a:r>
+            <a:r>
+              <a:rPr lang="en-US" dirty="0" err="1"/>
+              <a:t>conda</a:t>
+            </a:r>
+            <a:r>
+              <a:rPr lang="en-US" dirty="0"/>
+              <a:t>'</a:t>
+            </a:r>
+          </a:p>
+        </p:txBody>
+      </p:sp>
+    </p:spTree>
+    <p:extLst>
+      <p:ext uri="{BB962C8B-B14F-4D97-AF65-F5344CB8AC3E}">
+        <p14:creationId xmlns:p14="http://schemas.microsoft.com/office/powerpoint/2010/main" val="1855010487"/>
+      </p:ext>
+    </p:extLst>
+  </p:cSld>
+  <p:clrMapOvr>
+    <a:masterClrMapping/>
+  </p:clrMapOvr>
+</p:sld>
+</file>
+
+<file path=ppt/slides/slide24.xml><?xml version="1.0" encoding="utf-8"?>
+<p:sld xmlns:a="http://schemas.openxmlformats.org/drawingml/2006/main" xmlns:r="http://schemas.openxmlformats.org/officeDocument/2006/relationships" xmlns:p="http://schemas.openxmlformats.org/presentationml/2006/main">
+  <p:cSld>
+    <p:spTree>
+      <p:nvGrpSpPr>
+        <p:cNvPr id="1" name=""/>
+        <p:cNvGrpSpPr/>
+        <p:nvPr/>
+      </p:nvGrpSpPr>
+      <p:grpSpPr>
+        <a:xfrm>
+          <a:off x="0" y="0"/>
+          <a:ext cx="0" cy="0"/>
+          <a:chOff x="0" y="0"/>
+          <a:chExt cx="0" cy="0"/>
+        </a:xfrm>
+      </p:grpSpPr>
+      <p:sp>
+        <p:nvSpPr>
+          <p:cNvPr id="2" name="Title 1">
+            <a:extLst>
+              <a:ext uri="{FF2B5EF4-FFF2-40B4-BE49-F238E27FC236}">
+                <a16:creationId xmlns:a16="http://schemas.microsoft.com/office/drawing/2014/main" id="{8401D478-8C57-ABE3-DC5E-39CFCF0F2D16}"/>
+              </a:ext>
+            </a:extLst>
+          </p:cNvPr>
+          <p:cNvSpPr>
+            <a:spLocks noGrp="1"/>
+          </p:cNvSpPr>
+          <p:nvPr>
+            <p:ph type="title"/>
+          </p:nvPr>
+        </p:nvSpPr>
+        <p:spPr/>
+        <p:txBody>
+          <a:bodyPr/>
+          <a:lstStyle/>
+          <a:p>
+            <a:r>
+              <a:rPr lang="en-US" dirty="0"/>
+              <a:t>Set Up Python Environment with VENV</a:t>
             </a:r>
           </a:p>
         </p:txBody>
@@ -6538,7 +7762,7 @@
             </a:pPr>
             <a:r>
               <a:rPr lang="en-US" dirty="0"/>
-              <a:t> Using  `</a:t>
+              <a:t>`</a:t>
             </a:r>
             <a:r>
               <a:rPr lang="en-US" b="1" dirty="0"/>
@@ -6616,8 +7840,8 @@
         </p:nvSpPr>
         <p:spPr>
           <a:xfrm>
-            <a:off x="1233444" y="2355666"/>
-            <a:ext cx="9725113" cy="4247317"/>
+            <a:off x="1233443" y="2287298"/>
+            <a:ext cx="10705031" cy="4247317"/>
           </a:xfrm>
           <a:prstGeom prst="rect">
             <a:avLst/>
@@ -6626,9 +7850,7 @@
             <a:schemeClr val="tx1"/>
           </a:solidFill>
           <a:ln>
-            <a:solidFill>
-              <a:srgbClr val="00B0F0"/>
-            </a:solidFill>
+            <a:noFill/>
           </a:ln>
         </p:spPr>
         <p:txBody>
@@ -6638,45 +7860,79 @@
           <a:lstStyle/>
           <a:p>
             <a:r>
-              <a:rPr lang="en-US" b="1" dirty="0">
-                <a:solidFill>
-                  <a:srgbClr val="00B0F0"/>
-                </a:solidFill>
-                <a:latin typeface="Consolas" panose="020B0609020204030204" pitchFamily="49" charset="0"/>
-              </a:rPr>
-              <a:t># </a:t>
-            </a:r>
-            <a:r>
-              <a:rPr lang="en-US" b="1" dirty="0">
+              <a:rPr lang="en-US" dirty="0">
                 <a:solidFill>
                   <a:srgbClr val="00B0F0"/>
                 </a:solidFill>
                 <a:effectLst/>
                 <a:latin typeface="Consolas" panose="020B0609020204030204" pitchFamily="49" charset="0"/>
               </a:rPr>
-              <a:t>Create Python environment with `</a:t>
-            </a:r>
-            <a:r>
-              <a:rPr lang="en-US" b="1" dirty="0" err="1">
+              <a:t># 1. </a:t>
+            </a:r>
+            <a:r>
+              <a:rPr lang="en-US" dirty="0" err="1">
                 <a:solidFill>
                   <a:srgbClr val="00B0F0"/>
                 </a:solidFill>
                 <a:effectLst/>
                 <a:latin typeface="Consolas" panose="020B0609020204030204" pitchFamily="49" charset="0"/>
               </a:rPr>
-              <a:t>venv</a:t>
-            </a:r>
-            <a:r>
-              <a:rPr lang="en-US" b="1" dirty="0">
+              <a:t>Nagigate</a:t>
+            </a:r>
+            <a:r>
+              <a:rPr lang="en-US" dirty="0">
                 <a:solidFill>
                   <a:srgbClr val="00B0F0"/>
                 </a:solidFill>
                 <a:effectLst/>
                 <a:latin typeface="Consolas" panose="020B0609020204030204" pitchFamily="49" charset="0"/>
               </a:rPr>
-              <a:t>`</a:t>
-            </a:r>
-            <a:endParaRPr lang="en-US" b="0" dirty="0">
+              <a:t> to the project directory</a:t>
+            </a:r>
+          </a:p>
+          <a:p>
+            <a:r>
+              <a:rPr lang="en-US" b="1" dirty="0">
+                <a:solidFill>
+                  <a:schemeClr val="bg1"/>
+                </a:solidFill>
+                <a:latin typeface="Consolas" panose="020B0609020204030204" pitchFamily="49" charset="0"/>
+              </a:rPr>
+              <a:t>c</a:t>
+            </a:r>
+            <a:r>
+              <a:rPr lang="en-US" b="1" dirty="0">
+                <a:solidFill>
+                  <a:schemeClr val="bg1"/>
+                </a:solidFill>
+                <a:effectLst/>
+                <a:latin typeface="Consolas" panose="020B0609020204030204" pitchFamily="49" charset="0"/>
+              </a:rPr>
+              <a:t>d ./</a:t>
+            </a:r>
+            <a:r>
+              <a:rPr lang="en-US" b="1" dirty="0" err="1">
+                <a:solidFill>
+                  <a:schemeClr val="bg1"/>
+                </a:solidFill>
+                <a:effectLst/>
+                <a:latin typeface="Consolas" panose="020B0609020204030204" pitchFamily="49" charset="0"/>
+              </a:rPr>
+              <a:t>path_to_project</a:t>
+            </a:r>
+            <a:r>
+              <a:rPr lang="en-US" b="1" dirty="0">
+                <a:solidFill>
+                  <a:schemeClr val="bg1"/>
+                </a:solidFill>
+                <a:effectLst/>
+                <a:latin typeface="Consolas" panose="020B0609020204030204" pitchFamily="49" charset="0"/>
+              </a:rPr>
+              <a:t>/</a:t>
+            </a:r>
+          </a:p>
+          <a:p>
+            <a:endParaRPr lang="en-US" dirty="0">
               <a:solidFill>
                 <a:srgbClr val="00B0F0"/>
               </a:solidFill>
@@ -6686,367 +7942,324 @@
           </a:p>
           <a:p>
             <a:r>
-              <a:rPr lang="en-US" b="0" dirty="0">
+              <a:rPr lang="en-US" dirty="0">
                 <a:solidFill>
                   <a:srgbClr val="00B0F0"/>
                 </a:solidFill>
                 <a:effectLst/>
                 <a:latin typeface="Consolas" panose="020B0609020204030204" pitchFamily="49" charset="0"/>
               </a:rPr>
-              <a:t># Navigate into the project directory</a:t>
-            </a:r>
-          </a:p>
-          <a:p>
-            <a:r>
-              <a:rPr lang="en-US" b="0" dirty="0">
-                <a:solidFill>
-                  <a:srgbClr val="FFFFFF"/>
+              <a:t># </a:t>
+            </a:r>
+            <a:r>
+              <a:rPr lang="en-US" dirty="0">
+                <a:solidFill>
+                  <a:srgbClr val="00B0F0"/>
+                </a:solidFill>
+                <a:latin typeface="Consolas" panose="020B0609020204030204" pitchFamily="49" charset="0"/>
+              </a:rPr>
+              <a:t>2</a:t>
+            </a:r>
+            <a:r>
+              <a:rPr lang="en-US" dirty="0">
+                <a:solidFill>
+                  <a:srgbClr val="00B0F0"/>
                 </a:solidFill>
                 <a:effectLst/>
                 <a:latin typeface="Consolas" panose="020B0609020204030204" pitchFamily="49" charset="0"/>
               </a:rPr>
-              <a:t>    cd path/to/your/project </a:t>
-            </a:r>
-            <a:br>
-              <a:rPr lang="en-US" b="0" dirty="0">
-                <a:solidFill>
-                  <a:srgbClr val="FFFFFF"/>
+              <a:t>. Create Python environment with '</a:t>
+            </a:r>
+            <a:r>
+              <a:rPr lang="en-US" dirty="0" err="1">
+                <a:solidFill>
+                  <a:srgbClr val="00B0F0"/>
                 </a:solidFill>
                 <a:effectLst/>
                 <a:latin typeface="Consolas" panose="020B0609020204030204" pitchFamily="49" charset="0"/>
               </a:rPr>
-            </a:br>
-            <a:r>
-              <a:rPr lang="en-US" b="0" dirty="0">
+              <a:t>venv</a:t>
+            </a:r>
+            <a:r>
+              <a:rPr lang="en-US" dirty="0">
                 <a:solidFill>
                   <a:srgbClr val="00B0F0"/>
                 </a:solidFill>
                 <a:effectLst/>
                 <a:latin typeface="Consolas" panose="020B0609020204030204" pitchFamily="49" charset="0"/>
               </a:rPr>
-              <a:t># Create Python environment, </a:t>
-            </a:r>
-            <a:r>
-              <a:rPr lang="en-US" b="0" dirty="0" err="1">
+              <a:t>', e</a:t>
+            </a:r>
+            <a:r>
+              <a:rPr lang="en-US" dirty="0">
+                <a:solidFill>
+                  <a:srgbClr val="00B0F0"/>
+                </a:solidFill>
+                <a:latin typeface="Consolas" panose="020B0609020204030204" pitchFamily="49" charset="0"/>
+              </a:rPr>
+              <a:t>.</a:t>
+            </a:r>
+            <a:r>
+              <a:rPr lang="en-US" dirty="0">
                 <a:solidFill>
                   <a:srgbClr val="00B0F0"/>
                 </a:solidFill>
                 <a:effectLst/>
                 <a:latin typeface="Consolas" panose="020B0609020204030204" pitchFamily="49" charset="0"/>
               </a:rPr>
-              <a:t>eg.</a:t>
-            </a:r>
-            <a:r>
-              <a:rPr lang="en-US" b="0" dirty="0">
-                <a:solidFill>
-                  <a:srgbClr val="00B0F0"/>
+              <a:t>g. named ".MY_ENV"</a:t>
+            </a:r>
+          </a:p>
+          <a:p>
+            <a:r>
+              <a:rPr lang="en-US" b="1" dirty="0">
+                <a:solidFill>
+                  <a:srgbClr val="FFFFFF"/>
                 </a:solidFill>
                 <a:effectLst/>
                 <a:latin typeface="Consolas" panose="020B0609020204030204" pitchFamily="49" charset="0"/>
               </a:rPr>
-              <a:t> named ".</a:t>
-            </a:r>
-            <a:r>
-              <a:rPr lang="en-US" b="0" dirty="0" err="1">
-                <a:solidFill>
-                  <a:srgbClr val="00B0F0"/>
+              <a:t>python -m </a:t>
+            </a:r>
+            <a:r>
+              <a:rPr lang="en-US" b="1" dirty="0" err="1">
+                <a:solidFill>
+                  <a:srgbClr val="FFFFFF"/>
                 </a:solidFill>
                 <a:effectLst/>
                 <a:latin typeface="Consolas" panose="020B0609020204030204" pitchFamily="49" charset="0"/>
               </a:rPr>
-              <a:t>myenv</a:t>
-            </a:r>
-            <a:r>
-              <a:rPr lang="en-US" b="0" dirty="0">
-                <a:solidFill>
-                  <a:srgbClr val="00B0F0"/>
+              <a:t>venv</a:t>
+            </a:r>
+            <a:r>
+              <a:rPr lang="en-US" b="1" dirty="0">
+                <a:solidFill>
+                  <a:srgbClr val="FFFFFF"/>
                 </a:solidFill>
                 <a:effectLst/>
                 <a:latin typeface="Consolas" panose="020B0609020204030204" pitchFamily="49" charset="0"/>
               </a:rPr>
-              <a:t>"</a:t>
-            </a:r>
-          </a:p>
-          <a:p>
-            <a:r>
-              <a:rPr lang="en-US" b="0" dirty="0">
+              <a:t> .</a:t>
+            </a:r>
+            <a:r>
+              <a:rPr lang="en-US" b="1" dirty="0">
+                <a:solidFill>
+                  <a:srgbClr val="FFFFFF"/>
+                </a:solidFill>
+                <a:latin typeface="Consolas" panose="020B0609020204030204" pitchFamily="49" charset="0"/>
+              </a:rPr>
+              <a:t>MY_ENV</a:t>
+            </a:r>
+            <a:r>
+              <a:rPr lang="en-US" b="1" dirty="0">
                 <a:solidFill>
                   <a:srgbClr val="FFFFFF"/>
                 </a:solidFill>
                 <a:effectLst/>
                 <a:latin typeface="Consolas" panose="020B0609020204030204" pitchFamily="49" charset="0"/>
               </a:rPr>
-              <a:t>    python -m </a:t>
-            </a:r>
-            <a:r>
-              <a:rPr lang="en-US" b="0" dirty="0" err="1">
-                <a:solidFill>
-                  <a:srgbClr val="FFFFFF"/>
+              <a:t> </a:t>
+            </a:r>
+            <a:r>
+              <a:rPr lang="en-US" sz="1600" dirty="0">
+                <a:solidFill>
+                  <a:srgbClr val="00B0F0"/>
                 </a:solidFill>
                 <a:effectLst/>
                 <a:latin typeface="Consolas" panose="020B0609020204030204" pitchFamily="49" charset="0"/>
               </a:rPr>
-              <a:t>venv</a:t>
-            </a:r>
-            <a:r>
-              <a:rPr lang="en-US" b="0" dirty="0">
-                <a:solidFill>
-                  <a:srgbClr val="FFFFFF"/>
+              <a:t>#(</a:t>
+            </a:r>
+            <a:r>
+              <a:rPr lang="en-US" sz="1600" dirty="0">
+                <a:solidFill>
+                  <a:srgbClr val="00B0F0"/>
+                </a:solidFill>
+                <a:latin typeface="Consolas" panose="020B0609020204030204" pitchFamily="49" charset="0"/>
+              </a:rPr>
+              <a:t>On</a:t>
+            </a:r>
+            <a:r>
+              <a:rPr lang="en-US" sz="1600" dirty="0">
+                <a:solidFill>
+                  <a:srgbClr val="00B0F0"/>
                 </a:solidFill>
                 <a:effectLst/>
                 <a:latin typeface="Consolas" panose="020B0609020204030204" pitchFamily="49" charset="0"/>
               </a:rPr>
-              <a:t> .</a:t>
-            </a:r>
-            <a:r>
-              <a:rPr lang="en-US" b="0" dirty="0" err="1">
+              <a:t> Linux, MacOS, you may use `python3` instead of `python`)</a:t>
+            </a:r>
+          </a:p>
+          <a:p>
+            <a:br>
+              <a:rPr lang="en-US" dirty="0">
                 <a:solidFill>
                   <a:srgbClr val="FFFFFF"/>
                 </a:solidFill>
                 <a:effectLst/>
                 <a:latin typeface="Consolas" panose="020B0609020204030204" pitchFamily="49" charset="0"/>
               </a:rPr>
-              <a:t>myenv</a:t>
-            </a:r>
-            <a:r>
-              <a:rPr lang="en-US" b="0" dirty="0">
+            </a:br>
+            <a:r>
+              <a:rPr lang="en-US" dirty="0">
+                <a:solidFill>
+                  <a:srgbClr val="00B0F0"/>
+                </a:solidFill>
+                <a:latin typeface="Consolas" panose="020B0609020204030204" pitchFamily="49" charset="0"/>
+              </a:rPr>
+              <a:t># 3. Activate ".MY_ENV" environment</a:t>
+            </a:r>
+          </a:p>
+          <a:p>
+            <a:r>
+              <a:rPr lang="en-US" b="1" dirty="0">
                 <a:solidFill>
                   <a:srgbClr val="FFFFFF"/>
                 </a:solidFill>
                 <a:effectLst/>
                 <a:latin typeface="Consolas" panose="020B0609020204030204" pitchFamily="49" charset="0"/>
               </a:rPr>
-              <a:t> </a:t>
-            </a:r>
-          </a:p>
-          <a:p>
-            <a:r>
-              <a:rPr lang="en-US" b="0" dirty="0">
-                <a:solidFill>
-                  <a:srgbClr val="FFFFFF"/>
+              <a:t>.MY_ENV\Scripts\activate </a:t>
+            </a:r>
+            <a:r>
+              <a:rPr lang="en-US" sz="1600" dirty="0">
+                <a:solidFill>
+                  <a:srgbClr val="00B0F0"/>
                 </a:solidFill>
                 <a:effectLst/>
                 <a:latin typeface="Consolas" panose="020B0609020204030204" pitchFamily="49" charset="0"/>
               </a:rPr>
-              <a:t>    </a:t>
-            </a:r>
-            <a:r>
-              <a:rPr lang="en-US" b="0" dirty="0">
-                <a:solidFill>
-                  <a:srgbClr val="00B0F0"/>
+              <a:t># For Window</a:t>
+            </a:r>
+          </a:p>
+          <a:p>
+            <a:r>
+              <a:rPr lang="en-US" b="1" dirty="0">
+                <a:solidFill>
+                  <a:srgbClr val="FFFFFF"/>
                 </a:solidFill>
                 <a:effectLst/>
                 <a:latin typeface="Consolas" panose="020B0609020204030204" pitchFamily="49" charset="0"/>
               </a:rPr>
-              <a:t># (For Linux, MacOS, you may need to use `python3` instead of `python`)</a:t>
-            </a:r>
-          </a:p>
-          <a:p>
-            <a:br>
-              <a:rPr lang="en-US" b="0" dirty="0">
+              <a:t>source </a:t>
+            </a:r>
+            <a:r>
+              <a:rPr lang="en-US" b="1" dirty="0">
+                <a:solidFill>
+                  <a:srgbClr val="FFFFFF"/>
+                </a:solidFill>
+                <a:latin typeface="Consolas" panose="020B0609020204030204" pitchFamily="49" charset="0"/>
+              </a:rPr>
+              <a:t>MY_ENV</a:t>
+            </a:r>
+            <a:r>
+              <a:rPr lang="en-US" b="1" dirty="0">
                 <a:solidFill>
                   <a:srgbClr val="FFFFFF"/>
                 </a:solidFill>
                 <a:effectLst/>
                 <a:latin typeface="Consolas" panose="020B0609020204030204" pitchFamily="49" charset="0"/>
               </a:rPr>
-            </a:br>
-            <a:r>
-              <a:rPr lang="en-US" b="1" dirty="0">
+              <a:t>/bin/activate </a:t>
+            </a:r>
+            <a:r>
+              <a:rPr lang="en-US" sz="1600" dirty="0">
                 <a:solidFill>
                   <a:srgbClr val="00B0F0"/>
-                </a:solidFill>
-                <a:latin typeface="Consolas" panose="020B0609020204030204" pitchFamily="49" charset="0"/>
-              </a:rPr>
-              <a:t># Activate ".</a:t>
-            </a:r>
-            <a:r>
-              <a:rPr lang="en-US" b="1" dirty="0" err="1">
-                <a:solidFill>
-                  <a:srgbClr val="00B0F0"/>
-                </a:solidFill>
-                <a:latin typeface="Consolas" panose="020B0609020204030204" pitchFamily="49" charset="0"/>
-              </a:rPr>
-              <a:t>myenv</a:t>
-            </a:r>
-            <a:r>
-              <a:rPr lang="en-US" b="1" dirty="0">
-                <a:solidFill>
-                  <a:srgbClr val="00B0F0"/>
-                </a:solidFill>
-                <a:latin typeface="Consolas" panose="020B0609020204030204" pitchFamily="49" charset="0"/>
-              </a:rPr>
-              <a:t>" environment</a:t>
-            </a:r>
-          </a:p>
-          <a:p>
-            <a:r>
-              <a:rPr lang="en-US" b="0" dirty="0">
-                <a:solidFill>
-                  <a:srgbClr val="FFFFFF"/>
                 </a:solidFill>
                 <a:effectLst/>
                 <a:latin typeface="Consolas" panose="020B0609020204030204" pitchFamily="49" charset="0"/>
               </a:rPr>
-              <a:t>    .</a:t>
-            </a:r>
-            <a:r>
-              <a:rPr lang="en-US" b="0" dirty="0" err="1">
-                <a:solidFill>
-                  <a:srgbClr val="FFFFFF"/>
-                </a:solidFill>
-                <a:effectLst/>
-                <a:latin typeface="Consolas" panose="020B0609020204030204" pitchFamily="49" charset="0"/>
-              </a:rPr>
-              <a:t>myenv</a:t>
-            </a:r>
-            <a:r>
-              <a:rPr lang="en-US" b="0" dirty="0">
-                <a:solidFill>
-                  <a:srgbClr val="FFFFFF"/>
-                </a:solidFill>
-                <a:effectLst/>
-                <a:latin typeface="Consolas" panose="020B0609020204030204" pitchFamily="49" charset="0"/>
-              </a:rPr>
-              <a:t>\Scripts\activate </a:t>
-            </a:r>
-            <a:r>
-              <a:rPr lang="en-US" b="0" dirty="0">
-                <a:solidFill>
-                  <a:srgbClr val="00B0F0"/>
-                </a:solidFill>
-                <a:effectLst/>
-                <a:latin typeface="Consolas" panose="020B0609020204030204" pitchFamily="49" charset="0"/>
-              </a:rPr>
-              <a:t># For Window</a:t>
-            </a:r>
-          </a:p>
-          <a:p>
-            <a:r>
-              <a:rPr lang="en-US" b="0" dirty="0">
-                <a:solidFill>
-                  <a:srgbClr val="FFFFFF"/>
-                </a:solidFill>
-                <a:effectLst/>
-                <a:latin typeface="Consolas" panose="020B0609020204030204" pitchFamily="49" charset="0"/>
-              </a:rPr>
-              <a:t>    source </a:t>
-            </a:r>
-            <a:r>
-              <a:rPr lang="en-US" b="0" dirty="0" err="1">
-                <a:solidFill>
-                  <a:srgbClr val="FFFFFF"/>
-                </a:solidFill>
-                <a:effectLst/>
-                <a:latin typeface="Consolas" panose="020B0609020204030204" pitchFamily="49" charset="0"/>
-              </a:rPr>
-              <a:t>myenv</a:t>
-            </a:r>
-            <a:r>
-              <a:rPr lang="en-US" b="0" dirty="0">
-                <a:solidFill>
-                  <a:srgbClr val="FFFFFF"/>
-                </a:solidFill>
-                <a:effectLst/>
-                <a:latin typeface="Consolas" panose="020B0609020204030204" pitchFamily="49" charset="0"/>
-              </a:rPr>
-              <a:t>/bin/activate </a:t>
-            </a:r>
-            <a:r>
-              <a:rPr lang="en-US" b="0" dirty="0">
-                <a:solidFill>
-                  <a:srgbClr val="00B0F0"/>
-                </a:solidFill>
-                <a:effectLst/>
-                <a:latin typeface="Consolas" panose="020B0609020204030204" pitchFamily="49" charset="0"/>
-              </a:rPr>
               <a:t># For Linux, MacOS</a:t>
             </a:r>
           </a:p>
           <a:p>
             <a:endParaRPr lang="en-US" dirty="0">
               <a:solidFill>
-                <a:srgbClr val="00B050"/>
+                <a:srgbClr val="0070C0"/>
               </a:solidFill>
               <a:latin typeface="Consolas" panose="020B0609020204030204" pitchFamily="49" charset="0"/>
             </a:endParaRPr>
           </a:p>
           <a:p>
             <a:r>
+              <a:rPr lang="en-US" dirty="0">
+                <a:solidFill>
+                  <a:srgbClr val="00B0F0"/>
+                </a:solidFill>
+                <a:latin typeface="Consolas" panose="020B0609020204030204" pitchFamily="49" charset="0"/>
+              </a:rPr>
+              <a:t># 4. Install required Python packages and start coding. (Next slides)</a:t>
+            </a:r>
+          </a:p>
+          <a:p>
+            <a:r>
+              <a:rPr lang="en-US" dirty="0">
+                <a:solidFill>
+                  <a:schemeClr val="bg1"/>
+                </a:solidFill>
+                <a:effectLst/>
+                <a:latin typeface="Consolas" panose="020B0609020204030204" pitchFamily="49" charset="0"/>
+              </a:rPr>
+              <a:t>…</a:t>
+            </a:r>
+            <a:br>
+              <a:rPr lang="en-US" dirty="0">
+                <a:solidFill>
+                  <a:srgbClr val="00B0F0"/>
+                </a:solidFill>
+                <a:effectLst/>
+                <a:latin typeface="Consolas" panose="020B0609020204030204" pitchFamily="49" charset="0"/>
+              </a:rPr>
+            </a:br>
+            <a:r>
+              <a:rPr lang="en-US" dirty="0">
+                <a:solidFill>
+                  <a:srgbClr val="00B0F0"/>
+                </a:solidFill>
+                <a:latin typeface="Consolas" panose="020B0609020204030204" pitchFamily="49" charset="0"/>
+              </a:rPr>
+              <a:t># 5. Deactivate ".MY_ENV" environment after finishing the dev</a:t>
+            </a:r>
+          </a:p>
+          <a:p>
+            <a:r>
               <a:rPr lang="en-US" b="1" dirty="0">
                 <a:solidFill>
-                  <a:srgbClr val="00B0F0"/>
+                  <a:srgbClr val="FFFFFF"/>
                 </a:solidFill>
                 <a:latin typeface="Consolas" panose="020B0609020204030204" pitchFamily="49" charset="0"/>
               </a:rPr>
-              <a:t># Install required Python packages and start working. (Next slides)</a:t>
-            </a:r>
-            <a:endParaRPr lang="en-US" b="0" dirty="0">
+              <a:t>d</a:t>
+            </a:r>
+            <a:r>
+              <a:rPr lang="en-US" b="1" dirty="0">
+                <a:solidFill>
+                  <a:srgbClr val="FFFFFF"/>
+                </a:solidFill>
+                <a:effectLst/>
+                <a:latin typeface="Consolas" panose="020B0609020204030204" pitchFamily="49" charset="0"/>
+              </a:rPr>
+              <a:t>eactivate</a:t>
+            </a:r>
+          </a:p>
+          <a:p>
+            <a:endParaRPr lang="en-US" b="1" dirty="0">
               <a:solidFill>
-                <a:srgbClr val="00B0F0"/>
+                <a:srgbClr val="FFFFFF"/>
               </a:solidFill>
               <a:effectLst/>
               <a:latin typeface="Consolas" panose="020B0609020204030204" pitchFamily="49" charset="0"/>
             </a:endParaRPr>
           </a:p>
-          <a:p>
-            <a:br>
-              <a:rPr lang="en-US" b="0" dirty="0">
-                <a:solidFill>
-                  <a:srgbClr val="FFFFFF"/>
-                </a:solidFill>
-                <a:effectLst/>
-                <a:latin typeface="Consolas" panose="020B0609020204030204" pitchFamily="49" charset="0"/>
-              </a:rPr>
-            </a:br>
-            <a:r>
-              <a:rPr lang="en-US" b="1" dirty="0">
-                <a:solidFill>
-                  <a:srgbClr val="00B0F0"/>
-                </a:solidFill>
-                <a:latin typeface="Consolas" panose="020B0609020204030204" pitchFamily="49" charset="0"/>
-              </a:rPr>
-              <a:t># Deactivate ".</a:t>
-            </a:r>
-            <a:r>
-              <a:rPr lang="en-US" b="1" dirty="0" err="1">
-                <a:solidFill>
-                  <a:srgbClr val="00B0F0"/>
-                </a:solidFill>
-                <a:latin typeface="Consolas" panose="020B0609020204030204" pitchFamily="49" charset="0"/>
-              </a:rPr>
-              <a:t>myenv</a:t>
-            </a:r>
-            <a:r>
-              <a:rPr lang="en-US" b="1" dirty="0">
-                <a:solidFill>
-                  <a:srgbClr val="00B0F0"/>
-                </a:solidFill>
-                <a:latin typeface="Consolas" panose="020B0609020204030204" pitchFamily="49" charset="0"/>
-              </a:rPr>
-              <a:t>" environment after finishing the dev</a:t>
-            </a:r>
-          </a:p>
-          <a:p>
-            <a:r>
-              <a:rPr lang="en-US" b="0" dirty="0">
-                <a:solidFill>
-                  <a:srgbClr val="FFFFFF"/>
-                </a:solidFill>
-                <a:effectLst/>
-                <a:latin typeface="Consolas" panose="020B0609020204030204" pitchFamily="49" charset="0"/>
-              </a:rPr>
-              <a:t>    deactivate</a:t>
-            </a:r>
-          </a:p>
         </p:txBody>
       </p:sp>
       <p:pic>
         <p:nvPicPr>
-          <p:cNvPr id="9" name="Picture 8">
+          <p:cNvPr id="6" name="Picture 5">
             <a:extLst>
               <a:ext uri="{FF2B5EF4-FFF2-40B4-BE49-F238E27FC236}">
-                <a16:creationId xmlns:a16="http://schemas.microsoft.com/office/drawing/2014/main" id="{A393669E-9A2D-125C-C84D-E9629D95D38F}"/>
+                <a16:creationId xmlns:a16="http://schemas.microsoft.com/office/drawing/2014/main" id="{CC2BEAE1-646A-A711-B0EB-32F9CFBD0306}"/>
               </a:ext>
             </a:extLst>
           </p:cNvPr>
@@ -7063,8 +8276,8 @@
         </p:blipFill>
         <p:spPr>
           <a:xfrm>
-            <a:off x="7175708" y="4566088"/>
-            <a:ext cx="3600450" cy="228600"/>
+            <a:off x="1355888" y="4880972"/>
+            <a:ext cx="3067050" cy="180975"/>
           </a:xfrm>
           <a:prstGeom prst="rect">
             <a:avLst/>
@@ -7073,10 +8286,10 @@
       </p:pic>
       <p:pic>
         <p:nvPicPr>
-          <p:cNvPr id="11" name="Picture 10">
+          <p:cNvPr id="12" name="Picture 11">
             <a:extLst>
               <a:ext uri="{FF2B5EF4-FFF2-40B4-BE49-F238E27FC236}">
-                <a16:creationId xmlns:a16="http://schemas.microsoft.com/office/drawing/2014/main" id="{8DFD1917-5484-9CE1-06E4-9E666B61C4A6}"/>
+                <a16:creationId xmlns:a16="http://schemas.microsoft.com/office/drawing/2014/main" id="{4233FF8B-CB19-AF71-57BB-934A395977E1}"/>
               </a:ext>
             </a:extLst>
           </p:cNvPr>
@@ -7093,8 +8306,8 @@
         </p:blipFill>
         <p:spPr>
           <a:xfrm>
-            <a:off x="7175708" y="6306895"/>
-            <a:ext cx="2981325" cy="190500"/>
+            <a:off x="1355888" y="6229492"/>
+            <a:ext cx="2419350" cy="180975"/>
           </a:xfrm>
           <a:prstGeom prst="rect">
             <a:avLst/>
@@ -7180,620 +8393,6 @@
                       </p:childTnLst>
                     </p:cTn>
                   </p:par>
-                  <p:par>
-                    <p:cTn id="8" fill="hold">
-                      <p:stCondLst>
-                        <p:cond delay="indefinite"/>
-                      </p:stCondLst>
-                      <p:childTnLst>
-                        <p:par>
-                          <p:cTn id="9" fill="hold">
-                            <p:stCondLst>
-                              <p:cond delay="0"/>
-                            </p:stCondLst>
-                            <p:childTnLst>
-                              <p:par>
-                                <p:cTn id="10" presetID="10" presetClass="entr" presetSubtype="0" fill="hold" grpId="0" nodeType="clickEffect">
-                                  <p:stCondLst>
-                                    <p:cond delay="0"/>
-                                  </p:stCondLst>
-                                  <p:childTnLst>
-                                    <p:set>
-                                      <p:cBhvr>
-                                        <p:cTn id="11" dur="1" fill="hold">
-                                          <p:stCondLst>
-                                            <p:cond delay="0"/>
-                                          </p:stCondLst>
-                                        </p:cTn>
-                                        <p:tgtEl>
-                                          <p:spTgt spid="7"/>
-                                        </p:tgtEl>
-                                        <p:attrNameLst>
-                                          <p:attrName>style.visibility</p:attrName>
-                                        </p:attrNameLst>
-                                      </p:cBhvr>
-                                      <p:to>
-                                        <p:strVal val="visible"/>
-                                      </p:to>
-                                    </p:set>
-                                    <p:animEffect transition="in" filter="fade">
-                                      <p:cBhvr>
-                                        <p:cTn id="12" dur="500"/>
-                                        <p:tgtEl>
-                                          <p:spTgt spid="7"/>
-                                        </p:tgtEl>
-                                      </p:cBhvr>
-                                    </p:animEffect>
-                                  </p:childTnLst>
-                                </p:cTn>
-                              </p:par>
-                            </p:childTnLst>
-                          </p:cTn>
-                        </p:par>
-                        <p:par>
-                          <p:cTn id="13" fill="hold">
-                            <p:stCondLst>
-                              <p:cond delay="500"/>
-                            </p:stCondLst>
-                            <p:childTnLst>
-                              <p:par>
-                                <p:cTn id="14" presetID="1" presetClass="entr" presetSubtype="0" fill="hold" nodeType="afterEffect">
-                                  <p:stCondLst>
-                                    <p:cond delay="0"/>
-                                  </p:stCondLst>
-                                  <p:iterate type="wd">
-                                    <p:tmAbs val="20"/>
-                                  </p:iterate>
-                                  <p:childTnLst>
-                                    <p:set>
-                                      <p:cBhvr>
-                                        <p:cTn id="15" dur="1" fill="hold">
-                                          <p:stCondLst>
-                                            <p:cond delay="0"/>
-                                          </p:stCondLst>
-                                        </p:cTn>
-                                        <p:tgtEl>
-                                          <p:spTgt spid="7">
-                                            <p:txEl>
-                                              <p:pRg st="0" end="0"/>
-                                            </p:txEl>
-                                          </p:spTgt>
-                                        </p:tgtEl>
-                                        <p:attrNameLst>
-                                          <p:attrName>style.visibility</p:attrName>
-                                        </p:attrNameLst>
-                                      </p:cBhvr>
-                                      <p:to>
-                                        <p:strVal val="visible"/>
-                                      </p:to>
-                                    </p:set>
-                                  </p:childTnLst>
-                                </p:cTn>
-                              </p:par>
-                            </p:childTnLst>
-                          </p:cTn>
-                        </p:par>
-                        <p:par>
-                          <p:cTn id="16" fill="hold">
-                            <p:stCondLst>
-                              <p:cond delay="641"/>
-                            </p:stCondLst>
-                            <p:childTnLst>
-                              <p:par>
-                                <p:cTn id="17" presetID="1" presetClass="entr" presetSubtype="0" fill="hold" nodeType="afterEffect">
-                                  <p:stCondLst>
-                                    <p:cond delay="0"/>
-                                  </p:stCondLst>
-                                  <p:iterate type="wd">
-                                    <p:tmAbs val="20"/>
-                                  </p:iterate>
-                                  <p:childTnLst>
-                                    <p:set>
-                                      <p:cBhvr>
-                                        <p:cTn id="18" dur="1" fill="hold">
-                                          <p:stCondLst>
-                                            <p:cond delay="0"/>
-                                          </p:stCondLst>
-                                        </p:cTn>
-                                        <p:tgtEl>
-                                          <p:spTgt spid="7">
-                                            <p:txEl>
-                                              <p:pRg st="1" end="1"/>
-                                            </p:txEl>
-                                          </p:spTgt>
-                                        </p:tgtEl>
-                                        <p:attrNameLst>
-                                          <p:attrName>style.visibility</p:attrName>
-                                        </p:attrNameLst>
-                                      </p:cBhvr>
-                                      <p:to>
-                                        <p:strVal val="visible"/>
-                                      </p:to>
-                                    </p:set>
-                                  </p:childTnLst>
-                                </p:cTn>
-                              </p:par>
-                            </p:childTnLst>
-                          </p:cTn>
-                        </p:par>
-                        <p:par>
-                          <p:cTn id="19" fill="hold">
-                            <p:stCondLst>
-                              <p:cond delay="742"/>
-                            </p:stCondLst>
-                            <p:childTnLst>
-                              <p:par>
-                                <p:cTn id="20" presetID="1" presetClass="entr" presetSubtype="0" fill="hold" nodeType="afterEffect">
-                                  <p:stCondLst>
-                                    <p:cond delay="0"/>
-                                  </p:stCondLst>
-                                  <p:iterate type="wd">
-                                    <p:tmAbs val="20"/>
-                                  </p:iterate>
-                                  <p:childTnLst>
-                                    <p:set>
-                                      <p:cBhvr>
-                                        <p:cTn id="21" dur="1" fill="hold">
-                                          <p:stCondLst>
-                                            <p:cond delay="0"/>
-                                          </p:stCondLst>
-                                        </p:cTn>
-                                        <p:tgtEl>
-                                          <p:spTgt spid="7">
-                                            <p:txEl>
-                                              <p:pRg st="2" end="2"/>
-                                            </p:txEl>
-                                          </p:spTgt>
-                                        </p:tgtEl>
-                                        <p:attrNameLst>
-                                          <p:attrName>style.visibility</p:attrName>
-                                        </p:attrNameLst>
-                                      </p:cBhvr>
-                                      <p:to>
-                                        <p:strVal val="visible"/>
-                                      </p:to>
-                                    </p:set>
-                                  </p:childTnLst>
-                                </p:cTn>
-                              </p:par>
-                            </p:childTnLst>
-                          </p:cTn>
-                        </p:par>
-                        <p:par>
-                          <p:cTn id="22" fill="hold">
-                            <p:stCondLst>
-                              <p:cond delay="1123"/>
-                            </p:stCondLst>
-                            <p:childTnLst>
-                              <p:par>
-                                <p:cTn id="23" presetID="1" presetClass="entr" presetSubtype="0" fill="hold" nodeType="afterEffect">
-                                  <p:stCondLst>
-                                    <p:cond delay="0"/>
-                                  </p:stCondLst>
-                                  <p:iterate type="wd">
-                                    <p:tmAbs val="20"/>
-                                  </p:iterate>
-                                  <p:childTnLst>
-                                    <p:set>
-                                      <p:cBhvr>
-                                        <p:cTn id="24" dur="1" fill="hold">
-                                          <p:stCondLst>
-                                            <p:cond delay="0"/>
-                                          </p:stCondLst>
-                                        </p:cTn>
-                                        <p:tgtEl>
-                                          <p:spTgt spid="7">
-                                            <p:txEl>
-                                              <p:pRg st="3" end="3"/>
-                                            </p:txEl>
-                                          </p:spTgt>
-                                        </p:tgtEl>
-                                        <p:attrNameLst>
-                                          <p:attrName>style.visibility</p:attrName>
-                                        </p:attrNameLst>
-                                      </p:cBhvr>
-                                      <p:to>
-                                        <p:strVal val="visible"/>
-                                      </p:to>
-                                    </p:set>
-                                  </p:childTnLst>
-                                </p:cTn>
-                              </p:par>
-                            </p:childTnLst>
-                          </p:cTn>
-                        </p:par>
-                        <p:par>
-                          <p:cTn id="25" fill="hold">
-                            <p:stCondLst>
-                              <p:cond delay="1244"/>
-                            </p:stCondLst>
-                            <p:childTnLst>
-                              <p:par>
-                                <p:cTn id="26" presetID="1" presetClass="entr" presetSubtype="0" fill="hold" nodeType="afterEffect">
-                                  <p:stCondLst>
-                                    <p:cond delay="0"/>
-                                  </p:stCondLst>
-                                  <p:iterate type="wd">
-                                    <p:tmAbs val="20"/>
-                                  </p:iterate>
-                                  <p:childTnLst>
-                                    <p:set>
-                                      <p:cBhvr>
-                                        <p:cTn id="27" dur="1" fill="hold">
-                                          <p:stCondLst>
-                                            <p:cond delay="0"/>
-                                          </p:stCondLst>
-                                        </p:cTn>
-                                        <p:tgtEl>
-                                          <p:spTgt spid="7">
-                                            <p:txEl>
-                                              <p:pRg st="4" end="4"/>
-                                            </p:txEl>
-                                          </p:spTgt>
-                                        </p:tgtEl>
-                                        <p:attrNameLst>
-                                          <p:attrName>style.visibility</p:attrName>
-                                        </p:attrNameLst>
-                                      </p:cBhvr>
-                                      <p:to>
-                                        <p:strVal val="visible"/>
-                                      </p:to>
-                                    </p:set>
-                                  </p:childTnLst>
-                                </p:cTn>
-                              </p:par>
-                            </p:childTnLst>
-                          </p:cTn>
-                        </p:par>
-                        <p:par>
-                          <p:cTn id="28" fill="hold">
-                            <p:stCondLst>
-                              <p:cond delay="1645"/>
-                            </p:stCondLst>
-                            <p:childTnLst>
-                              <p:par>
-                                <p:cTn id="29" presetID="1" presetClass="entr" presetSubtype="0" fill="hold" nodeType="afterEffect">
-                                  <p:stCondLst>
-                                    <p:cond delay="0"/>
-                                  </p:stCondLst>
-                                  <p:iterate type="wd">
-                                    <p:tmAbs val="20"/>
-                                  </p:iterate>
-                                  <p:childTnLst>
-                                    <p:set>
-                                      <p:cBhvr>
-                                        <p:cTn id="30" dur="1" fill="hold">
-                                          <p:stCondLst>
-                                            <p:cond delay="0"/>
-                                          </p:stCondLst>
-                                        </p:cTn>
-                                        <p:tgtEl>
-                                          <p:spTgt spid="7">
-                                            <p:txEl>
-                                              <p:pRg st="5" end="5"/>
-                                            </p:txEl>
-                                          </p:spTgt>
-                                        </p:tgtEl>
-                                        <p:attrNameLst>
-                                          <p:attrName>style.visibility</p:attrName>
-                                        </p:attrNameLst>
-                                      </p:cBhvr>
-                                      <p:to>
-                                        <p:strVal val="visible"/>
-                                      </p:to>
-                                    </p:set>
-                                  </p:childTnLst>
-                                </p:cTn>
-                              </p:par>
-                            </p:childTnLst>
-                          </p:cTn>
-                        </p:par>
-                        <p:par>
-                          <p:cTn id="31" fill="hold">
-                            <p:stCondLst>
-                              <p:cond delay="1746"/>
-                            </p:stCondLst>
-                            <p:childTnLst>
-                              <p:par>
-                                <p:cTn id="32" presetID="1" presetClass="entr" presetSubtype="0" fill="hold" nodeType="afterEffect">
-                                  <p:stCondLst>
-                                    <p:cond delay="0"/>
-                                  </p:stCondLst>
-                                  <p:iterate type="wd">
-                                    <p:tmAbs val="20"/>
-                                  </p:iterate>
-                                  <p:childTnLst>
-                                    <p:set>
-                                      <p:cBhvr>
-                                        <p:cTn id="33" dur="1" fill="hold">
-                                          <p:stCondLst>
-                                            <p:cond delay="0"/>
-                                          </p:stCondLst>
-                                        </p:cTn>
-                                        <p:tgtEl>
-                                          <p:spTgt spid="7">
-                                            <p:txEl>
-                                              <p:pRg st="6" end="6"/>
-                                            </p:txEl>
-                                          </p:spTgt>
-                                        </p:tgtEl>
-                                        <p:attrNameLst>
-                                          <p:attrName>style.visibility</p:attrName>
-                                        </p:attrNameLst>
-                                      </p:cBhvr>
-                                      <p:to>
-                                        <p:strVal val="visible"/>
-                                      </p:to>
-                                    </p:set>
-                                  </p:childTnLst>
-                                </p:cTn>
-                              </p:par>
-                            </p:childTnLst>
-                          </p:cTn>
-                        </p:par>
-                        <p:par>
-                          <p:cTn id="34" fill="hold">
-                            <p:stCondLst>
-                              <p:cond delay="1927"/>
-                            </p:stCondLst>
-                            <p:childTnLst>
-                              <p:par>
-                                <p:cTn id="35" presetID="1" presetClass="entr" presetSubtype="0" fill="hold" nodeType="afterEffect">
-                                  <p:stCondLst>
-                                    <p:cond delay="0"/>
-                                  </p:stCondLst>
-                                  <p:iterate type="wd">
-                                    <p:tmAbs val="20"/>
-                                  </p:iterate>
-                                  <p:childTnLst>
-                                    <p:set>
-                                      <p:cBhvr>
-                                        <p:cTn id="36" dur="1" fill="hold">
-                                          <p:stCondLst>
-                                            <p:cond delay="0"/>
-                                          </p:stCondLst>
-                                        </p:cTn>
-                                        <p:tgtEl>
-                                          <p:spTgt spid="7">
-                                            <p:txEl>
-                                              <p:pRg st="7" end="7"/>
-                                            </p:txEl>
-                                          </p:spTgt>
-                                        </p:tgtEl>
-                                        <p:attrNameLst>
-                                          <p:attrName>style.visibility</p:attrName>
-                                        </p:attrNameLst>
-                                      </p:cBhvr>
-                                      <p:to>
-                                        <p:strVal val="visible"/>
-                                      </p:to>
-                                    </p:set>
-                                  </p:childTnLst>
-                                </p:cTn>
-                              </p:par>
-                            </p:childTnLst>
-                          </p:cTn>
-                        </p:par>
-                        <p:par>
-                          <p:cTn id="37" fill="hold">
-                            <p:stCondLst>
-                              <p:cond delay="2148"/>
-                            </p:stCondLst>
-                            <p:childTnLst>
-                              <p:par>
-                                <p:cTn id="38" presetID="1" presetClass="entr" presetSubtype="0" fill="hold" nodeType="afterEffect">
-                                  <p:stCondLst>
-                                    <p:cond delay="0"/>
-                                  </p:stCondLst>
-                                  <p:iterate type="wd">
-                                    <p:tmAbs val="20"/>
-                                  </p:iterate>
-                                  <p:childTnLst>
-                                    <p:set>
-                                      <p:cBhvr>
-                                        <p:cTn id="39" dur="1" fill="hold">
-                                          <p:stCondLst>
-                                            <p:cond delay="0"/>
-                                          </p:stCondLst>
-                                        </p:cTn>
-                                        <p:tgtEl>
-                                          <p:spTgt spid="7">
-                                            <p:txEl>
-                                              <p:pRg st="9" end="9"/>
-                                            </p:txEl>
-                                          </p:spTgt>
-                                        </p:tgtEl>
-                                        <p:attrNameLst>
-                                          <p:attrName>style.visibility</p:attrName>
-                                        </p:attrNameLst>
-                                      </p:cBhvr>
-                                      <p:to>
-                                        <p:strVal val="visible"/>
-                                      </p:to>
-                                    </p:set>
-                                  </p:childTnLst>
-                                </p:cTn>
-                              </p:par>
-                            </p:childTnLst>
-                          </p:cTn>
-                        </p:par>
-                        <p:par>
-                          <p:cTn id="40" fill="hold">
-                            <p:stCondLst>
-                              <p:cond delay="2389"/>
-                            </p:stCondLst>
-                            <p:childTnLst>
-                              <p:par>
-                                <p:cTn id="41" presetID="1" presetClass="entr" presetSubtype="0" fill="hold" nodeType="afterEffect">
-                                  <p:stCondLst>
-                                    <p:cond delay="0"/>
-                                  </p:stCondLst>
-                                  <p:iterate type="wd">
-                                    <p:tmAbs val="20"/>
-                                  </p:iterate>
-                                  <p:childTnLst>
-                                    <p:set>
-                                      <p:cBhvr>
-                                        <p:cTn id="42" dur="1" fill="hold">
-                                          <p:stCondLst>
-                                            <p:cond delay="0"/>
-                                          </p:stCondLst>
-                                        </p:cTn>
-                                        <p:tgtEl>
-                                          <p:spTgt spid="7">
-                                            <p:txEl>
-                                              <p:pRg st="10" end="10"/>
-                                            </p:txEl>
-                                          </p:spTgt>
-                                        </p:tgtEl>
-                                        <p:attrNameLst>
-                                          <p:attrName>style.visibility</p:attrName>
-                                        </p:attrNameLst>
-                                      </p:cBhvr>
-                                      <p:to>
-                                        <p:strVal val="visible"/>
-                                      </p:to>
-                                    </p:set>
-                                  </p:childTnLst>
-                                </p:cTn>
-                              </p:par>
-                            </p:childTnLst>
-                          </p:cTn>
-                        </p:par>
-                        <p:par>
-                          <p:cTn id="43" fill="hold">
-                            <p:stCondLst>
-                              <p:cond delay="2570"/>
-                            </p:stCondLst>
-                            <p:childTnLst>
-                              <p:par>
-                                <p:cTn id="44" presetID="1" presetClass="entr" presetSubtype="0" fill="hold" nodeType="afterEffect">
-                                  <p:stCondLst>
-                                    <p:cond delay="0"/>
-                                  </p:stCondLst>
-                                  <p:iterate type="wd">
-                                    <p:tmAbs val="20"/>
-                                  </p:iterate>
-                                  <p:childTnLst>
-                                    <p:set>
-                                      <p:cBhvr>
-                                        <p:cTn id="45" dur="1" fill="hold">
-                                          <p:stCondLst>
-                                            <p:cond delay="0"/>
-                                          </p:stCondLst>
-                                        </p:cTn>
-                                        <p:tgtEl>
-                                          <p:spTgt spid="7">
-                                            <p:txEl>
-                                              <p:pRg st="11" end="11"/>
-                                            </p:txEl>
-                                          </p:spTgt>
-                                        </p:tgtEl>
-                                        <p:attrNameLst>
-                                          <p:attrName>style.visibility</p:attrName>
-                                        </p:attrNameLst>
-                                      </p:cBhvr>
-                                      <p:to>
-                                        <p:strVal val="visible"/>
-                                      </p:to>
-                                    </p:set>
-                                  </p:childTnLst>
-                                </p:cTn>
-                              </p:par>
-                            </p:childTnLst>
-                          </p:cTn>
-                        </p:par>
-                      </p:childTnLst>
-                    </p:cTn>
-                  </p:par>
-                  <p:par>
-                    <p:cTn id="46" fill="hold">
-                      <p:stCondLst>
-                        <p:cond delay="indefinite"/>
-                      </p:stCondLst>
-                      <p:childTnLst>
-                        <p:par>
-                          <p:cTn id="47" fill="hold">
-                            <p:stCondLst>
-                              <p:cond delay="0"/>
-                            </p:stCondLst>
-                            <p:childTnLst>
-                              <p:par>
-                                <p:cTn id="48" presetID="10" presetClass="entr" presetSubtype="0" fill="hold" nodeType="clickEffect">
-                                  <p:stCondLst>
-                                    <p:cond delay="0"/>
-                                  </p:stCondLst>
-                                  <p:childTnLst>
-                                    <p:set>
-                                      <p:cBhvr>
-                                        <p:cTn id="49" dur="1" fill="hold">
-                                          <p:stCondLst>
-                                            <p:cond delay="0"/>
-                                          </p:stCondLst>
-                                        </p:cTn>
-                                        <p:tgtEl>
-                                          <p:spTgt spid="9"/>
-                                        </p:tgtEl>
-                                        <p:attrNameLst>
-                                          <p:attrName>style.visibility</p:attrName>
-                                        </p:attrNameLst>
-                                      </p:cBhvr>
-                                      <p:to>
-                                        <p:strVal val="visible"/>
-                                      </p:to>
-                                    </p:set>
-                                    <p:animEffect transition="in" filter="fade">
-                                      <p:cBhvr>
-                                        <p:cTn id="50" dur="500"/>
-                                        <p:tgtEl>
-                                          <p:spTgt spid="9"/>
-                                        </p:tgtEl>
-                                      </p:cBhvr>
-                                    </p:animEffect>
-                                  </p:childTnLst>
-                                </p:cTn>
-                              </p:par>
-                              <p:par>
-                                <p:cTn id="51" presetID="10" presetClass="entr" presetSubtype="0" fill="hold" nodeType="withEffect">
-                                  <p:stCondLst>
-                                    <p:cond delay="0"/>
-                                  </p:stCondLst>
-                                  <p:childTnLst>
-                                    <p:set>
-                                      <p:cBhvr>
-                                        <p:cTn id="52" dur="1" fill="hold">
-                                          <p:stCondLst>
-                                            <p:cond delay="0"/>
-                                          </p:stCondLst>
-                                        </p:cTn>
-                                        <p:tgtEl>
-                                          <p:spTgt spid="11"/>
-                                        </p:tgtEl>
-                                        <p:attrNameLst>
-                                          <p:attrName>style.visibility</p:attrName>
-                                        </p:attrNameLst>
-                                      </p:cBhvr>
-                                      <p:to>
-                                        <p:strVal val="visible"/>
-                                      </p:to>
-                                    </p:set>
-                                    <p:animEffect transition="in" filter="fade">
-                                      <p:cBhvr>
-                                        <p:cTn id="53" dur="500"/>
-                                        <p:tgtEl>
-                                          <p:spTgt spid="11"/>
-                                        </p:tgtEl>
-                                      </p:cBhvr>
-                                    </p:animEffect>
-                                  </p:childTnLst>
-                                </p:cTn>
-                              </p:par>
-                            </p:childTnLst>
-                          </p:cTn>
-                        </p:par>
-                      </p:childTnLst>
-                    </p:cTn>
-                  </p:par>
                 </p:childTnLst>
               </p:cTn>
               <p:prevCondLst>
@@ -7815,14 +8414,11 @@
         </p:cTn>
       </p:par>
     </p:tnLst>
-    <p:bldLst>
-      <p:bldP spid="7" grpId="0" animBg="1"/>
-    </p:bldLst>
   </p:timing>
 </p:sld>
 </file>
 
-<file path=ppt/slides/slide19.xml><?xml version="1.0" encoding="utf-8"?>
+<file path=ppt/slides/slide25.xml><?xml version="1.0" encoding="utf-8"?>
 <p:sld xmlns:a="http://schemas.openxmlformats.org/drawingml/2006/main" xmlns:r="http://schemas.openxmlformats.org/officeDocument/2006/relationships" xmlns:p="http://schemas.openxmlformats.org/presentationml/2006/main">
   <p:cSld>
     <p:spTree>
@@ -7862,8 +8458,13 @@
           <a:p>
             <a:r>
               <a:rPr lang="en-US" dirty="0"/>
-              <a:t>Python environment</a:t>
-            </a:r>
+              <a:t>Set Up Python Environment with </a:t>
+            </a:r>
+            <a:r>
+              <a:rPr lang="en-US" dirty="0" err="1"/>
+              <a:t>Conda</a:t>
+            </a:r>
+            <a:endParaRPr lang="en-US" dirty="0"/>
           </a:p>
         </p:txBody>
       </p:sp>
@@ -7901,7 +8502,7 @@
             </a:pPr>
             <a:r>
               <a:rPr lang="en-US" dirty="0"/>
-              <a:t> Using `</a:t>
+              <a:t>`</a:t>
             </a:r>
             <a:r>
               <a:rPr lang="en-US" dirty="0" err="1"/>
@@ -7909,7 +8510,7 @@
             </a:r>
             <a:r>
               <a:rPr lang="en-US" dirty="0"/>
-              <a:t>`</a:t>
+              <a:t>`, included with Anaconda installation</a:t>
             </a:r>
           </a:p>
           <a:p>
@@ -7964,7 +8565,7 @@
         <p:spPr>
           <a:xfrm>
             <a:off x="1504060" y="2606719"/>
-            <a:ext cx="9183880" cy="2862322"/>
+            <a:ext cx="9183880" cy="3416320"/>
           </a:xfrm>
           <a:prstGeom prst="rect">
             <a:avLst/>
@@ -7980,16 +8581,16 @@
           <a:lstStyle/>
           <a:p>
             <a:r>
-              <a:rPr lang="en-US" b="1" dirty="0">
+              <a:rPr lang="en-US" dirty="0">
                 <a:solidFill>
                   <a:srgbClr val="00B0F0"/>
                 </a:solidFill>
                 <a:latin typeface="Consolas" panose="020B0609020204030204" pitchFamily="49" charset="0"/>
               </a:rPr>
-              <a:t># Create </a:t>
-            </a:r>
-            <a:r>
-              <a:rPr lang="en-US" b="1" dirty="0">
+              <a:t># 1. Create </a:t>
+            </a:r>
+            <a:r>
+              <a:rPr lang="en-US" dirty="0">
                 <a:solidFill>
                   <a:srgbClr val="00B0F0"/>
                 </a:solidFill>
@@ -7999,7 +8600,7 @@
               <a:t>Python environment with `</a:t>
             </a:r>
             <a:r>
-              <a:rPr lang="en-US" b="1" dirty="0" err="1">
+              <a:rPr lang="en-US" dirty="0" err="1">
                 <a:solidFill>
                   <a:srgbClr val="00B0F0"/>
                 </a:solidFill>
@@ -8009,59 +8610,80 @@
               <a:t>conda</a:t>
             </a:r>
             <a:r>
-              <a:rPr lang="en-US" b="1" dirty="0">
+              <a:rPr lang="en-US" dirty="0">
                 <a:solidFill>
                   <a:srgbClr val="00B0F0"/>
                 </a:solidFill>
                 <a:effectLst/>
                 <a:latin typeface="Consolas" panose="020B0609020204030204" pitchFamily="49" charset="0"/>
               </a:rPr>
-              <a:t>`, </a:t>
-            </a:r>
-            <a:r>
-              <a:rPr lang="en-US" b="0" dirty="0" err="1">
-                <a:solidFill>
-                  <a:srgbClr val="00B0F0"/>
+              <a:t>`, e.g. named "MY_ENV"</a:t>
+            </a:r>
+          </a:p>
+          <a:p>
+            <a:r>
+              <a:rPr lang="en-US" b="1" dirty="0" err="1">
+                <a:solidFill>
+                  <a:srgbClr val="FFFFFF"/>
                 </a:solidFill>
                 <a:effectLst/>
                 <a:latin typeface="Consolas" panose="020B0609020204030204" pitchFamily="49" charset="0"/>
               </a:rPr>
-              <a:t>eg.</a:t>
-            </a:r>
-            <a:r>
-              <a:rPr lang="en-US" b="0" dirty="0">
-                <a:solidFill>
-                  <a:srgbClr val="00B0F0"/>
+              <a:t>conda</a:t>
+            </a:r>
+            <a:r>
+              <a:rPr lang="en-US" b="1" dirty="0">
+                <a:solidFill>
+                  <a:srgbClr val="FFFFFF"/>
                 </a:solidFill>
                 <a:effectLst/>
                 <a:latin typeface="Consolas" panose="020B0609020204030204" pitchFamily="49" charset="0"/>
               </a:rPr>
-              <a:t> named "</a:t>
-            </a:r>
-            <a:r>
-              <a:rPr lang="en-US" b="0" dirty="0" err="1">
-                <a:solidFill>
-                  <a:srgbClr val="00B0F0"/>
+              <a:t> create -n </a:t>
+            </a:r>
+            <a:r>
+              <a:rPr lang="en-US" b="1" dirty="0">
+                <a:solidFill>
+                  <a:srgbClr val="FFFFFF"/>
+                </a:solidFill>
+                <a:latin typeface="Consolas" panose="020B0609020204030204" pitchFamily="49" charset="0"/>
+              </a:rPr>
+              <a:t>MY_ENV</a:t>
+            </a:r>
+            <a:r>
+              <a:rPr lang="en-US" b="1" dirty="0">
+                <a:solidFill>
+                  <a:srgbClr val="FFFFFF"/>
                 </a:solidFill>
                 <a:effectLst/>
                 <a:latin typeface="Consolas" panose="020B0609020204030204" pitchFamily="49" charset="0"/>
               </a:rPr>
-              <a:t>myenv</a:t>
-            </a:r>
-            <a:r>
-              <a:rPr lang="en-US" b="0" dirty="0">
-                <a:solidFill>
-                  <a:srgbClr val="00B0F0"/>
+              <a:t> python=3.10</a:t>
+            </a:r>
+          </a:p>
+          <a:p>
+            <a:br>
+              <a:rPr lang="en-US" dirty="0">
+                <a:solidFill>
+                  <a:srgbClr val="FFFFFF"/>
                 </a:solidFill>
                 <a:effectLst/>
                 <a:latin typeface="Consolas" panose="020B0609020204030204" pitchFamily="49" charset="0"/>
               </a:rPr>
-              <a:t>"</a:t>
-            </a:r>
-          </a:p>
-          <a:p>
-            <a:r>
-              <a:rPr lang="en-US" b="0" dirty="0" err="1">
+            </a:br>
+            <a:r>
+              <a:rPr lang="en-US" dirty="0">
+                <a:solidFill>
+                  <a:srgbClr val="00B0F0"/>
+                </a:solidFill>
+                <a:latin typeface="Consolas" panose="020B0609020204030204" pitchFamily="49" charset="0"/>
+              </a:rPr>
+              <a:t># 2. Activate "MY_ENV" environment</a:t>
+            </a:r>
+          </a:p>
+          <a:p>
+            <a:r>
+              <a:rPr lang="en-US" b="1" dirty="0" err="1">
                 <a:solidFill>
                   <a:srgbClr val="FFFFFF"/>
                 </a:solidFill>
@@ -8071,106 +8693,25 @@
               <a:t>conda</a:t>
             </a:r>
             <a:r>
-              <a:rPr lang="en-US" b="0" dirty="0">
+              <a:rPr lang="en-US" b="1" dirty="0">
                 <a:solidFill>
                   <a:srgbClr val="FFFFFF"/>
                 </a:solidFill>
                 <a:effectLst/>
                 <a:latin typeface="Consolas" panose="020B0609020204030204" pitchFamily="49" charset="0"/>
               </a:rPr>
-              <a:t> create -n </a:t>
-            </a:r>
-            <a:r>
-              <a:rPr lang="en-US" b="0" dirty="0" err="1">
+              <a:t> activate </a:t>
+            </a:r>
+            <a:r>
+              <a:rPr lang="en-US" b="1" dirty="0">
                 <a:solidFill>
                   <a:srgbClr val="FFFFFF"/>
                 </a:solidFill>
-                <a:effectLst/>
                 <a:latin typeface="Consolas" panose="020B0609020204030204" pitchFamily="49" charset="0"/>
               </a:rPr>
-              <a:t>myenv</a:t>
-            </a:r>
-            <a:r>
-              <a:rPr lang="en-US" b="0" dirty="0">
-                <a:solidFill>
-                  <a:srgbClr val="FFFFFF"/>
-                </a:solidFill>
-                <a:effectLst/>
-                <a:latin typeface="Consolas" panose="020B0609020204030204" pitchFamily="49" charset="0"/>
-              </a:rPr>
-              <a:t> python=3.10</a:t>
-            </a:r>
-          </a:p>
-          <a:p>
-            <a:br>
-              <a:rPr lang="en-US" b="0" dirty="0">
-                <a:solidFill>
-                  <a:srgbClr val="FFFFFF"/>
-                </a:solidFill>
-                <a:effectLst/>
-                <a:latin typeface="Consolas" panose="020B0609020204030204" pitchFamily="49" charset="0"/>
-              </a:rPr>
-            </a:br>
-            <a:r>
-              <a:rPr lang="en-US" b="1" dirty="0">
-                <a:solidFill>
-                  <a:srgbClr val="00B0F0"/>
-                </a:solidFill>
-                <a:latin typeface="Consolas" panose="020B0609020204030204" pitchFamily="49" charset="0"/>
-              </a:rPr>
-              <a:t># Activate "</a:t>
-            </a:r>
-            <a:r>
-              <a:rPr lang="en-US" b="1" dirty="0" err="1">
-                <a:solidFill>
-                  <a:srgbClr val="00B0F0"/>
-                </a:solidFill>
-                <a:latin typeface="Consolas" panose="020B0609020204030204" pitchFamily="49" charset="0"/>
-              </a:rPr>
-              <a:t>myenv</a:t>
-            </a:r>
-            <a:r>
-              <a:rPr lang="en-US" b="1" dirty="0">
-                <a:solidFill>
-                  <a:srgbClr val="00B0F0"/>
-                </a:solidFill>
-                <a:latin typeface="Consolas" panose="020B0609020204030204" pitchFamily="49" charset="0"/>
-              </a:rPr>
-              <a:t>" environment</a:t>
-            </a:r>
-          </a:p>
-          <a:p>
-            <a:r>
-              <a:rPr lang="en-US" b="0" dirty="0" err="1">
-                <a:solidFill>
-                  <a:srgbClr val="FFFFFF"/>
-                </a:solidFill>
-                <a:effectLst/>
-                <a:latin typeface="Consolas" panose="020B0609020204030204" pitchFamily="49" charset="0"/>
-              </a:rPr>
-              <a:t>conda</a:t>
-            </a:r>
-            <a:r>
-              <a:rPr lang="en-US" b="0" dirty="0">
-                <a:solidFill>
-                  <a:srgbClr val="FFFFFF"/>
-                </a:solidFill>
-                <a:effectLst/>
-                <a:latin typeface="Consolas" panose="020B0609020204030204" pitchFamily="49" charset="0"/>
-              </a:rPr>
-              <a:t> activate </a:t>
-            </a:r>
-            <a:r>
-              <a:rPr lang="en-US" b="0" dirty="0" err="1">
-                <a:solidFill>
-                  <a:srgbClr val="FFFFFF"/>
-                </a:solidFill>
-                <a:effectLst/>
-                <a:latin typeface="Consolas" panose="020B0609020204030204" pitchFamily="49" charset="0"/>
-              </a:rPr>
-              <a:t>myenv</a:t>
-            </a:r>
-            <a:endParaRPr lang="en-US" b="0" dirty="0">
+              <a:t>MY_ENV </a:t>
+            </a:r>
+            <a:endParaRPr lang="en-US" b="1" dirty="0">
               <a:solidFill>
                 <a:srgbClr val="FFFFFF"/>
               </a:solidFill>
@@ -8183,20 +8724,29 @@
               <a:solidFill>
                 <a:srgbClr val="FFFFFF"/>
               </a:solidFill>
+              <a:effectLst/>
               <a:latin typeface="Consolas" panose="020B0609020204030204" pitchFamily="49" charset="0"/>
             </a:endParaRPr>
           </a:p>
           <a:p>
-            <a:r>
-              <a:rPr lang="en-US" b="1" dirty="0">
+            <a:endParaRPr lang="en-US" dirty="0">
+              <a:solidFill>
+                <a:srgbClr val="FFFFFF"/>
+              </a:solidFill>
+              <a:latin typeface="Consolas" panose="020B0609020204030204" pitchFamily="49" charset="0"/>
+            </a:endParaRPr>
+          </a:p>
+          <a:p>
+            <a:r>
+              <a:rPr lang="en-US" dirty="0">
                 <a:solidFill>
                   <a:srgbClr val="00B0F0"/>
                 </a:solidFill>
                 <a:latin typeface="Consolas" panose="020B0609020204030204" pitchFamily="49" charset="0"/>
               </a:rPr>
-              <a:t># Install required Python packages and start working. (Next slides)</a:t>
-            </a:r>
-            <a:endParaRPr lang="en-US" b="0" dirty="0">
+              <a:t># 3. Install required Python packages and start coding. (Next slides)</a:t>
+            </a:r>
+            <a:endParaRPr lang="en-US" dirty="0">
               <a:solidFill>
                 <a:srgbClr val="00B0F0"/>
               </a:solidFill>
@@ -8205,73 +8755,74 @@
             </a:endParaRPr>
           </a:p>
           <a:p>
-            <a:br>
-              <a:rPr lang="en-US" b="0" dirty="0">
+            <a:r>
+              <a:rPr lang="en-US" dirty="0">
                 <a:solidFill>
                   <a:srgbClr val="FFFFFF"/>
                 </a:solidFill>
                 <a:effectLst/>
                 <a:latin typeface="Consolas" panose="020B0609020204030204" pitchFamily="49" charset="0"/>
               </a:rPr>
-            </a:br>
-            <a:r>
-              <a:rPr lang="en-US" b="1" dirty="0">
-                <a:solidFill>
-                  <a:srgbClr val="00B0F0"/>
-                </a:solidFill>
-                <a:latin typeface="Consolas" panose="020B0609020204030204" pitchFamily="49" charset="0"/>
-              </a:rPr>
-              <a:t># Deactivate "</a:t>
-            </a:r>
-            <a:r>
-              <a:rPr lang="en-US" b="1" dirty="0" err="1">
-                <a:solidFill>
-                  <a:srgbClr val="00B0F0"/>
-                </a:solidFill>
-                <a:latin typeface="Consolas" panose="020B0609020204030204" pitchFamily="49" charset="0"/>
-              </a:rPr>
-              <a:t>myenv</a:t>
-            </a:r>
-            <a:r>
-              <a:rPr lang="en-US" b="1" dirty="0">
-                <a:solidFill>
-                  <a:srgbClr val="00B0F0"/>
-                </a:solidFill>
-                <a:latin typeface="Consolas" panose="020B0609020204030204" pitchFamily="49" charset="0"/>
-              </a:rPr>
-              <a:t>" environment after finishing the dev</a:t>
-            </a:r>
-          </a:p>
-          <a:p>
-            <a:r>
-              <a:rPr lang="en-US" b="0" dirty="0" err="1">
+              <a:t>…</a:t>
+            </a:r>
+            <a:br>
+              <a:rPr lang="en-US" dirty="0">
                 <a:solidFill>
                   <a:srgbClr val="FFFFFF"/>
                 </a:solidFill>
                 <a:effectLst/>
                 <a:latin typeface="Consolas" panose="020B0609020204030204" pitchFamily="49" charset="0"/>
               </a:rPr>
-              <a:t>conda</a:t>
-            </a:r>
-            <a:r>
-              <a:rPr lang="en-US" b="0" dirty="0">
+            </a:br>
+            <a:r>
+              <a:rPr lang="en-US" dirty="0">
+                <a:solidFill>
+                  <a:srgbClr val="00B0F0"/>
+                </a:solidFill>
+                <a:latin typeface="Consolas" panose="020B0609020204030204" pitchFamily="49" charset="0"/>
+              </a:rPr>
+              <a:t># 4. Deactivate "MY_ENV" environment after finishing the dev</a:t>
+            </a:r>
+          </a:p>
+          <a:p>
+            <a:r>
+              <a:rPr lang="en-US" b="1" dirty="0" err="1">
                 <a:solidFill>
                   <a:srgbClr val="FFFFFF"/>
                 </a:solidFill>
                 <a:effectLst/>
                 <a:latin typeface="Consolas" panose="020B0609020204030204" pitchFamily="49" charset="0"/>
               </a:rPr>
+              <a:t>conda</a:t>
+            </a:r>
+            <a:r>
+              <a:rPr lang="en-US" b="1" dirty="0">
+                <a:solidFill>
+                  <a:srgbClr val="FFFFFF"/>
+                </a:solidFill>
+                <a:effectLst/>
+                <a:latin typeface="Consolas" panose="020B0609020204030204" pitchFamily="49" charset="0"/>
+              </a:rPr>
               <a:t> deactivate</a:t>
             </a:r>
+          </a:p>
+          <a:p>
+            <a:endParaRPr lang="en-US" dirty="0">
+              <a:solidFill>
+                <a:srgbClr val="FFFFFF"/>
+              </a:solidFill>
+              <a:effectLst/>
+              <a:latin typeface="Consolas" panose="020B0609020204030204" pitchFamily="49" charset="0"/>
+            </a:endParaRPr>
           </a:p>
         </p:txBody>
       </p:sp>
       <p:pic>
         <p:nvPicPr>
-          <p:cNvPr id="14" name="Picture 13">
+          <p:cNvPr id="5" name="Picture 4">
             <a:extLst>
               <a:ext uri="{FF2B5EF4-FFF2-40B4-BE49-F238E27FC236}">
-                <a16:creationId xmlns:a16="http://schemas.microsoft.com/office/drawing/2014/main" id="{AF5F8A6E-99A8-577A-527A-B8046170E828}"/>
+                <a16:creationId xmlns:a16="http://schemas.microsoft.com/office/drawing/2014/main" id="{0C96E8E3-B74F-53B3-6F21-799B7A38CB74}"/>
               </a:ext>
             </a:extLst>
           </p:cNvPr>
@@ -8288,8 +8839,8 @@
         </p:blipFill>
         <p:spPr>
           <a:xfrm>
-            <a:off x="4444125" y="3799933"/>
-            <a:ext cx="3057525" cy="190500"/>
+            <a:off x="1569978" y="4104359"/>
+            <a:ext cx="2590800" cy="180975"/>
           </a:xfrm>
           <a:prstGeom prst="rect">
             <a:avLst/>
@@ -8298,10 +8849,10 @@
       </p:pic>
       <p:pic>
         <p:nvPicPr>
-          <p:cNvPr id="16" name="Picture 15">
+          <p:cNvPr id="8" name="Picture 7">
             <a:extLst>
               <a:ext uri="{FF2B5EF4-FFF2-40B4-BE49-F238E27FC236}">
-                <a16:creationId xmlns:a16="http://schemas.microsoft.com/office/drawing/2014/main" id="{72745D8A-E3FB-1B46-575B-6EAF3D65595C}"/>
+                <a16:creationId xmlns:a16="http://schemas.microsoft.com/office/drawing/2014/main" id="{7E64064C-0CC3-4A61-2D69-49A3941343BD}"/>
               </a:ext>
             </a:extLst>
           </p:cNvPr>
@@ -8318,8 +8869,8 @@
         </p:blipFill>
         <p:spPr>
           <a:xfrm>
-            <a:off x="3966718" y="5158025"/>
-            <a:ext cx="2981325" cy="190500"/>
+            <a:off x="1655703" y="5733836"/>
+            <a:ext cx="2419350" cy="180975"/>
           </a:xfrm>
           <a:prstGeom prst="rect">
             <a:avLst/>
@@ -8405,439 +8956,6 @@
                       </p:childTnLst>
                     </p:cTn>
                   </p:par>
-                  <p:par>
-                    <p:cTn id="8" fill="hold">
-                      <p:stCondLst>
-                        <p:cond delay="indefinite"/>
-                      </p:stCondLst>
-                      <p:childTnLst>
-                        <p:par>
-                          <p:cTn id="9" fill="hold">
-                            <p:stCondLst>
-                              <p:cond delay="0"/>
-                            </p:stCondLst>
-                            <p:childTnLst>
-                              <p:par>
-                                <p:cTn id="10" presetID="10" presetClass="entr" presetSubtype="0" fill="hold" grpId="0" nodeType="clickEffect">
-                                  <p:stCondLst>
-                                    <p:cond delay="0"/>
-                                  </p:stCondLst>
-                                  <p:childTnLst>
-                                    <p:set>
-                                      <p:cBhvr>
-                                        <p:cTn id="11" dur="1" fill="hold">
-                                          <p:stCondLst>
-                                            <p:cond delay="0"/>
-                                          </p:stCondLst>
-                                        </p:cTn>
-                                        <p:tgtEl>
-                                          <p:spTgt spid="7"/>
-                                        </p:tgtEl>
-                                        <p:attrNameLst>
-                                          <p:attrName>style.visibility</p:attrName>
-                                        </p:attrNameLst>
-                                      </p:cBhvr>
-                                      <p:to>
-                                        <p:strVal val="visible"/>
-                                      </p:to>
-                                    </p:set>
-                                    <p:animEffect transition="in" filter="fade">
-                                      <p:cBhvr>
-                                        <p:cTn id="12" dur="500"/>
-                                        <p:tgtEl>
-                                          <p:spTgt spid="7"/>
-                                        </p:tgtEl>
-                                      </p:cBhvr>
-                                    </p:animEffect>
-                                  </p:childTnLst>
-                                </p:cTn>
-                              </p:par>
-                              <p:par>
-                                <p:cTn id="13" presetID="1" presetClass="entr" presetSubtype="0" fill="hold" nodeType="withEffect">
-                                  <p:stCondLst>
-                                    <p:cond delay="0"/>
-                                  </p:stCondLst>
-                                  <p:iterate type="wd">
-                                    <p:tmAbs val="20"/>
-                                  </p:iterate>
-                                  <p:childTnLst>
-                                    <p:set>
-                                      <p:cBhvr>
-                                        <p:cTn id="14" dur="1" fill="hold">
-                                          <p:stCondLst>
-                                            <p:cond delay="0"/>
-                                          </p:stCondLst>
-                                        </p:cTn>
-                                        <p:tgtEl>
-                                          <p:spTgt spid="7">
-                                            <p:txEl>
-                                              <p:pRg st="0" end="0"/>
-                                            </p:txEl>
-                                          </p:spTgt>
-                                        </p:tgtEl>
-                                        <p:attrNameLst>
-                                          <p:attrName>style.visibility</p:attrName>
-                                        </p:attrNameLst>
-                                      </p:cBhvr>
-                                      <p:to>
-                                        <p:strVal val="visible"/>
-                                      </p:to>
-                                    </p:set>
-                                  </p:childTnLst>
-                                </p:cTn>
-                              </p:par>
-                            </p:childTnLst>
-                          </p:cTn>
-                        </p:par>
-                        <p:par>
-                          <p:cTn id="15" fill="hold">
-                            <p:stCondLst>
-                              <p:cond delay="500"/>
-                            </p:stCondLst>
-                            <p:childTnLst>
-                              <p:par>
-                                <p:cTn id="16" presetID="1" presetClass="entr" presetSubtype="0" fill="hold" nodeType="afterEffect">
-                                  <p:stCondLst>
-                                    <p:cond delay="0"/>
-                                  </p:stCondLst>
-                                  <p:iterate type="wd">
-                                    <p:tmAbs val="20"/>
-                                  </p:iterate>
-                                  <p:childTnLst>
-                                    <p:set>
-                                      <p:cBhvr>
-                                        <p:cTn id="17" dur="1" fill="hold">
-                                          <p:stCondLst>
-                                            <p:cond delay="0"/>
-                                          </p:stCondLst>
-                                        </p:cTn>
-                                        <p:tgtEl>
-                                          <p:spTgt spid="7">
-                                            <p:txEl>
-                                              <p:pRg st="1" end="1"/>
-                                            </p:txEl>
-                                          </p:spTgt>
-                                        </p:tgtEl>
-                                        <p:attrNameLst>
-                                          <p:attrName>style.visibility</p:attrName>
-                                        </p:attrNameLst>
-                                      </p:cBhvr>
-                                      <p:to>
-                                        <p:strVal val="visible"/>
-                                      </p:to>
-                                    </p:set>
-                                  </p:childTnLst>
-                                </p:cTn>
-                              </p:par>
-                            </p:childTnLst>
-                          </p:cTn>
-                        </p:par>
-                        <p:par>
-                          <p:cTn id="18" fill="hold">
-                            <p:stCondLst>
-                              <p:cond delay="641"/>
-                            </p:stCondLst>
-                            <p:childTnLst>
-                              <p:par>
-                                <p:cTn id="19" presetID="1" presetClass="entr" presetSubtype="0" fill="hold" nodeType="afterEffect">
-                                  <p:stCondLst>
-                                    <p:cond delay="0"/>
-                                  </p:stCondLst>
-                                  <p:iterate type="wd">
-                                    <p:tmAbs val="20"/>
-                                  </p:iterate>
-                                  <p:childTnLst>
-                                    <p:set>
-                                      <p:cBhvr>
-                                        <p:cTn id="20" dur="1" fill="hold">
-                                          <p:stCondLst>
-                                            <p:cond delay="0"/>
-                                          </p:stCondLst>
-                                        </p:cTn>
-                                        <p:tgtEl>
-                                          <p:spTgt spid="7">
-                                            <p:txEl>
-                                              <p:pRg st="2" end="2"/>
-                                            </p:txEl>
-                                          </p:spTgt>
-                                        </p:tgtEl>
-                                        <p:attrNameLst>
-                                          <p:attrName>style.visibility</p:attrName>
-                                        </p:attrNameLst>
-                                      </p:cBhvr>
-                                      <p:to>
-                                        <p:strVal val="visible"/>
-                                      </p:to>
-                                    </p:set>
-                                  </p:childTnLst>
-                                </p:cTn>
-                              </p:par>
-                            </p:childTnLst>
-                          </p:cTn>
-                        </p:par>
-                        <p:par>
-                          <p:cTn id="21" fill="hold">
-                            <p:stCondLst>
-                              <p:cond delay="742"/>
-                            </p:stCondLst>
-                            <p:childTnLst>
-                              <p:par>
-                                <p:cTn id="22" presetID="1" presetClass="entr" presetSubtype="0" fill="hold" nodeType="afterEffect">
-                                  <p:stCondLst>
-                                    <p:cond delay="0"/>
-                                  </p:stCondLst>
-                                  <p:iterate type="wd">
-                                    <p:tmAbs val="20"/>
-                                  </p:iterate>
-                                  <p:childTnLst>
-                                    <p:set>
-                                      <p:cBhvr>
-                                        <p:cTn id="23" dur="1" fill="hold">
-                                          <p:stCondLst>
-                                            <p:cond delay="0"/>
-                                          </p:stCondLst>
-                                        </p:cTn>
-                                        <p:tgtEl>
-                                          <p:spTgt spid="7">
-                                            <p:txEl>
-                                              <p:pRg st="3" end="3"/>
-                                            </p:txEl>
-                                          </p:spTgt>
-                                        </p:tgtEl>
-                                        <p:attrNameLst>
-                                          <p:attrName>style.visibility</p:attrName>
-                                        </p:attrNameLst>
-                                      </p:cBhvr>
-                                      <p:to>
-                                        <p:strVal val="visible"/>
-                                      </p:to>
-                                    </p:set>
-                                  </p:childTnLst>
-                                </p:cTn>
-                              </p:par>
-                            </p:childTnLst>
-                          </p:cTn>
-                        </p:par>
-                        <p:par>
-                          <p:cTn id="24" fill="hold">
-                            <p:stCondLst>
-                              <p:cond delay="783"/>
-                            </p:stCondLst>
-                            <p:childTnLst>
-                              <p:par>
-                                <p:cTn id="25" presetID="1" presetClass="entr" presetSubtype="0" fill="hold" nodeType="afterEffect">
-                                  <p:stCondLst>
-                                    <p:cond delay="0"/>
-                                  </p:stCondLst>
-                                  <p:iterate type="wd">
-                                    <p:tmAbs val="20"/>
-                                  </p:iterate>
-                                  <p:childTnLst>
-                                    <p:set>
-                                      <p:cBhvr>
-                                        <p:cTn id="26" dur="1" fill="hold">
-                                          <p:stCondLst>
-                                            <p:cond delay="0"/>
-                                          </p:stCondLst>
-                                        </p:cTn>
-                                        <p:tgtEl>
-                                          <p:spTgt spid="7">
-                                            <p:txEl>
-                                              <p:pRg st="5" end="5"/>
-                                            </p:txEl>
-                                          </p:spTgt>
-                                        </p:tgtEl>
-                                        <p:attrNameLst>
-                                          <p:attrName>style.visibility</p:attrName>
-                                        </p:attrNameLst>
-                                      </p:cBhvr>
-                                      <p:to>
-                                        <p:strVal val="visible"/>
-                                      </p:to>
-                                    </p:set>
-                                  </p:childTnLst>
-                                </p:cTn>
-                              </p:par>
-                            </p:childTnLst>
-                          </p:cTn>
-                        </p:par>
-                        <p:par>
-                          <p:cTn id="27" fill="hold">
-                            <p:stCondLst>
-                              <p:cond delay="1024"/>
-                            </p:stCondLst>
-                            <p:childTnLst>
-                              <p:par>
-                                <p:cTn id="28" presetID="1" presetClass="entr" presetSubtype="0" fill="hold" nodeType="afterEffect">
-                                  <p:stCondLst>
-                                    <p:cond delay="0"/>
-                                  </p:stCondLst>
-                                  <p:iterate type="wd">
-                                    <p:tmAbs val="20"/>
-                                  </p:iterate>
-                                  <p:childTnLst>
-                                    <p:set>
-                                      <p:cBhvr>
-                                        <p:cTn id="29" dur="1" fill="hold">
-                                          <p:stCondLst>
-                                            <p:cond delay="0"/>
-                                          </p:stCondLst>
-                                        </p:cTn>
-                                        <p:tgtEl>
-                                          <p:spTgt spid="7">
-                                            <p:txEl>
-                                              <p:pRg st="6" end="6"/>
-                                            </p:txEl>
-                                          </p:spTgt>
-                                        </p:tgtEl>
-                                        <p:attrNameLst>
-                                          <p:attrName>style.visibility</p:attrName>
-                                        </p:attrNameLst>
-                                      </p:cBhvr>
-                                      <p:to>
-                                        <p:strVal val="visible"/>
-                                      </p:to>
-                                    </p:set>
-                                  </p:childTnLst>
-                                </p:cTn>
-                              </p:par>
-                            </p:childTnLst>
-                          </p:cTn>
-                        </p:par>
-                        <p:par>
-                          <p:cTn id="30" fill="hold">
-                            <p:stCondLst>
-                              <p:cond delay="1205"/>
-                            </p:stCondLst>
-                            <p:childTnLst>
-                              <p:par>
-                                <p:cTn id="31" presetID="1" presetClass="entr" presetSubtype="0" fill="hold" nodeType="afterEffect">
-                                  <p:stCondLst>
-                                    <p:cond delay="0"/>
-                                  </p:stCondLst>
-                                  <p:iterate type="wd">
-                                    <p:tmAbs val="20"/>
-                                  </p:iterate>
-                                  <p:childTnLst>
-                                    <p:set>
-                                      <p:cBhvr>
-                                        <p:cTn id="32" dur="1" fill="hold">
-                                          <p:stCondLst>
-                                            <p:cond delay="0"/>
-                                          </p:stCondLst>
-                                        </p:cTn>
-                                        <p:tgtEl>
-                                          <p:spTgt spid="7">
-                                            <p:txEl>
-                                              <p:pRg st="7" end="7"/>
-                                            </p:txEl>
-                                          </p:spTgt>
-                                        </p:tgtEl>
-                                        <p:attrNameLst>
-                                          <p:attrName>style.visibility</p:attrName>
-                                        </p:attrNameLst>
-                                      </p:cBhvr>
-                                      <p:to>
-                                        <p:strVal val="visible"/>
-                                      </p:to>
-                                    </p:set>
-                                  </p:childTnLst>
-                                </p:cTn>
-                              </p:par>
-                            </p:childTnLst>
-                          </p:cTn>
-                        </p:par>
-                      </p:childTnLst>
-                    </p:cTn>
-                  </p:par>
-                  <p:par>
-                    <p:cTn id="33" fill="hold">
-                      <p:stCondLst>
-                        <p:cond delay="indefinite"/>
-                      </p:stCondLst>
-                      <p:childTnLst>
-                        <p:par>
-                          <p:cTn id="34" fill="hold">
-                            <p:stCondLst>
-                              <p:cond delay="0"/>
-                            </p:stCondLst>
-                            <p:childTnLst>
-                              <p:par>
-                                <p:cTn id="35" presetID="10" presetClass="entr" presetSubtype="0" fill="hold" nodeType="clickEffect">
-                                  <p:stCondLst>
-                                    <p:cond delay="0"/>
-                                  </p:stCondLst>
-                                  <p:childTnLst>
-                                    <p:set>
-                                      <p:cBhvr>
-                                        <p:cTn id="36" dur="1" fill="hold">
-                                          <p:stCondLst>
-                                            <p:cond delay="0"/>
-                                          </p:stCondLst>
-                                        </p:cTn>
-                                        <p:tgtEl>
-                                          <p:spTgt spid="14"/>
-                                        </p:tgtEl>
-                                        <p:attrNameLst>
-                                          <p:attrName>style.visibility</p:attrName>
-                                        </p:attrNameLst>
-                                      </p:cBhvr>
-                                      <p:to>
-                                        <p:strVal val="visible"/>
-                                      </p:to>
-                                    </p:set>
-                                    <p:animEffect transition="in" filter="fade">
-                                      <p:cBhvr>
-                                        <p:cTn id="37" dur="500"/>
-                                        <p:tgtEl>
-                                          <p:spTgt spid="14"/>
-                                        </p:tgtEl>
-                                      </p:cBhvr>
-                                    </p:animEffect>
-                                  </p:childTnLst>
-                                </p:cTn>
-                              </p:par>
-                              <p:par>
-                                <p:cTn id="38" presetID="10" presetClass="entr" presetSubtype="0" fill="hold" nodeType="withEffect">
-                                  <p:stCondLst>
-                                    <p:cond delay="0"/>
-                                  </p:stCondLst>
-                                  <p:childTnLst>
-                                    <p:set>
-                                      <p:cBhvr>
-                                        <p:cTn id="39" dur="1" fill="hold">
-                                          <p:stCondLst>
-                                            <p:cond delay="0"/>
-                                          </p:stCondLst>
-                                        </p:cTn>
-                                        <p:tgtEl>
-                                          <p:spTgt spid="16"/>
-                                        </p:tgtEl>
-                                        <p:attrNameLst>
-                                          <p:attrName>style.visibility</p:attrName>
-                                        </p:attrNameLst>
-                                      </p:cBhvr>
-                                      <p:to>
-                                        <p:strVal val="visible"/>
-                                      </p:to>
-                                    </p:set>
-                                    <p:animEffect transition="in" filter="fade">
-                                      <p:cBhvr>
-                                        <p:cTn id="40" dur="500"/>
-                                        <p:tgtEl>
-                                          <p:spTgt spid="16"/>
-                                        </p:tgtEl>
-                                      </p:cBhvr>
-                                    </p:animEffect>
-                                  </p:childTnLst>
-                                </p:cTn>
-                              </p:par>
-                            </p:childTnLst>
-                          </p:cTn>
-                        </p:par>
-                      </p:childTnLst>
-                    </p:cTn>
-                  </p:par>
                 </p:childTnLst>
               </p:cTn>
               <p:prevCondLst>
@@ -8859,113 +8977,11 @@
         </p:cTn>
       </p:par>
     </p:tnLst>
-    <p:bldLst>
-      <p:bldP spid="7" grpId="0" animBg="1"/>
-    </p:bldLst>
   </p:timing>
 </p:sld>
 </file>
 
-<file path=ppt/slides/slide2.xml><?xml version="1.0" encoding="utf-8"?>
-<p:sld xmlns:a="http://schemas.openxmlformats.org/drawingml/2006/main" xmlns:r="http://schemas.openxmlformats.org/officeDocument/2006/relationships" xmlns:p="http://schemas.openxmlformats.org/presentationml/2006/main">
-  <p:cSld>
-    <p:spTree>
-      <p:nvGrpSpPr>
-        <p:cNvPr id="1" name=""/>
-        <p:cNvGrpSpPr/>
-        <p:nvPr/>
-      </p:nvGrpSpPr>
-      <p:grpSpPr>
-        <a:xfrm>
-          <a:off x="0" y="0"/>
-          <a:ext cx="0" cy="0"/>
-          <a:chOff x="0" y="0"/>
-          <a:chExt cx="0" cy="0"/>
-        </a:xfrm>
-      </p:grpSpPr>
-      <p:sp>
-        <p:nvSpPr>
-          <p:cNvPr id="42" name="Title 1">
-            <a:extLst>
-              <a:ext uri="{FF2B5EF4-FFF2-40B4-BE49-F238E27FC236}">
-                <a16:creationId xmlns:a16="http://schemas.microsoft.com/office/drawing/2014/main" id="{53AD96E6-67B2-02CD-F910-420EA60CDC1C}"/>
-              </a:ext>
-            </a:extLst>
-          </p:cNvPr>
-          <p:cNvSpPr>
-            <a:spLocks noGrp="1"/>
-          </p:cNvSpPr>
-          <p:nvPr>
-            <p:ph type="title"/>
-          </p:nvPr>
-        </p:nvSpPr>
-        <p:spPr>
-          <a:xfrm>
-            <a:off x="838200" y="365125"/>
-            <a:ext cx="11036300" cy="1325563"/>
-          </a:xfrm>
-        </p:spPr>
-        <p:txBody>
-          <a:bodyPr/>
-          <a:lstStyle/>
-          <a:p>
-            <a:r>
-              <a:rPr lang="en-US" dirty="0"/>
-              <a:t>Software Prerequisites for Python Projects</a:t>
-            </a:r>
-          </a:p>
-        </p:txBody>
-      </p:sp>
-      <p:pic>
-        <p:nvPicPr>
-          <p:cNvPr id="5" name="Picture 4" descr="A blue and yellow snake logo&#10;&#10;Description automatically generated">
-            <a:extLst>
-              <a:ext uri="{FF2B5EF4-FFF2-40B4-BE49-F238E27FC236}">
-                <a16:creationId xmlns:a16="http://schemas.microsoft.com/office/drawing/2014/main" id="{F66A0DBE-F9EE-71E1-EB03-2EAE29914608}"/>
-              </a:ext>
-            </a:extLst>
-          </p:cNvPr>
-          <p:cNvPicPr>
-            <a:picLocks noChangeAspect="1"/>
-          </p:cNvPicPr>
-          <p:nvPr/>
-        </p:nvPicPr>
-        <p:blipFill>
-          <a:blip r:embed="rId3">
-            <a:extLst>
-              <a:ext uri="{28A0092B-C50C-407E-A947-70E740481C1C}">
-                <a14:useLocalDpi xmlns:a14="http://schemas.microsoft.com/office/drawing/2010/main" val="0"/>
-              </a:ext>
-            </a:extLst>
-          </a:blip>
-          <a:stretch>
-            <a:fillRect/>
-          </a:stretch>
-        </p:blipFill>
-        <p:spPr>
-          <a:xfrm>
-            <a:off x="11353800" y="543876"/>
-            <a:ext cx="341829" cy="376173"/>
-          </a:xfrm>
-          <a:prstGeom prst="rect">
-            <a:avLst/>
-          </a:prstGeom>
-        </p:spPr>
-      </p:pic>
-    </p:spTree>
-    <p:extLst>
-      <p:ext uri="{BB962C8B-B14F-4D97-AF65-F5344CB8AC3E}">
-        <p14:creationId xmlns:p14="http://schemas.microsoft.com/office/powerpoint/2010/main" val="815458470"/>
-      </p:ext>
-    </p:extLst>
-  </p:cSld>
-  <p:clrMapOvr>
-    <a:masterClrMapping/>
-  </p:clrMapOvr>
-</p:sld>
-</file>
-
-<file path=ppt/slides/slide20.xml><?xml version="1.0" encoding="utf-8"?>
+<file path=ppt/slides/slide26.xml><?xml version="1.0" encoding="utf-8"?>
 <p:sld xmlns:a="http://schemas.openxmlformats.org/drawingml/2006/main" xmlns:r="http://schemas.openxmlformats.org/officeDocument/2006/relationships" xmlns:p="http://schemas.openxmlformats.org/presentationml/2006/main">
   <p:cSld>
     <p:spTree>
@@ -9048,7 +9064,7 @@
 </p:sld>
 </file>
 
-<file path=ppt/slides/slide21.xml><?xml version="1.0" encoding="utf-8"?>
+<file path=ppt/slides/slide27.xml><?xml version="1.0" encoding="utf-8"?>
 <p:sld xmlns:a="http://schemas.openxmlformats.org/drawingml/2006/main" xmlns:r="http://schemas.openxmlformats.org/officeDocument/2006/relationships" xmlns:p="http://schemas.openxmlformats.org/presentationml/2006/main">
   <p:cSld>
     <p:spTree>
@@ -9752,7 +9768,7 @@
 </p:sld>
 </file>
 
-<file path=ppt/slides/slide22.xml><?xml version="1.0" encoding="utf-8"?>
+<file path=ppt/slides/slide28.xml><?xml version="1.0" encoding="utf-8"?>
 <p:sld xmlns:a="http://schemas.openxmlformats.org/drawingml/2006/main" xmlns:r="http://schemas.openxmlformats.org/officeDocument/2006/relationships" xmlns:p="http://schemas.openxmlformats.org/presentationml/2006/main">
   <p:cSld>
     <p:spTree>
@@ -9792,7 +9808,7 @@
           <a:p>
             <a:r>
               <a:rPr lang="en-US" dirty="0"/>
-              <a:t>Pieces of Software Used in This Course</a:t>
+              <a:t>What I Used in This Course</a:t>
             </a:r>
           </a:p>
         </p:txBody>
@@ -9835,7 +9851,7 @@
 </p:sld>
 </file>
 
-<file path=ppt/slides/slide23.xml><?xml version="1.0" encoding="utf-8"?>
+<file path=ppt/slides/slide29.xml><?xml version="1.0" encoding="utf-8"?>
 <p:sld xmlns:a="http://schemas.openxmlformats.org/drawingml/2006/main" xmlns:r="http://schemas.openxmlformats.org/officeDocument/2006/relationships" xmlns:p="http://schemas.openxmlformats.org/presentationml/2006/main">
   <p:cSld>
     <p:spTree>
@@ -9875,7 +9891,7 @@
           <a:p>
             <a:r>
               <a:rPr lang="en-US" dirty="0"/>
-              <a:t>Pieces of Software Used in This Course</a:t>
+              <a:t>What I Used in This Course</a:t>
             </a:r>
           </a:p>
         </p:txBody>
@@ -10266,7 +10282,7 @@
         </p:nvSpPr>
         <p:spPr>
           <a:xfrm>
-            <a:off x="6096000" y="4591672"/>
+            <a:off x="6258370" y="4582806"/>
             <a:ext cx="5013533" cy="646331"/>
           </a:xfrm>
           <a:prstGeom prst="rect">
@@ -11150,6 +11166,693 @@
       </p:grpSpPr>
       <p:sp>
         <p:nvSpPr>
+          <p:cNvPr id="2" name="Title 1">
+            <a:extLst>
+              <a:ext uri="{FF2B5EF4-FFF2-40B4-BE49-F238E27FC236}">
+                <a16:creationId xmlns:a16="http://schemas.microsoft.com/office/drawing/2014/main" id="{8E09955B-17A2-D262-34D0-16BBB8111D41}"/>
+              </a:ext>
+            </a:extLst>
+          </p:cNvPr>
+          <p:cNvSpPr>
+            <a:spLocks noGrp="1"/>
+          </p:cNvSpPr>
+          <p:nvPr>
+            <p:ph type="title"/>
+          </p:nvPr>
+        </p:nvSpPr>
+        <p:spPr/>
+        <p:txBody>
+          <a:bodyPr/>
+          <a:lstStyle/>
+          <a:p>
+            <a:r>
+              <a:rPr lang="en-US" dirty="0"/>
+              <a:t>Overview of Software Prerequisites for Python Projects</a:t>
+            </a:r>
+          </a:p>
+        </p:txBody>
+      </p:sp>
+      <p:sp>
+        <p:nvSpPr>
+          <p:cNvPr id="3" name="Text Placeholder 2">
+            <a:extLst>
+              <a:ext uri="{FF2B5EF4-FFF2-40B4-BE49-F238E27FC236}">
+                <a16:creationId xmlns:a16="http://schemas.microsoft.com/office/drawing/2014/main" id="{F7EEA1E1-48FC-C314-B52E-6EC62BF8E3CE}"/>
+              </a:ext>
+            </a:extLst>
+          </p:cNvPr>
+          <p:cNvSpPr>
+            <a:spLocks noGrp="1"/>
+          </p:cNvSpPr>
+          <p:nvPr>
+            <p:ph type="body" idx="1"/>
+          </p:nvPr>
+        </p:nvSpPr>
+        <p:spPr/>
+        <p:txBody>
+          <a:bodyPr/>
+          <a:lstStyle/>
+          <a:p>
+            <a:endParaRPr lang="en-US"/>
+          </a:p>
+        </p:txBody>
+      </p:sp>
+    </p:spTree>
+    <p:extLst>
+      <p:ext uri="{BB962C8B-B14F-4D97-AF65-F5344CB8AC3E}">
+        <p14:creationId xmlns:p14="http://schemas.microsoft.com/office/powerpoint/2010/main" val="2409527440"/>
+      </p:ext>
+    </p:extLst>
+  </p:cSld>
+  <p:clrMapOvr>
+    <a:masterClrMapping/>
+  </p:clrMapOvr>
+</p:sld>
+</file>
+
+<file path=ppt/slides/slide4.xml><?xml version="1.0" encoding="utf-8"?>
+<p:sld xmlns:a="http://schemas.openxmlformats.org/drawingml/2006/main" xmlns:r="http://schemas.openxmlformats.org/officeDocument/2006/relationships" xmlns:p="http://schemas.openxmlformats.org/presentationml/2006/main">
+  <p:cSld>
+    <p:spTree>
+      <p:nvGrpSpPr>
+        <p:cNvPr id="1" name=""/>
+        <p:cNvGrpSpPr/>
+        <p:nvPr/>
+      </p:nvGrpSpPr>
+      <p:grpSpPr>
+        <a:xfrm>
+          <a:off x="0" y="0"/>
+          <a:ext cx="0" cy="0"/>
+          <a:chOff x="0" y="0"/>
+          <a:chExt cx="0" cy="0"/>
+        </a:xfrm>
+      </p:grpSpPr>
+      <p:sp>
+        <p:nvSpPr>
+          <p:cNvPr id="42" name="Title 1">
+            <a:extLst>
+              <a:ext uri="{FF2B5EF4-FFF2-40B4-BE49-F238E27FC236}">
+                <a16:creationId xmlns:a16="http://schemas.microsoft.com/office/drawing/2014/main" id="{53AD96E6-67B2-02CD-F910-420EA60CDC1C}"/>
+              </a:ext>
+            </a:extLst>
+          </p:cNvPr>
+          <p:cNvSpPr>
+            <a:spLocks noGrp="1"/>
+          </p:cNvSpPr>
+          <p:nvPr>
+            <p:ph type="title"/>
+          </p:nvPr>
+        </p:nvSpPr>
+        <p:spPr>
+          <a:xfrm>
+            <a:off x="838200" y="365125"/>
+            <a:ext cx="11036300" cy="1325563"/>
+          </a:xfrm>
+        </p:spPr>
+        <p:txBody>
+          <a:bodyPr/>
+          <a:lstStyle/>
+          <a:p>
+            <a:r>
+              <a:rPr lang="en-US" dirty="0"/>
+              <a:t>Software Prerequisites for Python Projects</a:t>
+            </a:r>
+          </a:p>
+        </p:txBody>
+      </p:sp>
+      <p:pic>
+        <p:nvPicPr>
+          <p:cNvPr id="5" name="Picture 4" descr="A blue and yellow snake logo&#10;&#10;Description automatically generated">
+            <a:extLst>
+              <a:ext uri="{FF2B5EF4-FFF2-40B4-BE49-F238E27FC236}">
+                <a16:creationId xmlns:a16="http://schemas.microsoft.com/office/drawing/2014/main" id="{F66A0DBE-F9EE-71E1-EB03-2EAE29914608}"/>
+              </a:ext>
+            </a:extLst>
+          </p:cNvPr>
+          <p:cNvPicPr>
+            <a:picLocks noChangeAspect="1"/>
+          </p:cNvPicPr>
+          <p:nvPr/>
+        </p:nvPicPr>
+        <p:blipFill>
+          <a:blip r:embed="rId8">
+            <a:extLst>
+              <a:ext uri="{28A0092B-C50C-407E-A947-70E740481C1C}">
+                <a14:useLocalDpi xmlns:a14="http://schemas.microsoft.com/office/drawing/2010/main" val="0"/>
+              </a:ext>
+            </a:extLst>
+          </a:blip>
+          <a:stretch>
+            <a:fillRect/>
+          </a:stretch>
+        </p:blipFill>
+        <p:spPr>
+          <a:xfrm>
+            <a:off x="11353800" y="543876"/>
+            <a:ext cx="341829" cy="376173"/>
+          </a:xfrm>
+          <a:prstGeom prst="rect">
+            <a:avLst/>
+          </a:prstGeom>
+        </p:spPr>
+      </p:pic>
+      <p:sp>
+        <p:nvSpPr>
+          <p:cNvPr id="2" name="Ellipse 7 - 1">
+            <a:extLst>
+              <a:ext uri="{FF2B5EF4-FFF2-40B4-BE49-F238E27FC236}">
+                <a16:creationId xmlns:a16="http://schemas.microsoft.com/office/drawing/2014/main" id="{41B9E61A-5446-3012-196B-417A28696394}"/>
+              </a:ext>
+            </a:extLst>
+          </p:cNvPr>
+          <p:cNvSpPr>
+            <a:spLocks noChangeAspect="1"/>
+          </p:cNvSpPr>
+          <p:nvPr>
+            <p:custDataLst>
+              <p:tags r:id="rId1"/>
+            </p:custDataLst>
+          </p:nvPr>
+        </p:nvSpPr>
+        <p:spPr>
+          <a:xfrm>
+            <a:off x="1066387" y="4802293"/>
+            <a:ext cx="832104" cy="832104"/>
+          </a:xfrm>
+          <a:prstGeom prst="ellipse">
+            <a:avLst/>
+          </a:prstGeom>
+          <a:solidFill>
+            <a:srgbClr val="002060"/>
+          </a:solidFill>
+          <a:ln w="12700" cap="flat" cmpd="sng" algn="ctr">
+            <a:noFill/>
+            <a:prstDash val="solid"/>
+            <a:miter lim="800000"/>
+          </a:ln>
+          <a:effectLst/>
+        </p:spPr>
+        <p:style>
+          <a:lnRef idx="2">
+            <a:schemeClr val="accent1">
+              <a:shade val="50000"/>
+            </a:schemeClr>
+          </a:lnRef>
+          <a:fillRef idx="1">
+            <a:schemeClr val="accent1"/>
+          </a:fillRef>
+          <a:effectRef idx="0">
+            <a:schemeClr val="accent1"/>
+          </a:effectRef>
+          <a:fontRef idx="minor">
+            <a:schemeClr val="lt1"/>
+          </a:fontRef>
+        </p:style>
+        <p:txBody>
+          <a:bodyPr rot="0" spcFirstLastPara="0" vertOverflow="overflow" horzOverflow="overflow" vert="horz" wrap="square" lIns="91440" tIns="45720" rIns="91440" bIns="45720" numCol="1" spcCol="0" rtlCol="0" fromWordArt="0" anchor="ctr" anchorCtr="0" forceAA="0" compatLnSpc="1">
+            <a:prstTxWarp prst="textNoShape">
+              <a:avLst/>
+            </a:prstTxWarp>
+            <a:noAutofit/>
+          </a:bodyPr>
+          <a:lstStyle/>
+          <a:p>
+            <a:pPr marL="0" marR="0" lvl="0" indent="0" algn="ctr" defTabSz="914400" rtl="0" eaLnBrk="1" fontAlgn="auto" latinLnBrk="0" hangingPunct="1">
+              <a:lnSpc>
+                <a:spcPct val="100000"/>
+              </a:lnSpc>
+              <a:spcBef>
+                <a:spcPts val="0"/>
+              </a:spcBef>
+              <a:spcAft>
+                <a:spcPts val="0"/>
+              </a:spcAft>
+              <a:buClrTx/>
+              <a:buSzTx/>
+              <a:buFontTx/>
+              <a:buNone/>
+              <a:tabLst/>
+              <a:defRPr/>
+            </a:pPr>
+            <a:r>
+              <a:rPr lang="en-US" sz="2800" b="1" dirty="0">
+                <a:solidFill>
+                  <a:srgbClr val="FFFFFF"/>
+                </a:solidFill>
+                <a:latin typeface="Avenir Next LT Pro"/>
+              </a:rPr>
+              <a:t>4</a:t>
+            </a:r>
+            <a:r>
+              <a:rPr kumimoji="0" lang="en-US" sz="2800" b="1" i="0" u="none" strike="noStrike" kern="1200" cap="none" spc="0" normalizeH="0" baseline="0" noProof="0" dirty="0">
+                <a:ln>
+                  <a:noFill/>
+                </a:ln>
+                <a:solidFill>
+                  <a:srgbClr val="FFFFFF"/>
+                </a:solidFill>
+                <a:effectLst/>
+                <a:uLnTx/>
+                <a:uFillTx/>
+                <a:latin typeface="Avenir Next LT Pro"/>
+                <a:ea typeface="+mn-ea"/>
+                <a:cs typeface="+mn-cs"/>
+              </a:rPr>
+              <a:t>.</a:t>
+            </a:r>
+            <a:endParaRPr kumimoji="0" lang="en-US" sz="2800" b="0" i="0" u="none" strike="noStrike" kern="1200" cap="none" spc="0" normalizeH="0" baseline="0" noProof="0" dirty="0">
+              <a:ln>
+                <a:noFill/>
+              </a:ln>
+              <a:solidFill>
+                <a:srgbClr val="FFFFFF"/>
+              </a:solidFill>
+              <a:effectLst/>
+              <a:uLnTx/>
+              <a:uFillTx/>
+              <a:latin typeface="Avenir Next LT Pro"/>
+              <a:ea typeface="+mn-ea"/>
+              <a:cs typeface="+mn-cs"/>
+            </a:endParaRPr>
+          </a:p>
+        </p:txBody>
+      </p:sp>
+      <p:sp>
+        <p:nvSpPr>
+          <p:cNvPr id="3" name="Ellipse 8">
+            <a:extLst>
+              <a:ext uri="{FF2B5EF4-FFF2-40B4-BE49-F238E27FC236}">
+                <a16:creationId xmlns:a16="http://schemas.microsoft.com/office/drawing/2014/main" id="{3AA891F7-B6FE-1032-B42E-7A42CBF8B7F7}"/>
+              </a:ext>
+            </a:extLst>
+          </p:cNvPr>
+          <p:cNvSpPr>
+            <a:spLocks noChangeAspect="1"/>
+          </p:cNvSpPr>
+          <p:nvPr>
+            <p:custDataLst>
+              <p:tags r:id="rId2"/>
+            </p:custDataLst>
+          </p:nvPr>
+        </p:nvSpPr>
+        <p:spPr>
+          <a:xfrm>
+            <a:off x="1066387" y="3701828"/>
+            <a:ext cx="832104" cy="832104"/>
+          </a:xfrm>
+          <a:prstGeom prst="ellipse">
+            <a:avLst/>
+          </a:prstGeom>
+          <a:solidFill>
+            <a:srgbClr val="002060"/>
+          </a:solidFill>
+          <a:ln w="12700" cap="flat" cmpd="sng" algn="ctr">
+            <a:noFill/>
+            <a:prstDash val="solid"/>
+            <a:miter lim="800000"/>
+          </a:ln>
+          <a:effectLst/>
+        </p:spPr>
+        <p:style>
+          <a:lnRef idx="2">
+            <a:schemeClr val="accent1">
+              <a:shade val="50000"/>
+            </a:schemeClr>
+          </a:lnRef>
+          <a:fillRef idx="1">
+            <a:schemeClr val="accent1"/>
+          </a:fillRef>
+          <a:effectRef idx="0">
+            <a:schemeClr val="accent1"/>
+          </a:effectRef>
+          <a:fontRef idx="minor">
+            <a:schemeClr val="lt1"/>
+          </a:fontRef>
+        </p:style>
+        <p:txBody>
+          <a:bodyPr rot="0" spcFirstLastPara="0" vertOverflow="overflow" horzOverflow="overflow" vert="horz" wrap="square" lIns="91440" tIns="45720" rIns="91440" bIns="45720" numCol="1" spcCol="0" rtlCol="0" fromWordArt="0" anchor="ctr" anchorCtr="0" forceAA="0" compatLnSpc="1">
+            <a:prstTxWarp prst="textNoShape">
+              <a:avLst/>
+            </a:prstTxWarp>
+            <a:noAutofit/>
+          </a:bodyPr>
+          <a:lstStyle/>
+          <a:p>
+            <a:pPr marL="0" marR="0" lvl="0" indent="0" algn="ctr" defTabSz="914400" rtl="0" eaLnBrk="1" fontAlgn="auto" latinLnBrk="0" hangingPunct="1">
+              <a:lnSpc>
+                <a:spcPct val="100000"/>
+              </a:lnSpc>
+              <a:spcBef>
+                <a:spcPts val="0"/>
+              </a:spcBef>
+              <a:spcAft>
+                <a:spcPts val="0"/>
+              </a:spcAft>
+              <a:buClrTx/>
+              <a:buSzTx/>
+              <a:buFontTx/>
+              <a:buNone/>
+              <a:tabLst/>
+              <a:defRPr/>
+            </a:pPr>
+            <a:r>
+              <a:rPr lang="en-US" sz="2800" b="1" dirty="0">
+                <a:solidFill>
+                  <a:srgbClr val="FFFFFF"/>
+                </a:solidFill>
+                <a:latin typeface="Avenir Next LT Pro"/>
+              </a:rPr>
+              <a:t>3</a:t>
+            </a:r>
+            <a:r>
+              <a:rPr kumimoji="0" lang="en-US" sz="2800" b="1" i="0" u="none" strike="noStrike" kern="1200" cap="none" spc="0" normalizeH="0" baseline="0" noProof="0" dirty="0">
+                <a:ln>
+                  <a:noFill/>
+                </a:ln>
+                <a:solidFill>
+                  <a:srgbClr val="FFFFFF"/>
+                </a:solidFill>
+                <a:effectLst/>
+                <a:uLnTx/>
+                <a:uFillTx/>
+                <a:latin typeface="Avenir Next LT Pro"/>
+                <a:ea typeface="+mn-ea"/>
+                <a:cs typeface="+mn-cs"/>
+              </a:rPr>
+              <a:t>.</a:t>
+            </a:r>
+            <a:endParaRPr kumimoji="0" lang="en-US" sz="2800" b="0" i="0" u="none" strike="noStrike" kern="1200" cap="none" spc="0" normalizeH="0" baseline="0" noProof="0" dirty="0">
+              <a:ln>
+                <a:noFill/>
+              </a:ln>
+              <a:solidFill>
+                <a:srgbClr val="FFFFFF"/>
+              </a:solidFill>
+              <a:effectLst/>
+              <a:uLnTx/>
+              <a:uFillTx/>
+              <a:latin typeface="Avenir Next LT Pro"/>
+              <a:ea typeface="+mn-ea"/>
+              <a:cs typeface="+mn-cs"/>
+            </a:endParaRPr>
+          </a:p>
+        </p:txBody>
+      </p:sp>
+      <p:sp>
+        <p:nvSpPr>
+          <p:cNvPr id="4" name="Ellipse 10">
+            <a:extLst>
+              <a:ext uri="{FF2B5EF4-FFF2-40B4-BE49-F238E27FC236}">
+                <a16:creationId xmlns:a16="http://schemas.microsoft.com/office/drawing/2014/main" id="{18EC2BC2-9160-A834-08A1-435978E7AADD}"/>
+              </a:ext>
+            </a:extLst>
+          </p:cNvPr>
+          <p:cNvSpPr>
+            <a:spLocks noChangeAspect="1"/>
+          </p:cNvSpPr>
+          <p:nvPr>
+            <p:custDataLst>
+              <p:tags r:id="rId3"/>
+            </p:custDataLst>
+          </p:nvPr>
+        </p:nvSpPr>
+        <p:spPr>
+          <a:xfrm>
+            <a:off x="1066387" y="2601363"/>
+            <a:ext cx="832104" cy="832104"/>
+          </a:xfrm>
+          <a:prstGeom prst="ellipse">
+            <a:avLst/>
+          </a:prstGeom>
+          <a:solidFill>
+            <a:srgbClr val="002060"/>
+          </a:solidFill>
+          <a:ln w="12700" cap="flat" cmpd="sng" algn="ctr">
+            <a:noFill/>
+            <a:prstDash val="solid"/>
+            <a:miter lim="800000"/>
+          </a:ln>
+          <a:effectLst/>
+        </p:spPr>
+        <p:style>
+          <a:lnRef idx="2">
+            <a:schemeClr val="accent1">
+              <a:shade val="50000"/>
+            </a:schemeClr>
+          </a:lnRef>
+          <a:fillRef idx="1">
+            <a:schemeClr val="accent1"/>
+          </a:fillRef>
+          <a:effectRef idx="0">
+            <a:schemeClr val="accent1"/>
+          </a:effectRef>
+          <a:fontRef idx="minor">
+            <a:schemeClr val="lt1"/>
+          </a:fontRef>
+        </p:style>
+        <p:txBody>
+          <a:bodyPr rot="0" spcFirstLastPara="0" vertOverflow="overflow" horzOverflow="overflow" vert="horz" wrap="square" lIns="91440" tIns="45720" rIns="91440" bIns="45720" numCol="1" spcCol="0" rtlCol="0" fromWordArt="0" anchor="ctr" anchorCtr="0" forceAA="0" compatLnSpc="1">
+            <a:prstTxWarp prst="textNoShape">
+              <a:avLst/>
+            </a:prstTxWarp>
+            <a:noAutofit/>
+          </a:bodyPr>
+          <a:lstStyle/>
+          <a:p>
+            <a:pPr algn="ctr"/>
+            <a:r>
+              <a:rPr lang="en-US" sz="2800" b="1" dirty="0">
+                <a:solidFill>
+                  <a:srgbClr val="FFFFFF"/>
+                </a:solidFill>
+              </a:rPr>
+              <a:t>2.</a:t>
+            </a:r>
+            <a:endParaRPr lang="en-US" sz="2800" dirty="0">
+              <a:solidFill>
+                <a:srgbClr val="FFFFFF"/>
+              </a:solidFill>
+            </a:endParaRPr>
+          </a:p>
+        </p:txBody>
+      </p:sp>
+      <p:sp>
+        <p:nvSpPr>
+          <p:cNvPr id="6" name="Ellipse 11">
+            <a:extLst>
+              <a:ext uri="{FF2B5EF4-FFF2-40B4-BE49-F238E27FC236}">
+                <a16:creationId xmlns:a16="http://schemas.microsoft.com/office/drawing/2014/main" id="{1E8CC62F-BE15-2F98-2F13-7E14FE082A71}"/>
+              </a:ext>
+            </a:extLst>
+          </p:cNvPr>
+          <p:cNvSpPr>
+            <a:spLocks noChangeAspect="1"/>
+          </p:cNvSpPr>
+          <p:nvPr>
+            <p:custDataLst>
+              <p:tags r:id="rId4"/>
+            </p:custDataLst>
+          </p:nvPr>
+        </p:nvSpPr>
+        <p:spPr>
+          <a:xfrm>
+            <a:off x="1066941" y="1502005"/>
+            <a:ext cx="830997" cy="830997"/>
+          </a:xfrm>
+          <a:prstGeom prst="ellipse">
+            <a:avLst/>
+          </a:prstGeom>
+          <a:solidFill>
+            <a:srgbClr val="002060"/>
+          </a:solidFill>
+          <a:ln w="12700" cap="flat" cmpd="sng" algn="ctr">
+            <a:noFill/>
+            <a:prstDash val="solid"/>
+            <a:miter lim="800000"/>
+          </a:ln>
+          <a:effectLst/>
+        </p:spPr>
+        <p:style>
+          <a:lnRef idx="2">
+            <a:schemeClr val="accent1">
+              <a:shade val="50000"/>
+            </a:schemeClr>
+          </a:lnRef>
+          <a:fillRef idx="1">
+            <a:schemeClr val="accent1"/>
+          </a:fillRef>
+          <a:effectRef idx="0">
+            <a:schemeClr val="accent1"/>
+          </a:effectRef>
+          <a:fontRef idx="minor">
+            <a:schemeClr val="lt1"/>
+          </a:fontRef>
+        </p:style>
+        <p:txBody>
+          <a:bodyPr rot="0" spcFirstLastPara="0" vertOverflow="overflow" horzOverflow="overflow" vert="horz" wrap="square" lIns="91440" tIns="45720" rIns="91440" bIns="45720" numCol="1" spcCol="0" rtlCol="0" fromWordArt="0" anchor="ctr" anchorCtr="0" forceAA="0" compatLnSpc="1">
+            <a:prstTxWarp prst="textNoShape">
+              <a:avLst/>
+            </a:prstTxWarp>
+            <a:noAutofit/>
+          </a:bodyPr>
+          <a:lstStyle/>
+          <a:p>
+            <a:pPr algn="ctr"/>
+            <a:r>
+              <a:rPr lang="en-US" sz="3200" b="1" dirty="0">
+                <a:solidFill>
+                  <a:srgbClr val="FFFFFF"/>
+                </a:solidFill>
+              </a:rPr>
+              <a:t>1.</a:t>
+            </a:r>
+          </a:p>
+        </p:txBody>
+      </p:sp>
+      <p:sp>
+        <p:nvSpPr>
+          <p:cNvPr id="7" name="Ellipse 7">
+            <a:extLst>
+              <a:ext uri="{FF2B5EF4-FFF2-40B4-BE49-F238E27FC236}">
+                <a16:creationId xmlns:a16="http://schemas.microsoft.com/office/drawing/2014/main" id="{C5A14950-1C2C-AB73-5414-38196362D8F1}"/>
+              </a:ext>
+            </a:extLst>
+          </p:cNvPr>
+          <p:cNvSpPr>
+            <a:spLocks noChangeAspect="1"/>
+          </p:cNvSpPr>
+          <p:nvPr>
+            <p:custDataLst>
+              <p:tags r:id="rId5"/>
+            </p:custDataLst>
+          </p:nvPr>
+        </p:nvSpPr>
+        <p:spPr>
+          <a:xfrm>
+            <a:off x="1066387" y="5902758"/>
+            <a:ext cx="832104" cy="832104"/>
+          </a:xfrm>
+          <a:prstGeom prst="ellipse">
+            <a:avLst/>
+          </a:prstGeom>
+          <a:solidFill>
+            <a:srgbClr val="002060"/>
+          </a:solidFill>
+          <a:ln w="12700" cap="flat" cmpd="sng" algn="ctr">
+            <a:noFill/>
+            <a:prstDash val="solid"/>
+            <a:miter lim="800000"/>
+          </a:ln>
+          <a:effectLst/>
+        </p:spPr>
+        <p:style>
+          <a:lnRef idx="2">
+            <a:schemeClr val="accent1">
+              <a:shade val="50000"/>
+            </a:schemeClr>
+          </a:lnRef>
+          <a:fillRef idx="1">
+            <a:schemeClr val="accent1"/>
+          </a:fillRef>
+          <a:effectRef idx="0">
+            <a:schemeClr val="accent1"/>
+          </a:effectRef>
+          <a:fontRef idx="minor">
+            <a:schemeClr val="lt1"/>
+          </a:fontRef>
+        </p:style>
+        <p:txBody>
+          <a:bodyPr rot="0" spcFirstLastPara="0" vertOverflow="overflow" horzOverflow="overflow" vert="horz" wrap="square" lIns="91440" tIns="45720" rIns="91440" bIns="45720" numCol="1" spcCol="0" rtlCol="0" fromWordArt="0" anchor="ctr" anchorCtr="0" forceAA="0" compatLnSpc="1">
+            <a:prstTxWarp prst="textNoShape">
+              <a:avLst/>
+            </a:prstTxWarp>
+            <a:noAutofit/>
+          </a:bodyPr>
+          <a:lstStyle/>
+          <a:p>
+            <a:pPr marL="0" marR="0" lvl="0" indent="0" algn="ctr" defTabSz="914400" rtl="0" eaLnBrk="1" fontAlgn="auto" latinLnBrk="0" hangingPunct="1">
+              <a:lnSpc>
+                <a:spcPct val="100000"/>
+              </a:lnSpc>
+              <a:spcBef>
+                <a:spcPts val="0"/>
+              </a:spcBef>
+              <a:spcAft>
+                <a:spcPts val="0"/>
+              </a:spcAft>
+              <a:buClrTx/>
+              <a:buSzTx/>
+              <a:buFontTx/>
+              <a:buNone/>
+              <a:tabLst/>
+              <a:defRPr/>
+            </a:pPr>
+            <a:r>
+              <a:rPr kumimoji="0" lang="en-US" sz="2800" b="1" i="0" u="none" strike="noStrike" kern="1200" cap="none" spc="0" normalizeH="0" baseline="0" noProof="0" dirty="0">
+                <a:ln>
+                  <a:noFill/>
+                </a:ln>
+                <a:solidFill>
+                  <a:srgbClr val="FFFFFF"/>
+                </a:solidFill>
+                <a:effectLst/>
+                <a:uLnTx/>
+                <a:uFillTx/>
+                <a:latin typeface="Avenir Next LT Pro"/>
+                <a:ea typeface="+mn-ea"/>
+                <a:cs typeface="+mn-cs"/>
+              </a:rPr>
+              <a:t>5.</a:t>
+            </a:r>
+            <a:endParaRPr kumimoji="0" lang="en-US" sz="2800" b="0" i="0" u="none" strike="noStrike" kern="1200" cap="none" spc="0" normalizeH="0" baseline="0" noProof="0" dirty="0">
+              <a:ln>
+                <a:noFill/>
+              </a:ln>
+              <a:solidFill>
+                <a:srgbClr val="FFFFFF"/>
+              </a:solidFill>
+              <a:effectLst/>
+              <a:uLnTx/>
+              <a:uFillTx/>
+              <a:latin typeface="Avenir Next LT Pro"/>
+              <a:ea typeface="+mn-ea"/>
+              <a:cs typeface="+mn-cs"/>
+            </a:endParaRPr>
+          </a:p>
+        </p:txBody>
+      </p:sp>
+    </p:spTree>
+    <p:extLst>
+      <p:ext uri="{BB962C8B-B14F-4D97-AF65-F5344CB8AC3E}">
+        <p14:creationId xmlns:p14="http://schemas.microsoft.com/office/powerpoint/2010/main" val="815458470"/>
+      </p:ext>
+    </p:extLst>
+  </p:cSld>
+  <p:clrMapOvr>
+    <a:masterClrMapping/>
+  </p:clrMapOvr>
+</p:sld>
+</file>
+
+<file path=ppt/slides/slide5.xml><?xml version="1.0" encoding="utf-8"?>
+<p:sld xmlns:a="http://schemas.openxmlformats.org/drawingml/2006/main" xmlns:r="http://schemas.openxmlformats.org/officeDocument/2006/relationships" xmlns:p="http://schemas.openxmlformats.org/presentationml/2006/main">
+  <p:cSld>
+    <p:spTree>
+      <p:nvGrpSpPr>
+        <p:cNvPr id="1" name=""/>
+        <p:cNvGrpSpPr/>
+        <p:nvPr/>
+      </p:nvGrpSpPr>
+      <p:grpSpPr>
+        <a:xfrm>
+          <a:off x="0" y="0"/>
+          <a:ext cx="0" cy="0"/>
+          <a:chOff x="0" y="0"/>
+          <a:chExt cx="0" cy="0"/>
+        </a:xfrm>
+      </p:grpSpPr>
+      <p:sp>
+        <p:nvSpPr>
           <p:cNvPr id="12" name="Ellipse 11"/>
           <p:cNvSpPr>
             <a:spLocks noChangeAspect="1"/>
@@ -11224,7 +11927,7 @@
         <p:spPr>
           <a:xfrm>
             <a:off x="2217446" y="1560558"/>
-            <a:ext cx="2344028" cy="584775"/>
+            <a:ext cx="2344028" cy="1323439"/>
           </a:xfrm>
           <a:prstGeom prst="rect">
             <a:avLst/>
@@ -11248,7 +11951,21 @@
           </a:p>
           <a:p>
             <a:r>
-              <a:rPr lang="en-US" sz="1600" dirty="0"/>
+              <a:rPr lang="en-US" sz="1600" b="1" dirty="0">
+                <a:solidFill>
+                  <a:srgbClr val="002060"/>
+                </a:solidFill>
+              </a:rPr>
+              <a:t>(Integrated Development Environment)</a:t>
+            </a:r>
+          </a:p>
+          <a:p>
+            <a:r>
+              <a:rPr lang="en-US" sz="1600" dirty="0">
+                <a:solidFill>
+                  <a:srgbClr val="002060"/>
+                </a:solidFill>
+              </a:rPr>
               <a:t>VS Code, PyCharm, …</a:t>
             </a:r>
           </a:p>
@@ -11478,7 +12195,7 @@
             <a:r>
               <a:rPr lang="en-US" sz="1800" dirty="0">
                 <a:solidFill>
-                  <a:srgbClr val="195979"/>
+                  <a:srgbClr val="002060"/>
                 </a:solidFill>
                 <a:effectLst/>
                 <a:ea typeface="Aptos" panose="020B0004020202020204" pitchFamily="34" charset="0"/>
@@ -11495,7 +12212,7 @@
             <a:r>
               <a:rPr lang="en-US" dirty="0">
                 <a:solidFill>
-                  <a:srgbClr val="195979"/>
+                  <a:srgbClr val="002060"/>
                 </a:solidFill>
                 <a:ea typeface="Aptos" panose="020B0004020202020204" pitchFamily="34" charset="0"/>
                 <a:cs typeface="Times New Roman" panose="02020603050405020304" pitchFamily="18" charset="0"/>
@@ -11505,7 +12222,7 @@
             <a:r>
               <a:rPr lang="en-US" dirty="0">
                 <a:solidFill>
-                  <a:srgbClr val="195979"/>
+                  <a:srgbClr val="002060"/>
                 </a:solidFill>
                 <a:effectLst/>
                 <a:ea typeface="Aptos" panose="020B0004020202020204" pitchFamily="34" charset="0"/>
@@ -11522,7 +12239,7 @@
             <a:r>
               <a:rPr lang="en-US" dirty="0">
                 <a:solidFill>
-                  <a:srgbClr val="195979"/>
+                  <a:srgbClr val="002060"/>
                 </a:solidFill>
                 <a:ea typeface="Aptos" panose="020B0004020202020204" pitchFamily="34" charset="0"/>
                 <a:cs typeface="Times New Roman" panose="02020603050405020304" pitchFamily="18" charset="0"/>
@@ -11532,7 +12249,7 @@
             <a:r>
               <a:rPr lang="en-US" dirty="0">
                 <a:solidFill>
-                  <a:srgbClr val="195979"/>
+                  <a:srgbClr val="002060"/>
                 </a:solidFill>
                 <a:effectLst/>
                 <a:ea typeface="Aptos" panose="020B0004020202020204" pitchFamily="34" charset="0"/>
@@ -11549,7 +12266,7 @@
             <a:r>
               <a:rPr lang="en-US" dirty="0">
                 <a:solidFill>
-                  <a:srgbClr val="195979"/>
+                  <a:srgbClr val="002060"/>
                 </a:solidFill>
                 <a:ea typeface="Aptos" panose="020B0004020202020204" pitchFamily="34" charset="0"/>
                 <a:cs typeface="Times New Roman" panose="02020603050405020304" pitchFamily="18" charset="0"/>
@@ -11559,7 +12276,7 @@
             <a:r>
               <a:rPr lang="en-US" dirty="0">
                 <a:solidFill>
-                  <a:srgbClr val="195979"/>
+                  <a:srgbClr val="002060"/>
                 </a:solidFill>
                 <a:effectLst/>
                 <a:ea typeface="Aptos" panose="020B0004020202020204" pitchFamily="34" charset="0"/>
@@ -11576,7 +12293,7 @@
             <a:r>
               <a:rPr lang="en-US" dirty="0">
                 <a:solidFill>
-                  <a:srgbClr val="195979"/>
+                  <a:srgbClr val="002060"/>
                 </a:solidFill>
                 <a:ea typeface="Aptos" panose="020B0004020202020204" pitchFamily="34" charset="0"/>
                 <a:cs typeface="Times New Roman" panose="02020603050405020304" pitchFamily="18" charset="0"/>
@@ -11586,7 +12303,7 @@
             <a:r>
               <a:rPr lang="en-US" dirty="0">
                 <a:solidFill>
-                  <a:srgbClr val="195979"/>
+                  <a:srgbClr val="002060"/>
                 </a:solidFill>
                 <a:effectLst/>
                 <a:ea typeface="Aptos" panose="020B0004020202020204" pitchFamily="34" charset="0"/>
@@ -11603,7 +12320,7 @@
             <a:r>
               <a:rPr lang="en-US" dirty="0">
                 <a:solidFill>
-                  <a:srgbClr val="195979"/>
+                  <a:srgbClr val="002060"/>
                 </a:solidFill>
                 <a:ea typeface="Aptos" panose="020B0004020202020204" pitchFamily="34" charset="0"/>
                 <a:cs typeface="Times New Roman" panose="02020603050405020304" pitchFamily="18" charset="0"/>
@@ -11613,7 +12330,7 @@
             <a:r>
               <a:rPr lang="en-US" dirty="0">
                 <a:solidFill>
-                  <a:srgbClr val="195979"/>
+                  <a:srgbClr val="002060"/>
                 </a:solidFill>
                 <a:effectLst/>
                 <a:ea typeface="Aptos" panose="020B0004020202020204" pitchFamily="34" charset="0"/>
@@ -11630,7 +12347,7 @@
             <a:r>
               <a:rPr lang="en-US" dirty="0">
                 <a:solidFill>
-                  <a:srgbClr val="195979"/>
+                  <a:srgbClr val="002060"/>
                 </a:solidFill>
                 <a:ea typeface="Aptos" panose="020B0004020202020204" pitchFamily="34" charset="0"/>
                 <a:cs typeface="Times New Roman" panose="02020603050405020304" pitchFamily="18" charset="0"/>
@@ -11640,7 +12357,7 @@
             <a:r>
               <a:rPr lang="en-US" dirty="0">
                 <a:solidFill>
-                  <a:srgbClr val="195979"/>
+                  <a:srgbClr val="002060"/>
                 </a:solidFill>
                 <a:effectLst/>
                 <a:ea typeface="Aptos" panose="020B0004020202020204" pitchFamily="34" charset="0"/>
@@ -11651,7 +12368,7 @@
             <a:r>
               <a:rPr lang="en-US" dirty="0" err="1">
                 <a:solidFill>
-                  <a:srgbClr val="195979"/>
+                  <a:srgbClr val="002060"/>
                 </a:solidFill>
                 <a:effectLst/>
                 <a:ea typeface="Aptos" panose="020B0004020202020204" pitchFamily="34" charset="0"/>
@@ -11661,7 +12378,7 @@
             </a:r>
             <a:endParaRPr lang="en-US" dirty="0">
               <a:solidFill>
-                <a:srgbClr val="195979"/>
+                <a:srgbClr val="002060"/>
               </a:solidFill>
               <a:effectLst/>
               <a:ea typeface="Aptos" panose="020B0004020202020204" pitchFamily="34" charset="0"/>
@@ -11676,7 +12393,7 @@
             <a:r>
               <a:rPr lang="en-US" dirty="0">
                 <a:solidFill>
-                  <a:srgbClr val="195979"/>
+                  <a:srgbClr val="002060"/>
                 </a:solidFill>
                 <a:ea typeface="Aptos" panose="020B0004020202020204" pitchFamily="34" charset="0"/>
                 <a:cs typeface="Times New Roman" panose="02020603050405020304" pitchFamily="18" charset="0"/>
@@ -11686,7 +12403,7 @@
             <a:r>
               <a:rPr lang="en-US" sz="1800" dirty="0">
                 <a:solidFill>
-                  <a:srgbClr val="195979"/>
+                  <a:srgbClr val="002060"/>
                 </a:solidFill>
                 <a:effectLst/>
                 <a:ea typeface="Aptos" panose="020B0004020202020204" pitchFamily="34" charset="0"/>
@@ -11703,7 +12420,7 @@
             <a:r>
               <a:rPr lang="en-US" dirty="0">
                 <a:solidFill>
-                  <a:srgbClr val="195979"/>
+                  <a:srgbClr val="002060"/>
                 </a:solidFill>
                 <a:ea typeface="Aptos" panose="020B0004020202020204" pitchFamily="34" charset="0"/>
                 <a:cs typeface="Times New Roman" panose="02020603050405020304" pitchFamily="18" charset="0"/>
@@ -11713,7 +12430,7 @@
             <a:r>
               <a:rPr lang="en-US" dirty="0">
                 <a:solidFill>
-                  <a:srgbClr val="195979"/>
+                  <a:srgbClr val="002060"/>
                 </a:solidFill>
                 <a:effectLst/>
                 <a:ea typeface="Aptos" panose="020B0004020202020204" pitchFamily="34" charset="0"/>
@@ -11730,7 +12447,7 @@
             <a:r>
               <a:rPr lang="en-US" dirty="0">
                 <a:solidFill>
-                  <a:srgbClr val="195979"/>
+                  <a:srgbClr val="002060"/>
                 </a:solidFill>
                 <a:ea typeface="Aptos" panose="020B0004020202020204" pitchFamily="34" charset="0"/>
                 <a:cs typeface="Times New Roman" panose="02020603050405020304" pitchFamily="18" charset="0"/>
@@ -11746,7 +12463,7 @@
             <a:r>
               <a:rPr lang="en-US" dirty="0">
                 <a:solidFill>
-                  <a:srgbClr val="195979"/>
+                  <a:srgbClr val="002060"/>
                 </a:solidFill>
                 <a:effectLst/>
                 <a:ea typeface="Aptos" panose="020B0004020202020204" pitchFamily="34" charset="0"/>
@@ -11757,7 +12474,7 @@
             <a:r>
               <a:rPr lang="en-US" dirty="0" err="1">
                 <a:solidFill>
-                  <a:srgbClr val="195979"/>
+                  <a:srgbClr val="002060"/>
                 </a:solidFill>
                 <a:effectLst/>
                 <a:ea typeface="Aptos" panose="020B0004020202020204" pitchFamily="34" charset="0"/>
@@ -11767,7 +12484,7 @@
             </a:r>
             <a:endParaRPr lang="en-US" dirty="0">
               <a:solidFill>
-                <a:srgbClr val="195979"/>
+                <a:srgbClr val="002060"/>
               </a:solidFill>
               <a:effectLst/>
               <a:ea typeface="Aptos" panose="020B0004020202020204" pitchFamily="34" charset="0"/>
@@ -12384,7 +13101,7 @@
 </p:sld>
 </file>
 
-<file path=ppt/slides/slide4.xml><?xml version="1.0" encoding="utf-8"?>
+<file path=ppt/slides/slide6.xml><?xml version="1.0" encoding="utf-8"?>
 <p:sld xmlns:a="http://schemas.openxmlformats.org/drawingml/2006/main" xmlns:r="http://schemas.openxmlformats.org/officeDocument/2006/relationships" xmlns:p="http://schemas.openxmlformats.org/presentationml/2006/main">
   <p:cSld>
     <p:spTree>
@@ -12573,7 +13290,11 @@
           </a:p>
           <a:p>
             <a:r>
-              <a:rPr lang="en-US" sz="1600" dirty="0"/>
+              <a:rPr lang="en-US" sz="1600" dirty="0">
+                <a:solidFill>
+                  <a:srgbClr val="002060"/>
+                </a:solidFill>
+              </a:rPr>
               <a:t>VS Code, PyCharm, …</a:t>
             </a:r>
           </a:p>
@@ -12612,7 +13333,11 @@
           </a:p>
           <a:p>
             <a:r>
-              <a:rPr lang="en-US" sz="1600" dirty="0"/>
+              <a:rPr lang="en-US" sz="1600" dirty="0">
+                <a:solidFill>
+                  <a:srgbClr val="002060"/>
+                </a:solidFill>
+              </a:rPr>
               <a:t>PowerShell (Windows), iTerm2(Mac OS), …</a:t>
             </a:r>
           </a:p>
@@ -12936,7 +13661,7 @@
             <a:r>
               <a:rPr lang="en-US" dirty="0">
                 <a:solidFill>
-                  <a:srgbClr val="195979"/>
+                  <a:srgbClr val="002060"/>
                 </a:solidFill>
                 <a:effectLst/>
                 <a:ea typeface="Aptos" panose="020B0004020202020204" pitchFamily="34" charset="0"/>
@@ -12953,7 +13678,7 @@
             <a:r>
               <a:rPr lang="en-US" sz="1800" dirty="0">
                 <a:solidFill>
-                  <a:srgbClr val="195979"/>
+                  <a:srgbClr val="002060"/>
                 </a:solidFill>
                 <a:effectLst/>
                 <a:ea typeface="Aptos" panose="020B0004020202020204" pitchFamily="34" charset="0"/>
@@ -12963,7 +13688,7 @@
             </a:r>
             <a:endParaRPr lang="en-US" sz="1800" dirty="0">
               <a:solidFill>
-                <a:srgbClr val="195979"/>
+                <a:srgbClr val="002060"/>
               </a:solidFill>
               <a:ea typeface="Aptos" panose="020B0004020202020204" pitchFamily="34" charset="0"/>
               <a:cs typeface="Times New Roman" panose="02020603050405020304" pitchFamily="18" charset="0"/>
@@ -12977,7 +13702,7 @@
             <a:r>
               <a:rPr lang="en-US" dirty="0">
                 <a:solidFill>
-                  <a:srgbClr val="195979"/>
+                  <a:srgbClr val="002060"/>
                 </a:solidFill>
                 <a:ea typeface="Aptos" panose="020B0004020202020204" pitchFamily="34" charset="0"/>
                 <a:cs typeface="Times New Roman" panose="02020603050405020304" pitchFamily="18" charset="0"/>
@@ -12987,7 +13712,7 @@
             <a:r>
               <a:rPr lang="en-US" sz="1800" dirty="0">
                 <a:solidFill>
-                  <a:srgbClr val="195979"/>
+                  <a:srgbClr val="002060"/>
                 </a:solidFill>
                 <a:effectLst/>
                 <a:ea typeface="Aptos" panose="020B0004020202020204" pitchFamily="34" charset="0"/>
@@ -13004,7 +13729,7 @@
             <a:r>
               <a:rPr lang="en-US" dirty="0">
                 <a:solidFill>
-                  <a:srgbClr val="195979"/>
+                  <a:srgbClr val="002060"/>
                 </a:solidFill>
                 <a:ea typeface="Aptos" panose="020B0004020202020204" pitchFamily="34" charset="0"/>
                 <a:cs typeface="Times New Roman" panose="02020603050405020304" pitchFamily="18" charset="0"/>
@@ -13014,7 +13739,7 @@
             <a:r>
               <a:rPr lang="en-US" sz="1800" dirty="0">
                 <a:solidFill>
-                  <a:srgbClr val="195979"/>
+                  <a:srgbClr val="002060"/>
                 </a:solidFill>
                 <a:effectLst/>
                 <a:ea typeface="Aptos" panose="020B0004020202020204" pitchFamily="34" charset="0"/>
@@ -13031,7 +13756,7 @@
             <a:r>
               <a:rPr lang="en-US" dirty="0">
                 <a:solidFill>
-                  <a:srgbClr val="195979"/>
+                  <a:srgbClr val="002060"/>
                 </a:solidFill>
                 <a:ea typeface="Aptos" panose="020B0004020202020204" pitchFamily="34" charset="0"/>
                 <a:cs typeface="Times New Roman" panose="02020603050405020304" pitchFamily="18" charset="0"/>
@@ -13041,7 +13766,7 @@
             <a:r>
               <a:rPr lang="en-US" sz="1800" dirty="0">
                 <a:solidFill>
-                  <a:srgbClr val="195979"/>
+                  <a:srgbClr val="002060"/>
                 </a:solidFill>
                 <a:effectLst/>
                 <a:ea typeface="Aptos" panose="020B0004020202020204" pitchFamily="34" charset="0"/>
@@ -13058,7 +13783,7 @@
             <a:r>
               <a:rPr lang="en-US" dirty="0">
                 <a:solidFill>
-                  <a:srgbClr val="195979"/>
+                  <a:srgbClr val="002060"/>
                 </a:solidFill>
                 <a:ea typeface="Aptos" panose="020B0004020202020204" pitchFamily="34" charset="0"/>
                 <a:cs typeface="Times New Roman" panose="02020603050405020304" pitchFamily="18" charset="0"/>
@@ -13074,7 +13799,7 @@
             <a:r>
               <a:rPr lang="en-US" dirty="0">
                 <a:solidFill>
-                  <a:srgbClr val="195979"/>
+                  <a:srgbClr val="002060"/>
                 </a:solidFill>
                 <a:effectLst/>
                 <a:ea typeface="Aptos" panose="020B0004020202020204" pitchFamily="34" charset="0"/>
@@ -13091,7 +13816,7 @@
             <a:r>
               <a:rPr lang="en-US" dirty="0">
                 <a:solidFill>
-                  <a:srgbClr val="195979"/>
+                  <a:srgbClr val="002060"/>
                 </a:solidFill>
                 <a:ea typeface="Aptos" panose="020B0004020202020204" pitchFamily="34" charset="0"/>
                 <a:cs typeface="Times New Roman" panose="02020603050405020304" pitchFamily="18" charset="0"/>
@@ -13107,7 +13832,7 @@
             <a:r>
               <a:rPr lang="en-US" dirty="0">
                 <a:solidFill>
-                  <a:srgbClr val="195979"/>
+                  <a:srgbClr val="002060"/>
                 </a:solidFill>
                 <a:effectLst/>
                 <a:ea typeface="Aptos" panose="020B0004020202020204" pitchFamily="34" charset="0"/>
@@ -13622,7 +14347,7 @@
 </p:sld>
 </file>
 
-<file path=ppt/slides/slide5.xml><?xml version="1.0" encoding="utf-8"?>
+<file path=ppt/slides/slide7.xml><?xml version="1.0" encoding="utf-8"?>
 <p:sld xmlns:a="http://schemas.openxmlformats.org/drawingml/2006/main" xmlns:r="http://schemas.openxmlformats.org/officeDocument/2006/relationships" xmlns:p="http://schemas.openxmlformats.org/presentationml/2006/main">
   <p:cSld>
     <p:spTree>
@@ -13926,7 +14651,11 @@
           </a:p>
           <a:p>
             <a:r>
-              <a:rPr lang="en-US" sz="1600" dirty="0"/>
+              <a:rPr lang="en-US" sz="1600" dirty="0">
+                <a:solidFill>
+                  <a:srgbClr val="002060"/>
+                </a:solidFill>
+              </a:rPr>
               <a:t>VS Code, PyCharm, …</a:t>
             </a:r>
           </a:p>
@@ -13965,7 +14694,11 @@
           </a:p>
           <a:p>
             <a:r>
-              <a:rPr lang="en-US" sz="1600" dirty="0"/>
+              <a:rPr lang="en-US" sz="1600" dirty="0">
+                <a:solidFill>
+                  <a:srgbClr val="002060"/>
+                </a:solidFill>
+              </a:rPr>
               <a:t>PowerShell (Windows), iTerm2(Mac OS), …</a:t>
             </a:r>
           </a:p>
@@ -14009,7 +14742,11 @@
           </a:p>
           <a:p>
             <a:r>
-              <a:rPr lang="en-US" sz="1600" dirty="0"/>
+              <a:rPr lang="en-US" sz="1600" dirty="0">
+                <a:solidFill>
+                  <a:srgbClr val="002060"/>
+                </a:solidFill>
+              </a:rPr>
               <a:t>Installing via: Python installer, Anaconda distributions</a:t>
             </a:r>
           </a:p>
@@ -14333,7 +15070,7 @@
             <a:r>
               <a:rPr lang="en-US" sz="1800" dirty="0">
                 <a:solidFill>
-                  <a:srgbClr val="195979"/>
+                  <a:srgbClr val="002060"/>
                 </a:solidFill>
                 <a:effectLst/>
                 <a:ea typeface="Aptos" panose="020B0004020202020204" pitchFamily="34" charset="0"/>
@@ -14343,7 +15080,7 @@
             </a:r>
             <a:endParaRPr lang="en-US" dirty="0">
               <a:solidFill>
-                <a:srgbClr val="195979"/>
+                <a:srgbClr val="002060"/>
               </a:solidFill>
               <a:effectLst/>
               <a:ea typeface="Aptos" panose="020B0004020202020204" pitchFamily="34" charset="0"/>
@@ -14358,7 +15095,7 @@
             <a:r>
               <a:rPr lang="en-US" dirty="0">
                 <a:solidFill>
-                  <a:srgbClr val="195979"/>
+                  <a:srgbClr val="002060"/>
                 </a:solidFill>
                 <a:effectLst/>
                 <a:ea typeface="Aptos" panose="020B0004020202020204" pitchFamily="34" charset="0"/>
@@ -14375,7 +15112,7 @@
             <a:r>
               <a:rPr lang="en-US" dirty="0">
                 <a:solidFill>
-                  <a:srgbClr val="195979"/>
+                  <a:srgbClr val="002060"/>
                 </a:solidFill>
                 <a:ea typeface="Aptos" panose="020B0004020202020204" pitchFamily="34" charset="0"/>
                 <a:cs typeface="Times New Roman" panose="02020603050405020304" pitchFamily="18" charset="0"/>
@@ -14385,7 +15122,7 @@
             <a:r>
               <a:rPr lang="en-US" dirty="0">
                 <a:solidFill>
-                  <a:srgbClr val="195979"/>
+                  <a:srgbClr val="002060"/>
                 </a:solidFill>
                 <a:effectLst/>
                 <a:ea typeface="Aptos" panose="020B0004020202020204" pitchFamily="34" charset="0"/>
@@ -14402,7 +15139,7 @@
             <a:r>
               <a:rPr lang="en-US" dirty="0">
                 <a:solidFill>
-                  <a:srgbClr val="195979"/>
+                  <a:srgbClr val="002060"/>
                 </a:solidFill>
                 <a:ea typeface="Aptos" panose="020B0004020202020204" pitchFamily="34" charset="0"/>
                 <a:cs typeface="Times New Roman" panose="02020603050405020304" pitchFamily="18" charset="0"/>
@@ -14412,7 +15149,7 @@
             <a:r>
               <a:rPr lang="en-US" dirty="0">
                 <a:solidFill>
-                  <a:srgbClr val="195979"/>
+                  <a:srgbClr val="002060"/>
                 </a:solidFill>
                 <a:effectLst/>
                 <a:ea typeface="Aptos" panose="020B0004020202020204" pitchFamily="34" charset="0"/>
@@ -14429,7 +15166,7 @@
             <a:r>
               <a:rPr lang="en-US" dirty="0">
                 <a:solidFill>
-                  <a:srgbClr val="195979"/>
+                  <a:srgbClr val="002060"/>
                 </a:solidFill>
                 <a:ea typeface="Aptos" panose="020B0004020202020204" pitchFamily="34" charset="0"/>
                 <a:cs typeface="Times New Roman" panose="02020603050405020304" pitchFamily="18" charset="0"/>
@@ -14439,7 +15176,7 @@
             <a:r>
               <a:rPr lang="en-US" sz="1800" dirty="0">
                 <a:solidFill>
-                  <a:srgbClr val="195979"/>
+                  <a:srgbClr val="002060"/>
                 </a:solidFill>
                 <a:effectLst/>
                 <a:ea typeface="Aptos" panose="020B0004020202020204" pitchFamily="34" charset="0"/>
@@ -14456,7 +15193,7 @@
             <a:r>
               <a:rPr lang="en-US" dirty="0">
                 <a:solidFill>
-                  <a:srgbClr val="195979"/>
+                  <a:srgbClr val="002060"/>
                 </a:solidFill>
                 <a:ea typeface="Aptos" panose="020B0004020202020204" pitchFamily="34" charset="0"/>
                 <a:cs typeface="Times New Roman" panose="02020603050405020304" pitchFamily="18" charset="0"/>
@@ -14466,7 +15203,7 @@
             <a:r>
               <a:rPr lang="en-US" dirty="0">
                 <a:solidFill>
-                  <a:srgbClr val="195979"/>
+                  <a:srgbClr val="002060"/>
                 </a:solidFill>
                 <a:effectLst/>
                 <a:ea typeface="Aptos" panose="020B0004020202020204" pitchFamily="34" charset="0"/>
@@ -14483,7 +15220,7 @@
             <a:r>
               <a:rPr lang="en-US" dirty="0">
                 <a:solidFill>
-                  <a:srgbClr val="195979"/>
+                  <a:srgbClr val="002060"/>
                 </a:solidFill>
                 <a:ea typeface="Aptos" panose="020B0004020202020204" pitchFamily="34" charset="0"/>
                 <a:cs typeface="Times New Roman" panose="02020603050405020304" pitchFamily="18" charset="0"/>
@@ -14493,7 +15230,7 @@
             <a:r>
               <a:rPr lang="en-US" dirty="0">
                 <a:solidFill>
-                  <a:srgbClr val="195979"/>
+                  <a:srgbClr val="002060"/>
                 </a:solidFill>
                 <a:effectLst/>
                 <a:ea typeface="Aptos" panose="020B0004020202020204" pitchFamily="34" charset="0"/>
@@ -14510,7 +15247,7 @@
             <a:r>
               <a:rPr lang="en-US" dirty="0">
                 <a:solidFill>
-                  <a:srgbClr val="195979"/>
+                  <a:srgbClr val="002060"/>
                 </a:solidFill>
                 <a:ea typeface="Aptos" panose="020B0004020202020204" pitchFamily="34" charset="0"/>
                 <a:cs typeface="Times New Roman" panose="02020603050405020304" pitchFamily="18" charset="0"/>
@@ -14520,7 +15257,7 @@
             <a:r>
               <a:rPr lang="en-US" dirty="0">
                 <a:solidFill>
-                  <a:srgbClr val="195979"/>
+                  <a:srgbClr val="002060"/>
                 </a:solidFill>
                 <a:effectLst/>
                 <a:ea typeface="Aptos" panose="020B0004020202020204" pitchFamily="34" charset="0"/>
@@ -14537,7 +15274,7 @@
             <a:r>
               <a:rPr lang="en-US" dirty="0">
                 <a:solidFill>
-                  <a:srgbClr val="195979"/>
+                  <a:srgbClr val="002060"/>
                 </a:solidFill>
                 <a:ea typeface="Aptos" panose="020B0004020202020204" pitchFamily="34" charset="0"/>
                 <a:cs typeface="Times New Roman" panose="02020603050405020304" pitchFamily="18" charset="0"/>
@@ -14547,7 +15284,7 @@
             <a:r>
               <a:rPr lang="en-US" sz="1800" dirty="0">
                 <a:solidFill>
-                  <a:srgbClr val="195979"/>
+                  <a:srgbClr val="002060"/>
                 </a:solidFill>
                 <a:effectLst/>
                 <a:ea typeface="Aptos" panose="020B0004020202020204" pitchFamily="34" charset="0"/>
@@ -14564,7 +15301,7 @@
             <a:r>
               <a:rPr lang="en-US" dirty="0">
                 <a:solidFill>
-                  <a:srgbClr val="195979"/>
+                  <a:srgbClr val="002060"/>
                 </a:solidFill>
                 <a:ea typeface="Aptos" panose="020B0004020202020204" pitchFamily="34" charset="0"/>
                 <a:cs typeface="Times New Roman" panose="02020603050405020304" pitchFamily="18" charset="0"/>
@@ -14574,7 +15311,7 @@
             <a:r>
               <a:rPr lang="en-US" sz="1800" dirty="0">
                 <a:solidFill>
-                  <a:srgbClr val="195979"/>
+                  <a:srgbClr val="002060"/>
                 </a:solidFill>
                 <a:effectLst/>
                 <a:ea typeface="Aptos" panose="020B0004020202020204" pitchFamily="34" charset="0"/>
@@ -14584,7 +15321,7 @@
             </a:r>
             <a:endParaRPr lang="en-US" dirty="0">
               <a:solidFill>
-                <a:srgbClr val="195979"/>
+                <a:srgbClr val="002060"/>
               </a:solidFill>
               <a:effectLst/>
               <a:ea typeface="Aptos" panose="020B0004020202020204" pitchFamily="34" charset="0"/>
@@ -15280,7 +16017,7 @@
 </p:sld>
 </file>
 
-<file path=ppt/slides/slide6.xml><?xml version="1.0" encoding="utf-8"?>
+<file path=ppt/slides/slide8.xml><?xml version="1.0" encoding="utf-8"?>
 <p:sld xmlns:a="http://schemas.openxmlformats.org/drawingml/2006/main" xmlns:r="http://schemas.openxmlformats.org/officeDocument/2006/relationships" xmlns:p="http://schemas.openxmlformats.org/presentationml/2006/main">
   <p:cSld>
     <p:spTree>
@@ -15699,7 +16436,11 @@
           </a:p>
           <a:p>
             <a:r>
-              <a:rPr lang="en-US" sz="1600" dirty="0"/>
+              <a:rPr lang="en-US" sz="1600" dirty="0">
+                <a:solidFill>
+                  <a:srgbClr val="002060"/>
+                </a:solidFill>
+              </a:rPr>
               <a:t>VS Code, PyCharm, …</a:t>
             </a:r>
           </a:p>
@@ -15738,23 +16479,43 @@
           </a:p>
           <a:p>
             <a:r>
-              <a:rPr lang="en-US" sz="1600" dirty="0"/>
+              <a:rPr lang="en-US" sz="1600" dirty="0">
+                <a:solidFill>
+                  <a:srgbClr val="002060"/>
+                </a:solidFill>
+              </a:rPr>
               <a:t>`</a:t>
             </a:r>
             <a:r>
-              <a:rPr lang="en-US" sz="1600" dirty="0" err="1"/>
+              <a:rPr lang="en-US" sz="1600" dirty="0" err="1">
+                <a:solidFill>
+                  <a:srgbClr val="002060"/>
+                </a:solidFill>
+              </a:rPr>
               <a:t>venv</a:t>
             </a:r>
             <a:r>
-              <a:rPr lang="en-US" sz="1600" dirty="0"/>
+              <a:rPr lang="en-US" sz="1600" dirty="0">
+                <a:solidFill>
+                  <a:srgbClr val="002060"/>
+                </a:solidFill>
+              </a:rPr>
               <a:t> `, `</a:t>
             </a:r>
             <a:r>
-              <a:rPr lang="en-US" sz="1600" dirty="0" err="1"/>
+              <a:rPr lang="en-US" sz="1600" dirty="0" err="1">
+                <a:solidFill>
+                  <a:srgbClr val="002060"/>
+                </a:solidFill>
+              </a:rPr>
               <a:t>conda</a:t>
             </a:r>
             <a:r>
-              <a:rPr lang="en-US" sz="1600" dirty="0"/>
+              <a:rPr lang="en-US" sz="1600" dirty="0">
+                <a:solidFill>
+                  <a:srgbClr val="002060"/>
+                </a:solidFill>
+              </a:rPr>
               <a:t>`</a:t>
             </a:r>
           </a:p>
@@ -15793,7 +16554,11 @@
           </a:p>
           <a:p>
             <a:r>
-              <a:rPr lang="en-US" sz="1600" dirty="0"/>
+              <a:rPr lang="en-US" sz="1600" dirty="0">
+                <a:solidFill>
+                  <a:srgbClr val="002060"/>
+                </a:solidFill>
+              </a:rPr>
               <a:t>PowerShell (Windows), iTerm2(Mac OS), …</a:t>
             </a:r>
           </a:p>
@@ -15837,7 +16602,11 @@
           </a:p>
           <a:p>
             <a:r>
-              <a:rPr lang="en-US" sz="1600" dirty="0"/>
+              <a:rPr lang="en-US" sz="1600" dirty="0">
+                <a:solidFill>
+                  <a:srgbClr val="002060"/>
+                </a:solidFill>
+              </a:rPr>
               <a:t>Installing via: Python installer, Anaconda distributions</a:t>
             </a:r>
           </a:p>
@@ -16265,7 +17034,7 @@
             <a:r>
               <a:rPr lang="en-US" dirty="0">
                 <a:solidFill>
-                  <a:srgbClr val="195979"/>
+                  <a:srgbClr val="002060"/>
                 </a:solidFill>
                 <a:ea typeface="Aptos" panose="020B0004020202020204" pitchFamily="34" charset="0"/>
                 <a:cs typeface="Times New Roman" panose="02020603050405020304" pitchFamily="18" charset="0"/>
@@ -16275,7 +17044,7 @@
             <a:r>
               <a:rPr lang="en-US" sz="1800" dirty="0">
                 <a:solidFill>
-                  <a:srgbClr val="195979"/>
+                  <a:srgbClr val="002060"/>
                 </a:solidFill>
                 <a:effectLst/>
                 <a:ea typeface="Aptos" panose="020B0004020202020204" pitchFamily="34" charset="0"/>
@@ -16286,7 +17055,7 @@
             <a:r>
               <a:rPr lang="en-US" dirty="0">
                 <a:solidFill>
-                  <a:srgbClr val="195979"/>
+                  <a:srgbClr val="002060"/>
                 </a:solidFill>
                 <a:effectLst/>
                 <a:ea typeface="Aptos" panose="020B0004020202020204" pitchFamily="34" charset="0"/>
@@ -16303,7 +17072,7 @@
             <a:r>
               <a:rPr lang="en-US" dirty="0">
                 <a:solidFill>
-                  <a:srgbClr val="195979"/>
+                  <a:srgbClr val="002060"/>
                 </a:solidFill>
                 <a:ea typeface="Aptos" panose="020B0004020202020204" pitchFamily="34" charset="0"/>
                 <a:cs typeface="Times New Roman" panose="02020603050405020304" pitchFamily="18" charset="0"/>
@@ -16313,7 +17082,7 @@
             <a:r>
               <a:rPr lang="en-US" dirty="0">
                 <a:solidFill>
-                  <a:srgbClr val="195979"/>
+                  <a:srgbClr val="002060"/>
                 </a:solidFill>
                 <a:effectLst/>
                 <a:ea typeface="Aptos" panose="020B0004020202020204" pitchFamily="34" charset="0"/>
@@ -16330,7 +17099,7 @@
             <a:r>
               <a:rPr lang="en-US" dirty="0">
                 <a:solidFill>
-                  <a:srgbClr val="195979"/>
+                  <a:srgbClr val="002060"/>
                 </a:solidFill>
                 <a:ea typeface="Aptos" panose="020B0004020202020204" pitchFamily="34" charset="0"/>
                 <a:cs typeface="Times New Roman" panose="02020603050405020304" pitchFamily="18" charset="0"/>
@@ -16340,7 +17109,7 @@
             <a:r>
               <a:rPr lang="en-US" dirty="0">
                 <a:solidFill>
-                  <a:srgbClr val="195979"/>
+                  <a:srgbClr val="002060"/>
                 </a:solidFill>
                 <a:effectLst/>
                 <a:ea typeface="Aptos" panose="020B0004020202020204" pitchFamily="34" charset="0"/>
@@ -16357,7 +17126,7 @@
             <a:r>
               <a:rPr lang="en-US" dirty="0">
                 <a:solidFill>
-                  <a:srgbClr val="195979"/>
+                  <a:srgbClr val="002060"/>
                 </a:solidFill>
                 <a:ea typeface="Aptos" panose="020B0004020202020204" pitchFamily="34" charset="0"/>
                 <a:cs typeface="Times New Roman" panose="02020603050405020304" pitchFamily="18" charset="0"/>
@@ -16373,7 +17142,7 @@
             <a:r>
               <a:rPr lang="en-US" dirty="0">
                 <a:solidFill>
-                  <a:srgbClr val="195979"/>
+                  <a:srgbClr val="002060"/>
                 </a:solidFill>
                 <a:effectLst/>
                 <a:ea typeface="Aptos" panose="020B0004020202020204" pitchFamily="34" charset="0"/>
@@ -16384,7 +17153,7 @@
             <a:r>
               <a:rPr lang="en-US" dirty="0">
                 <a:solidFill>
-                  <a:srgbClr val="195979"/>
+                  <a:srgbClr val="002060"/>
                 </a:solidFill>
                 <a:ea typeface="Aptos" panose="020B0004020202020204" pitchFamily="34" charset="0"/>
                 <a:cs typeface="Times New Roman" panose="02020603050405020304" pitchFamily="18" charset="0"/>
@@ -16400,7 +17169,7 @@
             <a:r>
               <a:rPr lang="en-US" dirty="0">
                 <a:solidFill>
-                  <a:srgbClr val="195979"/>
+                  <a:srgbClr val="002060"/>
                 </a:solidFill>
                 <a:effectLst/>
                 <a:ea typeface="Aptos" panose="020B0004020202020204" pitchFamily="34" charset="0"/>
@@ -16411,7 +17180,7 @@
             <a:r>
               <a:rPr lang="en-US" dirty="0" err="1">
                 <a:solidFill>
-                  <a:srgbClr val="195979"/>
+                  <a:srgbClr val="002060"/>
                 </a:solidFill>
                 <a:effectLst/>
                 <a:ea typeface="Aptos" panose="020B0004020202020204" pitchFamily="34" charset="0"/>
@@ -16422,7 +17191,7 @@
             <a:r>
               <a:rPr lang="en-US" dirty="0">
                 <a:solidFill>
-                  <a:srgbClr val="195979"/>
+                  <a:srgbClr val="002060"/>
                 </a:solidFill>
                 <a:effectLst/>
                 <a:ea typeface="Aptos" panose="020B0004020202020204" pitchFamily="34" charset="0"/>
@@ -16433,7 +17202,7 @@
             <a:r>
               <a:rPr lang="en-US" dirty="0" err="1">
                 <a:solidFill>
-                  <a:srgbClr val="195979"/>
+                  <a:srgbClr val="002060"/>
                 </a:solidFill>
                 <a:effectLst/>
                 <a:ea typeface="Aptos" panose="020B0004020202020204" pitchFamily="34" charset="0"/>
@@ -16443,7 +17212,7 @@
             </a:r>
             <a:endParaRPr lang="en-US" dirty="0">
               <a:solidFill>
-                <a:srgbClr val="195979"/>
+                <a:srgbClr val="002060"/>
               </a:solidFill>
               <a:effectLst/>
               <a:ea typeface="Aptos" panose="020B0004020202020204" pitchFamily="34" charset="0"/>
@@ -16458,7 +17227,7 @@
             <a:r>
               <a:rPr lang="en-US" dirty="0" err="1">
                 <a:solidFill>
-                  <a:srgbClr val="195979"/>
+                  <a:srgbClr val="002060"/>
                 </a:solidFill>
                 <a:effectLst/>
                 <a:ea typeface="Aptos" panose="020B0004020202020204" pitchFamily="34" charset="0"/>
@@ -16469,7 +17238,7 @@
             <a:r>
               <a:rPr lang="en-US" dirty="0">
                 <a:solidFill>
-                  <a:srgbClr val="195979"/>
+                  <a:srgbClr val="002060"/>
                 </a:solidFill>
                 <a:effectLst/>
                 <a:ea typeface="Aptos" panose="020B0004020202020204" pitchFamily="34" charset="0"/>
@@ -16486,7 +17255,7 @@
             <a:r>
               <a:rPr lang="en-US" dirty="0">
                 <a:solidFill>
-                  <a:srgbClr val="195979"/>
+                  <a:srgbClr val="002060"/>
                 </a:solidFill>
                 <a:ea typeface="Aptos" panose="020B0004020202020204" pitchFamily="34" charset="0"/>
                 <a:cs typeface="Times New Roman" panose="02020603050405020304" pitchFamily="18" charset="0"/>
@@ -16496,7 +17265,7 @@
             <a:r>
               <a:rPr lang="en-US" dirty="0" err="1">
                 <a:solidFill>
-                  <a:srgbClr val="195979"/>
+                  <a:srgbClr val="002060"/>
                 </a:solidFill>
                 <a:ea typeface="Aptos" panose="020B0004020202020204" pitchFamily="34" charset="0"/>
                 <a:cs typeface="Times New Roman" panose="02020603050405020304" pitchFamily="18" charset="0"/>
@@ -16505,7 +17274,7 @@
             </a:r>
             <a:endParaRPr lang="en-US" dirty="0">
               <a:solidFill>
-                <a:srgbClr val="195979"/>
+                <a:srgbClr val="002060"/>
               </a:solidFill>
               <a:ea typeface="Aptos" panose="020B0004020202020204" pitchFamily="34" charset="0"/>
               <a:cs typeface="Times New Roman" panose="02020603050405020304" pitchFamily="18" charset="0"/>
@@ -16519,7 +17288,7 @@
             <a:r>
               <a:rPr lang="en-US" dirty="0">
                 <a:solidFill>
-                  <a:srgbClr val="195979"/>
+                  <a:srgbClr val="002060"/>
                 </a:solidFill>
                 <a:effectLst/>
                 <a:ea typeface="Aptos" panose="020B0004020202020204" pitchFamily="34" charset="0"/>
@@ -17138,7 +17907,7 @@
 </p:sld>
 </file>
 
-<file path=ppt/slides/slide7.xml><?xml version="1.0" encoding="utf-8"?>
+<file path=ppt/slides/slide9.xml><?xml version="1.0" encoding="utf-8"?>
 <p:sld xmlns:a="http://schemas.openxmlformats.org/drawingml/2006/main" xmlns:r="http://schemas.openxmlformats.org/officeDocument/2006/relationships" xmlns:p="http://schemas.openxmlformats.org/presentationml/2006/main">
   <p:cSld>
     <p:spTree>
@@ -17557,7 +18326,11 @@
           </a:p>
           <a:p>
             <a:r>
-              <a:rPr lang="en-US" sz="1600" dirty="0"/>
+              <a:rPr lang="en-US" sz="1600" dirty="0">
+                <a:solidFill>
+                  <a:srgbClr val="002060"/>
+                </a:solidFill>
+              </a:rPr>
               <a:t>VS Code, PyCharm, …</a:t>
             </a:r>
           </a:p>
@@ -17596,23 +18369,43 @@
           </a:p>
           <a:p>
             <a:r>
-              <a:rPr lang="en-US" sz="1600" dirty="0"/>
+              <a:rPr lang="en-US" sz="1600" dirty="0">
+                <a:solidFill>
+                  <a:srgbClr val="002060"/>
+                </a:solidFill>
+              </a:rPr>
               <a:t>`</a:t>
             </a:r>
             <a:r>
-              <a:rPr lang="en-US" sz="1600" dirty="0" err="1"/>
+              <a:rPr lang="en-US" sz="1600" dirty="0" err="1">
+                <a:solidFill>
+                  <a:srgbClr val="002060"/>
+                </a:solidFill>
+              </a:rPr>
               <a:t>venv</a:t>
             </a:r>
             <a:r>
-              <a:rPr lang="en-US" sz="1600" dirty="0"/>
+              <a:rPr lang="en-US" sz="1600" dirty="0">
+                <a:solidFill>
+                  <a:srgbClr val="002060"/>
+                </a:solidFill>
+              </a:rPr>
               <a:t> `, `</a:t>
             </a:r>
             <a:r>
-              <a:rPr lang="en-US" sz="1600" dirty="0" err="1"/>
+              <a:rPr lang="en-US" sz="1600" dirty="0" err="1">
+                <a:solidFill>
+                  <a:srgbClr val="002060"/>
+                </a:solidFill>
+              </a:rPr>
               <a:t>conda</a:t>
             </a:r>
             <a:r>
-              <a:rPr lang="en-US" sz="1600" dirty="0"/>
+              <a:rPr lang="en-US" sz="1600" dirty="0">
+                <a:solidFill>
+                  <a:srgbClr val="002060"/>
+                </a:solidFill>
+              </a:rPr>
               <a:t>`</a:t>
             </a:r>
           </a:p>
@@ -17651,7 +18444,11 @@
           </a:p>
           <a:p>
             <a:r>
-              <a:rPr lang="en-US" sz="1600" dirty="0"/>
+              <a:rPr lang="en-US" sz="1600" dirty="0">
+                <a:solidFill>
+                  <a:srgbClr val="002060"/>
+                </a:solidFill>
+              </a:rPr>
               <a:t>PowerShell (Windows), iTerm2(Mac OS), …</a:t>
             </a:r>
           </a:p>
@@ -17695,7 +18492,11 @@
           </a:p>
           <a:p>
             <a:r>
-              <a:rPr lang="en-US" sz="1600" dirty="0"/>
+              <a:rPr lang="en-US" sz="1600" dirty="0">
+                <a:solidFill>
+                  <a:srgbClr val="002060"/>
+                </a:solidFill>
+              </a:rPr>
               <a:t>Installing via: Python installer, Anaconda distributions</a:t>
             </a:r>
           </a:p>
@@ -18305,11 +19106,19 @@
           </a:p>
           <a:p>
             <a:r>
-              <a:rPr lang="en-US" sz="1600" dirty="0" err="1"/>
+              <a:rPr lang="en-US" sz="1600" dirty="0" err="1">
+                <a:solidFill>
+                  <a:srgbClr val="002060"/>
+                </a:solidFill>
+              </a:rPr>
               <a:t>Pypi</a:t>
             </a:r>
             <a:r>
-              <a:rPr lang="en-US" sz="1600" dirty="0"/>
+              <a:rPr lang="en-US" sz="1600" dirty="0">
+                <a:solidFill>
+                  <a:srgbClr val="002060"/>
+                </a:solidFill>
+              </a:rPr>
               <a:t>, Anaconda</a:t>
             </a:r>
           </a:p>
@@ -18459,7 +19268,7 @@
             <a:r>
               <a:rPr lang="en-US" dirty="0">
                 <a:solidFill>
-                  <a:srgbClr val="195979"/>
+                  <a:srgbClr val="002060"/>
                 </a:solidFill>
                 <a:ea typeface="Aptos" panose="020B0004020202020204" pitchFamily="34" charset="0"/>
                 <a:cs typeface="Times New Roman" panose="02020603050405020304" pitchFamily="18" charset="0"/>
@@ -18469,7 +19278,7 @@
             <a:r>
               <a:rPr lang="en-US" sz="1800" dirty="0">
                 <a:solidFill>
-                  <a:srgbClr val="195979"/>
+                  <a:srgbClr val="002060"/>
                 </a:solidFill>
                 <a:effectLst/>
                 <a:ea typeface="Aptos" panose="020B0004020202020204" pitchFamily="34" charset="0"/>
@@ -18486,7 +19295,7 @@
             <a:r>
               <a:rPr lang="en-US" dirty="0">
                 <a:solidFill>
-                  <a:srgbClr val="195979"/>
+                  <a:srgbClr val="002060"/>
                 </a:solidFill>
                 <a:ea typeface="Aptos" panose="020B0004020202020204" pitchFamily="34" charset="0"/>
                 <a:cs typeface="Times New Roman" panose="02020603050405020304" pitchFamily="18" charset="0"/>
@@ -18496,7 +19305,7 @@
             <a:r>
               <a:rPr lang="en-US" dirty="0">
                 <a:solidFill>
-                  <a:srgbClr val="195979"/>
+                  <a:srgbClr val="002060"/>
                 </a:solidFill>
                 <a:effectLst/>
                 <a:ea typeface="Aptos" panose="020B0004020202020204" pitchFamily="34" charset="0"/>
@@ -18513,7 +19322,7 @@
             <a:r>
               <a:rPr lang="en-US" dirty="0">
                 <a:solidFill>
-                  <a:srgbClr val="195979"/>
+                  <a:srgbClr val="002060"/>
                 </a:solidFill>
                 <a:effectLst/>
                 <a:ea typeface="Aptos" panose="020B0004020202020204" pitchFamily="34" charset="0"/>
@@ -18530,7 +19339,7 @@
             <a:r>
               <a:rPr lang="en-US" dirty="0">
                 <a:solidFill>
-                  <a:srgbClr val="195979"/>
+                  <a:srgbClr val="002060"/>
                 </a:solidFill>
                 <a:effectLst/>
                 <a:ea typeface="Aptos" panose="020B0004020202020204" pitchFamily="34" charset="0"/>
@@ -18547,7 +19356,7 @@
             <a:r>
               <a:rPr lang="en-US" dirty="0">
                 <a:solidFill>
-                  <a:srgbClr val="195979"/>
+                  <a:srgbClr val="002060"/>
                 </a:solidFill>
                 <a:ea typeface="Aptos" panose="020B0004020202020204" pitchFamily="34" charset="0"/>
                 <a:cs typeface="Times New Roman" panose="02020603050405020304" pitchFamily="18" charset="0"/>
@@ -18557,7 +19366,7 @@
             <a:r>
               <a:rPr lang="en-US" dirty="0" err="1">
                 <a:solidFill>
-                  <a:srgbClr val="195979"/>
+                  <a:srgbClr val="002060"/>
                 </a:solidFill>
                 <a:ea typeface="Aptos" panose="020B0004020202020204" pitchFamily="34" charset="0"/>
                 <a:cs typeface="Times New Roman" panose="02020603050405020304" pitchFamily="18" charset="0"/>
@@ -18566,7 +19375,7 @@
             </a:r>
             <a:endParaRPr lang="en-US" dirty="0">
               <a:solidFill>
-                <a:srgbClr val="195979"/>
+                <a:srgbClr val="002060"/>
               </a:solidFill>
               <a:effectLst/>
               <a:ea typeface="Aptos" panose="020B0004020202020204" pitchFamily="34" charset="0"/>
@@ -18907,533 +19716,99 @@
 </p:sld>
 </file>
 
-<file path=ppt/slides/slide8.xml><?xml version="1.0" encoding="utf-8"?>
-<p:sld xmlns:a="http://schemas.openxmlformats.org/drawingml/2006/main" xmlns:r="http://schemas.openxmlformats.org/officeDocument/2006/relationships" xmlns:p="http://schemas.openxmlformats.org/presentationml/2006/main">
-  <p:cSld>
-    <p:spTree>
-      <p:nvGrpSpPr>
-        <p:cNvPr id="1" name=""/>
-        <p:cNvGrpSpPr/>
-        <p:nvPr/>
-      </p:nvGrpSpPr>
-      <p:grpSpPr>
-        <a:xfrm>
-          <a:off x="0" y="0"/>
-          <a:ext cx="0" cy="0"/>
-          <a:chOff x="0" y="0"/>
-          <a:chExt cx="0" cy="0"/>
-        </a:xfrm>
-      </p:grpSpPr>
-      <p:sp>
-        <p:nvSpPr>
-          <p:cNvPr id="2" name="Title 1">
-            <a:extLst>
-              <a:ext uri="{FF2B5EF4-FFF2-40B4-BE49-F238E27FC236}">
-                <a16:creationId xmlns:a16="http://schemas.microsoft.com/office/drawing/2014/main" id="{8BD65AA8-7D61-E5D9-B0FF-C8D74CDBA29D}"/>
-              </a:ext>
-            </a:extLst>
-          </p:cNvPr>
-          <p:cNvSpPr>
-            <a:spLocks noGrp="1"/>
-          </p:cNvSpPr>
-          <p:nvPr>
-            <p:ph type="title"/>
-          </p:nvPr>
-        </p:nvSpPr>
-        <p:spPr/>
-        <p:txBody>
-          <a:bodyPr/>
-          <a:lstStyle/>
-          <a:p>
-            <a:r>
-              <a:rPr lang="en-US" dirty="0"/>
-              <a:t>Integrated Development Environment (IDE)</a:t>
-            </a:r>
-          </a:p>
-        </p:txBody>
-      </p:sp>
-      <p:sp>
-        <p:nvSpPr>
-          <p:cNvPr id="3" name="Text Placeholder 2">
-            <a:extLst>
-              <a:ext uri="{FF2B5EF4-FFF2-40B4-BE49-F238E27FC236}">
-                <a16:creationId xmlns:a16="http://schemas.microsoft.com/office/drawing/2014/main" id="{F256532B-9CAE-09F6-A539-8A6658897BF1}"/>
-              </a:ext>
-            </a:extLst>
-          </p:cNvPr>
-          <p:cNvSpPr>
-            <a:spLocks noGrp="1"/>
-          </p:cNvSpPr>
-          <p:nvPr>
-            <p:ph type="body" idx="1"/>
-          </p:nvPr>
-        </p:nvSpPr>
-        <p:spPr/>
-        <p:txBody>
-          <a:bodyPr/>
-          <a:lstStyle/>
-          <a:p>
-            <a:endParaRPr lang="en-US"/>
-          </a:p>
-        </p:txBody>
-      </p:sp>
-    </p:spTree>
-    <p:extLst>
-      <p:ext uri="{BB962C8B-B14F-4D97-AF65-F5344CB8AC3E}">
-        <p14:creationId xmlns:p14="http://schemas.microsoft.com/office/powerpoint/2010/main" val="478624437"/>
-      </p:ext>
-    </p:extLst>
-  </p:cSld>
-  <p:clrMapOvr>
-    <a:masterClrMapping/>
-  </p:clrMapOvr>
-</p:sld>
+<file path=ppt/tags/tag1.xml><?xml version="1.0" encoding="utf-8"?>
+<p:tagLst xmlns:a="http://schemas.openxmlformats.org/drawingml/2006/main" xmlns:r="http://schemas.openxmlformats.org/officeDocument/2006/relationships" xmlns:p="http://schemas.openxmlformats.org/presentationml/2006/main">
+  <p:tag name="POWER_USER_DIAGRAM_RELATIONSHIP_CIRCLES_KEY" val="POWER_USER_DIAGRAM_RELATIONSHIP_CIRCLES_VALUE_3"/>
+</p:tagLst>
 </file>
 
-<file path=ppt/slides/slide9.xml><?xml version="1.0" encoding="utf-8"?>
-<p:sld xmlns:a="http://schemas.openxmlformats.org/drawingml/2006/main" xmlns:r="http://schemas.openxmlformats.org/officeDocument/2006/relationships" xmlns:p="http://schemas.openxmlformats.org/presentationml/2006/main">
-  <p:cSld>
-    <p:spTree>
-      <p:nvGrpSpPr>
-        <p:cNvPr id="1" name=""/>
-        <p:cNvGrpSpPr/>
-        <p:nvPr/>
-      </p:nvGrpSpPr>
-      <p:grpSpPr>
-        <a:xfrm>
-          <a:off x="0" y="0"/>
-          <a:ext cx="0" cy="0"/>
-          <a:chOff x="0" y="0"/>
-          <a:chExt cx="0" cy="0"/>
-        </a:xfrm>
-      </p:grpSpPr>
-      <p:sp>
-        <p:nvSpPr>
-          <p:cNvPr id="2" name="Title 1">
-            <a:extLst>
-              <a:ext uri="{FF2B5EF4-FFF2-40B4-BE49-F238E27FC236}">
-                <a16:creationId xmlns:a16="http://schemas.microsoft.com/office/drawing/2014/main" id="{8401D478-8C57-ABE3-DC5E-39CFCF0F2D16}"/>
-              </a:ext>
-            </a:extLst>
-          </p:cNvPr>
-          <p:cNvSpPr>
-            <a:spLocks noGrp="1"/>
-          </p:cNvSpPr>
-          <p:nvPr>
-            <p:ph type="title"/>
-          </p:nvPr>
-        </p:nvSpPr>
-        <p:spPr/>
-        <p:txBody>
-          <a:bodyPr/>
-          <a:lstStyle/>
-          <a:p>
-            <a:r>
-              <a:rPr lang="en-US" dirty="0"/>
-              <a:t>IDE</a:t>
-            </a:r>
-          </a:p>
-        </p:txBody>
-      </p:sp>
-      <p:sp>
-        <p:nvSpPr>
-          <p:cNvPr id="3" name="Content Placeholder 2">
-            <a:extLst>
-              <a:ext uri="{FF2B5EF4-FFF2-40B4-BE49-F238E27FC236}">
-                <a16:creationId xmlns:a16="http://schemas.microsoft.com/office/drawing/2014/main" id="{867C1927-421E-EB40-3247-418367614E2A}"/>
-              </a:ext>
-            </a:extLst>
-          </p:cNvPr>
-          <p:cNvSpPr>
-            <a:spLocks noGrp="1"/>
-          </p:cNvSpPr>
-          <p:nvPr>
-            <p:ph idx="1"/>
-          </p:nvPr>
-        </p:nvSpPr>
-        <p:spPr>
-          <a:xfrm>
-            <a:off x="838200" y="1825624"/>
-            <a:ext cx="10515600" cy="4919421"/>
-          </a:xfrm>
-        </p:spPr>
-        <p:txBody>
-          <a:bodyPr>
-            <a:normAutofit/>
-          </a:bodyPr>
-          <a:lstStyle/>
-          <a:p>
-            <a:pPr>
-              <a:buFont typeface="Arial" panose="020B0604020202020204" pitchFamily="34" charset="0"/>
-              <a:buChar char="•"/>
-            </a:pPr>
-            <a:r>
-              <a:rPr lang="en-US" b="1" dirty="0"/>
-              <a:t>VS Code (</a:t>
-            </a:r>
-            <a:r>
-              <a:rPr lang="en-US" b="1" dirty="0">
-                <a:hlinkClick r:id="rId2"/>
-              </a:rPr>
-              <a:t>https://code.visualstudio.com/download</a:t>
-            </a:r>
-            <a:r>
-              <a:rPr lang="en-US" b="1" dirty="0"/>
-              <a:t>)</a:t>
-            </a:r>
-          </a:p>
-        </p:txBody>
-      </p:sp>
-      <p:pic>
-        <p:nvPicPr>
-          <p:cNvPr id="5" name="Picture 4">
-            <a:extLst>
-              <a:ext uri="{FF2B5EF4-FFF2-40B4-BE49-F238E27FC236}">
-                <a16:creationId xmlns:a16="http://schemas.microsoft.com/office/drawing/2014/main" id="{CDBF059D-0948-4B50-CD90-E3694E81ABB5}"/>
-              </a:ext>
-            </a:extLst>
-          </p:cNvPr>
-          <p:cNvPicPr>
-            <a:picLocks noChangeAspect="1"/>
-          </p:cNvPicPr>
-          <p:nvPr/>
-        </p:nvPicPr>
-        <p:blipFill>
-          <a:blip r:embed="rId3"/>
-          <a:stretch>
-            <a:fillRect/>
-          </a:stretch>
-        </p:blipFill>
-        <p:spPr>
-          <a:xfrm>
-            <a:off x="3945526" y="2440523"/>
-            <a:ext cx="7675478" cy="3936849"/>
-          </a:xfrm>
-          <a:prstGeom prst="rect">
-            <a:avLst/>
-          </a:prstGeom>
-        </p:spPr>
-      </p:pic>
-      <p:pic>
-        <p:nvPicPr>
-          <p:cNvPr id="2052" name="Picture 4" descr="Visual Studio Code - Code Editing. Redefined">
-            <a:extLst>
-              <a:ext uri="{FF2B5EF4-FFF2-40B4-BE49-F238E27FC236}">
-                <a16:creationId xmlns:a16="http://schemas.microsoft.com/office/drawing/2014/main" id="{CDD89093-E484-4A54-D43A-C70E763D7C68}"/>
-              </a:ext>
-            </a:extLst>
-          </p:cNvPr>
-          <p:cNvPicPr>
-            <a:picLocks noChangeAspect="1" noChangeArrowheads="1"/>
-          </p:cNvPicPr>
-          <p:nvPr/>
-        </p:nvPicPr>
-        <p:blipFill>
-          <a:blip r:embed="rId4">
-            <a:extLst>
-              <a:ext uri="{28A0092B-C50C-407E-A947-70E740481C1C}">
-                <a14:useLocalDpi xmlns:a14="http://schemas.microsoft.com/office/drawing/2010/main" val="0"/>
-              </a:ext>
-            </a:extLst>
-          </a:blip>
-          <a:srcRect/>
-          <a:stretch>
-            <a:fillRect/>
-          </a:stretch>
-        </p:blipFill>
-        <p:spPr bwMode="auto">
-          <a:xfrm>
-            <a:off x="300789" y="3597441"/>
-            <a:ext cx="5054534" cy="2527267"/>
-          </a:xfrm>
-          <a:prstGeom prst="rect">
-            <a:avLst/>
-          </a:prstGeom>
-          <a:noFill/>
-          <a:extLst>
-            <a:ext uri="{909E8E84-426E-40DD-AFC4-6F175D3DCCD1}">
-              <a14:hiddenFill xmlns:a14="http://schemas.microsoft.com/office/drawing/2010/main">
-                <a:solidFill>
-                  <a:srgbClr val="FFFFFF"/>
-                </a:solidFill>
-              </a14:hiddenFill>
-            </a:ext>
-          </a:extLst>
-        </p:spPr>
-      </p:pic>
-    </p:spTree>
-    <p:extLst>
-      <p:ext uri="{BB962C8B-B14F-4D97-AF65-F5344CB8AC3E}">
-        <p14:creationId xmlns:p14="http://schemas.microsoft.com/office/powerpoint/2010/main" val="339200739"/>
-      </p:ext>
-    </p:extLst>
-  </p:cSld>
-  <p:clrMapOvr>
-    <a:masterClrMapping/>
-  </p:clrMapOvr>
-  <p:timing>
-    <p:tnLst>
-      <p:par>
-        <p:cTn id="1" dur="indefinite" restart="never" nodeType="tmRoot">
-          <p:childTnLst>
-            <p:seq concurrent="1" nextAc="seek">
-              <p:cTn id="2" dur="indefinite" nodeType="mainSeq">
-                <p:childTnLst>
-                  <p:par>
-                    <p:cTn id="3" fill="hold">
-                      <p:stCondLst>
-                        <p:cond delay="indefinite"/>
-                      </p:stCondLst>
-                      <p:childTnLst>
-                        <p:par>
-                          <p:cTn id="4" fill="hold">
-                            <p:stCondLst>
-                              <p:cond delay="0"/>
-                            </p:stCondLst>
-                            <p:childTnLst>
-                              <p:par>
-                                <p:cTn id="5" presetID="10" presetClass="entr" presetSubtype="0" fill="hold" nodeType="clickEffect">
-                                  <p:stCondLst>
-                                    <p:cond delay="0"/>
-                                  </p:stCondLst>
-                                  <p:childTnLst>
-                                    <p:set>
-                                      <p:cBhvr>
-                                        <p:cTn id="6" dur="1" fill="hold">
-                                          <p:stCondLst>
-                                            <p:cond delay="0"/>
-                                          </p:stCondLst>
-                                        </p:cTn>
-                                        <p:tgtEl>
-                                          <p:spTgt spid="3">
-                                            <p:txEl>
-                                              <p:pRg st="0" end="0"/>
-                                            </p:txEl>
-                                          </p:spTgt>
-                                        </p:tgtEl>
-                                        <p:attrNameLst>
-                                          <p:attrName>style.visibility</p:attrName>
-                                        </p:attrNameLst>
-                                      </p:cBhvr>
-                                      <p:to>
-                                        <p:strVal val="visible"/>
-                                      </p:to>
-                                    </p:set>
-                                    <p:animEffect transition="in" filter="fade">
-                                      <p:cBhvr>
-                                        <p:cTn id="7" dur="500"/>
-                                        <p:tgtEl>
-                                          <p:spTgt spid="3">
-                                            <p:txEl>
-                                              <p:pRg st="0" end="0"/>
-                                            </p:txEl>
-                                          </p:spTgt>
-                                        </p:tgtEl>
-                                      </p:cBhvr>
-                                    </p:animEffect>
-                                  </p:childTnLst>
-                                </p:cTn>
-                              </p:par>
-                            </p:childTnLst>
-                          </p:cTn>
-                        </p:par>
-                      </p:childTnLst>
-                    </p:cTn>
-                  </p:par>
-                  <p:par>
-                    <p:cTn id="8" fill="hold">
-                      <p:stCondLst>
-                        <p:cond delay="indefinite"/>
-                      </p:stCondLst>
-                      <p:childTnLst>
-                        <p:par>
-                          <p:cTn id="9" fill="hold">
-                            <p:stCondLst>
-                              <p:cond delay="0"/>
-                            </p:stCondLst>
-                            <p:childTnLst>
-                              <p:par>
-                                <p:cTn id="10" presetID="10" presetClass="entr" presetSubtype="0" fill="hold" nodeType="clickEffect">
-                                  <p:stCondLst>
-                                    <p:cond delay="0"/>
-                                  </p:stCondLst>
-                                  <p:childTnLst>
-                                    <p:set>
-                                      <p:cBhvr>
-                                        <p:cTn id="11" dur="1" fill="hold">
-                                          <p:stCondLst>
-                                            <p:cond delay="0"/>
-                                          </p:stCondLst>
-                                        </p:cTn>
-                                        <p:tgtEl>
-                                          <p:spTgt spid="5"/>
-                                        </p:tgtEl>
-                                        <p:attrNameLst>
-                                          <p:attrName>style.visibility</p:attrName>
-                                        </p:attrNameLst>
-                                      </p:cBhvr>
-                                      <p:to>
-                                        <p:strVal val="visible"/>
-                                      </p:to>
-                                    </p:set>
-                                    <p:animEffect transition="in" filter="fade">
-                                      <p:cBhvr>
-                                        <p:cTn id="12" dur="500"/>
-                                        <p:tgtEl>
-                                          <p:spTgt spid="5"/>
-                                        </p:tgtEl>
-                                      </p:cBhvr>
-                                    </p:animEffect>
-                                  </p:childTnLst>
-                                </p:cTn>
-                              </p:par>
-                            </p:childTnLst>
-                          </p:cTn>
-                        </p:par>
-                      </p:childTnLst>
-                    </p:cTn>
-                  </p:par>
-                  <p:par>
-                    <p:cTn id="13" fill="hold">
-                      <p:stCondLst>
-                        <p:cond delay="indefinite"/>
-                      </p:stCondLst>
-                      <p:childTnLst>
-                        <p:par>
-                          <p:cTn id="14" fill="hold">
-                            <p:stCondLst>
-                              <p:cond delay="0"/>
-                            </p:stCondLst>
-                            <p:childTnLst>
-                              <p:par>
-                                <p:cTn id="15" presetID="10" presetClass="entr" presetSubtype="0" fill="hold" nodeType="clickEffect">
-                                  <p:stCondLst>
-                                    <p:cond delay="0"/>
-                                  </p:stCondLst>
-                                  <p:childTnLst>
-                                    <p:set>
-                                      <p:cBhvr>
-                                        <p:cTn id="16" dur="1" fill="hold">
-                                          <p:stCondLst>
-                                            <p:cond delay="0"/>
-                                          </p:stCondLst>
-                                        </p:cTn>
-                                        <p:tgtEl>
-                                          <p:spTgt spid="2052"/>
-                                        </p:tgtEl>
-                                        <p:attrNameLst>
-                                          <p:attrName>style.visibility</p:attrName>
-                                        </p:attrNameLst>
-                                      </p:cBhvr>
-                                      <p:to>
-                                        <p:strVal val="visible"/>
-                                      </p:to>
-                                    </p:set>
-                                    <p:animEffect transition="in" filter="fade">
-                                      <p:cBhvr>
-                                        <p:cTn id="17" dur="500"/>
-                                        <p:tgtEl>
-                                          <p:spTgt spid="2052"/>
-                                        </p:tgtEl>
-                                      </p:cBhvr>
-                                    </p:animEffect>
-                                  </p:childTnLst>
-                                </p:cTn>
-                              </p:par>
-                            </p:childTnLst>
-                          </p:cTn>
-                        </p:par>
-                      </p:childTnLst>
-                    </p:cTn>
-                  </p:par>
-                </p:childTnLst>
-              </p:cTn>
-              <p:prevCondLst>
-                <p:cond evt="onPrev" delay="0">
-                  <p:tgtEl>
-                    <p:sldTgt/>
-                  </p:tgtEl>
-                </p:cond>
-              </p:prevCondLst>
-              <p:nextCondLst>
-                <p:cond evt="onNext" delay="0">
-                  <p:tgtEl>
-                    <p:sldTgt/>
-                  </p:tgtEl>
-                </p:cond>
-              </p:nextCondLst>
-            </p:seq>
-          </p:childTnLst>
-        </p:cTn>
-      </p:par>
-    </p:tnLst>
-  </p:timing>
-</p:sld>
+<file path=ppt/tags/tag10.xml><?xml version="1.0" encoding="utf-8"?>
+<p:tagLst xmlns:a="http://schemas.openxmlformats.org/drawingml/2006/main" xmlns:r="http://schemas.openxmlformats.org/officeDocument/2006/relationships" xmlns:p="http://schemas.openxmlformats.org/presentationml/2006/main">
+  <p:tag name="POWER_USER_DIAGRAM_RELATIONSHIP_CIRCLES_KEY" val="POWER_USER_DIAGRAM_RELATIONSHIP_CIRCLES_VALUE_6"/>
+</p:tagLst>
 </file>
 
-<file path=ppt/tags/tag1.xml><?xml version="1.0" encoding="utf-8"?>
+<file path=ppt/tags/tag11.xml><?xml version="1.0" encoding="utf-8"?>
 <p:tagLst xmlns:a="http://schemas.openxmlformats.org/drawingml/2006/main" xmlns:r="http://schemas.openxmlformats.org/officeDocument/2006/relationships" xmlns:p="http://schemas.openxmlformats.org/presentationml/2006/main">
   <p:tag name="POWER_USER_DIAGRAM_RELATIONSHIP_CIRCLES_KEY" val="POWER_USER_DIAGRAM_RELATIONSHIP_CIRCLES_VALUE_7"/>
 </p:tagLst>
 </file>
 
-<file path=ppt/tags/tag10.xml><?xml version="1.0" encoding="utf-8"?>
+<file path=ppt/tags/tag12.xml><?xml version="1.0" encoding="utf-8"?>
+<p:tagLst xmlns:a="http://schemas.openxmlformats.org/drawingml/2006/main" xmlns:r="http://schemas.openxmlformats.org/officeDocument/2006/relationships" xmlns:p="http://schemas.openxmlformats.org/presentationml/2006/main">
+  <p:tag name="POWER_USER_DIAGRAM_RELATIONSHIP_CIRCLES_KEY" val="POWER_USER_DIAGRAM_RELATIONSHIP_CIRCLES_VALUE_3"/>
+</p:tagLst>
+</file>
+
+<file path=ppt/tags/tag13.xml><?xml version="1.0" encoding="utf-8"?>
+<p:tagLst xmlns:a="http://schemas.openxmlformats.org/drawingml/2006/main" xmlns:r="http://schemas.openxmlformats.org/officeDocument/2006/relationships" xmlns:p="http://schemas.openxmlformats.org/presentationml/2006/main">
+  <p:tag name="POWER_USER_DIAGRAM_RELATIONSHIP_CIRCLES_KEY" val="POWER_USER_DIAGRAM_RELATIONSHIP_CIRCLES_VALUE_4"/>
+</p:tagLst>
+</file>
+
+<file path=ppt/tags/tag14.xml><?xml version="1.0" encoding="utf-8"?>
+<p:tagLst xmlns:a="http://schemas.openxmlformats.org/drawingml/2006/main" xmlns:r="http://schemas.openxmlformats.org/officeDocument/2006/relationships" xmlns:p="http://schemas.openxmlformats.org/presentationml/2006/main">
+  <p:tag name="POWER_USER_DIAGRAM_RELATIONSHIP_CIRCLES_KEY" val="POWER_USER_DIAGRAM_RELATIONSHIP_CIRCLES_VALUE_6"/>
+</p:tagLst>
+</file>
+
+<file path=ppt/tags/tag15.xml><?xml version="1.0" encoding="utf-8"?>
 <p:tagLst xmlns:a="http://schemas.openxmlformats.org/drawingml/2006/main" xmlns:r="http://schemas.openxmlformats.org/officeDocument/2006/relationships" xmlns:p="http://schemas.openxmlformats.org/presentationml/2006/main">
   <p:tag name="POWER_USER_DIAGRAM_RELATIONSHIP_CIRCLES_KEY" val="POWER_USER_DIAGRAM_RELATIONSHIP_CIRCLES_VALUE_7"/>
 </p:tagLst>
 </file>
 
-<file path=ppt/tags/tag11.xml><?xml version="1.0" encoding="utf-8"?>
+<file path=ppt/tags/tag16.xml><?xml version="1.0" encoding="utf-8"?>
 <p:tagLst xmlns:a="http://schemas.openxmlformats.org/drawingml/2006/main" xmlns:r="http://schemas.openxmlformats.org/officeDocument/2006/relationships" xmlns:p="http://schemas.openxmlformats.org/presentationml/2006/main">
   <p:tag name="POWER_USER_DIAGRAM_RELATIONSHIP_CIRCLES_KEY" val="POWER_USER_DIAGRAM_RELATIONSHIP_CIRCLES_VALUE_3"/>
 </p:tagLst>
 </file>
 
-<file path=ppt/tags/tag12.xml><?xml version="1.0" encoding="utf-8"?>
+<file path=ppt/tags/tag17.xml><?xml version="1.0" encoding="utf-8"?>
 <p:tagLst xmlns:a="http://schemas.openxmlformats.org/drawingml/2006/main" xmlns:r="http://schemas.openxmlformats.org/officeDocument/2006/relationships" xmlns:p="http://schemas.openxmlformats.org/presentationml/2006/main">
   <p:tag name="POWER_USER_DIAGRAM_RELATIONSHIP_CIRCLES_KEY" val="POWER_USER_DIAGRAM_RELATIONSHIP_CIRCLES_VALUE_4"/>
 </p:tagLst>
 </file>
 
-<file path=ppt/tags/tag13.xml><?xml version="1.0" encoding="utf-8"?>
+<file path=ppt/tags/tag18.xml><?xml version="1.0" encoding="utf-8"?>
 <p:tagLst xmlns:a="http://schemas.openxmlformats.org/drawingml/2006/main" xmlns:r="http://schemas.openxmlformats.org/officeDocument/2006/relationships" xmlns:p="http://schemas.openxmlformats.org/presentationml/2006/main">
   <p:tag name="POWER_USER_DIAGRAM_RELATIONSHIP_CIRCLES_KEY" val="POWER_USER_DIAGRAM_RELATIONSHIP_CIRCLES_VALUE_6"/>
 </p:tagLst>
 </file>
 
-<file path=ppt/tags/tag14.xml><?xml version="1.0" encoding="utf-8"?>
+<file path=ppt/tags/tag19.xml><?xml version="1.0" encoding="utf-8"?>
 <p:tagLst xmlns:a="http://schemas.openxmlformats.org/drawingml/2006/main" xmlns:r="http://schemas.openxmlformats.org/officeDocument/2006/relationships" xmlns:p="http://schemas.openxmlformats.org/presentationml/2006/main">
   <p:tag name="POWER_USER_DIAGRAM_RELATIONSHIP_CIRCLES_KEY" val="POWER_USER_DIAGRAM_RELATIONSHIP_CIRCLES_VALUE_7"/>
 </p:tagLst>
 </file>
 
-<file path=ppt/tags/tag15.xml><?xml version="1.0" encoding="utf-8"?>
+<file path=ppt/tags/tag2.xml><?xml version="1.0" encoding="utf-8"?>
+<p:tagLst xmlns:a="http://schemas.openxmlformats.org/drawingml/2006/main" xmlns:r="http://schemas.openxmlformats.org/officeDocument/2006/relationships" xmlns:p="http://schemas.openxmlformats.org/presentationml/2006/main">
+  <p:tag name="POWER_USER_DIAGRAM_RELATIONSHIP_CIRCLES_KEY" val="POWER_USER_DIAGRAM_RELATIONSHIP_CIRCLES_VALUE_4"/>
+</p:tagLst>
+</file>
+
+<file path=ppt/tags/tag20.xml><?xml version="1.0" encoding="utf-8"?>
 <p:tagLst xmlns:a="http://schemas.openxmlformats.org/drawingml/2006/main" xmlns:r="http://schemas.openxmlformats.org/officeDocument/2006/relationships" xmlns:p="http://schemas.openxmlformats.org/presentationml/2006/main">
   <p:tag name="POWER_USER_DIAGRAM_RELATIONSHIP_CIRCLES_KEY" val="POWER_USER_DIAGRAM_RELATIONSHIP_CIRCLES_VALUE_3"/>
 </p:tagLst>
 </file>
 
-<file path=ppt/tags/tag2.xml><?xml version="1.0" encoding="utf-8"?>
+<file path=ppt/tags/tag3.xml><?xml version="1.0" encoding="utf-8"?>
 <p:tagLst xmlns:a="http://schemas.openxmlformats.org/drawingml/2006/main" xmlns:r="http://schemas.openxmlformats.org/officeDocument/2006/relationships" xmlns:p="http://schemas.openxmlformats.org/presentationml/2006/main">
   <p:tag name="POWER_USER_DIAGRAM_RELATIONSHIP_CIRCLES_KEY" val="POWER_USER_DIAGRAM_RELATIONSHIP_CIRCLES_VALUE_6"/>
 </p:tagLst>
 </file>
 
-<file path=ppt/tags/tag3.xml><?xml version="1.0" encoding="utf-8"?>
+<file path=ppt/tags/tag4.xml><?xml version="1.0" encoding="utf-8"?>
 <p:tagLst xmlns:a="http://schemas.openxmlformats.org/drawingml/2006/main" xmlns:r="http://schemas.openxmlformats.org/officeDocument/2006/relationships" xmlns:p="http://schemas.openxmlformats.org/presentationml/2006/main">
   <p:tag name="POWER_USER_DIAGRAM_RELATIONSHIP_CIRCLES_KEY" val="POWER_USER_DIAGRAM_RELATIONSHIP_CIRCLES_VALUE_7"/>
 </p:tagLst>
 </file>
 
-<file path=ppt/tags/tag4.xml><?xml version="1.0" encoding="utf-8"?>
-<p:tagLst xmlns:a="http://schemas.openxmlformats.org/drawingml/2006/main" xmlns:r="http://schemas.openxmlformats.org/officeDocument/2006/relationships" xmlns:p="http://schemas.openxmlformats.org/presentationml/2006/main">
-  <p:tag name="POWER_USER_DIAGRAM_RELATIONSHIP_CIRCLES_KEY" val="POWER_USER_DIAGRAM_RELATIONSHIP_CIRCLES_VALUE_4"/>
-</p:tagLst>
-</file>
-
 <file path=ppt/tags/tag5.xml><?xml version="1.0" encoding="utf-8"?>
 <p:tagLst xmlns:a="http://schemas.openxmlformats.org/drawingml/2006/main" xmlns:r="http://schemas.openxmlformats.org/officeDocument/2006/relationships" xmlns:p="http://schemas.openxmlformats.org/presentationml/2006/main">
-  <p:tag name="POWER_USER_DIAGRAM_RELATIONSHIP_CIRCLES_KEY" val="POWER_USER_DIAGRAM_RELATIONSHIP_CIRCLES_VALUE_6"/>
+  <p:tag name="POWER_USER_DIAGRAM_RELATIONSHIP_CIRCLES_KEY" val="POWER_USER_DIAGRAM_RELATIONSHIP_CIRCLES_VALUE_3"/>
 </p:tagLst>
 </file>
 
@@ -19445,19 +19820,19 @@
 
 <file path=ppt/tags/tag7.xml><?xml version="1.0" encoding="utf-8"?>
 <p:tagLst xmlns:a="http://schemas.openxmlformats.org/drawingml/2006/main" xmlns:r="http://schemas.openxmlformats.org/officeDocument/2006/relationships" xmlns:p="http://schemas.openxmlformats.org/presentationml/2006/main">
-  <p:tag name="POWER_USER_DIAGRAM_RELATIONSHIP_CIRCLES_KEY" val="POWER_USER_DIAGRAM_RELATIONSHIP_CIRCLES_VALUE_3"/>
+  <p:tag name="POWER_USER_DIAGRAM_RELATIONSHIP_CIRCLES_KEY" val="POWER_USER_DIAGRAM_RELATIONSHIP_CIRCLES_VALUE_6"/>
 </p:tagLst>
 </file>
 
 <file path=ppt/tags/tag8.xml><?xml version="1.0" encoding="utf-8"?>
 <p:tagLst xmlns:a="http://schemas.openxmlformats.org/drawingml/2006/main" xmlns:r="http://schemas.openxmlformats.org/officeDocument/2006/relationships" xmlns:p="http://schemas.openxmlformats.org/presentationml/2006/main">
-  <p:tag name="POWER_USER_DIAGRAM_RELATIONSHIP_CIRCLES_KEY" val="POWER_USER_DIAGRAM_RELATIONSHIP_CIRCLES_VALUE_4"/>
+  <p:tag name="POWER_USER_DIAGRAM_RELATIONSHIP_CIRCLES_KEY" val="POWER_USER_DIAGRAM_RELATIONSHIP_CIRCLES_VALUE_7"/>
 </p:tagLst>
 </file>
 
 <file path=ppt/tags/tag9.xml><?xml version="1.0" encoding="utf-8"?>
 <p:tagLst xmlns:a="http://schemas.openxmlformats.org/drawingml/2006/main" xmlns:r="http://schemas.openxmlformats.org/officeDocument/2006/relationships" xmlns:p="http://schemas.openxmlformats.org/presentationml/2006/main">
-  <p:tag name="POWER_USER_DIAGRAM_RELATIONSHIP_CIRCLES_KEY" val="POWER_USER_DIAGRAM_RELATIONSHIP_CIRCLES_VALUE_6"/>
+  <p:tag name="POWER_USER_DIAGRAM_RELATIONSHIP_CIRCLES_KEY" val="POWER_USER_DIAGRAM_RELATIONSHIP_CIRCLES_VALUE_4"/>
 </p:tagLst>
 </file>
 
